--- a/QC Coders - Git Good!.pptx
+++ b/QC Coders - Git Good!.pptx
@@ -7,13 +7,26 @@
   <p:sldIdLst>
     <p:sldId id="256" r:id="rId2"/>
     <p:sldId id="258" r:id="rId3"/>
-    <p:sldId id="265" r:id="rId4"/>
-    <p:sldId id="270" r:id="rId5"/>
-    <p:sldId id="269" r:id="rId6"/>
-    <p:sldId id="266" r:id="rId7"/>
-    <p:sldId id="267" r:id="rId8"/>
-    <p:sldId id="264" r:id="rId9"/>
-    <p:sldId id="263" r:id="rId10"/>
+    <p:sldId id="269" r:id="rId4"/>
+    <p:sldId id="266" r:id="rId5"/>
+    <p:sldId id="267" r:id="rId6"/>
+    <p:sldId id="271" r:id="rId7"/>
+    <p:sldId id="274" r:id="rId8"/>
+    <p:sldId id="272" r:id="rId9"/>
+    <p:sldId id="273" r:id="rId10"/>
+    <p:sldId id="275" r:id="rId11"/>
+    <p:sldId id="276" r:id="rId12"/>
+    <p:sldId id="280" r:id="rId13"/>
+    <p:sldId id="277" r:id="rId14"/>
+    <p:sldId id="279" r:id="rId15"/>
+    <p:sldId id="281" r:id="rId16"/>
+    <p:sldId id="282" r:id="rId17"/>
+    <p:sldId id="283" r:id="rId18"/>
+    <p:sldId id="284" r:id="rId19"/>
+    <p:sldId id="287" r:id="rId20"/>
+    <p:sldId id="285" r:id="rId21"/>
+    <p:sldId id="288" r:id="rId22"/>
+    <p:sldId id="263" r:id="rId23"/>
   </p:sldIdLst>
   <p:sldSz cx="12192000" cy="6858000"/>
   <p:notesSz cx="6858000" cy="9144000"/>
@@ -346,7 +359,7 @@
           <a:p>
             <a:fld id="{709A5CD8-DDA3-470B-ABD7-F23C1DFAC626}" type="datetimeFigureOut">
               <a:rPr lang="en-US" smtClean="0"/>
-              <a:t>2/3/2020</a:t>
+              <a:t>2/4/2020</a:t>
             </a:fld>
             <a:endParaRPr lang="en-US"/>
           </a:p>
@@ -554,7 +567,7 @@
           <a:p>
             <a:fld id="{709A5CD8-DDA3-470B-ABD7-F23C1DFAC626}" type="datetimeFigureOut">
               <a:rPr lang="en-US" smtClean="0"/>
-              <a:t>2/3/2020</a:t>
+              <a:t>2/4/2020</a:t>
             </a:fld>
             <a:endParaRPr lang="en-US"/>
           </a:p>
@@ -810,7 +823,7 @@
           <a:p>
             <a:fld id="{709A5CD8-DDA3-470B-ABD7-F23C1DFAC626}" type="datetimeFigureOut">
               <a:rPr lang="en-US" smtClean="0"/>
-              <a:t>2/3/2020</a:t>
+              <a:t>2/4/2020</a:t>
             </a:fld>
             <a:endParaRPr lang="en-US"/>
           </a:p>
@@ -984,7 +997,7 @@
           <a:p>
             <a:fld id="{709A5CD8-DDA3-470B-ABD7-F23C1DFAC626}" type="datetimeFigureOut">
               <a:rPr lang="en-US" smtClean="0"/>
-              <a:t>2/3/2020</a:t>
+              <a:t>2/4/2020</a:t>
             </a:fld>
             <a:endParaRPr lang="en-US"/>
           </a:p>
@@ -1327,7 +1340,7 @@
           <a:p>
             <a:fld id="{709A5CD8-DDA3-470B-ABD7-F23C1DFAC626}" type="datetimeFigureOut">
               <a:rPr lang="en-US" smtClean="0"/>
-              <a:t>2/3/2020</a:t>
+              <a:t>2/4/2020</a:t>
             </a:fld>
             <a:endParaRPr lang="en-US"/>
           </a:p>
@@ -1602,7 +1615,7 @@
           <a:p>
             <a:fld id="{709A5CD8-DDA3-470B-ABD7-F23C1DFAC626}" type="datetimeFigureOut">
               <a:rPr lang="en-US" smtClean="0"/>
-              <a:t>2/3/2020</a:t>
+              <a:t>2/4/2020</a:t>
             </a:fld>
             <a:endParaRPr lang="en-US"/>
           </a:p>
@@ -1981,7 +1994,7 @@
           <a:p>
             <a:fld id="{709A5CD8-DDA3-470B-ABD7-F23C1DFAC626}" type="datetimeFigureOut">
               <a:rPr lang="en-US" smtClean="0"/>
-              <a:t>2/3/2020</a:t>
+              <a:t>2/4/2020</a:t>
             </a:fld>
             <a:endParaRPr lang="en-US"/>
           </a:p>
@@ -2099,7 +2112,7 @@
           <a:p>
             <a:fld id="{709A5CD8-DDA3-470B-ABD7-F23C1DFAC626}" type="datetimeFigureOut">
               <a:rPr lang="en-US" smtClean="0"/>
-              <a:t>2/3/2020</a:t>
+              <a:t>2/4/2020</a:t>
             </a:fld>
             <a:endParaRPr lang="en-US"/>
           </a:p>
@@ -2270,7 +2283,7 @@
           <a:p>
             <a:fld id="{709A5CD8-DDA3-470B-ABD7-F23C1DFAC626}" type="datetimeFigureOut">
               <a:rPr lang="en-US" smtClean="0"/>
-              <a:t>2/3/2020</a:t>
+              <a:t>2/4/2020</a:t>
             </a:fld>
             <a:endParaRPr lang="en-US"/>
           </a:p>
@@ -2624,7 +2637,7 @@
           <a:p>
             <a:fld id="{709A5CD8-DDA3-470B-ABD7-F23C1DFAC626}" type="datetimeFigureOut">
               <a:rPr lang="en-US" smtClean="0"/>
-              <a:t>2/3/2020</a:t>
+              <a:t>2/4/2020</a:t>
             </a:fld>
             <a:endParaRPr lang="en-US"/>
           </a:p>
@@ -3006,7 +3019,7 @@
           <a:p>
             <a:fld id="{709A5CD8-DDA3-470B-ABD7-F23C1DFAC626}" type="datetimeFigureOut">
               <a:rPr lang="en-US" smtClean="0"/>
-              <a:t>2/3/2020</a:t>
+              <a:t>2/4/2020</a:t>
             </a:fld>
             <a:endParaRPr lang="en-US"/>
           </a:p>
@@ -3293,7 +3306,7 @@
           <a:p>
             <a:fld id="{709A5CD8-DDA3-470B-ABD7-F23C1DFAC626}" type="datetimeFigureOut">
               <a:rPr lang="en-US" smtClean="0"/>
-              <a:t>2/3/2020</a:t>
+              <a:t>2/4/2020</a:t>
             </a:fld>
             <a:endParaRPr lang="en-US"/>
           </a:p>
@@ -3928,6 +3941,4576 @@
 </p:sld>
 </file>
 
+<file path=ppt/slides/slide10.xml><?xml version="1.0" encoding="utf-8"?>
+<p:sld xmlns:a="http://schemas.openxmlformats.org/drawingml/2006/main" xmlns:r="http://schemas.openxmlformats.org/officeDocument/2006/relationships" xmlns:p="http://schemas.openxmlformats.org/presentationml/2006/main">
+  <p:cSld>
+    <p:spTree>
+      <p:nvGrpSpPr>
+        <p:cNvPr id="1" name=""/>
+        <p:cNvGrpSpPr/>
+        <p:nvPr/>
+      </p:nvGrpSpPr>
+      <p:grpSpPr>
+        <a:xfrm>
+          <a:off x="0" y="0"/>
+          <a:ext cx="0" cy="0"/>
+          <a:chOff x="0" y="0"/>
+          <a:chExt cx="0" cy="0"/>
+        </a:xfrm>
+      </p:grpSpPr>
+      <p:sp>
+        <p:nvSpPr>
+          <p:cNvPr id="2" name="Title 1"/>
+          <p:cNvSpPr>
+            <a:spLocks noGrp="1"/>
+          </p:cNvSpPr>
+          <p:nvPr>
+            <p:ph type="title"/>
+          </p:nvPr>
+        </p:nvSpPr>
+        <p:spPr/>
+        <p:txBody>
+          <a:bodyPr/>
+          <a:lstStyle/>
+          <a:p>
+            <a:r>
+              <a:rPr lang="en-US" dirty="0" smtClean="0"/>
+              <a:t>… As Commands!</a:t>
+            </a:r>
+            <a:endParaRPr lang="en-US" dirty="0"/>
+          </a:p>
+        </p:txBody>
+      </p:sp>
+      <p:sp>
+        <p:nvSpPr>
+          <p:cNvPr id="6" name="Rectangle 5"/>
+          <p:cNvSpPr/>
+          <p:nvPr/>
+        </p:nvSpPr>
+        <p:spPr>
+          <a:xfrm>
+            <a:off x="1097279" y="1926772"/>
+            <a:ext cx="2008417" cy="4229100"/>
+          </a:xfrm>
+          <a:prstGeom prst="rect">
+            <a:avLst/>
+          </a:prstGeom>
+          <a:noFill/>
+          <a:ln w="9525" cap="flat" cmpd="sng" algn="ctr">
+            <a:solidFill>
+              <a:schemeClr val="accent1"/>
+            </a:solidFill>
+            <a:prstDash val="solid"/>
+            <a:round/>
+            <a:headEnd type="none" w="med" len="med"/>
+            <a:tailEnd type="none" w="med" len="med"/>
+          </a:ln>
+        </p:spPr>
+        <p:style>
+          <a:lnRef idx="0">
+            <a:scrgbClr r="0" g="0" b="0"/>
+          </a:lnRef>
+          <a:fillRef idx="0">
+            <a:scrgbClr r="0" g="0" b="0"/>
+          </a:fillRef>
+          <a:effectRef idx="0">
+            <a:scrgbClr r="0" g="0" b="0"/>
+          </a:effectRef>
+          <a:fontRef idx="minor">
+            <a:schemeClr val="accent1"/>
+          </a:fontRef>
+        </p:style>
+        <p:txBody>
+          <a:bodyPr rtlCol="0" anchor="ctr"/>
+          <a:lstStyle/>
+          <a:p>
+            <a:pPr algn="ctr"/>
+            <a:r>
+              <a:rPr lang="en-US" dirty="0" smtClean="0">
+                <a:solidFill>
+                  <a:schemeClr val="tx1"/>
+                </a:solidFill>
+              </a:rPr>
+              <a:t>Working</a:t>
+            </a:r>
+            <a:r>
+              <a:rPr lang="en-US" dirty="0" smtClean="0"/>
+              <a:t> </a:t>
+            </a:r>
+            <a:r>
+              <a:rPr lang="en-US" dirty="0" smtClean="0">
+                <a:solidFill>
+                  <a:schemeClr val="tx1"/>
+                </a:solidFill>
+              </a:rPr>
+              <a:t>Directory</a:t>
+            </a:r>
+          </a:p>
+          <a:p>
+            <a:pPr algn="ctr"/>
+            <a:r>
+              <a:rPr lang="en-US" dirty="0" smtClean="0">
+                <a:solidFill>
+                  <a:schemeClr val="tx1"/>
+                </a:solidFill>
+              </a:rPr>
+              <a:t>(the folder with all your files)</a:t>
+            </a:r>
+            <a:endParaRPr lang="en-US" dirty="0">
+              <a:solidFill>
+                <a:schemeClr val="tx1"/>
+              </a:solidFill>
+            </a:endParaRPr>
+          </a:p>
+        </p:txBody>
+      </p:sp>
+      <p:sp>
+        <p:nvSpPr>
+          <p:cNvPr id="8" name="Rectangle 7"/>
+          <p:cNvSpPr/>
+          <p:nvPr/>
+        </p:nvSpPr>
+        <p:spPr>
+          <a:xfrm>
+            <a:off x="5122271" y="1926772"/>
+            <a:ext cx="2008417" cy="4229100"/>
+          </a:xfrm>
+          <a:prstGeom prst="rect">
+            <a:avLst/>
+          </a:prstGeom>
+          <a:solidFill>
+            <a:schemeClr val="accent1">
+              <a:alpha val="50000"/>
+            </a:schemeClr>
+          </a:solidFill>
+          <a:ln>
+            <a:noFill/>
+          </a:ln>
+        </p:spPr>
+        <p:style>
+          <a:lnRef idx="0">
+            <a:scrgbClr r="0" g="0" b="0"/>
+          </a:lnRef>
+          <a:fillRef idx="0">
+            <a:scrgbClr r="0" g="0" b="0"/>
+          </a:fillRef>
+          <a:effectRef idx="0">
+            <a:scrgbClr r="0" g="0" b="0"/>
+          </a:effectRef>
+          <a:fontRef idx="minor">
+            <a:schemeClr val="lt1"/>
+          </a:fontRef>
+        </p:style>
+        <p:txBody>
+          <a:bodyPr rtlCol="0" anchor="ctr"/>
+          <a:lstStyle/>
+          <a:p>
+            <a:pPr algn="ctr"/>
+            <a:r>
+              <a:rPr lang="en-US" dirty="0" smtClean="0">
+                <a:solidFill>
+                  <a:schemeClr val="tx1"/>
+                </a:solidFill>
+              </a:rPr>
+              <a:t>Staging Area</a:t>
+            </a:r>
+            <a:endParaRPr lang="en-US" dirty="0">
+              <a:solidFill>
+                <a:schemeClr val="tx1"/>
+              </a:solidFill>
+            </a:endParaRPr>
+          </a:p>
+        </p:txBody>
+      </p:sp>
+      <p:sp>
+        <p:nvSpPr>
+          <p:cNvPr id="9" name="Rectangle 8"/>
+          <p:cNvSpPr/>
+          <p:nvPr/>
+        </p:nvSpPr>
+        <p:spPr>
+          <a:xfrm>
+            <a:off x="9147263" y="1926772"/>
+            <a:ext cx="2008417" cy="4229100"/>
+          </a:xfrm>
+          <a:prstGeom prst="rect">
+            <a:avLst/>
+          </a:prstGeom>
+        </p:spPr>
+        <p:style>
+          <a:lnRef idx="2">
+            <a:schemeClr val="accent1">
+              <a:shade val="50000"/>
+            </a:schemeClr>
+          </a:lnRef>
+          <a:fillRef idx="1">
+            <a:schemeClr val="accent1"/>
+          </a:fillRef>
+          <a:effectRef idx="0">
+            <a:schemeClr val="accent1"/>
+          </a:effectRef>
+          <a:fontRef idx="minor">
+            <a:schemeClr val="lt1"/>
+          </a:fontRef>
+        </p:style>
+        <p:txBody>
+          <a:bodyPr rtlCol="0" anchor="ctr"/>
+          <a:lstStyle/>
+          <a:p>
+            <a:pPr algn="ctr"/>
+            <a:r>
+              <a:rPr lang="en-US" dirty="0" smtClean="0">
+                <a:solidFill>
+                  <a:schemeClr val="tx1"/>
+                </a:solidFill>
+              </a:rPr>
+              <a:t>Local</a:t>
+            </a:r>
+          </a:p>
+          <a:p>
+            <a:pPr algn="ctr"/>
+            <a:r>
+              <a:rPr lang="en-US" dirty="0" smtClean="0">
+                <a:solidFill>
+                  <a:schemeClr val="tx1"/>
+                </a:solidFill>
+              </a:rPr>
+              <a:t>Repository</a:t>
+            </a:r>
+          </a:p>
+          <a:p>
+            <a:pPr algn="ctr"/>
+            <a:r>
+              <a:rPr lang="en-US" dirty="0" smtClean="0">
+                <a:solidFill>
+                  <a:schemeClr val="tx1"/>
+                </a:solidFill>
+              </a:rPr>
+              <a:t>(.</a:t>
+            </a:r>
+            <a:r>
+              <a:rPr lang="en-US" dirty="0" err="1" smtClean="0">
+                <a:solidFill>
+                  <a:schemeClr val="tx1"/>
+                </a:solidFill>
+              </a:rPr>
+              <a:t>git</a:t>
+            </a:r>
+            <a:r>
+              <a:rPr lang="en-US" dirty="0" smtClean="0">
+                <a:solidFill>
+                  <a:schemeClr val="tx1"/>
+                </a:solidFill>
+              </a:rPr>
+              <a:t> folder)</a:t>
+            </a:r>
+            <a:endParaRPr lang="en-US" dirty="0">
+              <a:solidFill>
+                <a:schemeClr val="tx1"/>
+              </a:solidFill>
+            </a:endParaRPr>
+          </a:p>
+        </p:txBody>
+      </p:sp>
+      <p:sp>
+        <p:nvSpPr>
+          <p:cNvPr id="3" name="Left Arrow 2"/>
+          <p:cNvSpPr/>
+          <p:nvPr/>
+        </p:nvSpPr>
+        <p:spPr>
+          <a:xfrm>
+            <a:off x="3105696" y="2405743"/>
+            <a:ext cx="6041567" cy="821871"/>
+          </a:xfrm>
+          <a:prstGeom prst="leftArrow">
+            <a:avLst/>
+          </a:prstGeom>
+        </p:spPr>
+        <p:style>
+          <a:lnRef idx="2">
+            <a:schemeClr val="dk1">
+              <a:shade val="50000"/>
+            </a:schemeClr>
+          </a:lnRef>
+          <a:fillRef idx="1">
+            <a:schemeClr val="dk1"/>
+          </a:fillRef>
+          <a:effectRef idx="0">
+            <a:schemeClr val="dk1"/>
+          </a:effectRef>
+          <a:fontRef idx="minor">
+            <a:schemeClr val="lt1"/>
+          </a:fontRef>
+        </p:style>
+        <p:txBody>
+          <a:bodyPr rtlCol="0" anchor="ctr"/>
+          <a:lstStyle/>
+          <a:p>
+            <a:pPr algn="ctr"/>
+            <a:r>
+              <a:rPr lang="en-US" dirty="0" err="1">
+                <a:solidFill>
+                  <a:schemeClr val="bg1"/>
+                </a:solidFill>
+                <a:latin typeface="Consolas" panose="020B0609020204030204" pitchFamily="49" charset="0"/>
+              </a:rPr>
+              <a:t>g</a:t>
+            </a:r>
+            <a:r>
+              <a:rPr lang="en-US" dirty="0" err="1" smtClean="0">
+                <a:solidFill>
+                  <a:schemeClr val="bg1"/>
+                </a:solidFill>
+                <a:latin typeface="Consolas" panose="020B0609020204030204" pitchFamily="49" charset="0"/>
+              </a:rPr>
+              <a:t>it</a:t>
+            </a:r>
+            <a:r>
+              <a:rPr lang="en-US" dirty="0" smtClean="0">
+                <a:solidFill>
+                  <a:schemeClr val="bg1"/>
+                </a:solidFill>
+                <a:latin typeface="Consolas" panose="020B0609020204030204" pitchFamily="49" charset="0"/>
+              </a:rPr>
+              <a:t> checkout</a:t>
+            </a:r>
+            <a:endParaRPr lang="en-US" dirty="0">
+              <a:solidFill>
+                <a:schemeClr val="bg1"/>
+              </a:solidFill>
+              <a:latin typeface="Consolas" panose="020B0609020204030204" pitchFamily="49" charset="0"/>
+            </a:endParaRPr>
+          </a:p>
+        </p:txBody>
+      </p:sp>
+      <p:sp>
+        <p:nvSpPr>
+          <p:cNvPr id="5" name="Right Arrow 4"/>
+          <p:cNvSpPr/>
+          <p:nvPr/>
+        </p:nvSpPr>
+        <p:spPr>
+          <a:xfrm>
+            <a:off x="3109775" y="4867171"/>
+            <a:ext cx="2016575" cy="821871"/>
+          </a:xfrm>
+          <a:prstGeom prst="rightArrow">
+            <a:avLst/>
+          </a:prstGeom>
+        </p:spPr>
+        <p:style>
+          <a:lnRef idx="2">
+            <a:schemeClr val="dk1">
+              <a:shade val="50000"/>
+            </a:schemeClr>
+          </a:lnRef>
+          <a:fillRef idx="1">
+            <a:schemeClr val="dk1"/>
+          </a:fillRef>
+          <a:effectRef idx="0">
+            <a:schemeClr val="dk1"/>
+          </a:effectRef>
+          <a:fontRef idx="minor">
+            <a:schemeClr val="lt1"/>
+          </a:fontRef>
+        </p:style>
+        <p:txBody>
+          <a:bodyPr rtlCol="0" anchor="ctr"/>
+          <a:lstStyle/>
+          <a:p>
+            <a:pPr algn="ctr"/>
+            <a:r>
+              <a:rPr lang="en-US" dirty="0" err="1">
+                <a:solidFill>
+                  <a:schemeClr val="bg1"/>
+                </a:solidFill>
+                <a:latin typeface="Consolas" panose="020B0609020204030204" pitchFamily="49" charset="0"/>
+              </a:rPr>
+              <a:t>g</a:t>
+            </a:r>
+            <a:r>
+              <a:rPr lang="en-US" dirty="0" err="1" smtClean="0">
+                <a:solidFill>
+                  <a:schemeClr val="bg1"/>
+                </a:solidFill>
+                <a:latin typeface="Consolas" panose="020B0609020204030204" pitchFamily="49" charset="0"/>
+              </a:rPr>
+              <a:t>it</a:t>
+            </a:r>
+            <a:r>
+              <a:rPr lang="en-US" dirty="0" smtClean="0">
+                <a:solidFill>
+                  <a:schemeClr val="bg1"/>
+                </a:solidFill>
+                <a:latin typeface="Consolas" panose="020B0609020204030204" pitchFamily="49" charset="0"/>
+              </a:rPr>
+              <a:t> add</a:t>
+            </a:r>
+            <a:endParaRPr lang="en-US" dirty="0">
+              <a:solidFill>
+                <a:schemeClr val="bg1"/>
+              </a:solidFill>
+              <a:latin typeface="Consolas" panose="020B0609020204030204" pitchFamily="49" charset="0"/>
+            </a:endParaRPr>
+          </a:p>
+        </p:txBody>
+      </p:sp>
+      <p:sp>
+        <p:nvSpPr>
+          <p:cNvPr id="11" name="Right Arrow 10"/>
+          <p:cNvSpPr/>
+          <p:nvPr/>
+        </p:nvSpPr>
+        <p:spPr>
+          <a:xfrm>
+            <a:off x="7130688" y="4867171"/>
+            <a:ext cx="2016575" cy="821871"/>
+          </a:xfrm>
+          <a:prstGeom prst="rightArrow">
+            <a:avLst/>
+          </a:prstGeom>
+        </p:spPr>
+        <p:style>
+          <a:lnRef idx="2">
+            <a:schemeClr val="dk1">
+              <a:shade val="50000"/>
+            </a:schemeClr>
+          </a:lnRef>
+          <a:fillRef idx="1">
+            <a:schemeClr val="dk1"/>
+          </a:fillRef>
+          <a:effectRef idx="0">
+            <a:schemeClr val="dk1"/>
+          </a:effectRef>
+          <a:fontRef idx="minor">
+            <a:schemeClr val="lt1"/>
+          </a:fontRef>
+        </p:style>
+        <p:txBody>
+          <a:bodyPr rtlCol="0" anchor="ctr"/>
+          <a:lstStyle/>
+          <a:p>
+            <a:pPr algn="ctr"/>
+            <a:r>
+              <a:rPr lang="en-US" dirty="0" err="1">
+                <a:solidFill>
+                  <a:schemeClr val="bg1"/>
+                </a:solidFill>
+                <a:latin typeface="Consolas" panose="020B0609020204030204" pitchFamily="49" charset="0"/>
+              </a:rPr>
+              <a:t>g</a:t>
+            </a:r>
+            <a:r>
+              <a:rPr lang="en-US" dirty="0" err="1" smtClean="0">
+                <a:solidFill>
+                  <a:schemeClr val="bg1"/>
+                </a:solidFill>
+                <a:latin typeface="Consolas" panose="020B0609020204030204" pitchFamily="49" charset="0"/>
+              </a:rPr>
+              <a:t>it</a:t>
+            </a:r>
+            <a:r>
+              <a:rPr lang="en-US" dirty="0" smtClean="0">
+                <a:solidFill>
+                  <a:schemeClr val="bg1"/>
+                </a:solidFill>
+                <a:latin typeface="Consolas" panose="020B0609020204030204" pitchFamily="49" charset="0"/>
+              </a:rPr>
+              <a:t> commit</a:t>
+            </a:r>
+            <a:endParaRPr lang="en-US" dirty="0">
+              <a:solidFill>
+                <a:schemeClr val="bg1"/>
+              </a:solidFill>
+              <a:latin typeface="Consolas" panose="020B0609020204030204" pitchFamily="49" charset="0"/>
+            </a:endParaRPr>
+          </a:p>
+        </p:txBody>
+      </p:sp>
+    </p:spTree>
+    <p:extLst>
+      <p:ext uri="{BB962C8B-B14F-4D97-AF65-F5344CB8AC3E}">
+        <p14:creationId xmlns:p14="http://schemas.microsoft.com/office/powerpoint/2010/main" val="4067754654"/>
+      </p:ext>
+    </p:extLst>
+  </p:cSld>
+  <p:clrMapOvr>
+    <a:masterClrMapping/>
+  </p:clrMapOvr>
+  <p:timing>
+    <p:tnLst>
+      <p:par>
+        <p:cTn id="1" dur="indefinite" restart="never" nodeType="tmRoot"/>
+      </p:par>
+    </p:tnLst>
+  </p:timing>
+</p:sld>
+</file>
+
+<file path=ppt/slides/slide11.xml><?xml version="1.0" encoding="utf-8"?>
+<p:sld xmlns:a="http://schemas.openxmlformats.org/drawingml/2006/main" xmlns:r="http://schemas.openxmlformats.org/officeDocument/2006/relationships" xmlns:p="http://schemas.openxmlformats.org/presentationml/2006/main">
+  <p:cSld>
+    <p:spTree>
+      <p:nvGrpSpPr>
+        <p:cNvPr id="1" name=""/>
+        <p:cNvGrpSpPr/>
+        <p:nvPr/>
+      </p:nvGrpSpPr>
+      <p:grpSpPr>
+        <a:xfrm>
+          <a:off x="0" y="0"/>
+          <a:ext cx="0" cy="0"/>
+          <a:chOff x="0" y="0"/>
+          <a:chExt cx="0" cy="0"/>
+        </a:xfrm>
+      </p:grpSpPr>
+      <p:sp>
+        <p:nvSpPr>
+          <p:cNvPr id="2" name="Title 1"/>
+          <p:cNvSpPr>
+            <a:spLocks noGrp="1"/>
+          </p:cNvSpPr>
+          <p:nvPr>
+            <p:ph type="title"/>
+          </p:nvPr>
+        </p:nvSpPr>
+        <p:spPr/>
+        <p:txBody>
+          <a:bodyPr/>
+          <a:lstStyle/>
+          <a:p>
+            <a:r>
+              <a:rPr lang="en-US" dirty="0" smtClean="0"/>
+              <a:t>… With a Remote Repository!</a:t>
+            </a:r>
+            <a:endParaRPr lang="en-US" dirty="0"/>
+          </a:p>
+        </p:txBody>
+      </p:sp>
+      <p:sp>
+        <p:nvSpPr>
+          <p:cNvPr id="6" name="Rectangle 5"/>
+          <p:cNvSpPr/>
+          <p:nvPr/>
+        </p:nvSpPr>
+        <p:spPr>
+          <a:xfrm>
+            <a:off x="1097279" y="1926772"/>
+            <a:ext cx="1411459" cy="4229100"/>
+          </a:xfrm>
+          <a:prstGeom prst="rect">
+            <a:avLst/>
+          </a:prstGeom>
+          <a:noFill/>
+          <a:ln w="9525" cap="flat" cmpd="sng" algn="ctr">
+            <a:solidFill>
+              <a:schemeClr val="accent1"/>
+            </a:solidFill>
+            <a:prstDash val="solid"/>
+            <a:round/>
+            <a:headEnd type="none" w="med" len="med"/>
+            <a:tailEnd type="none" w="med" len="med"/>
+          </a:ln>
+        </p:spPr>
+        <p:style>
+          <a:lnRef idx="0">
+            <a:scrgbClr r="0" g="0" b="0"/>
+          </a:lnRef>
+          <a:fillRef idx="0">
+            <a:scrgbClr r="0" g="0" b="0"/>
+          </a:fillRef>
+          <a:effectRef idx="0">
+            <a:scrgbClr r="0" g="0" b="0"/>
+          </a:effectRef>
+          <a:fontRef idx="minor">
+            <a:schemeClr val="accent1"/>
+          </a:fontRef>
+        </p:style>
+        <p:txBody>
+          <a:bodyPr rtlCol="0" anchor="ctr"/>
+          <a:lstStyle/>
+          <a:p>
+            <a:pPr algn="ctr"/>
+            <a:r>
+              <a:rPr lang="en-US" dirty="0" smtClean="0">
+                <a:solidFill>
+                  <a:schemeClr val="tx1"/>
+                </a:solidFill>
+              </a:rPr>
+              <a:t>Working</a:t>
+            </a:r>
+            <a:r>
+              <a:rPr lang="en-US" dirty="0" smtClean="0"/>
+              <a:t> </a:t>
+            </a:r>
+            <a:r>
+              <a:rPr lang="en-US" dirty="0" smtClean="0">
+                <a:solidFill>
+                  <a:schemeClr val="tx1"/>
+                </a:solidFill>
+              </a:rPr>
+              <a:t>Directory</a:t>
+            </a:r>
+          </a:p>
+          <a:p>
+            <a:pPr algn="ctr"/>
+            <a:r>
+              <a:rPr lang="en-US" dirty="0" smtClean="0">
+                <a:solidFill>
+                  <a:schemeClr val="tx1"/>
+                </a:solidFill>
+              </a:rPr>
+              <a:t>(the folder with all your files)</a:t>
+            </a:r>
+            <a:endParaRPr lang="en-US" dirty="0">
+              <a:solidFill>
+                <a:schemeClr val="tx1"/>
+              </a:solidFill>
+            </a:endParaRPr>
+          </a:p>
+        </p:txBody>
+      </p:sp>
+      <p:sp>
+        <p:nvSpPr>
+          <p:cNvPr id="8" name="Rectangle 7"/>
+          <p:cNvSpPr/>
+          <p:nvPr/>
+        </p:nvSpPr>
+        <p:spPr>
+          <a:xfrm>
+            <a:off x="3921507" y="1923422"/>
+            <a:ext cx="1411458" cy="4229100"/>
+          </a:xfrm>
+          <a:prstGeom prst="rect">
+            <a:avLst/>
+          </a:prstGeom>
+          <a:solidFill>
+            <a:schemeClr val="accent1">
+              <a:alpha val="50000"/>
+            </a:schemeClr>
+          </a:solidFill>
+          <a:ln>
+            <a:noFill/>
+          </a:ln>
+        </p:spPr>
+        <p:style>
+          <a:lnRef idx="0">
+            <a:scrgbClr r="0" g="0" b="0"/>
+          </a:lnRef>
+          <a:fillRef idx="0">
+            <a:scrgbClr r="0" g="0" b="0"/>
+          </a:fillRef>
+          <a:effectRef idx="0">
+            <a:scrgbClr r="0" g="0" b="0"/>
+          </a:effectRef>
+          <a:fontRef idx="minor">
+            <a:schemeClr val="lt1"/>
+          </a:fontRef>
+        </p:style>
+        <p:txBody>
+          <a:bodyPr rtlCol="0" anchor="ctr"/>
+          <a:lstStyle/>
+          <a:p>
+            <a:pPr algn="ctr"/>
+            <a:r>
+              <a:rPr lang="en-US" dirty="0" smtClean="0">
+                <a:solidFill>
+                  <a:schemeClr val="tx1"/>
+                </a:solidFill>
+              </a:rPr>
+              <a:t>Staging Area</a:t>
+            </a:r>
+            <a:endParaRPr lang="en-US" dirty="0">
+              <a:solidFill>
+                <a:schemeClr val="tx1"/>
+              </a:solidFill>
+            </a:endParaRPr>
+          </a:p>
+        </p:txBody>
+      </p:sp>
+      <p:sp>
+        <p:nvSpPr>
+          <p:cNvPr id="9" name="Rectangle 8"/>
+          <p:cNvSpPr/>
+          <p:nvPr/>
+        </p:nvSpPr>
+        <p:spPr>
+          <a:xfrm>
+            <a:off x="6832208" y="1923422"/>
+            <a:ext cx="1413330" cy="4229100"/>
+          </a:xfrm>
+          <a:prstGeom prst="rect">
+            <a:avLst/>
+          </a:prstGeom>
+        </p:spPr>
+        <p:style>
+          <a:lnRef idx="2">
+            <a:schemeClr val="accent1">
+              <a:shade val="50000"/>
+            </a:schemeClr>
+          </a:lnRef>
+          <a:fillRef idx="1">
+            <a:schemeClr val="accent1"/>
+          </a:fillRef>
+          <a:effectRef idx="0">
+            <a:schemeClr val="accent1"/>
+          </a:effectRef>
+          <a:fontRef idx="minor">
+            <a:schemeClr val="lt1"/>
+          </a:fontRef>
+        </p:style>
+        <p:txBody>
+          <a:bodyPr rtlCol="0" anchor="ctr"/>
+          <a:lstStyle/>
+          <a:p>
+            <a:pPr algn="ctr"/>
+            <a:r>
+              <a:rPr lang="en-US" dirty="0" smtClean="0">
+                <a:solidFill>
+                  <a:schemeClr val="tx1"/>
+                </a:solidFill>
+              </a:rPr>
+              <a:t>Local</a:t>
+            </a:r>
+          </a:p>
+          <a:p>
+            <a:pPr algn="ctr"/>
+            <a:r>
+              <a:rPr lang="en-US" dirty="0" smtClean="0">
+                <a:solidFill>
+                  <a:schemeClr val="tx1"/>
+                </a:solidFill>
+              </a:rPr>
+              <a:t>Repository</a:t>
+            </a:r>
+          </a:p>
+          <a:p>
+            <a:pPr algn="ctr"/>
+            <a:r>
+              <a:rPr lang="en-US" dirty="0" smtClean="0">
+                <a:solidFill>
+                  <a:schemeClr val="tx1"/>
+                </a:solidFill>
+              </a:rPr>
+              <a:t>(.</a:t>
+            </a:r>
+            <a:r>
+              <a:rPr lang="en-US" dirty="0" err="1" smtClean="0">
+                <a:solidFill>
+                  <a:schemeClr val="tx1"/>
+                </a:solidFill>
+              </a:rPr>
+              <a:t>git</a:t>
+            </a:r>
+            <a:r>
+              <a:rPr lang="en-US" dirty="0" smtClean="0">
+                <a:solidFill>
+                  <a:schemeClr val="tx1"/>
+                </a:solidFill>
+              </a:rPr>
+              <a:t> folder)</a:t>
+            </a:r>
+            <a:endParaRPr lang="en-US" dirty="0">
+              <a:solidFill>
+                <a:schemeClr val="tx1"/>
+              </a:solidFill>
+            </a:endParaRPr>
+          </a:p>
+        </p:txBody>
+      </p:sp>
+      <p:sp>
+        <p:nvSpPr>
+          <p:cNvPr id="10" name="Rectangle 9"/>
+          <p:cNvSpPr/>
+          <p:nvPr/>
+        </p:nvSpPr>
+        <p:spPr>
+          <a:xfrm>
+            <a:off x="9744781" y="1926771"/>
+            <a:ext cx="1410899" cy="4229100"/>
+          </a:xfrm>
+          <a:prstGeom prst="rect">
+            <a:avLst/>
+          </a:prstGeom>
+        </p:spPr>
+        <p:style>
+          <a:lnRef idx="2">
+            <a:schemeClr val="accent2">
+              <a:shade val="50000"/>
+            </a:schemeClr>
+          </a:lnRef>
+          <a:fillRef idx="1">
+            <a:schemeClr val="accent2"/>
+          </a:fillRef>
+          <a:effectRef idx="0">
+            <a:schemeClr val="accent2"/>
+          </a:effectRef>
+          <a:fontRef idx="minor">
+            <a:schemeClr val="lt1"/>
+          </a:fontRef>
+        </p:style>
+        <p:txBody>
+          <a:bodyPr rtlCol="0" anchor="ctr"/>
+          <a:lstStyle/>
+          <a:p>
+            <a:pPr algn="ctr"/>
+            <a:r>
+              <a:rPr lang="en-US" dirty="0" smtClean="0">
+                <a:solidFill>
+                  <a:schemeClr val="bg1"/>
+                </a:solidFill>
+              </a:rPr>
+              <a:t>Remote Repository</a:t>
+            </a:r>
+          </a:p>
+          <a:p>
+            <a:pPr algn="ctr"/>
+            <a:r>
+              <a:rPr lang="en-US" dirty="0" smtClean="0">
+                <a:solidFill>
+                  <a:schemeClr val="bg1"/>
+                </a:solidFill>
+              </a:rPr>
+              <a:t>(GitHub)</a:t>
+            </a:r>
+            <a:endParaRPr lang="en-US" dirty="0">
+              <a:solidFill>
+                <a:schemeClr val="bg1"/>
+              </a:solidFill>
+            </a:endParaRPr>
+          </a:p>
+        </p:txBody>
+      </p:sp>
+    </p:spTree>
+    <p:extLst>
+      <p:ext uri="{BB962C8B-B14F-4D97-AF65-F5344CB8AC3E}">
+        <p14:creationId xmlns:p14="http://schemas.microsoft.com/office/powerpoint/2010/main" val="470189942"/>
+      </p:ext>
+    </p:extLst>
+  </p:cSld>
+  <p:clrMapOvr>
+    <a:masterClrMapping/>
+  </p:clrMapOvr>
+  <p:timing>
+    <p:tnLst>
+      <p:par>
+        <p:cTn id="1" dur="indefinite" restart="never" nodeType="tmRoot"/>
+      </p:par>
+    </p:tnLst>
+  </p:timing>
+</p:sld>
+</file>
+
+<file path=ppt/slides/slide12.xml><?xml version="1.0" encoding="utf-8"?>
+<p:sld xmlns:a="http://schemas.openxmlformats.org/drawingml/2006/main" xmlns:r="http://schemas.openxmlformats.org/officeDocument/2006/relationships" xmlns:p="http://schemas.openxmlformats.org/presentationml/2006/main">
+  <p:cSld>
+    <p:spTree>
+      <p:nvGrpSpPr>
+        <p:cNvPr id="1" name=""/>
+        <p:cNvGrpSpPr/>
+        <p:nvPr/>
+      </p:nvGrpSpPr>
+      <p:grpSpPr>
+        <a:xfrm>
+          <a:off x="0" y="0"/>
+          <a:ext cx="0" cy="0"/>
+          <a:chOff x="0" y="0"/>
+          <a:chExt cx="0" cy="0"/>
+        </a:xfrm>
+      </p:grpSpPr>
+      <p:sp>
+        <p:nvSpPr>
+          <p:cNvPr id="2" name="Title 1"/>
+          <p:cNvSpPr>
+            <a:spLocks noGrp="1"/>
+          </p:cNvSpPr>
+          <p:nvPr>
+            <p:ph type="title"/>
+          </p:nvPr>
+        </p:nvSpPr>
+        <p:spPr/>
+        <p:txBody>
+          <a:bodyPr/>
+          <a:lstStyle/>
+          <a:p>
+            <a:r>
+              <a:rPr lang="en-US" dirty="0" smtClean="0"/>
+              <a:t>Cloning a Remote Repository</a:t>
+            </a:r>
+            <a:endParaRPr lang="en-US" dirty="0"/>
+          </a:p>
+        </p:txBody>
+      </p:sp>
+      <p:sp>
+        <p:nvSpPr>
+          <p:cNvPr id="6" name="Rectangle 5"/>
+          <p:cNvSpPr/>
+          <p:nvPr/>
+        </p:nvSpPr>
+        <p:spPr>
+          <a:xfrm>
+            <a:off x="1097279" y="1926772"/>
+            <a:ext cx="1411459" cy="4229100"/>
+          </a:xfrm>
+          <a:prstGeom prst="rect">
+            <a:avLst/>
+          </a:prstGeom>
+          <a:noFill/>
+          <a:ln w="9525" cap="flat" cmpd="sng" algn="ctr">
+            <a:solidFill>
+              <a:schemeClr val="accent1"/>
+            </a:solidFill>
+            <a:prstDash val="solid"/>
+            <a:round/>
+            <a:headEnd type="none" w="med" len="med"/>
+            <a:tailEnd type="none" w="med" len="med"/>
+          </a:ln>
+        </p:spPr>
+        <p:style>
+          <a:lnRef idx="0">
+            <a:scrgbClr r="0" g="0" b="0"/>
+          </a:lnRef>
+          <a:fillRef idx="0">
+            <a:scrgbClr r="0" g="0" b="0"/>
+          </a:fillRef>
+          <a:effectRef idx="0">
+            <a:scrgbClr r="0" g="0" b="0"/>
+          </a:effectRef>
+          <a:fontRef idx="minor">
+            <a:schemeClr val="accent1"/>
+          </a:fontRef>
+        </p:style>
+        <p:txBody>
+          <a:bodyPr rtlCol="0" anchor="ctr"/>
+          <a:lstStyle/>
+          <a:p>
+            <a:pPr algn="ctr"/>
+            <a:r>
+              <a:rPr lang="en-US" dirty="0" smtClean="0">
+                <a:solidFill>
+                  <a:schemeClr val="tx1"/>
+                </a:solidFill>
+              </a:rPr>
+              <a:t>Working</a:t>
+            </a:r>
+            <a:r>
+              <a:rPr lang="en-US" dirty="0" smtClean="0"/>
+              <a:t> </a:t>
+            </a:r>
+            <a:r>
+              <a:rPr lang="en-US" dirty="0" smtClean="0">
+                <a:solidFill>
+                  <a:schemeClr val="tx1"/>
+                </a:solidFill>
+              </a:rPr>
+              <a:t>Directory</a:t>
+            </a:r>
+          </a:p>
+          <a:p>
+            <a:pPr algn="ctr"/>
+            <a:r>
+              <a:rPr lang="en-US" dirty="0" smtClean="0">
+                <a:solidFill>
+                  <a:schemeClr val="tx1"/>
+                </a:solidFill>
+              </a:rPr>
+              <a:t>(the folder with all your files)</a:t>
+            </a:r>
+            <a:endParaRPr lang="en-US" dirty="0">
+              <a:solidFill>
+                <a:schemeClr val="tx1"/>
+              </a:solidFill>
+            </a:endParaRPr>
+          </a:p>
+        </p:txBody>
+      </p:sp>
+      <p:sp>
+        <p:nvSpPr>
+          <p:cNvPr id="8" name="Rectangle 7"/>
+          <p:cNvSpPr/>
+          <p:nvPr/>
+        </p:nvSpPr>
+        <p:spPr>
+          <a:xfrm>
+            <a:off x="3921507" y="1923422"/>
+            <a:ext cx="1411458" cy="4229100"/>
+          </a:xfrm>
+          <a:prstGeom prst="rect">
+            <a:avLst/>
+          </a:prstGeom>
+          <a:solidFill>
+            <a:schemeClr val="accent1">
+              <a:alpha val="50000"/>
+            </a:schemeClr>
+          </a:solidFill>
+          <a:ln>
+            <a:noFill/>
+          </a:ln>
+        </p:spPr>
+        <p:style>
+          <a:lnRef idx="0">
+            <a:scrgbClr r="0" g="0" b="0"/>
+          </a:lnRef>
+          <a:fillRef idx="0">
+            <a:scrgbClr r="0" g="0" b="0"/>
+          </a:fillRef>
+          <a:effectRef idx="0">
+            <a:scrgbClr r="0" g="0" b="0"/>
+          </a:effectRef>
+          <a:fontRef idx="minor">
+            <a:schemeClr val="lt1"/>
+          </a:fontRef>
+        </p:style>
+        <p:txBody>
+          <a:bodyPr rtlCol="0" anchor="ctr"/>
+          <a:lstStyle/>
+          <a:p>
+            <a:pPr algn="ctr"/>
+            <a:r>
+              <a:rPr lang="en-US" dirty="0" smtClean="0">
+                <a:solidFill>
+                  <a:schemeClr val="tx1"/>
+                </a:solidFill>
+              </a:rPr>
+              <a:t>Staging Area</a:t>
+            </a:r>
+            <a:endParaRPr lang="en-US" dirty="0">
+              <a:solidFill>
+                <a:schemeClr val="tx1"/>
+              </a:solidFill>
+            </a:endParaRPr>
+          </a:p>
+        </p:txBody>
+      </p:sp>
+      <p:sp>
+        <p:nvSpPr>
+          <p:cNvPr id="9" name="Rectangle 8"/>
+          <p:cNvSpPr/>
+          <p:nvPr/>
+        </p:nvSpPr>
+        <p:spPr>
+          <a:xfrm>
+            <a:off x="6832208" y="1923422"/>
+            <a:ext cx="1413330" cy="4229100"/>
+          </a:xfrm>
+          <a:prstGeom prst="rect">
+            <a:avLst/>
+          </a:prstGeom>
+        </p:spPr>
+        <p:style>
+          <a:lnRef idx="2">
+            <a:schemeClr val="accent1">
+              <a:shade val="50000"/>
+            </a:schemeClr>
+          </a:lnRef>
+          <a:fillRef idx="1">
+            <a:schemeClr val="accent1"/>
+          </a:fillRef>
+          <a:effectRef idx="0">
+            <a:schemeClr val="accent1"/>
+          </a:effectRef>
+          <a:fontRef idx="minor">
+            <a:schemeClr val="lt1"/>
+          </a:fontRef>
+        </p:style>
+        <p:txBody>
+          <a:bodyPr rtlCol="0" anchor="ctr"/>
+          <a:lstStyle/>
+          <a:p>
+            <a:pPr algn="ctr"/>
+            <a:r>
+              <a:rPr lang="en-US" dirty="0" smtClean="0">
+                <a:solidFill>
+                  <a:schemeClr val="tx1"/>
+                </a:solidFill>
+              </a:rPr>
+              <a:t>Local</a:t>
+            </a:r>
+          </a:p>
+          <a:p>
+            <a:pPr algn="ctr"/>
+            <a:r>
+              <a:rPr lang="en-US" dirty="0" smtClean="0">
+                <a:solidFill>
+                  <a:schemeClr val="tx1"/>
+                </a:solidFill>
+              </a:rPr>
+              <a:t>Repository</a:t>
+            </a:r>
+          </a:p>
+          <a:p>
+            <a:pPr algn="ctr"/>
+            <a:r>
+              <a:rPr lang="en-US" dirty="0" smtClean="0">
+                <a:solidFill>
+                  <a:schemeClr val="tx1"/>
+                </a:solidFill>
+              </a:rPr>
+              <a:t>(.</a:t>
+            </a:r>
+            <a:r>
+              <a:rPr lang="en-US" dirty="0" err="1" smtClean="0">
+                <a:solidFill>
+                  <a:schemeClr val="tx1"/>
+                </a:solidFill>
+              </a:rPr>
+              <a:t>git</a:t>
+            </a:r>
+            <a:r>
+              <a:rPr lang="en-US" dirty="0" smtClean="0">
+                <a:solidFill>
+                  <a:schemeClr val="tx1"/>
+                </a:solidFill>
+              </a:rPr>
+              <a:t> folder)</a:t>
+            </a:r>
+            <a:endParaRPr lang="en-US" dirty="0">
+              <a:solidFill>
+                <a:schemeClr val="tx1"/>
+              </a:solidFill>
+            </a:endParaRPr>
+          </a:p>
+        </p:txBody>
+      </p:sp>
+      <p:sp>
+        <p:nvSpPr>
+          <p:cNvPr id="10" name="Rectangle 9"/>
+          <p:cNvSpPr/>
+          <p:nvPr/>
+        </p:nvSpPr>
+        <p:spPr>
+          <a:xfrm>
+            <a:off x="9744781" y="1926771"/>
+            <a:ext cx="1410899" cy="4229100"/>
+          </a:xfrm>
+          <a:prstGeom prst="rect">
+            <a:avLst/>
+          </a:prstGeom>
+        </p:spPr>
+        <p:style>
+          <a:lnRef idx="2">
+            <a:schemeClr val="accent2">
+              <a:shade val="50000"/>
+            </a:schemeClr>
+          </a:lnRef>
+          <a:fillRef idx="1">
+            <a:schemeClr val="accent2"/>
+          </a:fillRef>
+          <a:effectRef idx="0">
+            <a:schemeClr val="accent2"/>
+          </a:effectRef>
+          <a:fontRef idx="minor">
+            <a:schemeClr val="lt1"/>
+          </a:fontRef>
+        </p:style>
+        <p:txBody>
+          <a:bodyPr rtlCol="0" anchor="ctr"/>
+          <a:lstStyle/>
+          <a:p>
+            <a:pPr algn="ctr"/>
+            <a:r>
+              <a:rPr lang="en-US" dirty="0" smtClean="0">
+                <a:solidFill>
+                  <a:schemeClr val="bg1"/>
+                </a:solidFill>
+              </a:rPr>
+              <a:t>Remote Repository</a:t>
+            </a:r>
+          </a:p>
+          <a:p>
+            <a:pPr algn="ctr"/>
+            <a:r>
+              <a:rPr lang="en-US" dirty="0" smtClean="0">
+                <a:solidFill>
+                  <a:schemeClr val="bg1"/>
+                </a:solidFill>
+              </a:rPr>
+              <a:t>(GitHub)</a:t>
+            </a:r>
+            <a:endParaRPr lang="en-US" dirty="0">
+              <a:solidFill>
+                <a:schemeClr val="bg1"/>
+              </a:solidFill>
+            </a:endParaRPr>
+          </a:p>
+        </p:txBody>
+      </p:sp>
+      <p:sp>
+        <p:nvSpPr>
+          <p:cNvPr id="15" name="Left Arrow 14"/>
+          <p:cNvSpPr/>
+          <p:nvPr/>
+        </p:nvSpPr>
+        <p:spPr>
+          <a:xfrm>
+            <a:off x="2507802" y="1923422"/>
+            <a:ext cx="7236979" cy="577780"/>
+          </a:xfrm>
+          <a:prstGeom prst="leftArrow">
+            <a:avLst/>
+          </a:prstGeom>
+        </p:spPr>
+        <p:style>
+          <a:lnRef idx="2">
+            <a:schemeClr val="dk1">
+              <a:shade val="50000"/>
+            </a:schemeClr>
+          </a:lnRef>
+          <a:fillRef idx="1">
+            <a:schemeClr val="dk1"/>
+          </a:fillRef>
+          <a:effectRef idx="0">
+            <a:schemeClr val="dk1"/>
+          </a:effectRef>
+          <a:fontRef idx="minor">
+            <a:schemeClr val="lt1"/>
+          </a:fontRef>
+        </p:style>
+        <p:txBody>
+          <a:bodyPr rtlCol="0" anchor="ctr"/>
+          <a:lstStyle/>
+          <a:p>
+            <a:pPr algn="ctr"/>
+            <a:r>
+              <a:rPr lang="en-US" dirty="0" err="1">
+                <a:solidFill>
+                  <a:schemeClr val="bg1"/>
+                </a:solidFill>
+                <a:latin typeface="Consolas" panose="020B0609020204030204" pitchFamily="49" charset="0"/>
+              </a:rPr>
+              <a:t>g</a:t>
+            </a:r>
+            <a:r>
+              <a:rPr lang="en-US" dirty="0" err="1" smtClean="0">
+                <a:solidFill>
+                  <a:schemeClr val="bg1"/>
+                </a:solidFill>
+                <a:latin typeface="Consolas" panose="020B0609020204030204" pitchFamily="49" charset="0"/>
+              </a:rPr>
+              <a:t>it</a:t>
+            </a:r>
+            <a:r>
+              <a:rPr lang="en-US" dirty="0" smtClean="0">
+                <a:solidFill>
+                  <a:schemeClr val="bg1"/>
+                </a:solidFill>
+                <a:latin typeface="Consolas" panose="020B0609020204030204" pitchFamily="49" charset="0"/>
+              </a:rPr>
+              <a:t> clone</a:t>
+            </a:r>
+            <a:endParaRPr lang="en-US" dirty="0">
+              <a:solidFill>
+                <a:schemeClr val="bg1"/>
+              </a:solidFill>
+              <a:latin typeface="Consolas" panose="020B0609020204030204" pitchFamily="49" charset="0"/>
+            </a:endParaRPr>
+          </a:p>
+        </p:txBody>
+      </p:sp>
+      <p:sp>
+        <p:nvSpPr>
+          <p:cNvPr id="20" name="Left Arrow 19"/>
+          <p:cNvSpPr/>
+          <p:nvPr/>
+        </p:nvSpPr>
+        <p:spPr>
+          <a:xfrm>
+            <a:off x="8237295" y="1923422"/>
+            <a:ext cx="1500834" cy="577780"/>
+          </a:xfrm>
+          <a:prstGeom prst="leftArrow">
+            <a:avLst/>
+          </a:prstGeom>
+          <a:ln>
+            <a:solidFill>
+              <a:schemeClr val="bg1"/>
+            </a:solidFill>
+          </a:ln>
+        </p:spPr>
+        <p:style>
+          <a:lnRef idx="2">
+            <a:schemeClr val="dk1">
+              <a:shade val="50000"/>
+            </a:schemeClr>
+          </a:lnRef>
+          <a:fillRef idx="1">
+            <a:schemeClr val="dk1"/>
+          </a:fillRef>
+          <a:effectRef idx="0">
+            <a:schemeClr val="dk1"/>
+          </a:effectRef>
+          <a:fontRef idx="minor">
+            <a:schemeClr val="lt1"/>
+          </a:fontRef>
+        </p:style>
+        <p:txBody>
+          <a:bodyPr rtlCol="0" anchor="ctr"/>
+          <a:lstStyle/>
+          <a:p>
+            <a:pPr algn="ctr"/>
+            <a:endParaRPr lang="en-US" dirty="0">
+              <a:solidFill>
+                <a:schemeClr val="bg1"/>
+              </a:solidFill>
+              <a:latin typeface="Consolas" panose="020B0609020204030204" pitchFamily="49" charset="0"/>
+            </a:endParaRPr>
+          </a:p>
+        </p:txBody>
+      </p:sp>
+    </p:spTree>
+    <p:extLst>
+      <p:ext uri="{BB962C8B-B14F-4D97-AF65-F5344CB8AC3E}">
+        <p14:creationId xmlns:p14="http://schemas.microsoft.com/office/powerpoint/2010/main" val="3630327677"/>
+      </p:ext>
+    </p:extLst>
+  </p:cSld>
+  <p:clrMapOvr>
+    <a:masterClrMapping/>
+  </p:clrMapOvr>
+  <p:timing>
+    <p:tnLst>
+      <p:par>
+        <p:cTn id="1" dur="indefinite" restart="never" nodeType="tmRoot"/>
+      </p:par>
+    </p:tnLst>
+  </p:timing>
+</p:sld>
+</file>
+
+<file path=ppt/slides/slide13.xml><?xml version="1.0" encoding="utf-8"?>
+<p:sld xmlns:a="http://schemas.openxmlformats.org/drawingml/2006/main" xmlns:r="http://schemas.openxmlformats.org/officeDocument/2006/relationships" xmlns:p="http://schemas.openxmlformats.org/presentationml/2006/main">
+  <p:cSld>
+    <p:spTree>
+      <p:nvGrpSpPr>
+        <p:cNvPr id="1" name=""/>
+        <p:cNvGrpSpPr/>
+        <p:nvPr/>
+      </p:nvGrpSpPr>
+      <p:grpSpPr>
+        <a:xfrm>
+          <a:off x="0" y="0"/>
+          <a:ext cx="0" cy="0"/>
+          <a:chOff x="0" y="0"/>
+          <a:chExt cx="0" cy="0"/>
+        </a:xfrm>
+      </p:grpSpPr>
+      <p:sp>
+        <p:nvSpPr>
+          <p:cNvPr id="2" name="Title 1"/>
+          <p:cNvSpPr>
+            <a:spLocks noGrp="1"/>
+          </p:cNvSpPr>
+          <p:nvPr>
+            <p:ph type="title"/>
+          </p:nvPr>
+        </p:nvSpPr>
+        <p:spPr/>
+        <p:txBody>
+          <a:bodyPr/>
+          <a:lstStyle/>
+          <a:p>
+            <a:r>
+              <a:rPr lang="en-US" dirty="0" smtClean="0"/>
+              <a:t>Fetching Changes</a:t>
+            </a:r>
+            <a:endParaRPr lang="en-US" dirty="0"/>
+          </a:p>
+        </p:txBody>
+      </p:sp>
+      <p:sp>
+        <p:nvSpPr>
+          <p:cNvPr id="6" name="Rectangle 5"/>
+          <p:cNvSpPr/>
+          <p:nvPr/>
+        </p:nvSpPr>
+        <p:spPr>
+          <a:xfrm>
+            <a:off x="1097279" y="1926772"/>
+            <a:ext cx="1411459" cy="4229100"/>
+          </a:xfrm>
+          <a:prstGeom prst="rect">
+            <a:avLst/>
+          </a:prstGeom>
+          <a:noFill/>
+          <a:ln w="9525" cap="flat" cmpd="sng" algn="ctr">
+            <a:solidFill>
+              <a:schemeClr val="accent1"/>
+            </a:solidFill>
+            <a:prstDash val="solid"/>
+            <a:round/>
+            <a:headEnd type="none" w="med" len="med"/>
+            <a:tailEnd type="none" w="med" len="med"/>
+          </a:ln>
+        </p:spPr>
+        <p:style>
+          <a:lnRef idx="0">
+            <a:scrgbClr r="0" g="0" b="0"/>
+          </a:lnRef>
+          <a:fillRef idx="0">
+            <a:scrgbClr r="0" g="0" b="0"/>
+          </a:fillRef>
+          <a:effectRef idx="0">
+            <a:scrgbClr r="0" g="0" b="0"/>
+          </a:effectRef>
+          <a:fontRef idx="minor">
+            <a:schemeClr val="accent1"/>
+          </a:fontRef>
+        </p:style>
+        <p:txBody>
+          <a:bodyPr rtlCol="0" anchor="ctr"/>
+          <a:lstStyle/>
+          <a:p>
+            <a:pPr algn="ctr"/>
+            <a:r>
+              <a:rPr lang="en-US" dirty="0" smtClean="0">
+                <a:solidFill>
+                  <a:schemeClr val="tx1"/>
+                </a:solidFill>
+              </a:rPr>
+              <a:t>Working</a:t>
+            </a:r>
+            <a:r>
+              <a:rPr lang="en-US" dirty="0" smtClean="0"/>
+              <a:t> </a:t>
+            </a:r>
+            <a:r>
+              <a:rPr lang="en-US" dirty="0" smtClean="0">
+                <a:solidFill>
+                  <a:schemeClr val="tx1"/>
+                </a:solidFill>
+              </a:rPr>
+              <a:t>Directory</a:t>
+            </a:r>
+          </a:p>
+          <a:p>
+            <a:pPr algn="ctr"/>
+            <a:r>
+              <a:rPr lang="en-US" dirty="0" smtClean="0">
+                <a:solidFill>
+                  <a:schemeClr val="tx1"/>
+                </a:solidFill>
+              </a:rPr>
+              <a:t>(the folder with all your files)</a:t>
+            </a:r>
+            <a:endParaRPr lang="en-US" dirty="0">
+              <a:solidFill>
+                <a:schemeClr val="tx1"/>
+              </a:solidFill>
+            </a:endParaRPr>
+          </a:p>
+        </p:txBody>
+      </p:sp>
+      <p:sp>
+        <p:nvSpPr>
+          <p:cNvPr id="8" name="Rectangle 7"/>
+          <p:cNvSpPr/>
+          <p:nvPr/>
+        </p:nvSpPr>
+        <p:spPr>
+          <a:xfrm>
+            <a:off x="3921507" y="1923422"/>
+            <a:ext cx="1411458" cy="4229100"/>
+          </a:xfrm>
+          <a:prstGeom prst="rect">
+            <a:avLst/>
+          </a:prstGeom>
+          <a:solidFill>
+            <a:schemeClr val="accent1">
+              <a:alpha val="50000"/>
+            </a:schemeClr>
+          </a:solidFill>
+          <a:ln>
+            <a:noFill/>
+          </a:ln>
+        </p:spPr>
+        <p:style>
+          <a:lnRef idx="0">
+            <a:scrgbClr r="0" g="0" b="0"/>
+          </a:lnRef>
+          <a:fillRef idx="0">
+            <a:scrgbClr r="0" g="0" b="0"/>
+          </a:fillRef>
+          <a:effectRef idx="0">
+            <a:scrgbClr r="0" g="0" b="0"/>
+          </a:effectRef>
+          <a:fontRef idx="minor">
+            <a:schemeClr val="lt1"/>
+          </a:fontRef>
+        </p:style>
+        <p:txBody>
+          <a:bodyPr rtlCol="0" anchor="ctr"/>
+          <a:lstStyle/>
+          <a:p>
+            <a:pPr algn="ctr"/>
+            <a:r>
+              <a:rPr lang="en-US" dirty="0" smtClean="0">
+                <a:solidFill>
+                  <a:schemeClr val="tx1"/>
+                </a:solidFill>
+              </a:rPr>
+              <a:t>Staging Area</a:t>
+            </a:r>
+            <a:endParaRPr lang="en-US" dirty="0">
+              <a:solidFill>
+                <a:schemeClr val="tx1"/>
+              </a:solidFill>
+            </a:endParaRPr>
+          </a:p>
+        </p:txBody>
+      </p:sp>
+      <p:sp>
+        <p:nvSpPr>
+          <p:cNvPr id="9" name="Rectangle 8"/>
+          <p:cNvSpPr/>
+          <p:nvPr/>
+        </p:nvSpPr>
+        <p:spPr>
+          <a:xfrm>
+            <a:off x="6832208" y="1923422"/>
+            <a:ext cx="1413330" cy="4229100"/>
+          </a:xfrm>
+          <a:prstGeom prst="rect">
+            <a:avLst/>
+          </a:prstGeom>
+        </p:spPr>
+        <p:style>
+          <a:lnRef idx="2">
+            <a:schemeClr val="accent1">
+              <a:shade val="50000"/>
+            </a:schemeClr>
+          </a:lnRef>
+          <a:fillRef idx="1">
+            <a:schemeClr val="accent1"/>
+          </a:fillRef>
+          <a:effectRef idx="0">
+            <a:schemeClr val="accent1"/>
+          </a:effectRef>
+          <a:fontRef idx="minor">
+            <a:schemeClr val="lt1"/>
+          </a:fontRef>
+        </p:style>
+        <p:txBody>
+          <a:bodyPr rtlCol="0" anchor="ctr"/>
+          <a:lstStyle/>
+          <a:p>
+            <a:pPr algn="ctr"/>
+            <a:r>
+              <a:rPr lang="en-US" dirty="0" smtClean="0">
+                <a:solidFill>
+                  <a:schemeClr val="tx1"/>
+                </a:solidFill>
+              </a:rPr>
+              <a:t>Local</a:t>
+            </a:r>
+          </a:p>
+          <a:p>
+            <a:pPr algn="ctr"/>
+            <a:r>
+              <a:rPr lang="en-US" dirty="0" smtClean="0">
+                <a:solidFill>
+                  <a:schemeClr val="tx1"/>
+                </a:solidFill>
+              </a:rPr>
+              <a:t>Repository</a:t>
+            </a:r>
+          </a:p>
+          <a:p>
+            <a:pPr algn="ctr"/>
+            <a:r>
+              <a:rPr lang="en-US" dirty="0" smtClean="0">
+                <a:solidFill>
+                  <a:schemeClr val="tx1"/>
+                </a:solidFill>
+              </a:rPr>
+              <a:t>(.</a:t>
+            </a:r>
+            <a:r>
+              <a:rPr lang="en-US" dirty="0" err="1" smtClean="0">
+                <a:solidFill>
+                  <a:schemeClr val="tx1"/>
+                </a:solidFill>
+              </a:rPr>
+              <a:t>git</a:t>
+            </a:r>
+            <a:r>
+              <a:rPr lang="en-US" dirty="0" smtClean="0">
+                <a:solidFill>
+                  <a:schemeClr val="tx1"/>
+                </a:solidFill>
+              </a:rPr>
+              <a:t> folder)</a:t>
+            </a:r>
+            <a:endParaRPr lang="en-US" dirty="0">
+              <a:solidFill>
+                <a:schemeClr val="tx1"/>
+              </a:solidFill>
+            </a:endParaRPr>
+          </a:p>
+        </p:txBody>
+      </p:sp>
+      <p:sp>
+        <p:nvSpPr>
+          <p:cNvPr id="10" name="Rectangle 9"/>
+          <p:cNvSpPr/>
+          <p:nvPr/>
+        </p:nvSpPr>
+        <p:spPr>
+          <a:xfrm>
+            <a:off x="9744781" y="1926771"/>
+            <a:ext cx="1410899" cy="4229100"/>
+          </a:xfrm>
+          <a:prstGeom prst="rect">
+            <a:avLst/>
+          </a:prstGeom>
+        </p:spPr>
+        <p:style>
+          <a:lnRef idx="2">
+            <a:schemeClr val="accent2">
+              <a:shade val="50000"/>
+            </a:schemeClr>
+          </a:lnRef>
+          <a:fillRef idx="1">
+            <a:schemeClr val="accent2"/>
+          </a:fillRef>
+          <a:effectRef idx="0">
+            <a:schemeClr val="accent2"/>
+          </a:effectRef>
+          <a:fontRef idx="minor">
+            <a:schemeClr val="lt1"/>
+          </a:fontRef>
+        </p:style>
+        <p:txBody>
+          <a:bodyPr rtlCol="0" anchor="ctr"/>
+          <a:lstStyle/>
+          <a:p>
+            <a:pPr algn="ctr"/>
+            <a:r>
+              <a:rPr lang="en-US" dirty="0" smtClean="0">
+                <a:solidFill>
+                  <a:schemeClr val="bg1"/>
+                </a:solidFill>
+              </a:rPr>
+              <a:t>Remote Repository</a:t>
+            </a:r>
+          </a:p>
+          <a:p>
+            <a:pPr algn="ctr"/>
+            <a:r>
+              <a:rPr lang="en-US" dirty="0" smtClean="0">
+                <a:solidFill>
+                  <a:schemeClr val="bg1"/>
+                </a:solidFill>
+              </a:rPr>
+              <a:t>(GitHub)</a:t>
+            </a:r>
+            <a:endParaRPr lang="en-US" dirty="0">
+              <a:solidFill>
+                <a:schemeClr val="bg1"/>
+              </a:solidFill>
+            </a:endParaRPr>
+          </a:p>
+        </p:txBody>
+      </p:sp>
+      <p:sp>
+        <p:nvSpPr>
+          <p:cNvPr id="15" name="Left Arrow 14"/>
+          <p:cNvSpPr/>
+          <p:nvPr/>
+        </p:nvSpPr>
+        <p:spPr>
+          <a:xfrm>
+            <a:off x="2507802" y="1923422"/>
+            <a:ext cx="7236979" cy="577780"/>
+          </a:xfrm>
+          <a:prstGeom prst="leftArrow">
+            <a:avLst/>
+          </a:prstGeom>
+        </p:spPr>
+        <p:style>
+          <a:lnRef idx="2">
+            <a:schemeClr val="dk1">
+              <a:shade val="50000"/>
+            </a:schemeClr>
+          </a:lnRef>
+          <a:fillRef idx="1">
+            <a:schemeClr val="dk1"/>
+          </a:fillRef>
+          <a:effectRef idx="0">
+            <a:schemeClr val="dk1"/>
+          </a:effectRef>
+          <a:fontRef idx="minor">
+            <a:schemeClr val="lt1"/>
+          </a:fontRef>
+        </p:style>
+        <p:txBody>
+          <a:bodyPr rtlCol="0" anchor="ctr"/>
+          <a:lstStyle/>
+          <a:p>
+            <a:pPr algn="ctr"/>
+            <a:r>
+              <a:rPr lang="en-US" dirty="0" err="1">
+                <a:solidFill>
+                  <a:schemeClr val="bg1"/>
+                </a:solidFill>
+                <a:latin typeface="Consolas" panose="020B0609020204030204" pitchFamily="49" charset="0"/>
+              </a:rPr>
+              <a:t>g</a:t>
+            </a:r>
+            <a:r>
+              <a:rPr lang="en-US" dirty="0" err="1" smtClean="0">
+                <a:solidFill>
+                  <a:schemeClr val="bg1"/>
+                </a:solidFill>
+                <a:latin typeface="Consolas" panose="020B0609020204030204" pitchFamily="49" charset="0"/>
+              </a:rPr>
+              <a:t>it</a:t>
+            </a:r>
+            <a:r>
+              <a:rPr lang="en-US" dirty="0" smtClean="0">
+                <a:solidFill>
+                  <a:schemeClr val="bg1"/>
+                </a:solidFill>
+                <a:latin typeface="Consolas" panose="020B0609020204030204" pitchFamily="49" charset="0"/>
+              </a:rPr>
+              <a:t> clone</a:t>
+            </a:r>
+            <a:endParaRPr lang="en-US" dirty="0">
+              <a:solidFill>
+                <a:schemeClr val="bg1"/>
+              </a:solidFill>
+              <a:latin typeface="Consolas" panose="020B0609020204030204" pitchFamily="49" charset="0"/>
+            </a:endParaRPr>
+          </a:p>
+        </p:txBody>
+      </p:sp>
+      <p:sp>
+        <p:nvSpPr>
+          <p:cNvPr id="17" name="Left Arrow 16"/>
+          <p:cNvSpPr/>
+          <p:nvPr/>
+        </p:nvSpPr>
+        <p:spPr>
+          <a:xfrm>
+            <a:off x="8243947" y="2558895"/>
+            <a:ext cx="1500834" cy="577780"/>
+          </a:xfrm>
+          <a:prstGeom prst="leftArrow">
+            <a:avLst/>
+          </a:prstGeom>
+        </p:spPr>
+        <p:style>
+          <a:lnRef idx="2">
+            <a:schemeClr val="dk1">
+              <a:shade val="50000"/>
+            </a:schemeClr>
+          </a:lnRef>
+          <a:fillRef idx="1">
+            <a:schemeClr val="dk1"/>
+          </a:fillRef>
+          <a:effectRef idx="0">
+            <a:schemeClr val="dk1"/>
+          </a:effectRef>
+          <a:fontRef idx="minor">
+            <a:schemeClr val="lt1"/>
+          </a:fontRef>
+        </p:style>
+        <p:txBody>
+          <a:bodyPr rtlCol="0" anchor="ctr"/>
+          <a:lstStyle/>
+          <a:p>
+            <a:pPr algn="ctr"/>
+            <a:r>
+              <a:rPr lang="en-US" dirty="0" err="1">
+                <a:solidFill>
+                  <a:schemeClr val="bg1"/>
+                </a:solidFill>
+                <a:latin typeface="Consolas" panose="020B0609020204030204" pitchFamily="49" charset="0"/>
+              </a:rPr>
+              <a:t>g</a:t>
+            </a:r>
+            <a:r>
+              <a:rPr lang="en-US" dirty="0" err="1" smtClean="0">
+                <a:solidFill>
+                  <a:schemeClr val="bg1"/>
+                </a:solidFill>
+                <a:latin typeface="Consolas" panose="020B0609020204030204" pitchFamily="49" charset="0"/>
+              </a:rPr>
+              <a:t>it</a:t>
+            </a:r>
+            <a:r>
+              <a:rPr lang="en-US" dirty="0" smtClean="0">
+                <a:solidFill>
+                  <a:schemeClr val="bg1"/>
+                </a:solidFill>
+                <a:latin typeface="Consolas" panose="020B0609020204030204" pitchFamily="49" charset="0"/>
+              </a:rPr>
+              <a:t> fetch</a:t>
+            </a:r>
+            <a:endParaRPr lang="en-US" dirty="0">
+              <a:solidFill>
+                <a:schemeClr val="bg1"/>
+              </a:solidFill>
+              <a:latin typeface="Consolas" panose="020B0609020204030204" pitchFamily="49" charset="0"/>
+            </a:endParaRPr>
+          </a:p>
+        </p:txBody>
+      </p:sp>
+      <p:sp>
+        <p:nvSpPr>
+          <p:cNvPr id="21" name="Left Arrow 20"/>
+          <p:cNvSpPr/>
+          <p:nvPr/>
+        </p:nvSpPr>
+        <p:spPr>
+          <a:xfrm>
+            <a:off x="8237295" y="1923422"/>
+            <a:ext cx="1500834" cy="577780"/>
+          </a:xfrm>
+          <a:prstGeom prst="leftArrow">
+            <a:avLst/>
+          </a:prstGeom>
+          <a:ln>
+            <a:solidFill>
+              <a:schemeClr val="bg1"/>
+            </a:solidFill>
+          </a:ln>
+        </p:spPr>
+        <p:style>
+          <a:lnRef idx="2">
+            <a:schemeClr val="dk1">
+              <a:shade val="50000"/>
+            </a:schemeClr>
+          </a:lnRef>
+          <a:fillRef idx="1">
+            <a:schemeClr val="dk1"/>
+          </a:fillRef>
+          <a:effectRef idx="0">
+            <a:schemeClr val="dk1"/>
+          </a:effectRef>
+          <a:fontRef idx="minor">
+            <a:schemeClr val="lt1"/>
+          </a:fontRef>
+        </p:style>
+        <p:txBody>
+          <a:bodyPr rtlCol="0" anchor="ctr"/>
+          <a:lstStyle/>
+          <a:p>
+            <a:pPr algn="ctr"/>
+            <a:endParaRPr lang="en-US" dirty="0">
+              <a:solidFill>
+                <a:schemeClr val="bg1"/>
+              </a:solidFill>
+              <a:latin typeface="Consolas" panose="020B0609020204030204" pitchFamily="49" charset="0"/>
+            </a:endParaRPr>
+          </a:p>
+        </p:txBody>
+      </p:sp>
+    </p:spTree>
+    <p:extLst>
+      <p:ext uri="{BB962C8B-B14F-4D97-AF65-F5344CB8AC3E}">
+        <p14:creationId xmlns:p14="http://schemas.microsoft.com/office/powerpoint/2010/main" val="2407319764"/>
+      </p:ext>
+    </p:extLst>
+  </p:cSld>
+  <p:clrMapOvr>
+    <a:masterClrMapping/>
+  </p:clrMapOvr>
+  <p:timing>
+    <p:tnLst>
+      <p:par>
+        <p:cTn id="1" dur="indefinite" restart="never" nodeType="tmRoot"/>
+      </p:par>
+    </p:tnLst>
+  </p:timing>
+</p:sld>
+</file>
+
+<file path=ppt/slides/slide14.xml><?xml version="1.0" encoding="utf-8"?>
+<p:sld xmlns:a="http://schemas.openxmlformats.org/drawingml/2006/main" xmlns:r="http://schemas.openxmlformats.org/officeDocument/2006/relationships" xmlns:p="http://schemas.openxmlformats.org/presentationml/2006/main">
+  <p:cSld>
+    <p:spTree>
+      <p:nvGrpSpPr>
+        <p:cNvPr id="1" name=""/>
+        <p:cNvGrpSpPr/>
+        <p:nvPr/>
+      </p:nvGrpSpPr>
+      <p:grpSpPr>
+        <a:xfrm>
+          <a:off x="0" y="0"/>
+          <a:ext cx="0" cy="0"/>
+          <a:chOff x="0" y="0"/>
+          <a:chExt cx="0" cy="0"/>
+        </a:xfrm>
+      </p:grpSpPr>
+      <p:sp>
+        <p:nvSpPr>
+          <p:cNvPr id="2" name="Title 1"/>
+          <p:cNvSpPr>
+            <a:spLocks noGrp="1"/>
+          </p:cNvSpPr>
+          <p:nvPr>
+            <p:ph type="title"/>
+          </p:nvPr>
+        </p:nvSpPr>
+        <p:spPr/>
+        <p:txBody>
+          <a:bodyPr/>
+          <a:lstStyle/>
+          <a:p>
+            <a:r>
+              <a:rPr lang="en-US" dirty="0" smtClean="0"/>
+              <a:t>Copying Changes</a:t>
+            </a:r>
+            <a:endParaRPr lang="en-US" dirty="0"/>
+          </a:p>
+        </p:txBody>
+      </p:sp>
+      <p:sp>
+        <p:nvSpPr>
+          <p:cNvPr id="6" name="Rectangle 5"/>
+          <p:cNvSpPr/>
+          <p:nvPr/>
+        </p:nvSpPr>
+        <p:spPr>
+          <a:xfrm>
+            <a:off x="1097279" y="1926772"/>
+            <a:ext cx="1411459" cy="4229100"/>
+          </a:xfrm>
+          <a:prstGeom prst="rect">
+            <a:avLst/>
+          </a:prstGeom>
+          <a:noFill/>
+          <a:ln w="9525" cap="flat" cmpd="sng" algn="ctr">
+            <a:solidFill>
+              <a:schemeClr val="accent1"/>
+            </a:solidFill>
+            <a:prstDash val="solid"/>
+            <a:round/>
+            <a:headEnd type="none" w="med" len="med"/>
+            <a:tailEnd type="none" w="med" len="med"/>
+          </a:ln>
+        </p:spPr>
+        <p:style>
+          <a:lnRef idx="0">
+            <a:scrgbClr r="0" g="0" b="0"/>
+          </a:lnRef>
+          <a:fillRef idx="0">
+            <a:scrgbClr r="0" g="0" b="0"/>
+          </a:fillRef>
+          <a:effectRef idx="0">
+            <a:scrgbClr r="0" g="0" b="0"/>
+          </a:effectRef>
+          <a:fontRef idx="minor">
+            <a:schemeClr val="accent1"/>
+          </a:fontRef>
+        </p:style>
+        <p:txBody>
+          <a:bodyPr rtlCol="0" anchor="ctr"/>
+          <a:lstStyle/>
+          <a:p>
+            <a:pPr algn="ctr"/>
+            <a:r>
+              <a:rPr lang="en-US" dirty="0" smtClean="0">
+                <a:solidFill>
+                  <a:schemeClr val="tx1"/>
+                </a:solidFill>
+              </a:rPr>
+              <a:t>Working</a:t>
+            </a:r>
+            <a:r>
+              <a:rPr lang="en-US" dirty="0" smtClean="0"/>
+              <a:t> </a:t>
+            </a:r>
+            <a:r>
+              <a:rPr lang="en-US" dirty="0" smtClean="0">
+                <a:solidFill>
+                  <a:schemeClr val="tx1"/>
+                </a:solidFill>
+              </a:rPr>
+              <a:t>Directory</a:t>
+            </a:r>
+          </a:p>
+          <a:p>
+            <a:pPr algn="ctr"/>
+            <a:r>
+              <a:rPr lang="en-US" dirty="0" smtClean="0">
+                <a:solidFill>
+                  <a:schemeClr val="tx1"/>
+                </a:solidFill>
+              </a:rPr>
+              <a:t>(the folder with all your files)</a:t>
+            </a:r>
+            <a:endParaRPr lang="en-US" dirty="0">
+              <a:solidFill>
+                <a:schemeClr val="tx1"/>
+              </a:solidFill>
+            </a:endParaRPr>
+          </a:p>
+        </p:txBody>
+      </p:sp>
+      <p:sp>
+        <p:nvSpPr>
+          <p:cNvPr id="8" name="Rectangle 7"/>
+          <p:cNvSpPr/>
+          <p:nvPr/>
+        </p:nvSpPr>
+        <p:spPr>
+          <a:xfrm>
+            <a:off x="3921507" y="1923422"/>
+            <a:ext cx="1411458" cy="4229100"/>
+          </a:xfrm>
+          <a:prstGeom prst="rect">
+            <a:avLst/>
+          </a:prstGeom>
+          <a:solidFill>
+            <a:schemeClr val="accent1">
+              <a:alpha val="50000"/>
+            </a:schemeClr>
+          </a:solidFill>
+          <a:ln>
+            <a:noFill/>
+          </a:ln>
+        </p:spPr>
+        <p:style>
+          <a:lnRef idx="0">
+            <a:scrgbClr r="0" g="0" b="0"/>
+          </a:lnRef>
+          <a:fillRef idx="0">
+            <a:scrgbClr r="0" g="0" b="0"/>
+          </a:fillRef>
+          <a:effectRef idx="0">
+            <a:scrgbClr r="0" g="0" b="0"/>
+          </a:effectRef>
+          <a:fontRef idx="minor">
+            <a:schemeClr val="lt1"/>
+          </a:fontRef>
+        </p:style>
+        <p:txBody>
+          <a:bodyPr rtlCol="0" anchor="ctr"/>
+          <a:lstStyle/>
+          <a:p>
+            <a:pPr algn="ctr"/>
+            <a:r>
+              <a:rPr lang="en-US" dirty="0" smtClean="0">
+                <a:solidFill>
+                  <a:schemeClr val="tx1"/>
+                </a:solidFill>
+              </a:rPr>
+              <a:t>Staging Area</a:t>
+            </a:r>
+            <a:endParaRPr lang="en-US" dirty="0">
+              <a:solidFill>
+                <a:schemeClr val="tx1"/>
+              </a:solidFill>
+            </a:endParaRPr>
+          </a:p>
+        </p:txBody>
+      </p:sp>
+      <p:sp>
+        <p:nvSpPr>
+          <p:cNvPr id="9" name="Rectangle 8"/>
+          <p:cNvSpPr/>
+          <p:nvPr/>
+        </p:nvSpPr>
+        <p:spPr>
+          <a:xfrm>
+            <a:off x="6832208" y="1923422"/>
+            <a:ext cx="1413330" cy="4229100"/>
+          </a:xfrm>
+          <a:prstGeom prst="rect">
+            <a:avLst/>
+          </a:prstGeom>
+        </p:spPr>
+        <p:style>
+          <a:lnRef idx="2">
+            <a:schemeClr val="accent1">
+              <a:shade val="50000"/>
+            </a:schemeClr>
+          </a:lnRef>
+          <a:fillRef idx="1">
+            <a:schemeClr val="accent1"/>
+          </a:fillRef>
+          <a:effectRef idx="0">
+            <a:schemeClr val="accent1"/>
+          </a:effectRef>
+          <a:fontRef idx="minor">
+            <a:schemeClr val="lt1"/>
+          </a:fontRef>
+        </p:style>
+        <p:txBody>
+          <a:bodyPr rtlCol="0" anchor="ctr"/>
+          <a:lstStyle/>
+          <a:p>
+            <a:pPr algn="ctr"/>
+            <a:r>
+              <a:rPr lang="en-US" dirty="0" smtClean="0">
+                <a:solidFill>
+                  <a:schemeClr val="tx1"/>
+                </a:solidFill>
+              </a:rPr>
+              <a:t>Local</a:t>
+            </a:r>
+          </a:p>
+          <a:p>
+            <a:pPr algn="ctr"/>
+            <a:r>
+              <a:rPr lang="en-US" dirty="0" smtClean="0">
+                <a:solidFill>
+                  <a:schemeClr val="tx1"/>
+                </a:solidFill>
+              </a:rPr>
+              <a:t>Repository</a:t>
+            </a:r>
+          </a:p>
+          <a:p>
+            <a:pPr algn="ctr"/>
+            <a:r>
+              <a:rPr lang="en-US" dirty="0" smtClean="0">
+                <a:solidFill>
+                  <a:schemeClr val="tx1"/>
+                </a:solidFill>
+              </a:rPr>
+              <a:t>(.</a:t>
+            </a:r>
+            <a:r>
+              <a:rPr lang="en-US" dirty="0" err="1" smtClean="0">
+                <a:solidFill>
+                  <a:schemeClr val="tx1"/>
+                </a:solidFill>
+              </a:rPr>
+              <a:t>git</a:t>
+            </a:r>
+            <a:r>
+              <a:rPr lang="en-US" dirty="0" smtClean="0">
+                <a:solidFill>
+                  <a:schemeClr val="tx1"/>
+                </a:solidFill>
+              </a:rPr>
+              <a:t> folder)</a:t>
+            </a:r>
+            <a:endParaRPr lang="en-US" dirty="0">
+              <a:solidFill>
+                <a:schemeClr val="tx1"/>
+              </a:solidFill>
+            </a:endParaRPr>
+          </a:p>
+        </p:txBody>
+      </p:sp>
+      <p:sp>
+        <p:nvSpPr>
+          <p:cNvPr id="10" name="Rectangle 9"/>
+          <p:cNvSpPr/>
+          <p:nvPr/>
+        </p:nvSpPr>
+        <p:spPr>
+          <a:xfrm>
+            <a:off x="9744781" y="1926771"/>
+            <a:ext cx="1410899" cy="4229100"/>
+          </a:xfrm>
+          <a:prstGeom prst="rect">
+            <a:avLst/>
+          </a:prstGeom>
+        </p:spPr>
+        <p:style>
+          <a:lnRef idx="2">
+            <a:schemeClr val="accent2">
+              <a:shade val="50000"/>
+            </a:schemeClr>
+          </a:lnRef>
+          <a:fillRef idx="1">
+            <a:schemeClr val="accent2"/>
+          </a:fillRef>
+          <a:effectRef idx="0">
+            <a:schemeClr val="accent2"/>
+          </a:effectRef>
+          <a:fontRef idx="minor">
+            <a:schemeClr val="lt1"/>
+          </a:fontRef>
+        </p:style>
+        <p:txBody>
+          <a:bodyPr rtlCol="0" anchor="ctr"/>
+          <a:lstStyle/>
+          <a:p>
+            <a:pPr algn="ctr"/>
+            <a:r>
+              <a:rPr lang="en-US" dirty="0" smtClean="0">
+                <a:solidFill>
+                  <a:schemeClr val="bg1"/>
+                </a:solidFill>
+              </a:rPr>
+              <a:t>Remote Repository</a:t>
+            </a:r>
+          </a:p>
+          <a:p>
+            <a:pPr algn="ctr"/>
+            <a:r>
+              <a:rPr lang="en-US" dirty="0" smtClean="0">
+                <a:solidFill>
+                  <a:schemeClr val="bg1"/>
+                </a:solidFill>
+              </a:rPr>
+              <a:t>(GitHub)</a:t>
+            </a:r>
+            <a:endParaRPr lang="en-US" dirty="0">
+              <a:solidFill>
+                <a:schemeClr val="bg1"/>
+              </a:solidFill>
+            </a:endParaRPr>
+          </a:p>
+        </p:txBody>
+      </p:sp>
+      <p:sp>
+        <p:nvSpPr>
+          <p:cNvPr id="15" name="Left Arrow 14"/>
+          <p:cNvSpPr/>
+          <p:nvPr/>
+        </p:nvSpPr>
+        <p:spPr>
+          <a:xfrm>
+            <a:off x="2507802" y="1923422"/>
+            <a:ext cx="7236979" cy="577780"/>
+          </a:xfrm>
+          <a:prstGeom prst="leftArrow">
+            <a:avLst/>
+          </a:prstGeom>
+        </p:spPr>
+        <p:style>
+          <a:lnRef idx="2">
+            <a:schemeClr val="dk1">
+              <a:shade val="50000"/>
+            </a:schemeClr>
+          </a:lnRef>
+          <a:fillRef idx="1">
+            <a:schemeClr val="dk1"/>
+          </a:fillRef>
+          <a:effectRef idx="0">
+            <a:schemeClr val="dk1"/>
+          </a:effectRef>
+          <a:fontRef idx="minor">
+            <a:schemeClr val="lt1"/>
+          </a:fontRef>
+        </p:style>
+        <p:txBody>
+          <a:bodyPr rtlCol="0" anchor="ctr"/>
+          <a:lstStyle/>
+          <a:p>
+            <a:pPr algn="ctr"/>
+            <a:r>
+              <a:rPr lang="en-US" dirty="0" err="1">
+                <a:solidFill>
+                  <a:schemeClr val="bg1"/>
+                </a:solidFill>
+                <a:latin typeface="Consolas" panose="020B0609020204030204" pitchFamily="49" charset="0"/>
+              </a:rPr>
+              <a:t>g</a:t>
+            </a:r>
+            <a:r>
+              <a:rPr lang="en-US" dirty="0" err="1" smtClean="0">
+                <a:solidFill>
+                  <a:schemeClr val="bg1"/>
+                </a:solidFill>
+                <a:latin typeface="Consolas" panose="020B0609020204030204" pitchFamily="49" charset="0"/>
+              </a:rPr>
+              <a:t>it</a:t>
+            </a:r>
+            <a:r>
+              <a:rPr lang="en-US" dirty="0" smtClean="0">
+                <a:solidFill>
+                  <a:schemeClr val="bg1"/>
+                </a:solidFill>
+                <a:latin typeface="Consolas" panose="020B0609020204030204" pitchFamily="49" charset="0"/>
+              </a:rPr>
+              <a:t> clone</a:t>
+            </a:r>
+            <a:endParaRPr lang="en-US" dirty="0">
+              <a:solidFill>
+                <a:schemeClr val="bg1"/>
+              </a:solidFill>
+              <a:latin typeface="Consolas" panose="020B0609020204030204" pitchFamily="49" charset="0"/>
+            </a:endParaRPr>
+          </a:p>
+        </p:txBody>
+      </p:sp>
+      <p:sp>
+        <p:nvSpPr>
+          <p:cNvPr id="20" name="Left Arrow 19"/>
+          <p:cNvSpPr/>
+          <p:nvPr/>
+        </p:nvSpPr>
+        <p:spPr>
+          <a:xfrm>
+            <a:off x="8237295" y="1923422"/>
+            <a:ext cx="1500834" cy="577780"/>
+          </a:xfrm>
+          <a:prstGeom prst="leftArrow">
+            <a:avLst/>
+          </a:prstGeom>
+          <a:ln>
+            <a:solidFill>
+              <a:schemeClr val="bg1"/>
+            </a:solidFill>
+          </a:ln>
+        </p:spPr>
+        <p:style>
+          <a:lnRef idx="2">
+            <a:schemeClr val="dk1">
+              <a:shade val="50000"/>
+            </a:schemeClr>
+          </a:lnRef>
+          <a:fillRef idx="1">
+            <a:schemeClr val="dk1"/>
+          </a:fillRef>
+          <a:effectRef idx="0">
+            <a:schemeClr val="dk1"/>
+          </a:effectRef>
+          <a:fontRef idx="minor">
+            <a:schemeClr val="lt1"/>
+          </a:fontRef>
+        </p:style>
+        <p:txBody>
+          <a:bodyPr rtlCol="0" anchor="ctr"/>
+          <a:lstStyle/>
+          <a:p>
+            <a:pPr algn="ctr"/>
+            <a:endParaRPr lang="en-US" dirty="0">
+              <a:solidFill>
+                <a:schemeClr val="bg1"/>
+              </a:solidFill>
+              <a:latin typeface="Consolas" panose="020B0609020204030204" pitchFamily="49" charset="0"/>
+            </a:endParaRPr>
+          </a:p>
+        </p:txBody>
+      </p:sp>
+      <p:sp>
+        <p:nvSpPr>
+          <p:cNvPr id="11" name="Left Arrow 10"/>
+          <p:cNvSpPr/>
+          <p:nvPr/>
+        </p:nvSpPr>
+        <p:spPr>
+          <a:xfrm>
+            <a:off x="2501150" y="3194368"/>
+            <a:ext cx="7236979" cy="577780"/>
+          </a:xfrm>
+          <a:prstGeom prst="leftArrow">
+            <a:avLst/>
+          </a:prstGeom>
+          <a:solidFill>
+            <a:schemeClr val="tx1"/>
+          </a:solidFill>
+        </p:spPr>
+        <p:style>
+          <a:lnRef idx="2">
+            <a:schemeClr val="dk1">
+              <a:shade val="50000"/>
+            </a:schemeClr>
+          </a:lnRef>
+          <a:fillRef idx="1">
+            <a:schemeClr val="dk1"/>
+          </a:fillRef>
+          <a:effectRef idx="0">
+            <a:schemeClr val="dk1"/>
+          </a:effectRef>
+          <a:fontRef idx="minor">
+            <a:schemeClr val="lt1"/>
+          </a:fontRef>
+        </p:style>
+        <p:txBody>
+          <a:bodyPr rtlCol="0" anchor="ctr"/>
+          <a:lstStyle/>
+          <a:p>
+            <a:pPr algn="ctr"/>
+            <a:r>
+              <a:rPr lang="en-US" dirty="0" err="1">
+                <a:solidFill>
+                  <a:schemeClr val="bg1"/>
+                </a:solidFill>
+                <a:latin typeface="Consolas" panose="020B0609020204030204" pitchFamily="49" charset="0"/>
+              </a:rPr>
+              <a:t>g</a:t>
+            </a:r>
+            <a:r>
+              <a:rPr lang="en-US" dirty="0" err="1" smtClean="0">
+                <a:solidFill>
+                  <a:schemeClr val="bg1"/>
+                </a:solidFill>
+                <a:latin typeface="Consolas" panose="020B0609020204030204" pitchFamily="49" charset="0"/>
+              </a:rPr>
+              <a:t>it</a:t>
+            </a:r>
+            <a:r>
+              <a:rPr lang="en-US" dirty="0" smtClean="0">
+                <a:solidFill>
+                  <a:schemeClr val="bg1"/>
+                </a:solidFill>
+                <a:latin typeface="Consolas" panose="020B0609020204030204" pitchFamily="49" charset="0"/>
+              </a:rPr>
+              <a:t> pull</a:t>
+            </a:r>
+            <a:endParaRPr lang="en-US" dirty="0">
+              <a:solidFill>
+                <a:schemeClr val="bg1"/>
+              </a:solidFill>
+              <a:latin typeface="Consolas" panose="020B0609020204030204" pitchFamily="49" charset="0"/>
+            </a:endParaRPr>
+          </a:p>
+        </p:txBody>
+      </p:sp>
+      <p:sp>
+        <p:nvSpPr>
+          <p:cNvPr id="12" name="Left Arrow 11"/>
+          <p:cNvSpPr/>
+          <p:nvPr/>
+        </p:nvSpPr>
+        <p:spPr>
+          <a:xfrm>
+            <a:off x="8229047" y="3194368"/>
+            <a:ext cx="1500834" cy="577780"/>
+          </a:xfrm>
+          <a:prstGeom prst="leftArrow">
+            <a:avLst/>
+          </a:prstGeom>
+          <a:ln>
+            <a:solidFill>
+              <a:schemeClr val="bg1"/>
+            </a:solidFill>
+          </a:ln>
+        </p:spPr>
+        <p:style>
+          <a:lnRef idx="2">
+            <a:schemeClr val="dk1">
+              <a:shade val="50000"/>
+            </a:schemeClr>
+          </a:lnRef>
+          <a:fillRef idx="1">
+            <a:schemeClr val="dk1"/>
+          </a:fillRef>
+          <a:effectRef idx="0">
+            <a:schemeClr val="dk1"/>
+          </a:effectRef>
+          <a:fontRef idx="minor">
+            <a:schemeClr val="lt1"/>
+          </a:fontRef>
+        </p:style>
+        <p:txBody>
+          <a:bodyPr rtlCol="0" anchor="ctr"/>
+          <a:lstStyle/>
+          <a:p>
+            <a:pPr algn="ctr"/>
+            <a:endParaRPr lang="en-US" dirty="0">
+              <a:solidFill>
+                <a:schemeClr val="bg1"/>
+              </a:solidFill>
+              <a:latin typeface="Consolas" panose="020B0609020204030204" pitchFamily="49" charset="0"/>
+            </a:endParaRPr>
+          </a:p>
+        </p:txBody>
+      </p:sp>
+      <p:sp>
+        <p:nvSpPr>
+          <p:cNvPr id="13" name="Left Arrow 12"/>
+          <p:cNvSpPr/>
+          <p:nvPr/>
+        </p:nvSpPr>
+        <p:spPr>
+          <a:xfrm>
+            <a:off x="8243947" y="2558895"/>
+            <a:ext cx="1500834" cy="577780"/>
+          </a:xfrm>
+          <a:prstGeom prst="leftArrow">
+            <a:avLst/>
+          </a:prstGeom>
+        </p:spPr>
+        <p:style>
+          <a:lnRef idx="2">
+            <a:schemeClr val="dk1">
+              <a:shade val="50000"/>
+            </a:schemeClr>
+          </a:lnRef>
+          <a:fillRef idx="1">
+            <a:schemeClr val="dk1"/>
+          </a:fillRef>
+          <a:effectRef idx="0">
+            <a:schemeClr val="dk1"/>
+          </a:effectRef>
+          <a:fontRef idx="minor">
+            <a:schemeClr val="lt1"/>
+          </a:fontRef>
+        </p:style>
+        <p:txBody>
+          <a:bodyPr rtlCol="0" anchor="ctr"/>
+          <a:lstStyle/>
+          <a:p>
+            <a:pPr algn="ctr"/>
+            <a:r>
+              <a:rPr lang="en-US" dirty="0" err="1">
+                <a:solidFill>
+                  <a:schemeClr val="bg1"/>
+                </a:solidFill>
+                <a:latin typeface="Consolas" panose="020B0609020204030204" pitchFamily="49" charset="0"/>
+              </a:rPr>
+              <a:t>g</a:t>
+            </a:r>
+            <a:r>
+              <a:rPr lang="en-US" dirty="0" err="1" smtClean="0">
+                <a:solidFill>
+                  <a:schemeClr val="bg1"/>
+                </a:solidFill>
+                <a:latin typeface="Consolas" panose="020B0609020204030204" pitchFamily="49" charset="0"/>
+              </a:rPr>
+              <a:t>it</a:t>
+            </a:r>
+            <a:r>
+              <a:rPr lang="en-US" dirty="0" smtClean="0">
+                <a:solidFill>
+                  <a:schemeClr val="bg1"/>
+                </a:solidFill>
+                <a:latin typeface="Consolas" panose="020B0609020204030204" pitchFamily="49" charset="0"/>
+              </a:rPr>
+              <a:t> fetch</a:t>
+            </a:r>
+            <a:endParaRPr lang="en-US" dirty="0">
+              <a:solidFill>
+                <a:schemeClr val="bg1"/>
+              </a:solidFill>
+              <a:latin typeface="Consolas" panose="020B0609020204030204" pitchFamily="49" charset="0"/>
+            </a:endParaRPr>
+          </a:p>
+        </p:txBody>
+      </p:sp>
+    </p:spTree>
+    <p:extLst>
+      <p:ext uri="{BB962C8B-B14F-4D97-AF65-F5344CB8AC3E}">
+        <p14:creationId xmlns:p14="http://schemas.microsoft.com/office/powerpoint/2010/main" val="2272958163"/>
+      </p:ext>
+    </p:extLst>
+  </p:cSld>
+  <p:clrMapOvr>
+    <a:masterClrMapping/>
+  </p:clrMapOvr>
+  <p:timing>
+    <p:tnLst>
+      <p:par>
+        <p:cTn id="1" dur="indefinite" restart="never" nodeType="tmRoot"/>
+      </p:par>
+    </p:tnLst>
+  </p:timing>
+</p:sld>
+</file>
+
+<file path=ppt/slides/slide15.xml><?xml version="1.0" encoding="utf-8"?>
+<p:sld xmlns:a="http://schemas.openxmlformats.org/drawingml/2006/main" xmlns:r="http://schemas.openxmlformats.org/officeDocument/2006/relationships" xmlns:p="http://schemas.openxmlformats.org/presentationml/2006/main">
+  <p:cSld>
+    <p:spTree>
+      <p:nvGrpSpPr>
+        <p:cNvPr id="1" name=""/>
+        <p:cNvGrpSpPr/>
+        <p:nvPr/>
+      </p:nvGrpSpPr>
+      <p:grpSpPr>
+        <a:xfrm>
+          <a:off x="0" y="0"/>
+          <a:ext cx="0" cy="0"/>
+          <a:chOff x="0" y="0"/>
+          <a:chExt cx="0" cy="0"/>
+        </a:xfrm>
+      </p:grpSpPr>
+      <p:sp>
+        <p:nvSpPr>
+          <p:cNvPr id="2" name="Title 1"/>
+          <p:cNvSpPr>
+            <a:spLocks noGrp="1"/>
+          </p:cNvSpPr>
+          <p:nvPr>
+            <p:ph type="title"/>
+          </p:nvPr>
+        </p:nvSpPr>
+        <p:spPr/>
+        <p:txBody>
+          <a:bodyPr/>
+          <a:lstStyle/>
+          <a:p>
+            <a:r>
+              <a:rPr lang="en-US" dirty="0" smtClean="0"/>
+              <a:t>Pushing</a:t>
+            </a:r>
+            <a:r>
+              <a:rPr lang="en-US" dirty="0" smtClean="0"/>
+              <a:t> Changes</a:t>
+            </a:r>
+            <a:endParaRPr lang="en-US" dirty="0"/>
+          </a:p>
+        </p:txBody>
+      </p:sp>
+      <p:sp>
+        <p:nvSpPr>
+          <p:cNvPr id="6" name="Rectangle 5"/>
+          <p:cNvSpPr/>
+          <p:nvPr/>
+        </p:nvSpPr>
+        <p:spPr>
+          <a:xfrm>
+            <a:off x="1097279" y="1926772"/>
+            <a:ext cx="1411459" cy="4229100"/>
+          </a:xfrm>
+          <a:prstGeom prst="rect">
+            <a:avLst/>
+          </a:prstGeom>
+          <a:noFill/>
+          <a:ln w="9525" cap="flat" cmpd="sng" algn="ctr">
+            <a:solidFill>
+              <a:schemeClr val="accent1"/>
+            </a:solidFill>
+            <a:prstDash val="solid"/>
+            <a:round/>
+            <a:headEnd type="none" w="med" len="med"/>
+            <a:tailEnd type="none" w="med" len="med"/>
+          </a:ln>
+        </p:spPr>
+        <p:style>
+          <a:lnRef idx="0">
+            <a:scrgbClr r="0" g="0" b="0"/>
+          </a:lnRef>
+          <a:fillRef idx="0">
+            <a:scrgbClr r="0" g="0" b="0"/>
+          </a:fillRef>
+          <a:effectRef idx="0">
+            <a:scrgbClr r="0" g="0" b="0"/>
+          </a:effectRef>
+          <a:fontRef idx="minor">
+            <a:schemeClr val="accent1"/>
+          </a:fontRef>
+        </p:style>
+        <p:txBody>
+          <a:bodyPr rtlCol="0" anchor="ctr"/>
+          <a:lstStyle/>
+          <a:p>
+            <a:pPr algn="ctr"/>
+            <a:r>
+              <a:rPr lang="en-US" dirty="0" smtClean="0">
+                <a:solidFill>
+                  <a:schemeClr val="tx1"/>
+                </a:solidFill>
+              </a:rPr>
+              <a:t>Working</a:t>
+            </a:r>
+            <a:r>
+              <a:rPr lang="en-US" dirty="0" smtClean="0"/>
+              <a:t> </a:t>
+            </a:r>
+            <a:r>
+              <a:rPr lang="en-US" dirty="0" smtClean="0">
+                <a:solidFill>
+                  <a:schemeClr val="tx1"/>
+                </a:solidFill>
+              </a:rPr>
+              <a:t>Directory</a:t>
+            </a:r>
+          </a:p>
+          <a:p>
+            <a:pPr algn="ctr"/>
+            <a:r>
+              <a:rPr lang="en-US" dirty="0" smtClean="0">
+                <a:solidFill>
+                  <a:schemeClr val="tx1"/>
+                </a:solidFill>
+              </a:rPr>
+              <a:t>(the folder with all your files)</a:t>
+            </a:r>
+            <a:endParaRPr lang="en-US" dirty="0">
+              <a:solidFill>
+                <a:schemeClr val="tx1"/>
+              </a:solidFill>
+            </a:endParaRPr>
+          </a:p>
+        </p:txBody>
+      </p:sp>
+      <p:sp>
+        <p:nvSpPr>
+          <p:cNvPr id="8" name="Rectangle 7"/>
+          <p:cNvSpPr/>
+          <p:nvPr/>
+        </p:nvSpPr>
+        <p:spPr>
+          <a:xfrm>
+            <a:off x="3921507" y="1923422"/>
+            <a:ext cx="1411458" cy="4229100"/>
+          </a:xfrm>
+          <a:prstGeom prst="rect">
+            <a:avLst/>
+          </a:prstGeom>
+          <a:solidFill>
+            <a:schemeClr val="accent1">
+              <a:alpha val="50000"/>
+            </a:schemeClr>
+          </a:solidFill>
+          <a:ln>
+            <a:noFill/>
+          </a:ln>
+        </p:spPr>
+        <p:style>
+          <a:lnRef idx="0">
+            <a:scrgbClr r="0" g="0" b="0"/>
+          </a:lnRef>
+          <a:fillRef idx="0">
+            <a:scrgbClr r="0" g="0" b="0"/>
+          </a:fillRef>
+          <a:effectRef idx="0">
+            <a:scrgbClr r="0" g="0" b="0"/>
+          </a:effectRef>
+          <a:fontRef idx="minor">
+            <a:schemeClr val="lt1"/>
+          </a:fontRef>
+        </p:style>
+        <p:txBody>
+          <a:bodyPr rtlCol="0" anchor="ctr"/>
+          <a:lstStyle/>
+          <a:p>
+            <a:pPr algn="ctr"/>
+            <a:r>
+              <a:rPr lang="en-US" dirty="0" smtClean="0">
+                <a:solidFill>
+                  <a:schemeClr val="tx1"/>
+                </a:solidFill>
+              </a:rPr>
+              <a:t>Staging Area</a:t>
+            </a:r>
+            <a:endParaRPr lang="en-US" dirty="0">
+              <a:solidFill>
+                <a:schemeClr val="tx1"/>
+              </a:solidFill>
+            </a:endParaRPr>
+          </a:p>
+        </p:txBody>
+      </p:sp>
+      <p:sp>
+        <p:nvSpPr>
+          <p:cNvPr id="9" name="Rectangle 8"/>
+          <p:cNvSpPr/>
+          <p:nvPr/>
+        </p:nvSpPr>
+        <p:spPr>
+          <a:xfrm>
+            <a:off x="6832208" y="1923422"/>
+            <a:ext cx="1413330" cy="4229100"/>
+          </a:xfrm>
+          <a:prstGeom prst="rect">
+            <a:avLst/>
+          </a:prstGeom>
+        </p:spPr>
+        <p:style>
+          <a:lnRef idx="2">
+            <a:schemeClr val="accent1">
+              <a:shade val="50000"/>
+            </a:schemeClr>
+          </a:lnRef>
+          <a:fillRef idx="1">
+            <a:schemeClr val="accent1"/>
+          </a:fillRef>
+          <a:effectRef idx="0">
+            <a:schemeClr val="accent1"/>
+          </a:effectRef>
+          <a:fontRef idx="minor">
+            <a:schemeClr val="lt1"/>
+          </a:fontRef>
+        </p:style>
+        <p:txBody>
+          <a:bodyPr rtlCol="0" anchor="ctr"/>
+          <a:lstStyle/>
+          <a:p>
+            <a:pPr algn="ctr"/>
+            <a:r>
+              <a:rPr lang="en-US" dirty="0" smtClean="0">
+                <a:solidFill>
+                  <a:schemeClr val="tx1"/>
+                </a:solidFill>
+              </a:rPr>
+              <a:t>Local</a:t>
+            </a:r>
+          </a:p>
+          <a:p>
+            <a:pPr algn="ctr"/>
+            <a:r>
+              <a:rPr lang="en-US" dirty="0" smtClean="0">
+                <a:solidFill>
+                  <a:schemeClr val="tx1"/>
+                </a:solidFill>
+              </a:rPr>
+              <a:t>Repository</a:t>
+            </a:r>
+          </a:p>
+          <a:p>
+            <a:pPr algn="ctr"/>
+            <a:r>
+              <a:rPr lang="en-US" dirty="0" smtClean="0">
+                <a:solidFill>
+                  <a:schemeClr val="tx1"/>
+                </a:solidFill>
+              </a:rPr>
+              <a:t>(.</a:t>
+            </a:r>
+            <a:r>
+              <a:rPr lang="en-US" dirty="0" err="1" smtClean="0">
+                <a:solidFill>
+                  <a:schemeClr val="tx1"/>
+                </a:solidFill>
+              </a:rPr>
+              <a:t>git</a:t>
+            </a:r>
+            <a:r>
+              <a:rPr lang="en-US" dirty="0" smtClean="0">
+                <a:solidFill>
+                  <a:schemeClr val="tx1"/>
+                </a:solidFill>
+              </a:rPr>
+              <a:t> folder)</a:t>
+            </a:r>
+            <a:endParaRPr lang="en-US" dirty="0">
+              <a:solidFill>
+                <a:schemeClr val="tx1"/>
+              </a:solidFill>
+            </a:endParaRPr>
+          </a:p>
+        </p:txBody>
+      </p:sp>
+      <p:sp>
+        <p:nvSpPr>
+          <p:cNvPr id="10" name="Rectangle 9"/>
+          <p:cNvSpPr/>
+          <p:nvPr/>
+        </p:nvSpPr>
+        <p:spPr>
+          <a:xfrm>
+            <a:off x="9744781" y="1926771"/>
+            <a:ext cx="1410899" cy="4229100"/>
+          </a:xfrm>
+          <a:prstGeom prst="rect">
+            <a:avLst/>
+          </a:prstGeom>
+        </p:spPr>
+        <p:style>
+          <a:lnRef idx="2">
+            <a:schemeClr val="accent2">
+              <a:shade val="50000"/>
+            </a:schemeClr>
+          </a:lnRef>
+          <a:fillRef idx="1">
+            <a:schemeClr val="accent2"/>
+          </a:fillRef>
+          <a:effectRef idx="0">
+            <a:schemeClr val="accent2"/>
+          </a:effectRef>
+          <a:fontRef idx="minor">
+            <a:schemeClr val="lt1"/>
+          </a:fontRef>
+        </p:style>
+        <p:txBody>
+          <a:bodyPr rtlCol="0" anchor="ctr"/>
+          <a:lstStyle/>
+          <a:p>
+            <a:pPr algn="ctr"/>
+            <a:r>
+              <a:rPr lang="en-US" dirty="0" smtClean="0">
+                <a:solidFill>
+                  <a:schemeClr val="bg1"/>
+                </a:solidFill>
+              </a:rPr>
+              <a:t>Remote Repository</a:t>
+            </a:r>
+          </a:p>
+          <a:p>
+            <a:pPr algn="ctr"/>
+            <a:r>
+              <a:rPr lang="en-US" dirty="0" smtClean="0">
+                <a:solidFill>
+                  <a:schemeClr val="bg1"/>
+                </a:solidFill>
+              </a:rPr>
+              <a:t>(GitHub)</a:t>
+            </a:r>
+            <a:endParaRPr lang="en-US" dirty="0">
+              <a:solidFill>
+                <a:schemeClr val="bg1"/>
+              </a:solidFill>
+            </a:endParaRPr>
+          </a:p>
+        </p:txBody>
+      </p:sp>
+      <p:sp>
+        <p:nvSpPr>
+          <p:cNvPr id="15" name="Left Arrow 14"/>
+          <p:cNvSpPr/>
+          <p:nvPr/>
+        </p:nvSpPr>
+        <p:spPr>
+          <a:xfrm>
+            <a:off x="2507802" y="1923422"/>
+            <a:ext cx="7236979" cy="577780"/>
+          </a:xfrm>
+          <a:prstGeom prst="leftArrow">
+            <a:avLst/>
+          </a:prstGeom>
+        </p:spPr>
+        <p:style>
+          <a:lnRef idx="2">
+            <a:schemeClr val="dk1">
+              <a:shade val="50000"/>
+            </a:schemeClr>
+          </a:lnRef>
+          <a:fillRef idx="1">
+            <a:schemeClr val="dk1"/>
+          </a:fillRef>
+          <a:effectRef idx="0">
+            <a:schemeClr val="dk1"/>
+          </a:effectRef>
+          <a:fontRef idx="minor">
+            <a:schemeClr val="lt1"/>
+          </a:fontRef>
+        </p:style>
+        <p:txBody>
+          <a:bodyPr rtlCol="0" anchor="ctr"/>
+          <a:lstStyle/>
+          <a:p>
+            <a:pPr algn="ctr"/>
+            <a:r>
+              <a:rPr lang="en-US" dirty="0" err="1">
+                <a:solidFill>
+                  <a:schemeClr val="bg1"/>
+                </a:solidFill>
+                <a:latin typeface="Consolas" panose="020B0609020204030204" pitchFamily="49" charset="0"/>
+              </a:rPr>
+              <a:t>g</a:t>
+            </a:r>
+            <a:r>
+              <a:rPr lang="en-US" dirty="0" err="1" smtClean="0">
+                <a:solidFill>
+                  <a:schemeClr val="bg1"/>
+                </a:solidFill>
+                <a:latin typeface="Consolas" panose="020B0609020204030204" pitchFamily="49" charset="0"/>
+              </a:rPr>
+              <a:t>it</a:t>
+            </a:r>
+            <a:r>
+              <a:rPr lang="en-US" dirty="0" smtClean="0">
+                <a:solidFill>
+                  <a:schemeClr val="bg1"/>
+                </a:solidFill>
+                <a:latin typeface="Consolas" panose="020B0609020204030204" pitchFamily="49" charset="0"/>
+              </a:rPr>
+              <a:t> clone</a:t>
+            </a:r>
+            <a:endParaRPr lang="en-US" dirty="0">
+              <a:solidFill>
+                <a:schemeClr val="bg1"/>
+              </a:solidFill>
+              <a:latin typeface="Consolas" panose="020B0609020204030204" pitchFamily="49" charset="0"/>
+            </a:endParaRPr>
+          </a:p>
+        </p:txBody>
+      </p:sp>
+      <p:sp>
+        <p:nvSpPr>
+          <p:cNvPr id="20" name="Left Arrow 19"/>
+          <p:cNvSpPr/>
+          <p:nvPr/>
+        </p:nvSpPr>
+        <p:spPr>
+          <a:xfrm>
+            <a:off x="8237295" y="1923422"/>
+            <a:ext cx="1500834" cy="577780"/>
+          </a:xfrm>
+          <a:prstGeom prst="leftArrow">
+            <a:avLst/>
+          </a:prstGeom>
+          <a:ln>
+            <a:solidFill>
+              <a:schemeClr val="bg1"/>
+            </a:solidFill>
+          </a:ln>
+        </p:spPr>
+        <p:style>
+          <a:lnRef idx="2">
+            <a:schemeClr val="dk1">
+              <a:shade val="50000"/>
+            </a:schemeClr>
+          </a:lnRef>
+          <a:fillRef idx="1">
+            <a:schemeClr val="dk1"/>
+          </a:fillRef>
+          <a:effectRef idx="0">
+            <a:schemeClr val="dk1"/>
+          </a:effectRef>
+          <a:fontRef idx="minor">
+            <a:schemeClr val="lt1"/>
+          </a:fontRef>
+        </p:style>
+        <p:txBody>
+          <a:bodyPr rtlCol="0" anchor="ctr"/>
+          <a:lstStyle/>
+          <a:p>
+            <a:pPr algn="ctr"/>
+            <a:endParaRPr lang="en-US" dirty="0">
+              <a:solidFill>
+                <a:schemeClr val="bg1"/>
+              </a:solidFill>
+              <a:latin typeface="Consolas" panose="020B0609020204030204" pitchFamily="49" charset="0"/>
+            </a:endParaRPr>
+          </a:p>
+        </p:txBody>
+      </p:sp>
+      <p:sp>
+        <p:nvSpPr>
+          <p:cNvPr id="11" name="Left Arrow 10"/>
+          <p:cNvSpPr/>
+          <p:nvPr/>
+        </p:nvSpPr>
+        <p:spPr>
+          <a:xfrm>
+            <a:off x="2501150" y="3194368"/>
+            <a:ext cx="7236979" cy="577780"/>
+          </a:xfrm>
+          <a:prstGeom prst="leftArrow">
+            <a:avLst/>
+          </a:prstGeom>
+          <a:solidFill>
+            <a:schemeClr val="tx1"/>
+          </a:solidFill>
+        </p:spPr>
+        <p:style>
+          <a:lnRef idx="2">
+            <a:schemeClr val="dk1">
+              <a:shade val="50000"/>
+            </a:schemeClr>
+          </a:lnRef>
+          <a:fillRef idx="1">
+            <a:schemeClr val="dk1"/>
+          </a:fillRef>
+          <a:effectRef idx="0">
+            <a:schemeClr val="dk1"/>
+          </a:effectRef>
+          <a:fontRef idx="minor">
+            <a:schemeClr val="lt1"/>
+          </a:fontRef>
+        </p:style>
+        <p:txBody>
+          <a:bodyPr rtlCol="0" anchor="ctr"/>
+          <a:lstStyle/>
+          <a:p>
+            <a:pPr algn="ctr"/>
+            <a:r>
+              <a:rPr lang="en-US" dirty="0" err="1">
+                <a:solidFill>
+                  <a:schemeClr val="bg1"/>
+                </a:solidFill>
+                <a:latin typeface="Consolas" panose="020B0609020204030204" pitchFamily="49" charset="0"/>
+              </a:rPr>
+              <a:t>g</a:t>
+            </a:r>
+            <a:r>
+              <a:rPr lang="en-US" dirty="0" err="1" smtClean="0">
+                <a:solidFill>
+                  <a:schemeClr val="bg1"/>
+                </a:solidFill>
+                <a:latin typeface="Consolas" panose="020B0609020204030204" pitchFamily="49" charset="0"/>
+              </a:rPr>
+              <a:t>it</a:t>
+            </a:r>
+            <a:r>
+              <a:rPr lang="en-US" dirty="0" smtClean="0">
+                <a:solidFill>
+                  <a:schemeClr val="bg1"/>
+                </a:solidFill>
+                <a:latin typeface="Consolas" panose="020B0609020204030204" pitchFamily="49" charset="0"/>
+              </a:rPr>
+              <a:t> pull</a:t>
+            </a:r>
+            <a:endParaRPr lang="en-US" dirty="0">
+              <a:solidFill>
+                <a:schemeClr val="bg1"/>
+              </a:solidFill>
+              <a:latin typeface="Consolas" panose="020B0609020204030204" pitchFamily="49" charset="0"/>
+            </a:endParaRPr>
+          </a:p>
+        </p:txBody>
+      </p:sp>
+      <p:sp>
+        <p:nvSpPr>
+          <p:cNvPr id="12" name="Left Arrow 11"/>
+          <p:cNvSpPr/>
+          <p:nvPr/>
+        </p:nvSpPr>
+        <p:spPr>
+          <a:xfrm>
+            <a:off x="8229047" y="3194368"/>
+            <a:ext cx="1500834" cy="577780"/>
+          </a:xfrm>
+          <a:prstGeom prst="leftArrow">
+            <a:avLst/>
+          </a:prstGeom>
+          <a:ln>
+            <a:solidFill>
+              <a:schemeClr val="bg1"/>
+            </a:solidFill>
+          </a:ln>
+        </p:spPr>
+        <p:style>
+          <a:lnRef idx="2">
+            <a:schemeClr val="dk1">
+              <a:shade val="50000"/>
+            </a:schemeClr>
+          </a:lnRef>
+          <a:fillRef idx="1">
+            <a:schemeClr val="dk1"/>
+          </a:fillRef>
+          <a:effectRef idx="0">
+            <a:schemeClr val="dk1"/>
+          </a:effectRef>
+          <a:fontRef idx="minor">
+            <a:schemeClr val="lt1"/>
+          </a:fontRef>
+        </p:style>
+        <p:txBody>
+          <a:bodyPr rtlCol="0" anchor="ctr"/>
+          <a:lstStyle/>
+          <a:p>
+            <a:pPr algn="ctr"/>
+            <a:endParaRPr lang="en-US" dirty="0">
+              <a:solidFill>
+                <a:schemeClr val="bg1"/>
+              </a:solidFill>
+              <a:latin typeface="Consolas" panose="020B0609020204030204" pitchFamily="49" charset="0"/>
+            </a:endParaRPr>
+          </a:p>
+        </p:txBody>
+      </p:sp>
+      <p:sp>
+        <p:nvSpPr>
+          <p:cNvPr id="13" name="Left Arrow 12"/>
+          <p:cNvSpPr/>
+          <p:nvPr/>
+        </p:nvSpPr>
+        <p:spPr>
+          <a:xfrm>
+            <a:off x="8243947" y="2558895"/>
+            <a:ext cx="1500834" cy="577780"/>
+          </a:xfrm>
+          <a:prstGeom prst="leftArrow">
+            <a:avLst/>
+          </a:prstGeom>
+        </p:spPr>
+        <p:style>
+          <a:lnRef idx="2">
+            <a:schemeClr val="dk1">
+              <a:shade val="50000"/>
+            </a:schemeClr>
+          </a:lnRef>
+          <a:fillRef idx="1">
+            <a:schemeClr val="dk1"/>
+          </a:fillRef>
+          <a:effectRef idx="0">
+            <a:schemeClr val="dk1"/>
+          </a:effectRef>
+          <a:fontRef idx="minor">
+            <a:schemeClr val="lt1"/>
+          </a:fontRef>
+        </p:style>
+        <p:txBody>
+          <a:bodyPr rtlCol="0" anchor="ctr"/>
+          <a:lstStyle/>
+          <a:p>
+            <a:pPr algn="ctr"/>
+            <a:r>
+              <a:rPr lang="en-US" dirty="0" err="1">
+                <a:solidFill>
+                  <a:schemeClr val="bg1"/>
+                </a:solidFill>
+                <a:latin typeface="Consolas" panose="020B0609020204030204" pitchFamily="49" charset="0"/>
+              </a:rPr>
+              <a:t>g</a:t>
+            </a:r>
+            <a:r>
+              <a:rPr lang="en-US" dirty="0" err="1" smtClean="0">
+                <a:solidFill>
+                  <a:schemeClr val="bg1"/>
+                </a:solidFill>
+                <a:latin typeface="Consolas" panose="020B0609020204030204" pitchFamily="49" charset="0"/>
+              </a:rPr>
+              <a:t>it</a:t>
+            </a:r>
+            <a:r>
+              <a:rPr lang="en-US" dirty="0" smtClean="0">
+                <a:solidFill>
+                  <a:schemeClr val="bg1"/>
+                </a:solidFill>
+                <a:latin typeface="Consolas" panose="020B0609020204030204" pitchFamily="49" charset="0"/>
+              </a:rPr>
+              <a:t> fetch</a:t>
+            </a:r>
+            <a:endParaRPr lang="en-US" dirty="0">
+              <a:solidFill>
+                <a:schemeClr val="bg1"/>
+              </a:solidFill>
+              <a:latin typeface="Consolas" panose="020B0609020204030204" pitchFamily="49" charset="0"/>
+            </a:endParaRPr>
+          </a:p>
+        </p:txBody>
+      </p:sp>
+      <p:sp>
+        <p:nvSpPr>
+          <p:cNvPr id="14" name="Left Arrow 13"/>
+          <p:cNvSpPr/>
+          <p:nvPr/>
+        </p:nvSpPr>
+        <p:spPr>
+          <a:xfrm>
+            <a:off x="2505556" y="4335867"/>
+            <a:ext cx="4323470" cy="577780"/>
+          </a:xfrm>
+          <a:prstGeom prst="leftArrow">
+            <a:avLst/>
+          </a:prstGeom>
+        </p:spPr>
+        <p:style>
+          <a:lnRef idx="2">
+            <a:schemeClr val="dk1">
+              <a:shade val="50000"/>
+            </a:schemeClr>
+          </a:lnRef>
+          <a:fillRef idx="1">
+            <a:schemeClr val="dk1"/>
+          </a:fillRef>
+          <a:effectRef idx="0">
+            <a:schemeClr val="dk1"/>
+          </a:effectRef>
+          <a:fontRef idx="minor">
+            <a:schemeClr val="lt1"/>
+          </a:fontRef>
+        </p:style>
+        <p:txBody>
+          <a:bodyPr rtlCol="0" anchor="ctr"/>
+          <a:lstStyle/>
+          <a:p>
+            <a:pPr algn="ctr"/>
+            <a:r>
+              <a:rPr lang="en-US" dirty="0" err="1">
+                <a:solidFill>
+                  <a:schemeClr val="bg1"/>
+                </a:solidFill>
+                <a:latin typeface="Consolas" panose="020B0609020204030204" pitchFamily="49" charset="0"/>
+              </a:rPr>
+              <a:t>g</a:t>
+            </a:r>
+            <a:r>
+              <a:rPr lang="en-US" dirty="0" err="1" smtClean="0">
+                <a:solidFill>
+                  <a:schemeClr val="bg1"/>
+                </a:solidFill>
+                <a:latin typeface="Consolas" panose="020B0609020204030204" pitchFamily="49" charset="0"/>
+              </a:rPr>
+              <a:t>it</a:t>
+            </a:r>
+            <a:r>
+              <a:rPr lang="en-US" dirty="0" smtClean="0">
+                <a:solidFill>
+                  <a:schemeClr val="bg1"/>
+                </a:solidFill>
+                <a:latin typeface="Consolas" panose="020B0609020204030204" pitchFamily="49" charset="0"/>
+              </a:rPr>
+              <a:t> checkout</a:t>
+            </a:r>
+            <a:endParaRPr lang="en-US" dirty="0">
+              <a:solidFill>
+                <a:schemeClr val="bg1"/>
+              </a:solidFill>
+              <a:latin typeface="Consolas" panose="020B0609020204030204" pitchFamily="49" charset="0"/>
+            </a:endParaRPr>
+          </a:p>
+        </p:txBody>
+      </p:sp>
+      <p:sp>
+        <p:nvSpPr>
+          <p:cNvPr id="16" name="Right Arrow 15"/>
+          <p:cNvSpPr/>
+          <p:nvPr/>
+        </p:nvSpPr>
+        <p:spPr>
+          <a:xfrm>
+            <a:off x="2505556" y="5163812"/>
+            <a:ext cx="1412769" cy="566475"/>
+          </a:xfrm>
+          <a:prstGeom prst="rightArrow">
+            <a:avLst/>
+          </a:prstGeom>
+        </p:spPr>
+        <p:style>
+          <a:lnRef idx="2">
+            <a:schemeClr val="dk1">
+              <a:shade val="50000"/>
+            </a:schemeClr>
+          </a:lnRef>
+          <a:fillRef idx="1">
+            <a:schemeClr val="dk1"/>
+          </a:fillRef>
+          <a:effectRef idx="0">
+            <a:schemeClr val="dk1"/>
+          </a:effectRef>
+          <a:fontRef idx="minor">
+            <a:schemeClr val="lt1"/>
+          </a:fontRef>
+        </p:style>
+        <p:txBody>
+          <a:bodyPr rtlCol="0" anchor="ctr"/>
+          <a:lstStyle/>
+          <a:p>
+            <a:pPr algn="ctr"/>
+            <a:r>
+              <a:rPr lang="en-US" dirty="0" err="1">
+                <a:solidFill>
+                  <a:schemeClr val="bg1"/>
+                </a:solidFill>
+                <a:latin typeface="Consolas" panose="020B0609020204030204" pitchFamily="49" charset="0"/>
+              </a:rPr>
+              <a:t>g</a:t>
+            </a:r>
+            <a:r>
+              <a:rPr lang="en-US" dirty="0" err="1" smtClean="0">
+                <a:solidFill>
+                  <a:schemeClr val="bg1"/>
+                </a:solidFill>
+                <a:latin typeface="Consolas" panose="020B0609020204030204" pitchFamily="49" charset="0"/>
+              </a:rPr>
+              <a:t>it</a:t>
+            </a:r>
+            <a:r>
+              <a:rPr lang="en-US" dirty="0" smtClean="0">
+                <a:solidFill>
+                  <a:schemeClr val="bg1"/>
+                </a:solidFill>
+                <a:latin typeface="Consolas" panose="020B0609020204030204" pitchFamily="49" charset="0"/>
+              </a:rPr>
+              <a:t> add</a:t>
+            </a:r>
+            <a:endParaRPr lang="en-US" dirty="0">
+              <a:solidFill>
+                <a:schemeClr val="bg1"/>
+              </a:solidFill>
+              <a:latin typeface="Consolas" panose="020B0609020204030204" pitchFamily="49" charset="0"/>
+            </a:endParaRPr>
+          </a:p>
+        </p:txBody>
+      </p:sp>
+      <p:sp>
+        <p:nvSpPr>
+          <p:cNvPr id="17" name="Right Arrow 16"/>
+          <p:cNvSpPr/>
+          <p:nvPr/>
+        </p:nvSpPr>
+        <p:spPr>
+          <a:xfrm>
+            <a:off x="5332965" y="5152507"/>
+            <a:ext cx="1499243" cy="577780"/>
+          </a:xfrm>
+          <a:prstGeom prst="rightArrow">
+            <a:avLst/>
+          </a:prstGeom>
+        </p:spPr>
+        <p:style>
+          <a:lnRef idx="2">
+            <a:schemeClr val="dk1">
+              <a:shade val="50000"/>
+            </a:schemeClr>
+          </a:lnRef>
+          <a:fillRef idx="1">
+            <a:schemeClr val="dk1"/>
+          </a:fillRef>
+          <a:effectRef idx="0">
+            <a:schemeClr val="dk1"/>
+          </a:effectRef>
+          <a:fontRef idx="minor">
+            <a:schemeClr val="lt1"/>
+          </a:fontRef>
+        </p:style>
+        <p:txBody>
+          <a:bodyPr rtlCol="0" anchor="ctr"/>
+          <a:lstStyle/>
+          <a:p>
+            <a:pPr algn="ctr"/>
+            <a:r>
+              <a:rPr lang="en-US" sz="1600" dirty="0" err="1">
+                <a:solidFill>
+                  <a:schemeClr val="bg1"/>
+                </a:solidFill>
+                <a:latin typeface="Consolas" panose="020B0609020204030204" pitchFamily="49" charset="0"/>
+              </a:rPr>
+              <a:t>g</a:t>
+            </a:r>
+            <a:r>
+              <a:rPr lang="en-US" sz="1600" dirty="0" err="1" smtClean="0">
+                <a:solidFill>
+                  <a:schemeClr val="bg1"/>
+                </a:solidFill>
+                <a:latin typeface="Consolas" panose="020B0609020204030204" pitchFamily="49" charset="0"/>
+              </a:rPr>
+              <a:t>it</a:t>
+            </a:r>
+            <a:r>
+              <a:rPr lang="en-US" sz="1600" dirty="0" smtClean="0">
+                <a:solidFill>
+                  <a:schemeClr val="bg1"/>
+                </a:solidFill>
+                <a:latin typeface="Consolas" panose="020B0609020204030204" pitchFamily="49" charset="0"/>
+              </a:rPr>
+              <a:t> commit</a:t>
+            </a:r>
+            <a:endParaRPr lang="en-US" sz="1600" dirty="0">
+              <a:solidFill>
+                <a:schemeClr val="bg1"/>
+              </a:solidFill>
+              <a:latin typeface="Consolas" panose="020B0609020204030204" pitchFamily="49" charset="0"/>
+            </a:endParaRPr>
+          </a:p>
+        </p:txBody>
+      </p:sp>
+      <p:sp>
+        <p:nvSpPr>
+          <p:cNvPr id="18" name="Right Arrow 17"/>
+          <p:cNvSpPr/>
+          <p:nvPr/>
+        </p:nvSpPr>
+        <p:spPr>
+          <a:xfrm>
+            <a:off x="8242731" y="5152507"/>
+            <a:ext cx="1499243" cy="577780"/>
+          </a:xfrm>
+          <a:prstGeom prst="rightArrow">
+            <a:avLst/>
+          </a:prstGeom>
+        </p:spPr>
+        <p:style>
+          <a:lnRef idx="2">
+            <a:schemeClr val="dk1">
+              <a:shade val="50000"/>
+            </a:schemeClr>
+          </a:lnRef>
+          <a:fillRef idx="1">
+            <a:schemeClr val="dk1"/>
+          </a:fillRef>
+          <a:effectRef idx="0">
+            <a:schemeClr val="dk1"/>
+          </a:effectRef>
+          <a:fontRef idx="minor">
+            <a:schemeClr val="lt1"/>
+          </a:fontRef>
+        </p:style>
+        <p:txBody>
+          <a:bodyPr rtlCol="0" anchor="ctr"/>
+          <a:lstStyle/>
+          <a:p>
+            <a:pPr algn="ctr"/>
+            <a:r>
+              <a:rPr lang="en-US" sz="1600" dirty="0" err="1">
+                <a:solidFill>
+                  <a:schemeClr val="bg1"/>
+                </a:solidFill>
+                <a:latin typeface="Consolas" panose="020B0609020204030204" pitchFamily="49" charset="0"/>
+              </a:rPr>
+              <a:t>g</a:t>
+            </a:r>
+            <a:r>
+              <a:rPr lang="en-US" sz="1600" dirty="0" err="1" smtClean="0">
+                <a:solidFill>
+                  <a:schemeClr val="bg1"/>
+                </a:solidFill>
+                <a:latin typeface="Consolas" panose="020B0609020204030204" pitchFamily="49" charset="0"/>
+              </a:rPr>
+              <a:t>it</a:t>
+            </a:r>
+            <a:r>
+              <a:rPr lang="en-US" sz="1600" dirty="0" smtClean="0">
+                <a:solidFill>
+                  <a:schemeClr val="bg1"/>
+                </a:solidFill>
+                <a:latin typeface="Consolas" panose="020B0609020204030204" pitchFamily="49" charset="0"/>
+              </a:rPr>
+              <a:t> push</a:t>
+            </a:r>
+            <a:endParaRPr lang="en-US" sz="1600" dirty="0">
+              <a:solidFill>
+                <a:schemeClr val="bg1"/>
+              </a:solidFill>
+              <a:latin typeface="Consolas" panose="020B0609020204030204" pitchFamily="49" charset="0"/>
+            </a:endParaRPr>
+          </a:p>
+        </p:txBody>
+      </p:sp>
+    </p:spTree>
+    <p:extLst>
+      <p:ext uri="{BB962C8B-B14F-4D97-AF65-F5344CB8AC3E}">
+        <p14:creationId xmlns:p14="http://schemas.microsoft.com/office/powerpoint/2010/main" val="4066547060"/>
+      </p:ext>
+    </p:extLst>
+  </p:cSld>
+  <p:clrMapOvr>
+    <a:masterClrMapping/>
+  </p:clrMapOvr>
+  <p:timing>
+    <p:tnLst>
+      <p:par>
+        <p:cTn id="1" dur="indefinite" restart="never" nodeType="tmRoot"/>
+      </p:par>
+    </p:tnLst>
+  </p:timing>
+</p:sld>
+</file>
+
+<file path=ppt/slides/slide16.xml><?xml version="1.0" encoding="utf-8"?>
+<p:sld xmlns:a="http://schemas.openxmlformats.org/drawingml/2006/main" xmlns:r="http://schemas.openxmlformats.org/officeDocument/2006/relationships" xmlns:p="http://schemas.openxmlformats.org/presentationml/2006/main">
+  <p:cSld>
+    <p:spTree>
+      <p:nvGrpSpPr>
+        <p:cNvPr id="1" name=""/>
+        <p:cNvGrpSpPr/>
+        <p:nvPr/>
+      </p:nvGrpSpPr>
+      <p:grpSpPr>
+        <a:xfrm>
+          <a:off x="0" y="0"/>
+          <a:ext cx="0" cy="0"/>
+          <a:chOff x="0" y="0"/>
+          <a:chExt cx="0" cy="0"/>
+        </a:xfrm>
+      </p:grpSpPr>
+      <p:sp>
+        <p:nvSpPr>
+          <p:cNvPr id="2" name="Title 1"/>
+          <p:cNvSpPr>
+            <a:spLocks noGrp="1"/>
+          </p:cNvSpPr>
+          <p:nvPr>
+            <p:ph type="title"/>
+          </p:nvPr>
+        </p:nvSpPr>
+        <p:spPr/>
+        <p:txBody>
+          <a:bodyPr/>
+          <a:lstStyle/>
+          <a:p>
+            <a:r>
+              <a:rPr lang="en-US" dirty="0" smtClean="0"/>
+              <a:t>Stash</a:t>
+            </a:r>
+            <a:endParaRPr lang="en-US" dirty="0"/>
+          </a:p>
+        </p:txBody>
+      </p:sp>
+      <p:pic>
+        <p:nvPicPr>
+          <p:cNvPr id="3" name="Picture 2"/>
+          <p:cNvPicPr>
+            <a:picLocks noChangeAspect="1"/>
+          </p:cNvPicPr>
+          <p:nvPr/>
+        </p:nvPicPr>
+        <p:blipFill>
+          <a:blip r:embed="rId2"/>
+          <a:stretch>
+            <a:fillRect/>
+          </a:stretch>
+        </p:blipFill>
+        <p:spPr>
+          <a:xfrm>
+            <a:off x="3401597" y="1905366"/>
+            <a:ext cx="5449765" cy="3654137"/>
+          </a:xfrm>
+          <a:prstGeom prst="rect">
+            <a:avLst/>
+          </a:prstGeom>
+        </p:spPr>
+      </p:pic>
+    </p:spTree>
+    <p:extLst>
+      <p:ext uri="{BB962C8B-B14F-4D97-AF65-F5344CB8AC3E}">
+        <p14:creationId xmlns:p14="http://schemas.microsoft.com/office/powerpoint/2010/main" val="2247103271"/>
+      </p:ext>
+    </p:extLst>
+  </p:cSld>
+  <p:clrMapOvr>
+    <a:masterClrMapping/>
+  </p:clrMapOvr>
+  <p:timing>
+    <p:tnLst>
+      <p:par>
+        <p:cTn id="1" dur="indefinite" restart="never" nodeType="tmRoot"/>
+      </p:par>
+    </p:tnLst>
+  </p:timing>
+</p:sld>
+</file>
+
+<file path=ppt/slides/slide17.xml><?xml version="1.0" encoding="utf-8"?>
+<p:sld xmlns:a="http://schemas.openxmlformats.org/drawingml/2006/main" xmlns:r="http://schemas.openxmlformats.org/officeDocument/2006/relationships" xmlns:p="http://schemas.openxmlformats.org/presentationml/2006/main">
+  <p:cSld>
+    <p:spTree>
+      <p:nvGrpSpPr>
+        <p:cNvPr id="1" name=""/>
+        <p:cNvGrpSpPr/>
+        <p:nvPr/>
+      </p:nvGrpSpPr>
+      <p:grpSpPr>
+        <a:xfrm>
+          <a:off x="0" y="0"/>
+          <a:ext cx="0" cy="0"/>
+          <a:chOff x="0" y="0"/>
+          <a:chExt cx="0" cy="0"/>
+        </a:xfrm>
+      </p:grpSpPr>
+      <p:sp>
+        <p:nvSpPr>
+          <p:cNvPr id="2" name="Title 1"/>
+          <p:cNvSpPr>
+            <a:spLocks noGrp="1"/>
+          </p:cNvSpPr>
+          <p:nvPr>
+            <p:ph type="title"/>
+          </p:nvPr>
+        </p:nvSpPr>
+        <p:spPr/>
+        <p:txBody>
+          <a:bodyPr/>
+          <a:lstStyle/>
+          <a:p>
+            <a:r>
+              <a:rPr lang="en-US" dirty="0" smtClean="0"/>
+              <a:t>Stashing and Popping</a:t>
+            </a:r>
+            <a:endParaRPr lang="en-US" dirty="0"/>
+          </a:p>
+        </p:txBody>
+      </p:sp>
+      <p:sp>
+        <p:nvSpPr>
+          <p:cNvPr id="6" name="Rectangle 5"/>
+          <p:cNvSpPr/>
+          <p:nvPr/>
+        </p:nvSpPr>
+        <p:spPr>
+          <a:xfrm>
+            <a:off x="1097279" y="1926772"/>
+            <a:ext cx="1411459" cy="1695659"/>
+          </a:xfrm>
+          <a:prstGeom prst="rect">
+            <a:avLst/>
+          </a:prstGeom>
+          <a:noFill/>
+          <a:ln w="9525" cap="flat" cmpd="sng" algn="ctr">
+            <a:solidFill>
+              <a:schemeClr val="accent1"/>
+            </a:solidFill>
+            <a:prstDash val="solid"/>
+            <a:round/>
+            <a:headEnd type="none" w="med" len="med"/>
+            <a:tailEnd type="none" w="med" len="med"/>
+          </a:ln>
+        </p:spPr>
+        <p:style>
+          <a:lnRef idx="0">
+            <a:scrgbClr r="0" g="0" b="0"/>
+          </a:lnRef>
+          <a:fillRef idx="0">
+            <a:scrgbClr r="0" g="0" b="0"/>
+          </a:fillRef>
+          <a:effectRef idx="0">
+            <a:scrgbClr r="0" g="0" b="0"/>
+          </a:effectRef>
+          <a:fontRef idx="minor">
+            <a:schemeClr val="accent1"/>
+          </a:fontRef>
+        </p:style>
+        <p:txBody>
+          <a:bodyPr rtlCol="0" anchor="ctr"/>
+          <a:lstStyle/>
+          <a:p>
+            <a:pPr algn="ctr"/>
+            <a:r>
+              <a:rPr lang="en-US" dirty="0" smtClean="0">
+                <a:solidFill>
+                  <a:schemeClr val="tx1"/>
+                </a:solidFill>
+              </a:rPr>
+              <a:t>Working</a:t>
+            </a:r>
+            <a:r>
+              <a:rPr lang="en-US" dirty="0" smtClean="0"/>
+              <a:t> </a:t>
+            </a:r>
+            <a:r>
+              <a:rPr lang="en-US" dirty="0" smtClean="0">
+                <a:solidFill>
+                  <a:schemeClr val="tx1"/>
+                </a:solidFill>
+              </a:rPr>
+              <a:t>Directory</a:t>
+            </a:r>
+          </a:p>
+          <a:p>
+            <a:pPr algn="ctr"/>
+            <a:r>
+              <a:rPr lang="en-US" dirty="0" smtClean="0">
+                <a:solidFill>
+                  <a:schemeClr val="tx1"/>
+                </a:solidFill>
+              </a:rPr>
+              <a:t>(the folder with all your files)</a:t>
+            </a:r>
+            <a:endParaRPr lang="en-US" dirty="0">
+              <a:solidFill>
+                <a:schemeClr val="tx1"/>
+              </a:solidFill>
+            </a:endParaRPr>
+          </a:p>
+        </p:txBody>
+      </p:sp>
+      <p:sp>
+        <p:nvSpPr>
+          <p:cNvPr id="8" name="Rectangle 7"/>
+          <p:cNvSpPr/>
+          <p:nvPr/>
+        </p:nvSpPr>
+        <p:spPr>
+          <a:xfrm>
+            <a:off x="3921507" y="1923422"/>
+            <a:ext cx="1411458" cy="4229100"/>
+          </a:xfrm>
+          <a:prstGeom prst="rect">
+            <a:avLst/>
+          </a:prstGeom>
+          <a:solidFill>
+            <a:schemeClr val="accent1">
+              <a:alpha val="50000"/>
+            </a:schemeClr>
+          </a:solidFill>
+          <a:ln>
+            <a:noFill/>
+          </a:ln>
+        </p:spPr>
+        <p:style>
+          <a:lnRef idx="0">
+            <a:scrgbClr r="0" g="0" b="0"/>
+          </a:lnRef>
+          <a:fillRef idx="0">
+            <a:scrgbClr r="0" g="0" b="0"/>
+          </a:fillRef>
+          <a:effectRef idx="0">
+            <a:scrgbClr r="0" g="0" b="0"/>
+          </a:effectRef>
+          <a:fontRef idx="minor">
+            <a:schemeClr val="lt1"/>
+          </a:fontRef>
+        </p:style>
+        <p:txBody>
+          <a:bodyPr rtlCol="0" anchor="ctr"/>
+          <a:lstStyle/>
+          <a:p>
+            <a:pPr algn="ctr"/>
+            <a:r>
+              <a:rPr lang="en-US" dirty="0" smtClean="0">
+                <a:solidFill>
+                  <a:schemeClr val="tx1"/>
+                </a:solidFill>
+              </a:rPr>
+              <a:t>Staging Area</a:t>
+            </a:r>
+            <a:endParaRPr lang="en-US" dirty="0">
+              <a:solidFill>
+                <a:schemeClr val="tx1"/>
+              </a:solidFill>
+            </a:endParaRPr>
+          </a:p>
+        </p:txBody>
+      </p:sp>
+      <p:sp>
+        <p:nvSpPr>
+          <p:cNvPr id="9" name="Rectangle 8"/>
+          <p:cNvSpPr/>
+          <p:nvPr/>
+        </p:nvSpPr>
+        <p:spPr>
+          <a:xfrm>
+            <a:off x="6832208" y="1923422"/>
+            <a:ext cx="1413330" cy="4229100"/>
+          </a:xfrm>
+          <a:prstGeom prst="rect">
+            <a:avLst/>
+          </a:prstGeom>
+        </p:spPr>
+        <p:style>
+          <a:lnRef idx="2">
+            <a:schemeClr val="accent1">
+              <a:shade val="50000"/>
+            </a:schemeClr>
+          </a:lnRef>
+          <a:fillRef idx="1">
+            <a:schemeClr val="accent1"/>
+          </a:fillRef>
+          <a:effectRef idx="0">
+            <a:schemeClr val="accent1"/>
+          </a:effectRef>
+          <a:fontRef idx="minor">
+            <a:schemeClr val="lt1"/>
+          </a:fontRef>
+        </p:style>
+        <p:txBody>
+          <a:bodyPr rtlCol="0" anchor="ctr"/>
+          <a:lstStyle/>
+          <a:p>
+            <a:pPr algn="ctr"/>
+            <a:r>
+              <a:rPr lang="en-US" dirty="0" smtClean="0">
+                <a:solidFill>
+                  <a:schemeClr val="tx1"/>
+                </a:solidFill>
+              </a:rPr>
+              <a:t>Local</a:t>
+            </a:r>
+          </a:p>
+          <a:p>
+            <a:pPr algn="ctr"/>
+            <a:r>
+              <a:rPr lang="en-US" dirty="0" smtClean="0">
+                <a:solidFill>
+                  <a:schemeClr val="tx1"/>
+                </a:solidFill>
+              </a:rPr>
+              <a:t>Repository</a:t>
+            </a:r>
+          </a:p>
+          <a:p>
+            <a:pPr algn="ctr"/>
+            <a:r>
+              <a:rPr lang="en-US" dirty="0" smtClean="0">
+                <a:solidFill>
+                  <a:schemeClr val="tx1"/>
+                </a:solidFill>
+              </a:rPr>
+              <a:t>(.</a:t>
+            </a:r>
+            <a:r>
+              <a:rPr lang="en-US" dirty="0" err="1" smtClean="0">
+                <a:solidFill>
+                  <a:schemeClr val="tx1"/>
+                </a:solidFill>
+              </a:rPr>
+              <a:t>git</a:t>
+            </a:r>
+            <a:r>
+              <a:rPr lang="en-US" dirty="0" smtClean="0">
+                <a:solidFill>
+                  <a:schemeClr val="tx1"/>
+                </a:solidFill>
+              </a:rPr>
+              <a:t> folder)</a:t>
+            </a:r>
+            <a:endParaRPr lang="en-US" dirty="0">
+              <a:solidFill>
+                <a:schemeClr val="tx1"/>
+              </a:solidFill>
+            </a:endParaRPr>
+          </a:p>
+        </p:txBody>
+      </p:sp>
+      <p:sp>
+        <p:nvSpPr>
+          <p:cNvPr id="10" name="Rectangle 9"/>
+          <p:cNvSpPr/>
+          <p:nvPr/>
+        </p:nvSpPr>
+        <p:spPr>
+          <a:xfrm>
+            <a:off x="9744781" y="1926771"/>
+            <a:ext cx="1410899" cy="4229100"/>
+          </a:xfrm>
+          <a:prstGeom prst="rect">
+            <a:avLst/>
+          </a:prstGeom>
+        </p:spPr>
+        <p:style>
+          <a:lnRef idx="2">
+            <a:schemeClr val="accent2">
+              <a:shade val="50000"/>
+            </a:schemeClr>
+          </a:lnRef>
+          <a:fillRef idx="1">
+            <a:schemeClr val="accent2"/>
+          </a:fillRef>
+          <a:effectRef idx="0">
+            <a:schemeClr val="accent2"/>
+          </a:effectRef>
+          <a:fontRef idx="minor">
+            <a:schemeClr val="lt1"/>
+          </a:fontRef>
+        </p:style>
+        <p:txBody>
+          <a:bodyPr rtlCol="0" anchor="ctr"/>
+          <a:lstStyle/>
+          <a:p>
+            <a:pPr algn="ctr"/>
+            <a:r>
+              <a:rPr lang="en-US" dirty="0" smtClean="0">
+                <a:solidFill>
+                  <a:schemeClr val="bg1"/>
+                </a:solidFill>
+              </a:rPr>
+              <a:t>Remote Repository</a:t>
+            </a:r>
+          </a:p>
+          <a:p>
+            <a:pPr algn="ctr"/>
+            <a:r>
+              <a:rPr lang="en-US" dirty="0" smtClean="0">
+                <a:solidFill>
+                  <a:schemeClr val="bg1"/>
+                </a:solidFill>
+              </a:rPr>
+              <a:t>(GitHub)</a:t>
+            </a:r>
+            <a:endParaRPr lang="en-US" dirty="0">
+              <a:solidFill>
+                <a:schemeClr val="bg1"/>
+              </a:solidFill>
+            </a:endParaRPr>
+          </a:p>
+        </p:txBody>
+      </p:sp>
+      <p:sp>
+        <p:nvSpPr>
+          <p:cNvPr id="19" name="Rectangle 18"/>
+          <p:cNvSpPr/>
+          <p:nvPr/>
+        </p:nvSpPr>
+        <p:spPr>
+          <a:xfrm>
+            <a:off x="1097279" y="4456863"/>
+            <a:ext cx="1411459" cy="1695659"/>
+          </a:xfrm>
+          <a:prstGeom prst="rect">
+            <a:avLst/>
+          </a:prstGeom>
+          <a:noFill/>
+          <a:ln w="9525" cap="flat" cmpd="sng" algn="ctr">
+            <a:solidFill>
+              <a:schemeClr val="accent1"/>
+            </a:solidFill>
+            <a:prstDash val="sysDot"/>
+            <a:round/>
+            <a:headEnd type="none" w="med" len="med"/>
+            <a:tailEnd type="none" w="med" len="med"/>
+          </a:ln>
+        </p:spPr>
+        <p:style>
+          <a:lnRef idx="0">
+            <a:scrgbClr r="0" g="0" b="0"/>
+          </a:lnRef>
+          <a:fillRef idx="0">
+            <a:scrgbClr r="0" g="0" b="0"/>
+          </a:fillRef>
+          <a:effectRef idx="0">
+            <a:scrgbClr r="0" g="0" b="0"/>
+          </a:effectRef>
+          <a:fontRef idx="minor">
+            <a:schemeClr val="accent1"/>
+          </a:fontRef>
+        </p:style>
+        <p:txBody>
+          <a:bodyPr rtlCol="0" anchor="ctr"/>
+          <a:lstStyle/>
+          <a:p>
+            <a:pPr algn="ctr"/>
+            <a:r>
+              <a:rPr lang="en-US" dirty="0" smtClean="0">
+                <a:solidFill>
+                  <a:schemeClr val="tx1"/>
+                </a:solidFill>
+              </a:rPr>
+              <a:t>Temporary Stash</a:t>
+            </a:r>
+            <a:endParaRPr lang="en-US" dirty="0">
+              <a:solidFill>
+                <a:schemeClr val="tx1"/>
+              </a:solidFill>
+            </a:endParaRPr>
+          </a:p>
+        </p:txBody>
+      </p:sp>
+      <p:sp>
+        <p:nvSpPr>
+          <p:cNvPr id="3" name="Down Arrow 2"/>
+          <p:cNvSpPr/>
+          <p:nvPr/>
+        </p:nvSpPr>
+        <p:spPr>
+          <a:xfrm>
+            <a:off x="1360499" y="3622431"/>
+            <a:ext cx="452787" cy="834432"/>
+          </a:xfrm>
+          <a:prstGeom prst="downArrow">
+            <a:avLst/>
+          </a:prstGeom>
+          <a:solidFill>
+            <a:schemeClr val="tx1"/>
+          </a:solidFill>
+          <a:ln>
+            <a:solidFill>
+              <a:schemeClr val="tx1"/>
+            </a:solidFill>
+          </a:ln>
+        </p:spPr>
+        <p:style>
+          <a:lnRef idx="2">
+            <a:schemeClr val="accent1">
+              <a:shade val="50000"/>
+            </a:schemeClr>
+          </a:lnRef>
+          <a:fillRef idx="1">
+            <a:schemeClr val="accent1"/>
+          </a:fillRef>
+          <a:effectRef idx="0">
+            <a:schemeClr val="accent1"/>
+          </a:effectRef>
+          <a:fontRef idx="minor">
+            <a:schemeClr val="lt1"/>
+          </a:fontRef>
+        </p:style>
+        <p:txBody>
+          <a:bodyPr rtlCol="0" anchor="ctr"/>
+          <a:lstStyle/>
+          <a:p>
+            <a:pPr algn="ctr"/>
+            <a:endParaRPr lang="en-US"/>
+          </a:p>
+        </p:txBody>
+      </p:sp>
+      <p:sp>
+        <p:nvSpPr>
+          <p:cNvPr id="4" name="Up Arrow 3"/>
+          <p:cNvSpPr/>
+          <p:nvPr/>
+        </p:nvSpPr>
+        <p:spPr>
+          <a:xfrm>
+            <a:off x="1849336" y="3622431"/>
+            <a:ext cx="471820" cy="834432"/>
+          </a:xfrm>
+          <a:prstGeom prst="upArrow">
+            <a:avLst/>
+          </a:prstGeom>
+          <a:solidFill>
+            <a:schemeClr val="tx1"/>
+          </a:solidFill>
+          <a:ln>
+            <a:solidFill>
+              <a:schemeClr val="tx1"/>
+            </a:solidFill>
+          </a:ln>
+        </p:spPr>
+        <p:style>
+          <a:lnRef idx="2">
+            <a:schemeClr val="accent1">
+              <a:shade val="50000"/>
+            </a:schemeClr>
+          </a:lnRef>
+          <a:fillRef idx="1">
+            <a:schemeClr val="accent1"/>
+          </a:fillRef>
+          <a:effectRef idx="0">
+            <a:schemeClr val="accent1"/>
+          </a:effectRef>
+          <a:fontRef idx="minor">
+            <a:schemeClr val="lt1"/>
+          </a:fontRef>
+        </p:style>
+        <p:txBody>
+          <a:bodyPr rtlCol="0" anchor="ctr"/>
+          <a:lstStyle/>
+          <a:p>
+            <a:pPr algn="ctr"/>
+            <a:endParaRPr lang="en-US" dirty="0"/>
+          </a:p>
+        </p:txBody>
+      </p:sp>
+      <p:sp>
+        <p:nvSpPr>
+          <p:cNvPr id="5" name="TextBox 4"/>
+          <p:cNvSpPr txBox="1"/>
+          <p:nvPr/>
+        </p:nvSpPr>
+        <p:spPr>
+          <a:xfrm>
+            <a:off x="509546" y="3854981"/>
+            <a:ext cx="1002323" cy="369332"/>
+          </a:xfrm>
+          <a:prstGeom prst="rect">
+            <a:avLst/>
+          </a:prstGeom>
+          <a:noFill/>
+        </p:spPr>
+        <p:txBody>
+          <a:bodyPr wrap="square" rtlCol="0">
+            <a:spAutoFit/>
+          </a:bodyPr>
+          <a:lstStyle/>
+          <a:p>
+            <a:r>
+              <a:rPr lang="en-US" dirty="0" err="1"/>
+              <a:t>g</a:t>
+            </a:r>
+            <a:r>
+              <a:rPr lang="en-US" dirty="0" err="1" smtClean="0"/>
+              <a:t>it</a:t>
+            </a:r>
+            <a:r>
+              <a:rPr lang="en-US" dirty="0" smtClean="0"/>
+              <a:t> stash</a:t>
+            </a:r>
+            <a:endParaRPr lang="en-US" dirty="0"/>
+          </a:p>
+        </p:txBody>
+      </p:sp>
+      <p:sp>
+        <p:nvSpPr>
+          <p:cNvPr id="21" name="TextBox 20"/>
+          <p:cNvSpPr txBox="1"/>
+          <p:nvPr/>
+        </p:nvSpPr>
+        <p:spPr>
+          <a:xfrm>
+            <a:off x="2217685" y="3854981"/>
+            <a:ext cx="1392498" cy="369332"/>
+          </a:xfrm>
+          <a:prstGeom prst="rect">
+            <a:avLst/>
+          </a:prstGeom>
+          <a:noFill/>
+        </p:spPr>
+        <p:txBody>
+          <a:bodyPr wrap="square" rtlCol="0">
+            <a:spAutoFit/>
+          </a:bodyPr>
+          <a:lstStyle/>
+          <a:p>
+            <a:r>
+              <a:rPr lang="en-US" dirty="0" err="1"/>
+              <a:t>g</a:t>
+            </a:r>
+            <a:r>
+              <a:rPr lang="en-US" dirty="0" err="1" smtClean="0"/>
+              <a:t>it</a:t>
+            </a:r>
+            <a:r>
+              <a:rPr lang="en-US" dirty="0" smtClean="0"/>
+              <a:t> stash pop</a:t>
+            </a:r>
+            <a:endParaRPr lang="en-US" dirty="0"/>
+          </a:p>
+        </p:txBody>
+      </p:sp>
+    </p:spTree>
+    <p:extLst>
+      <p:ext uri="{BB962C8B-B14F-4D97-AF65-F5344CB8AC3E}">
+        <p14:creationId xmlns:p14="http://schemas.microsoft.com/office/powerpoint/2010/main" val="126223497"/>
+      </p:ext>
+    </p:extLst>
+  </p:cSld>
+  <p:clrMapOvr>
+    <a:masterClrMapping/>
+  </p:clrMapOvr>
+  <p:timing>
+    <p:tnLst>
+      <p:par>
+        <p:cTn id="1" dur="indefinite" restart="never" nodeType="tmRoot"/>
+      </p:par>
+    </p:tnLst>
+  </p:timing>
+</p:sld>
+</file>
+
+<file path=ppt/slides/slide18.xml><?xml version="1.0" encoding="utf-8"?>
+<p:sld xmlns:a="http://schemas.openxmlformats.org/drawingml/2006/main" xmlns:r="http://schemas.openxmlformats.org/officeDocument/2006/relationships" xmlns:p="http://schemas.openxmlformats.org/presentationml/2006/main">
+  <p:cSld>
+    <p:spTree>
+      <p:nvGrpSpPr>
+        <p:cNvPr id="1" name=""/>
+        <p:cNvGrpSpPr/>
+        <p:nvPr/>
+      </p:nvGrpSpPr>
+      <p:grpSpPr>
+        <a:xfrm>
+          <a:off x="0" y="0"/>
+          <a:ext cx="0" cy="0"/>
+          <a:chOff x="0" y="0"/>
+          <a:chExt cx="0" cy="0"/>
+        </a:xfrm>
+      </p:grpSpPr>
+      <p:sp>
+        <p:nvSpPr>
+          <p:cNvPr id="2" name="Title 1"/>
+          <p:cNvSpPr>
+            <a:spLocks noGrp="1"/>
+          </p:cNvSpPr>
+          <p:nvPr>
+            <p:ph type="title"/>
+          </p:nvPr>
+        </p:nvSpPr>
+        <p:spPr/>
+        <p:txBody>
+          <a:bodyPr/>
+          <a:lstStyle/>
+          <a:p>
+            <a:r>
+              <a:rPr lang="en-US" dirty="0" smtClean="0"/>
+              <a:t>Branches</a:t>
+            </a:r>
+            <a:endParaRPr lang="en-US" dirty="0"/>
+          </a:p>
+        </p:txBody>
+      </p:sp>
+      <p:pic>
+        <p:nvPicPr>
+          <p:cNvPr id="9" name="Picture 8"/>
+          <p:cNvPicPr>
+            <a:picLocks noChangeAspect="1"/>
+          </p:cNvPicPr>
+          <p:nvPr/>
+        </p:nvPicPr>
+        <p:blipFill>
+          <a:blip r:embed="rId2">
+            <a:extLst>
+              <a:ext uri="{28A0092B-C50C-407E-A947-70E740481C1C}">
+                <a14:useLocalDpi xmlns:a14="http://schemas.microsoft.com/office/drawing/2010/main" val="0"/>
+              </a:ext>
+            </a:extLst>
+          </a:blip>
+          <a:stretch>
+            <a:fillRect/>
+          </a:stretch>
+        </p:blipFill>
+        <p:spPr>
+          <a:xfrm>
+            <a:off x="2177935" y="2211266"/>
+            <a:ext cx="6429375" cy="3314700"/>
+          </a:xfrm>
+          <a:prstGeom prst="rect">
+            <a:avLst/>
+          </a:prstGeom>
+        </p:spPr>
+      </p:pic>
+    </p:spTree>
+    <p:extLst>
+      <p:ext uri="{BB962C8B-B14F-4D97-AF65-F5344CB8AC3E}">
+        <p14:creationId xmlns:p14="http://schemas.microsoft.com/office/powerpoint/2010/main" val="3215377487"/>
+      </p:ext>
+    </p:extLst>
+  </p:cSld>
+  <p:clrMapOvr>
+    <a:masterClrMapping/>
+  </p:clrMapOvr>
+  <p:timing>
+    <p:tnLst>
+      <p:par>
+        <p:cTn id="1" dur="indefinite" restart="never" nodeType="tmRoot"/>
+      </p:par>
+    </p:tnLst>
+  </p:timing>
+</p:sld>
+</file>
+
+<file path=ppt/slides/slide19.xml><?xml version="1.0" encoding="utf-8"?>
+<p:sld xmlns:a="http://schemas.openxmlformats.org/drawingml/2006/main" xmlns:r="http://schemas.openxmlformats.org/officeDocument/2006/relationships" xmlns:p="http://schemas.openxmlformats.org/presentationml/2006/main">
+  <p:cSld>
+    <p:spTree>
+      <p:nvGrpSpPr>
+        <p:cNvPr id="1" name=""/>
+        <p:cNvGrpSpPr/>
+        <p:nvPr/>
+      </p:nvGrpSpPr>
+      <p:grpSpPr>
+        <a:xfrm>
+          <a:off x="0" y="0"/>
+          <a:ext cx="0" cy="0"/>
+          <a:chOff x="0" y="0"/>
+          <a:chExt cx="0" cy="0"/>
+        </a:xfrm>
+      </p:grpSpPr>
+      <p:sp>
+        <p:nvSpPr>
+          <p:cNvPr id="2" name="Title 1"/>
+          <p:cNvSpPr>
+            <a:spLocks noGrp="1"/>
+          </p:cNvSpPr>
+          <p:nvPr>
+            <p:ph type="title"/>
+          </p:nvPr>
+        </p:nvSpPr>
+        <p:spPr/>
+        <p:txBody>
+          <a:bodyPr/>
+          <a:lstStyle/>
+          <a:p>
+            <a:r>
+              <a:rPr lang="en-US" dirty="0" smtClean="0"/>
+              <a:t>Basic Branch Operations</a:t>
+            </a:r>
+            <a:endParaRPr lang="en-US" dirty="0"/>
+          </a:p>
+        </p:txBody>
+      </p:sp>
+      <p:sp>
+        <p:nvSpPr>
+          <p:cNvPr id="5" name="Content Placeholder 4"/>
+          <p:cNvSpPr>
+            <a:spLocks noGrp="1"/>
+          </p:cNvSpPr>
+          <p:nvPr>
+            <p:ph idx="1"/>
+          </p:nvPr>
+        </p:nvSpPr>
+        <p:spPr/>
+        <p:txBody>
+          <a:bodyPr>
+            <a:normAutofit lnSpcReduction="10000"/>
+          </a:bodyPr>
+          <a:lstStyle/>
+          <a:p>
+            <a:pPr lvl="1">
+              <a:buFont typeface="Wingdings" panose="05000000000000000000" pitchFamily="2" charset="2"/>
+              <a:buChar char="§"/>
+            </a:pPr>
+            <a:r>
+              <a:rPr lang="en-US" sz="2400" dirty="0" smtClean="0"/>
+              <a:t>Creating a new branch</a:t>
+            </a:r>
+          </a:p>
+          <a:p>
+            <a:pPr lvl="2">
+              <a:buFont typeface="Wingdings" panose="05000000000000000000" pitchFamily="2" charset="2"/>
+              <a:buChar char="§"/>
+            </a:pPr>
+            <a:r>
+              <a:rPr lang="en-US" sz="2000" dirty="0" err="1" smtClean="0">
+                <a:latin typeface="Consolas" panose="020B0609020204030204" pitchFamily="49" charset="0"/>
+              </a:rPr>
+              <a:t>git</a:t>
+            </a:r>
+            <a:r>
+              <a:rPr lang="en-US" sz="2000" dirty="0" smtClean="0">
+                <a:latin typeface="Consolas" panose="020B0609020204030204" pitchFamily="49" charset="0"/>
+              </a:rPr>
+              <a:t> branch &lt;name&gt; || </a:t>
+            </a:r>
+            <a:r>
+              <a:rPr lang="en-US" sz="2000" dirty="0" err="1" smtClean="0">
+                <a:latin typeface="Consolas" panose="020B0609020204030204" pitchFamily="49" charset="0"/>
+              </a:rPr>
+              <a:t>git</a:t>
+            </a:r>
+            <a:r>
+              <a:rPr lang="en-US" sz="2000" dirty="0" smtClean="0">
+                <a:latin typeface="Consolas" panose="020B0609020204030204" pitchFamily="49" charset="0"/>
+              </a:rPr>
+              <a:t> checkout &lt;name&gt;</a:t>
+            </a:r>
+          </a:p>
+          <a:p>
+            <a:pPr lvl="2">
+              <a:buFont typeface="Wingdings" panose="05000000000000000000" pitchFamily="2" charset="2"/>
+              <a:buChar char="§"/>
+            </a:pPr>
+            <a:r>
+              <a:rPr lang="en-US" sz="2000" dirty="0" err="1" smtClean="0">
+                <a:latin typeface="Consolas" panose="020B0609020204030204" pitchFamily="49" charset="0"/>
+              </a:rPr>
+              <a:t>git</a:t>
+            </a:r>
+            <a:r>
+              <a:rPr lang="en-US" sz="2000" dirty="0" smtClean="0">
+                <a:latin typeface="Consolas" panose="020B0609020204030204" pitchFamily="49" charset="0"/>
+              </a:rPr>
+              <a:t> checkout –b &lt;name&gt;</a:t>
+            </a:r>
+          </a:p>
+          <a:p>
+            <a:pPr lvl="1">
+              <a:buFont typeface="Wingdings" panose="05000000000000000000" pitchFamily="2" charset="2"/>
+              <a:buChar char="§"/>
+            </a:pPr>
+            <a:r>
+              <a:rPr lang="en-US" sz="2400" dirty="0"/>
+              <a:t>Publishing a new </a:t>
+            </a:r>
+            <a:r>
+              <a:rPr lang="en-US" sz="2400" dirty="0" smtClean="0"/>
+              <a:t>branch</a:t>
+            </a:r>
+          </a:p>
+          <a:p>
+            <a:pPr lvl="2">
+              <a:buFont typeface="Wingdings" panose="05000000000000000000" pitchFamily="2" charset="2"/>
+              <a:buChar char="§"/>
+            </a:pPr>
+            <a:r>
+              <a:rPr lang="en-US" sz="2000" dirty="0" err="1">
+                <a:latin typeface="Consolas" panose="020B0609020204030204" pitchFamily="49" charset="0"/>
+              </a:rPr>
+              <a:t>git</a:t>
+            </a:r>
+            <a:r>
+              <a:rPr lang="en-US" sz="2000" dirty="0">
+                <a:latin typeface="Consolas" panose="020B0609020204030204" pitchFamily="49" charset="0"/>
+              </a:rPr>
+              <a:t> push </a:t>
+            </a:r>
+            <a:r>
+              <a:rPr lang="en-US" sz="2000" dirty="0" smtClean="0">
+                <a:latin typeface="Consolas" panose="020B0609020204030204" pitchFamily="49" charset="0"/>
+              </a:rPr>
+              <a:t>--set-upstream </a:t>
+            </a:r>
+            <a:r>
+              <a:rPr lang="en-US" sz="2000" dirty="0">
+                <a:latin typeface="Consolas" panose="020B0609020204030204" pitchFamily="49" charset="0"/>
+              </a:rPr>
+              <a:t>origin &lt;name</a:t>
+            </a:r>
+            <a:r>
+              <a:rPr lang="en-US" sz="2000" dirty="0" smtClean="0">
+                <a:latin typeface="Consolas" panose="020B0609020204030204" pitchFamily="49" charset="0"/>
+              </a:rPr>
+              <a:t>&gt;</a:t>
+            </a:r>
+          </a:p>
+          <a:p>
+            <a:pPr lvl="2">
+              <a:buFont typeface="Wingdings" panose="05000000000000000000" pitchFamily="2" charset="2"/>
+              <a:buChar char="§"/>
+            </a:pPr>
+            <a:r>
+              <a:rPr lang="en-US" sz="2000" dirty="0" err="1" smtClean="0">
+                <a:latin typeface="Consolas" panose="020B0609020204030204" pitchFamily="49" charset="0"/>
+              </a:rPr>
+              <a:t>git</a:t>
+            </a:r>
+            <a:r>
+              <a:rPr lang="en-US" sz="2000" dirty="0" smtClean="0">
+                <a:latin typeface="Consolas" panose="020B0609020204030204" pitchFamily="49" charset="0"/>
+              </a:rPr>
+              <a:t> push –u origin &lt;name&gt;</a:t>
+            </a:r>
+            <a:endParaRPr lang="en-US" sz="2000" dirty="0">
+              <a:latin typeface="Consolas" panose="020B0609020204030204" pitchFamily="49" charset="0"/>
+            </a:endParaRPr>
+          </a:p>
+          <a:p>
+            <a:pPr lvl="1">
+              <a:buFont typeface="Wingdings" panose="05000000000000000000" pitchFamily="2" charset="2"/>
+              <a:buChar char="§"/>
+            </a:pPr>
+            <a:r>
+              <a:rPr lang="en-US" sz="2400" dirty="0" smtClean="0"/>
+              <a:t>Switching branches</a:t>
+            </a:r>
+          </a:p>
+          <a:p>
+            <a:pPr lvl="2">
+              <a:buFont typeface="Wingdings" panose="05000000000000000000" pitchFamily="2" charset="2"/>
+              <a:buChar char="§"/>
+            </a:pPr>
+            <a:r>
+              <a:rPr lang="en-US" sz="2000" dirty="0" err="1">
+                <a:latin typeface="Consolas" panose="020B0609020204030204" pitchFamily="49" charset="0"/>
+              </a:rPr>
+              <a:t>git</a:t>
+            </a:r>
+            <a:r>
+              <a:rPr lang="en-US" sz="2000" dirty="0">
+                <a:latin typeface="Consolas" panose="020B0609020204030204" pitchFamily="49" charset="0"/>
+              </a:rPr>
+              <a:t> checkout &lt;name&gt; </a:t>
+            </a:r>
+            <a:endParaRPr lang="en-US" sz="2000" dirty="0" smtClean="0">
+              <a:latin typeface="Consolas" panose="020B0609020204030204" pitchFamily="49" charset="0"/>
+            </a:endParaRPr>
+          </a:p>
+          <a:p>
+            <a:pPr lvl="1">
+              <a:buFont typeface="Wingdings" panose="05000000000000000000" pitchFamily="2" charset="2"/>
+              <a:buChar char="§"/>
+            </a:pPr>
+            <a:r>
+              <a:rPr lang="en-US" sz="2400" dirty="0"/>
+              <a:t>Deleting branches</a:t>
+            </a:r>
+          </a:p>
+          <a:p>
+            <a:pPr lvl="2">
+              <a:buFont typeface="Wingdings" panose="05000000000000000000" pitchFamily="2" charset="2"/>
+              <a:buChar char="§"/>
+            </a:pPr>
+            <a:r>
+              <a:rPr lang="en-US" sz="2000" dirty="0" err="1" smtClean="0">
+                <a:latin typeface="Consolas" panose="020B0609020204030204" pitchFamily="49" charset="0"/>
+              </a:rPr>
+              <a:t>git</a:t>
+            </a:r>
+            <a:r>
+              <a:rPr lang="en-US" sz="2000" dirty="0" smtClean="0">
+                <a:latin typeface="Consolas" panose="020B0609020204030204" pitchFamily="49" charset="0"/>
+              </a:rPr>
+              <a:t> branch –d &lt;name&gt;</a:t>
+            </a:r>
+          </a:p>
+          <a:p>
+            <a:pPr lvl="2">
+              <a:buFont typeface="Wingdings" panose="05000000000000000000" pitchFamily="2" charset="2"/>
+              <a:buChar char="§"/>
+            </a:pPr>
+            <a:r>
+              <a:rPr lang="en-US" sz="2000" dirty="0" err="1" smtClean="0">
+                <a:latin typeface="Consolas" panose="020B0609020204030204" pitchFamily="49" charset="0"/>
+              </a:rPr>
+              <a:t>git</a:t>
+            </a:r>
+            <a:r>
+              <a:rPr lang="en-US" sz="2000" dirty="0" smtClean="0">
+                <a:latin typeface="Consolas" panose="020B0609020204030204" pitchFamily="49" charset="0"/>
+              </a:rPr>
+              <a:t> branch –D &lt;name&gt;</a:t>
+            </a:r>
+            <a:endParaRPr lang="en-US" sz="2000" dirty="0">
+              <a:latin typeface="Consolas" panose="020B0609020204030204" pitchFamily="49" charset="0"/>
+            </a:endParaRPr>
+          </a:p>
+        </p:txBody>
+      </p:sp>
+    </p:spTree>
+    <p:extLst>
+      <p:ext uri="{BB962C8B-B14F-4D97-AF65-F5344CB8AC3E}">
+        <p14:creationId xmlns:p14="http://schemas.microsoft.com/office/powerpoint/2010/main" val="3040847419"/>
+      </p:ext>
+    </p:extLst>
+  </p:cSld>
+  <p:clrMapOvr>
+    <a:masterClrMapping/>
+  </p:clrMapOvr>
+  <p:timing>
+    <p:tnLst>
+      <p:par>
+        <p:cTn id="1" dur="indefinite" restart="never" nodeType="tmRoot"/>
+      </p:par>
+    </p:tnLst>
+  </p:timing>
+</p:sld>
+</file>
+
 <file path=ppt/slides/slide2.xml><?xml version="1.0" encoding="utf-8"?>
 <p:sld xmlns:a="http://schemas.openxmlformats.org/drawingml/2006/main" xmlns:r="http://schemas.openxmlformats.org/officeDocument/2006/relationships" xmlns:p="http://schemas.openxmlformats.org/presentationml/2006/main">
   <p:cSld>
@@ -4049,6 +8632,462 @@
     <p:extLst>
       <p:ext uri="{BB962C8B-B14F-4D97-AF65-F5344CB8AC3E}">
         <p14:creationId xmlns:p14="http://schemas.microsoft.com/office/powerpoint/2010/main" val="2825983449"/>
+      </p:ext>
+    </p:extLst>
+  </p:cSld>
+  <p:clrMapOvr>
+    <a:masterClrMapping/>
+  </p:clrMapOvr>
+  <p:timing>
+    <p:tnLst>
+      <p:par>
+        <p:cTn id="1" dur="indefinite" restart="never" nodeType="tmRoot"/>
+      </p:par>
+    </p:tnLst>
+  </p:timing>
+</p:sld>
+</file>
+
+<file path=ppt/slides/slide20.xml><?xml version="1.0" encoding="utf-8"?>
+<p:sld xmlns:a="http://schemas.openxmlformats.org/drawingml/2006/main" xmlns:r="http://schemas.openxmlformats.org/officeDocument/2006/relationships" xmlns:p="http://schemas.openxmlformats.org/presentationml/2006/main">
+  <p:cSld>
+    <p:spTree>
+      <p:nvGrpSpPr>
+        <p:cNvPr id="1" name=""/>
+        <p:cNvGrpSpPr/>
+        <p:nvPr/>
+      </p:nvGrpSpPr>
+      <p:grpSpPr>
+        <a:xfrm>
+          <a:off x="0" y="0"/>
+          <a:ext cx="0" cy="0"/>
+          <a:chOff x="0" y="0"/>
+          <a:chExt cx="0" cy="0"/>
+        </a:xfrm>
+      </p:grpSpPr>
+      <p:sp>
+        <p:nvSpPr>
+          <p:cNvPr id="2" name="Title 1"/>
+          <p:cNvSpPr>
+            <a:spLocks noGrp="1"/>
+          </p:cNvSpPr>
+          <p:nvPr>
+            <p:ph type="title"/>
+          </p:nvPr>
+        </p:nvSpPr>
+        <p:spPr/>
+        <p:txBody>
+          <a:bodyPr/>
+          <a:lstStyle/>
+          <a:p>
+            <a:r>
+              <a:rPr lang="en-US" dirty="0" smtClean="0"/>
+              <a:t>Merging</a:t>
+            </a:r>
+            <a:endParaRPr lang="en-US" dirty="0"/>
+          </a:p>
+        </p:txBody>
+      </p:sp>
+      <p:pic>
+        <p:nvPicPr>
+          <p:cNvPr id="3" name="Picture 2"/>
+          <p:cNvPicPr>
+            <a:picLocks noChangeAspect="1"/>
+          </p:cNvPicPr>
+          <p:nvPr/>
+        </p:nvPicPr>
+        <p:blipFill>
+          <a:blip r:embed="rId2">
+            <a:extLst>
+              <a:ext uri="{28A0092B-C50C-407E-A947-70E740481C1C}">
+                <a14:useLocalDpi xmlns:a14="http://schemas.microsoft.com/office/drawing/2010/main" val="0"/>
+              </a:ext>
+            </a:extLst>
+          </a:blip>
+          <a:stretch>
+            <a:fillRect/>
+          </a:stretch>
+        </p:blipFill>
+        <p:spPr>
+          <a:xfrm>
+            <a:off x="2180493" y="1312252"/>
+            <a:ext cx="7620000" cy="4362450"/>
+          </a:xfrm>
+          <a:prstGeom prst="rect">
+            <a:avLst/>
+          </a:prstGeom>
+        </p:spPr>
+      </p:pic>
+    </p:spTree>
+    <p:extLst>
+      <p:ext uri="{BB962C8B-B14F-4D97-AF65-F5344CB8AC3E}">
+        <p14:creationId xmlns:p14="http://schemas.microsoft.com/office/powerpoint/2010/main" val="534903061"/>
+      </p:ext>
+    </p:extLst>
+  </p:cSld>
+  <p:clrMapOvr>
+    <a:masterClrMapping/>
+  </p:clrMapOvr>
+  <p:timing>
+    <p:tnLst>
+      <p:par>
+        <p:cTn id="1" dur="indefinite" restart="never" nodeType="tmRoot"/>
+      </p:par>
+    </p:tnLst>
+  </p:timing>
+</p:sld>
+</file>
+
+<file path=ppt/slides/slide21.xml><?xml version="1.0" encoding="utf-8"?>
+<p:sld xmlns:a="http://schemas.openxmlformats.org/drawingml/2006/main" xmlns:r="http://schemas.openxmlformats.org/officeDocument/2006/relationships" xmlns:p="http://schemas.openxmlformats.org/presentationml/2006/main">
+  <p:cSld>
+    <p:spTree>
+      <p:nvGrpSpPr>
+        <p:cNvPr id="1" name=""/>
+        <p:cNvGrpSpPr/>
+        <p:nvPr/>
+      </p:nvGrpSpPr>
+      <p:grpSpPr>
+        <a:xfrm>
+          <a:off x="0" y="0"/>
+          <a:ext cx="0" cy="0"/>
+          <a:chOff x="0" y="0"/>
+          <a:chExt cx="0" cy="0"/>
+        </a:xfrm>
+      </p:grpSpPr>
+      <p:sp>
+        <p:nvSpPr>
+          <p:cNvPr id="2" name="Title 1"/>
+          <p:cNvSpPr>
+            <a:spLocks noGrp="1"/>
+          </p:cNvSpPr>
+          <p:nvPr>
+            <p:ph type="title"/>
+          </p:nvPr>
+        </p:nvSpPr>
+        <p:spPr/>
+        <p:txBody>
+          <a:bodyPr/>
+          <a:lstStyle/>
+          <a:p>
+            <a:r>
+              <a:rPr lang="en-US" dirty="0" smtClean="0"/>
+              <a:t>Merging</a:t>
+            </a:r>
+            <a:endParaRPr lang="en-US" dirty="0"/>
+          </a:p>
+        </p:txBody>
+      </p:sp>
+      <p:sp>
+        <p:nvSpPr>
+          <p:cNvPr id="5" name="Content Placeholder 4"/>
+          <p:cNvSpPr>
+            <a:spLocks noGrp="1"/>
+          </p:cNvSpPr>
+          <p:nvPr>
+            <p:ph idx="1"/>
+          </p:nvPr>
+        </p:nvSpPr>
+        <p:spPr/>
+        <p:txBody>
+          <a:bodyPr>
+            <a:normAutofit lnSpcReduction="10000"/>
+          </a:bodyPr>
+          <a:lstStyle/>
+          <a:p>
+            <a:pPr lvl="1">
+              <a:buFont typeface="Wingdings" panose="05000000000000000000" pitchFamily="2" charset="2"/>
+              <a:buChar char="§"/>
+            </a:pPr>
+            <a:r>
+              <a:rPr lang="en-US" sz="2400" dirty="0" smtClean="0"/>
+              <a:t>Creating a new branch</a:t>
+            </a:r>
+          </a:p>
+          <a:p>
+            <a:pPr lvl="2">
+              <a:buFont typeface="Wingdings" panose="05000000000000000000" pitchFamily="2" charset="2"/>
+              <a:buChar char="§"/>
+            </a:pPr>
+            <a:r>
+              <a:rPr lang="en-US" sz="2000" dirty="0" err="1" smtClean="0">
+                <a:latin typeface="Consolas" panose="020B0609020204030204" pitchFamily="49" charset="0"/>
+              </a:rPr>
+              <a:t>git</a:t>
+            </a:r>
+            <a:r>
+              <a:rPr lang="en-US" sz="2000" dirty="0" smtClean="0">
+                <a:latin typeface="Consolas" panose="020B0609020204030204" pitchFamily="49" charset="0"/>
+              </a:rPr>
+              <a:t> branch &lt;name&gt; || </a:t>
+            </a:r>
+            <a:r>
+              <a:rPr lang="en-US" sz="2000" dirty="0" err="1" smtClean="0">
+                <a:latin typeface="Consolas" panose="020B0609020204030204" pitchFamily="49" charset="0"/>
+              </a:rPr>
+              <a:t>git</a:t>
+            </a:r>
+            <a:r>
+              <a:rPr lang="en-US" sz="2000" dirty="0" smtClean="0">
+                <a:latin typeface="Consolas" panose="020B0609020204030204" pitchFamily="49" charset="0"/>
+              </a:rPr>
+              <a:t> checkout &lt;name&gt;</a:t>
+            </a:r>
+          </a:p>
+          <a:p>
+            <a:pPr lvl="2">
+              <a:buFont typeface="Wingdings" panose="05000000000000000000" pitchFamily="2" charset="2"/>
+              <a:buChar char="§"/>
+            </a:pPr>
+            <a:r>
+              <a:rPr lang="en-US" sz="2000" dirty="0" err="1" smtClean="0">
+                <a:latin typeface="Consolas" panose="020B0609020204030204" pitchFamily="49" charset="0"/>
+              </a:rPr>
+              <a:t>git</a:t>
+            </a:r>
+            <a:r>
+              <a:rPr lang="en-US" sz="2000" dirty="0" smtClean="0">
+                <a:latin typeface="Consolas" panose="020B0609020204030204" pitchFamily="49" charset="0"/>
+              </a:rPr>
+              <a:t> checkout –b &lt;name&gt;</a:t>
+            </a:r>
+          </a:p>
+          <a:p>
+            <a:pPr lvl="1">
+              <a:buFont typeface="Wingdings" panose="05000000000000000000" pitchFamily="2" charset="2"/>
+              <a:buChar char="§"/>
+            </a:pPr>
+            <a:r>
+              <a:rPr lang="en-US" sz="2400" dirty="0"/>
+              <a:t>Publishing a new </a:t>
+            </a:r>
+            <a:r>
+              <a:rPr lang="en-US" sz="2400" dirty="0" smtClean="0"/>
+              <a:t>branch</a:t>
+            </a:r>
+          </a:p>
+          <a:p>
+            <a:pPr lvl="2">
+              <a:buFont typeface="Wingdings" panose="05000000000000000000" pitchFamily="2" charset="2"/>
+              <a:buChar char="§"/>
+            </a:pPr>
+            <a:r>
+              <a:rPr lang="en-US" sz="2000" dirty="0" err="1">
+                <a:latin typeface="Consolas" panose="020B0609020204030204" pitchFamily="49" charset="0"/>
+              </a:rPr>
+              <a:t>git</a:t>
+            </a:r>
+            <a:r>
+              <a:rPr lang="en-US" sz="2000" dirty="0">
+                <a:latin typeface="Consolas" panose="020B0609020204030204" pitchFamily="49" charset="0"/>
+              </a:rPr>
+              <a:t> push </a:t>
+            </a:r>
+            <a:r>
+              <a:rPr lang="en-US" sz="2000" dirty="0" smtClean="0">
+                <a:latin typeface="Consolas" panose="020B0609020204030204" pitchFamily="49" charset="0"/>
+              </a:rPr>
+              <a:t>--set-upstream </a:t>
+            </a:r>
+            <a:r>
+              <a:rPr lang="en-US" sz="2000" dirty="0">
+                <a:latin typeface="Consolas" panose="020B0609020204030204" pitchFamily="49" charset="0"/>
+              </a:rPr>
+              <a:t>origin &lt;name</a:t>
+            </a:r>
+            <a:r>
+              <a:rPr lang="en-US" sz="2000" dirty="0" smtClean="0">
+                <a:latin typeface="Consolas" panose="020B0609020204030204" pitchFamily="49" charset="0"/>
+              </a:rPr>
+              <a:t>&gt;</a:t>
+            </a:r>
+          </a:p>
+          <a:p>
+            <a:pPr lvl="2">
+              <a:buFont typeface="Wingdings" panose="05000000000000000000" pitchFamily="2" charset="2"/>
+              <a:buChar char="§"/>
+            </a:pPr>
+            <a:r>
+              <a:rPr lang="en-US" sz="2000" dirty="0" err="1" smtClean="0">
+                <a:latin typeface="Consolas" panose="020B0609020204030204" pitchFamily="49" charset="0"/>
+              </a:rPr>
+              <a:t>git</a:t>
+            </a:r>
+            <a:r>
+              <a:rPr lang="en-US" sz="2000" dirty="0" smtClean="0">
+                <a:latin typeface="Consolas" panose="020B0609020204030204" pitchFamily="49" charset="0"/>
+              </a:rPr>
+              <a:t> push –u origin &lt;name&gt;</a:t>
+            </a:r>
+            <a:endParaRPr lang="en-US" sz="2000" dirty="0">
+              <a:latin typeface="Consolas" panose="020B0609020204030204" pitchFamily="49" charset="0"/>
+            </a:endParaRPr>
+          </a:p>
+          <a:p>
+            <a:pPr lvl="1">
+              <a:buFont typeface="Wingdings" panose="05000000000000000000" pitchFamily="2" charset="2"/>
+              <a:buChar char="§"/>
+            </a:pPr>
+            <a:r>
+              <a:rPr lang="en-US" sz="2400" dirty="0" smtClean="0"/>
+              <a:t>Switching branches</a:t>
+            </a:r>
+          </a:p>
+          <a:p>
+            <a:pPr lvl="2">
+              <a:buFont typeface="Wingdings" panose="05000000000000000000" pitchFamily="2" charset="2"/>
+              <a:buChar char="§"/>
+            </a:pPr>
+            <a:r>
+              <a:rPr lang="en-US" sz="2000" dirty="0" err="1">
+                <a:latin typeface="Consolas" panose="020B0609020204030204" pitchFamily="49" charset="0"/>
+              </a:rPr>
+              <a:t>git</a:t>
+            </a:r>
+            <a:r>
+              <a:rPr lang="en-US" sz="2000" dirty="0">
+                <a:latin typeface="Consolas" panose="020B0609020204030204" pitchFamily="49" charset="0"/>
+              </a:rPr>
+              <a:t> checkout &lt;name&gt; </a:t>
+            </a:r>
+            <a:endParaRPr lang="en-US" sz="2000" dirty="0" smtClean="0">
+              <a:latin typeface="Consolas" panose="020B0609020204030204" pitchFamily="49" charset="0"/>
+            </a:endParaRPr>
+          </a:p>
+          <a:p>
+            <a:pPr lvl="1">
+              <a:buFont typeface="Wingdings" panose="05000000000000000000" pitchFamily="2" charset="2"/>
+              <a:buChar char="§"/>
+            </a:pPr>
+            <a:r>
+              <a:rPr lang="en-US" sz="2400" dirty="0"/>
+              <a:t>Deleting branches</a:t>
+            </a:r>
+          </a:p>
+          <a:p>
+            <a:pPr lvl="2">
+              <a:buFont typeface="Wingdings" panose="05000000000000000000" pitchFamily="2" charset="2"/>
+              <a:buChar char="§"/>
+            </a:pPr>
+            <a:r>
+              <a:rPr lang="en-US" sz="2000" dirty="0" err="1" smtClean="0">
+                <a:latin typeface="Consolas" panose="020B0609020204030204" pitchFamily="49" charset="0"/>
+              </a:rPr>
+              <a:t>git</a:t>
+            </a:r>
+            <a:r>
+              <a:rPr lang="en-US" sz="2000" dirty="0" smtClean="0">
+                <a:latin typeface="Consolas" panose="020B0609020204030204" pitchFamily="49" charset="0"/>
+              </a:rPr>
+              <a:t> branch –d &lt;name&gt;</a:t>
+            </a:r>
+          </a:p>
+          <a:p>
+            <a:pPr lvl="2">
+              <a:buFont typeface="Wingdings" panose="05000000000000000000" pitchFamily="2" charset="2"/>
+              <a:buChar char="§"/>
+            </a:pPr>
+            <a:r>
+              <a:rPr lang="en-US" sz="2000" dirty="0" err="1" smtClean="0">
+                <a:latin typeface="Consolas" panose="020B0609020204030204" pitchFamily="49" charset="0"/>
+              </a:rPr>
+              <a:t>git</a:t>
+            </a:r>
+            <a:r>
+              <a:rPr lang="en-US" sz="2000" dirty="0" smtClean="0">
+                <a:latin typeface="Consolas" panose="020B0609020204030204" pitchFamily="49" charset="0"/>
+              </a:rPr>
+              <a:t> branch –D &lt;name&gt;</a:t>
+            </a:r>
+            <a:endParaRPr lang="en-US" sz="2000" dirty="0">
+              <a:latin typeface="Consolas" panose="020B0609020204030204" pitchFamily="49" charset="0"/>
+            </a:endParaRPr>
+          </a:p>
+        </p:txBody>
+      </p:sp>
+    </p:spTree>
+    <p:extLst>
+      <p:ext uri="{BB962C8B-B14F-4D97-AF65-F5344CB8AC3E}">
+        <p14:creationId xmlns:p14="http://schemas.microsoft.com/office/powerpoint/2010/main" val="3539894464"/>
+      </p:ext>
+    </p:extLst>
+  </p:cSld>
+  <p:clrMapOvr>
+    <a:masterClrMapping/>
+  </p:clrMapOvr>
+  <p:timing>
+    <p:tnLst>
+      <p:par>
+        <p:cTn id="1" dur="indefinite" restart="never" nodeType="tmRoot"/>
+      </p:par>
+    </p:tnLst>
+  </p:timing>
+</p:sld>
+</file>
+
+<file path=ppt/slides/slide22.xml><?xml version="1.0" encoding="utf-8"?>
+<p:sld xmlns:a="http://schemas.openxmlformats.org/drawingml/2006/main" xmlns:r="http://schemas.openxmlformats.org/officeDocument/2006/relationships" xmlns:p="http://schemas.openxmlformats.org/presentationml/2006/main">
+  <p:cSld>
+    <p:spTree>
+      <p:nvGrpSpPr>
+        <p:cNvPr id="1" name=""/>
+        <p:cNvGrpSpPr/>
+        <p:nvPr/>
+      </p:nvGrpSpPr>
+      <p:grpSpPr>
+        <a:xfrm>
+          <a:off x="0" y="0"/>
+          <a:ext cx="0" cy="0"/>
+          <a:chOff x="0" y="0"/>
+          <a:chExt cx="0" cy="0"/>
+        </a:xfrm>
+      </p:grpSpPr>
+      <p:sp>
+        <p:nvSpPr>
+          <p:cNvPr id="2" name="Title 1"/>
+          <p:cNvSpPr>
+            <a:spLocks noGrp="1"/>
+          </p:cNvSpPr>
+          <p:nvPr>
+            <p:ph type="title"/>
+          </p:nvPr>
+        </p:nvSpPr>
+        <p:spPr/>
+        <p:txBody>
+          <a:bodyPr/>
+          <a:lstStyle/>
+          <a:p>
+            <a:r>
+              <a:rPr lang="en-US" dirty="0" smtClean="0"/>
+              <a:t>Questions?</a:t>
+            </a:r>
+            <a:endParaRPr lang="en-US" dirty="0"/>
+          </a:p>
+        </p:txBody>
+      </p:sp>
+      <p:sp>
+        <p:nvSpPr>
+          <p:cNvPr id="3" name="Content Placeholder 2"/>
+          <p:cNvSpPr>
+            <a:spLocks noGrp="1"/>
+          </p:cNvSpPr>
+          <p:nvPr>
+            <p:ph idx="1"/>
+          </p:nvPr>
+        </p:nvSpPr>
+        <p:spPr/>
+        <p:txBody>
+          <a:bodyPr/>
+          <a:lstStyle/>
+          <a:p>
+            <a:endParaRPr lang="en-US"/>
+          </a:p>
+        </p:txBody>
+      </p:sp>
+    </p:spTree>
+    <p:extLst>
+      <p:ext uri="{BB962C8B-B14F-4D97-AF65-F5344CB8AC3E}">
+        <p14:creationId xmlns:p14="http://schemas.microsoft.com/office/powerpoint/2010/main" val="3036280036"/>
       </p:ext>
     </p:extLst>
   </p:cSld>
@@ -4105,10 +9144,142 @@
           </a:p>
         </p:txBody>
       </p:sp>
+      <p:sp>
+        <p:nvSpPr>
+          <p:cNvPr id="5" name="Content Placeholder 4"/>
+          <p:cNvSpPr>
+            <a:spLocks noGrp="1"/>
+          </p:cNvSpPr>
+          <p:nvPr>
+            <p:ph idx="1"/>
+          </p:nvPr>
+        </p:nvSpPr>
+        <p:spPr/>
+        <p:txBody>
+          <a:bodyPr>
+            <a:normAutofit/>
+          </a:bodyPr>
+          <a:lstStyle/>
+          <a:p>
+            <a:pPr lvl="1">
+              <a:buFont typeface="Wingdings" panose="05000000000000000000" pitchFamily="2" charset="2"/>
+              <a:buChar char="§"/>
+            </a:pPr>
+            <a:r>
+              <a:rPr lang="en-US" sz="2400" dirty="0" err="1" smtClean="0"/>
+              <a:t>Git</a:t>
+            </a:r>
+            <a:r>
+              <a:rPr lang="en-US" sz="2400" dirty="0" smtClean="0"/>
+              <a:t> is storage for text based files</a:t>
+            </a:r>
+          </a:p>
+          <a:p>
+            <a:pPr lvl="2">
+              <a:buFont typeface="Wingdings" panose="05000000000000000000" pitchFamily="2" charset="2"/>
+              <a:buChar char="§"/>
+            </a:pPr>
+            <a:r>
+              <a:rPr lang="en-US" sz="1800" dirty="0" smtClean="0"/>
+              <a:t>Files are stored in a “repository”, which is a fancy name for a folder on your computer, with some extra hidden files inside of it</a:t>
+            </a:r>
+          </a:p>
+          <a:p>
+            <a:pPr lvl="1">
+              <a:buFont typeface="Wingdings" panose="05000000000000000000" pitchFamily="2" charset="2"/>
+              <a:buChar char="§"/>
+            </a:pPr>
+            <a:r>
+              <a:rPr lang="en-US" sz="2400" dirty="0" err="1" smtClean="0"/>
+              <a:t>Git</a:t>
+            </a:r>
+            <a:r>
+              <a:rPr lang="en-US" sz="2400" dirty="0" smtClean="0"/>
+              <a:t> tracks changes to files in an incremental fashion</a:t>
+            </a:r>
+          </a:p>
+          <a:p>
+            <a:pPr lvl="2">
+              <a:buFont typeface="Wingdings" panose="05000000000000000000" pitchFamily="2" charset="2"/>
+              <a:buChar char="§"/>
+            </a:pPr>
+            <a:r>
+              <a:rPr lang="en-US" sz="1800" dirty="0" smtClean="0"/>
+              <a:t>Instead of keeping both copies of a modified file, </a:t>
+            </a:r>
+            <a:r>
+              <a:rPr lang="en-US" sz="1800" dirty="0" err="1" smtClean="0"/>
+              <a:t>git</a:t>
+            </a:r>
+            <a:r>
+              <a:rPr lang="en-US" sz="1800" dirty="0" smtClean="0"/>
+              <a:t> computes the difference between the old and new files and stores that.</a:t>
+            </a:r>
+          </a:p>
+          <a:p>
+            <a:pPr lvl="1">
+              <a:buFont typeface="Wingdings" panose="05000000000000000000" pitchFamily="2" charset="2"/>
+              <a:buChar char="§"/>
+            </a:pPr>
+            <a:r>
+              <a:rPr lang="en-US" sz="2400" dirty="0" err="1" smtClean="0"/>
+              <a:t>Git</a:t>
+            </a:r>
+            <a:r>
+              <a:rPr lang="en-US" sz="2400" dirty="0" smtClean="0"/>
+              <a:t> keeps all history forever, and allows you to:</a:t>
+            </a:r>
+          </a:p>
+          <a:p>
+            <a:pPr lvl="2">
+              <a:buFont typeface="Wingdings" panose="05000000000000000000" pitchFamily="2" charset="2"/>
+              <a:buChar char="§"/>
+            </a:pPr>
+            <a:r>
+              <a:rPr lang="en-US" sz="2000" dirty="0" smtClean="0"/>
+              <a:t>See a log of all changes, additions and deletions to both files and contents of files</a:t>
+            </a:r>
+          </a:p>
+          <a:p>
+            <a:pPr lvl="2">
+              <a:buFont typeface="Wingdings" panose="05000000000000000000" pitchFamily="2" charset="2"/>
+              <a:buChar char="§"/>
+            </a:pPr>
+            <a:r>
+              <a:rPr lang="en-US" sz="2000" dirty="0" smtClean="0"/>
+              <a:t>Go back to a previous point in time</a:t>
+            </a:r>
+          </a:p>
+          <a:p>
+            <a:pPr lvl="2">
+              <a:buFont typeface="Wingdings" panose="05000000000000000000" pitchFamily="2" charset="2"/>
+              <a:buChar char="§"/>
+            </a:pPr>
+            <a:r>
+              <a:rPr lang="en-US" sz="2000" dirty="0" smtClean="0"/>
+              <a:t>See the differences between any two points in time</a:t>
+            </a:r>
+          </a:p>
+          <a:p>
+            <a:pPr lvl="1">
+              <a:buFont typeface="Wingdings" panose="05000000000000000000" pitchFamily="2" charset="2"/>
+              <a:buChar char="§"/>
+            </a:pPr>
+            <a:r>
+              <a:rPr lang="en-US" sz="2400" dirty="0" err="1" smtClean="0"/>
+              <a:t>Git</a:t>
+            </a:r>
+            <a:r>
+              <a:rPr lang="en-US" sz="2400" dirty="0" smtClean="0"/>
+              <a:t> allows you to synchronize your repository with a central repository</a:t>
+            </a:r>
+          </a:p>
+        </p:txBody>
+      </p:sp>
     </p:spTree>
     <p:extLst>
       <p:ext uri="{BB962C8B-B14F-4D97-AF65-F5344CB8AC3E}">
-        <p14:creationId xmlns:p14="http://schemas.microsoft.com/office/powerpoint/2010/main" val="2475916348"/>
+        <p14:creationId xmlns:p14="http://schemas.microsoft.com/office/powerpoint/2010/main" val="405491009"/>
       </p:ext>
     </p:extLst>
   </p:cSld>
@@ -4159,40 +9330,106 @@
           <a:p>
             <a:r>
               <a:rPr lang="en-US" dirty="0" smtClean="0"/>
-              <a:t>What?</a:t>
+              <a:t>Why?</a:t>
             </a:r>
             <a:endParaRPr lang="en-US" dirty="0"/>
           </a:p>
         </p:txBody>
       </p:sp>
-      <p:pic>
-        <p:nvPicPr>
-          <p:cNvPr id="4" name="Picture 3"/>
-          <p:cNvPicPr>
-            <a:picLocks noChangeAspect="1"/>
-          </p:cNvPicPr>
-          <p:nvPr/>
-        </p:nvPicPr>
-        <p:blipFill>
-          <a:blip r:embed="rId2"/>
-          <a:stretch>
-            <a:fillRect/>
-          </a:stretch>
-        </p:blipFill>
-        <p:spPr>
-          <a:xfrm>
-            <a:off x="3444648" y="1811791"/>
-            <a:ext cx="4791075" cy="3876675"/>
-          </a:xfrm>
-          <a:prstGeom prst="rect">
-            <a:avLst/>
-          </a:prstGeom>
-        </p:spPr>
-      </p:pic>
+      <p:sp>
+        <p:nvSpPr>
+          <p:cNvPr id="5" name="Content Placeholder 4"/>
+          <p:cNvSpPr>
+            <a:spLocks noGrp="1"/>
+          </p:cNvSpPr>
+          <p:nvPr>
+            <p:ph idx="1"/>
+          </p:nvPr>
+        </p:nvSpPr>
+        <p:spPr/>
+        <p:txBody>
+          <a:bodyPr>
+            <a:normAutofit/>
+          </a:bodyPr>
+          <a:lstStyle/>
+          <a:p>
+            <a:pPr lvl="1">
+              <a:buFont typeface="Wingdings" panose="05000000000000000000" pitchFamily="2" charset="2"/>
+              <a:buChar char="§"/>
+            </a:pPr>
+            <a:r>
+              <a:rPr lang="en-US" sz="2400" dirty="0" smtClean="0"/>
+              <a:t>File backup</a:t>
+            </a:r>
+          </a:p>
+          <a:p>
+            <a:pPr lvl="1">
+              <a:buFont typeface="Wingdings" panose="05000000000000000000" pitchFamily="2" charset="2"/>
+              <a:buChar char="§"/>
+            </a:pPr>
+            <a:r>
+              <a:rPr lang="en-US" sz="2400" dirty="0" smtClean="0"/>
+              <a:t>Review differences between versions</a:t>
+            </a:r>
+          </a:p>
+          <a:p>
+            <a:pPr lvl="2">
+              <a:buFont typeface="Wingdings" panose="05000000000000000000" pitchFamily="2" charset="2"/>
+              <a:buChar char="§"/>
+            </a:pPr>
+            <a:r>
+              <a:rPr lang="en-US" sz="1800" dirty="0" smtClean="0"/>
+              <a:t>It worked last Tuesday, but today it’s broken. What changed?</a:t>
+            </a:r>
+          </a:p>
+          <a:p>
+            <a:pPr lvl="1">
+              <a:buFont typeface="Wingdings" panose="05000000000000000000" pitchFamily="2" charset="2"/>
+              <a:buChar char="§"/>
+            </a:pPr>
+            <a:r>
+              <a:rPr lang="en-US" sz="2400" dirty="0" smtClean="0"/>
+              <a:t>Collaboration</a:t>
+            </a:r>
+            <a:endParaRPr lang="en-US" sz="2000" dirty="0"/>
+          </a:p>
+          <a:p>
+            <a:pPr lvl="2">
+              <a:buFont typeface="Wingdings" panose="05000000000000000000" pitchFamily="2" charset="2"/>
+              <a:buChar char="§"/>
+            </a:pPr>
+            <a:r>
+              <a:rPr lang="en-US" sz="1800" dirty="0" smtClean="0"/>
+              <a:t>Easily review changes made by others</a:t>
+            </a:r>
+          </a:p>
+          <a:p>
+            <a:pPr lvl="2">
+              <a:buFont typeface="Wingdings" panose="05000000000000000000" pitchFamily="2" charset="2"/>
+              <a:buChar char="§"/>
+            </a:pPr>
+            <a:r>
+              <a:rPr lang="en-US" sz="1800" dirty="0" smtClean="0"/>
+              <a:t>Easily assign blame when something goes wrong</a:t>
+            </a:r>
+          </a:p>
+          <a:p>
+            <a:pPr lvl="2">
+              <a:buFont typeface="Wingdings" panose="05000000000000000000" pitchFamily="2" charset="2"/>
+              <a:buChar char="§"/>
+            </a:pPr>
+            <a:r>
+              <a:rPr lang="en-US" sz="1800" b="1" dirty="0" smtClean="0"/>
+              <a:t>Share changes!</a:t>
+            </a:r>
+            <a:endParaRPr lang="en-US" sz="1800" b="1" dirty="0"/>
+          </a:p>
+        </p:txBody>
+      </p:sp>
     </p:spTree>
     <p:extLst>
       <p:ext uri="{BB962C8B-B14F-4D97-AF65-F5344CB8AC3E}">
-        <p14:creationId xmlns:p14="http://schemas.microsoft.com/office/powerpoint/2010/main" val="4160820401"/>
+        <p14:creationId xmlns:p14="http://schemas.microsoft.com/office/powerpoint/2010/main" val="3335787589"/>
       </p:ext>
     </p:extLst>
   </p:cSld>
@@ -4243,7 +9480,7 @@
           <a:p>
             <a:r>
               <a:rPr lang="en-US" dirty="0" smtClean="0"/>
-              <a:t>What?</a:t>
+              <a:t>What’s So Special About Sharing?</a:t>
             </a:r>
             <a:endParaRPr lang="en-US" dirty="0"/>
           </a:p>
@@ -4271,12 +9508,36 @@
               <a:buChar char="§"/>
             </a:pPr>
             <a:r>
+              <a:rPr lang="en-US" sz="2400" dirty="0" smtClean="0"/>
+              <a:t>Because </a:t>
+            </a:r>
+            <a:r>
               <a:rPr lang="en-US" sz="2400" dirty="0" err="1" smtClean="0"/>
               <a:t>Git</a:t>
             </a:r>
             <a:r>
               <a:rPr lang="en-US" sz="2400" dirty="0" smtClean="0"/>
-              <a:t> is storage for text based files</a:t>
+              <a:t> saves file changes incrementally, it can easily handle changes made to different parts of a file, updated at the same time</a:t>
+            </a:r>
+          </a:p>
+          <a:p>
+            <a:pPr lvl="1">
+              <a:buFont typeface="Wingdings" panose="05000000000000000000" pitchFamily="2" charset="2"/>
+              <a:buChar char="§"/>
+            </a:pPr>
+            <a:r>
+              <a:rPr lang="en-US" sz="2400" dirty="0" smtClean="0"/>
+              <a:t>Other version control systems overwrite files as a hole, which might cause changes to be lost</a:t>
+            </a:r>
+          </a:p>
+          <a:p>
+            <a:pPr lvl="1">
+              <a:buFont typeface="Wingdings" panose="05000000000000000000" pitchFamily="2" charset="2"/>
+              <a:buChar char="§"/>
+            </a:pPr>
+            <a:r>
+              <a:rPr lang="en-US" sz="2400" dirty="0" smtClean="0"/>
+              <a:t>Example:</a:t>
             </a:r>
           </a:p>
           <a:p>
@@ -4286,21 +9547,7 @@
             </a:pPr>
             <a:r>
               <a:rPr lang="en-US" sz="1800" dirty="0" smtClean="0"/>
-              <a:t>Files are stored in a “repository”, which is a fancy name for a folder on your computer, with some extra hidden files inside of it</a:t>
-            </a:r>
-          </a:p>
-          <a:p>
-            <a:pPr lvl="1">
-              <a:buFont typeface="Wingdings" panose="05000000000000000000" pitchFamily="2" charset="2"/>
-              <a:buChar char="§"/>
-            </a:pPr>
-            <a:r>
-              <a:rPr lang="en-US" sz="2400" dirty="0" err="1" smtClean="0"/>
-              <a:t>Git</a:t>
-            </a:r>
-            <a:r>
-              <a:rPr lang="en-US" sz="2400" dirty="0" smtClean="0"/>
-              <a:t> tracks changes to files in an incremental fashion</a:t>
+              <a:t>Bob and Alice both download a copy of a file on Tuesday</a:t>
             </a:r>
           </a:p>
           <a:p>
@@ -4310,29 +9557,7 @@
             </a:pPr>
             <a:r>
               <a:rPr lang="en-US" sz="1800" dirty="0" smtClean="0"/>
-              <a:t>Instead of keeping both copies of a modified file, </a:t>
-            </a:r>
-            <a:r>
-              <a:rPr lang="en-US" sz="1800" dirty="0" err="1" smtClean="0"/>
-              <a:t>git</a:t>
-            </a:r>
-            <a:r>
-              <a:rPr lang="en-US" sz="1800" dirty="0" smtClean="0"/>
-              <a:t> computes the difference between the old and new files and stores that.</a:t>
-            </a:r>
-          </a:p>
-          <a:p>
-            <a:pPr lvl="1">
-              <a:buFont typeface="Wingdings" panose="05000000000000000000" pitchFamily="2" charset="2"/>
-              <a:buChar char="§"/>
-            </a:pPr>
-            <a:r>
-              <a:rPr lang="en-US" sz="2400" dirty="0" err="1" smtClean="0"/>
-              <a:t>Git</a:t>
-            </a:r>
-            <a:r>
-              <a:rPr lang="en-US" sz="2400" dirty="0" smtClean="0"/>
-              <a:t> keeps all history forever, and allows you to:</a:t>
+              <a:t>Bob updates his copy of the file Tuesday, but doesn’t upload it</a:t>
             </a:r>
           </a:p>
           <a:p>
@@ -4341,8 +9566,8 @@
               <a:buChar char="§"/>
             </a:pPr>
             <a:r>
-              <a:rPr lang="en-US" sz="2000" dirty="0" smtClean="0"/>
-              <a:t>See a log of all changes, additions and deletions to both files and contents of files</a:t>
+              <a:rPr lang="en-US" sz="1800" dirty="0" smtClean="0"/>
+              <a:t>Alice updates her copy of the file Wednesday and uploads it</a:t>
             </a:r>
           </a:p>
           <a:p>
@@ -4351,8 +9576,8 @@
               <a:buChar char="§"/>
             </a:pPr>
             <a:r>
-              <a:rPr lang="en-US" sz="2000" dirty="0" smtClean="0"/>
-              <a:t>Go back to a previous point in time</a:t>
+              <a:rPr lang="en-US" sz="1800" dirty="0" smtClean="0"/>
+              <a:t>Bob uploads his copy Thursday</a:t>
             </a:r>
           </a:p>
           <a:p>
@@ -4361,22 +9586,22 @@
               <a:buChar char="§"/>
             </a:pPr>
             <a:r>
-              <a:rPr lang="en-US" sz="2000" dirty="0" smtClean="0"/>
-              <a:t>See the differences between any two points in time</a:t>
-            </a:r>
-          </a:p>
-          <a:p>
-            <a:pPr lvl="1">
+              <a:rPr lang="en-US" sz="1800" dirty="0" smtClean="0"/>
+              <a:t>What happens to Alice’s changes?  </a:t>
+            </a:r>
+          </a:p>
+          <a:p>
+            <a:pPr lvl="2">
               <a:buFont typeface="Wingdings" panose="05000000000000000000" pitchFamily="2" charset="2"/>
               <a:buChar char="§"/>
             </a:pPr>
             <a:r>
-              <a:rPr lang="en-US" sz="2400" dirty="0" err="1" smtClean="0"/>
+              <a:rPr lang="en-US" sz="1800" b="1" dirty="0" err="1" smtClean="0"/>
               <a:t>Git</a:t>
             </a:r>
             <a:r>
-              <a:rPr lang="en-US" sz="2400" dirty="0" smtClean="0"/>
-              <a:t> allows you to synchronize your repository with a central repository</a:t>
+              <a:rPr lang="en-US" sz="1800" b="1" dirty="0" smtClean="0"/>
+              <a:t> will merge the contents of both copies, and nothing is lost!</a:t>
             </a:r>
           </a:p>
         </p:txBody>
@@ -4384,7 +9609,7 @@
     </p:spTree>
     <p:extLst>
       <p:ext uri="{BB962C8B-B14F-4D97-AF65-F5344CB8AC3E}">
-        <p14:creationId xmlns:p14="http://schemas.microsoft.com/office/powerpoint/2010/main" val="405491009"/>
+        <p14:creationId xmlns:p14="http://schemas.microsoft.com/office/powerpoint/2010/main" val="4194626831"/>
       </p:ext>
     </p:extLst>
   </p:cSld>
@@ -4435,7 +9660,7 @@
           <a:p>
             <a:r>
               <a:rPr lang="en-US" dirty="0" smtClean="0"/>
-              <a:t>Why?</a:t>
+              <a:t>Anatomy of a Repository</a:t>
             </a:r>
             <a:endParaRPr lang="en-US" dirty="0"/>
           </a:p>
@@ -4443,98 +9668,239 @@
       </p:sp>
       <p:sp>
         <p:nvSpPr>
-          <p:cNvPr id="5" name="Content Placeholder 4"/>
-          <p:cNvSpPr>
-            <a:spLocks noGrp="1"/>
-          </p:cNvSpPr>
-          <p:nvPr>
-            <p:ph idx="1"/>
-          </p:nvPr>
-        </p:nvSpPr>
-        <p:spPr/>
-        <p:txBody>
-          <a:bodyPr>
-            <a:normAutofit/>
-          </a:bodyPr>
-          <a:lstStyle/>
-          <a:p>
-            <a:pPr lvl="1">
-              <a:buFont typeface="Wingdings" panose="05000000000000000000" pitchFamily="2" charset="2"/>
-              <a:buChar char="§"/>
-            </a:pPr>
-            <a:r>
-              <a:rPr lang="en-US" sz="2400" dirty="0" smtClean="0"/>
-              <a:t>File backup</a:t>
-            </a:r>
-          </a:p>
-          <a:p>
-            <a:pPr lvl="1">
-              <a:buFont typeface="Wingdings" panose="05000000000000000000" pitchFamily="2" charset="2"/>
-              <a:buChar char="§"/>
-            </a:pPr>
-            <a:r>
-              <a:rPr lang="en-US" sz="2400" dirty="0" smtClean="0"/>
-              <a:t>Review differences between versions</a:t>
-            </a:r>
-          </a:p>
-          <a:p>
-            <a:pPr lvl="2">
-              <a:buFont typeface="Wingdings" panose="05000000000000000000" pitchFamily="2" charset="2"/>
-              <a:buChar char="§"/>
-            </a:pPr>
-            <a:r>
-              <a:rPr lang="en-US" sz="1800" dirty="0" smtClean="0"/>
-              <a:t>It worked last Tuesday, but today it’s broken. What changed?</a:t>
-            </a:r>
-          </a:p>
-          <a:p>
-            <a:pPr lvl="1">
-              <a:buFont typeface="Wingdings" panose="05000000000000000000" pitchFamily="2" charset="2"/>
-              <a:buChar char="§"/>
-            </a:pPr>
-            <a:r>
-              <a:rPr lang="en-US" sz="2400" dirty="0" smtClean="0"/>
-              <a:t>Collaboration</a:t>
-            </a:r>
-            <a:endParaRPr lang="en-US" sz="2000" dirty="0"/>
-          </a:p>
-          <a:p>
-            <a:pPr lvl="2">
-              <a:buFont typeface="Wingdings" panose="05000000000000000000" pitchFamily="2" charset="2"/>
-              <a:buChar char="§"/>
-            </a:pPr>
-            <a:r>
-              <a:rPr lang="en-US" sz="1800" dirty="0" smtClean="0"/>
-              <a:t>Easily review changes made by others</a:t>
-            </a:r>
-          </a:p>
-          <a:p>
-            <a:pPr lvl="2">
-              <a:buFont typeface="Wingdings" panose="05000000000000000000" pitchFamily="2" charset="2"/>
-              <a:buChar char="§"/>
-            </a:pPr>
-            <a:r>
-              <a:rPr lang="en-US" sz="1800" dirty="0" smtClean="0"/>
-              <a:t>Easily assign blame when something goes wrong</a:t>
-            </a:r>
-          </a:p>
-          <a:p>
-            <a:pPr lvl="2">
-              <a:buFont typeface="Wingdings" panose="05000000000000000000" pitchFamily="2" charset="2"/>
-              <a:buChar char="§"/>
-            </a:pPr>
-            <a:r>
-              <a:rPr lang="en-US" sz="1800" b="1" dirty="0" smtClean="0"/>
-              <a:t>Share changes!</a:t>
-            </a:r>
-            <a:endParaRPr lang="en-US" sz="1800" b="1" dirty="0"/>
+          <p:cNvPr id="6" name="Rectangle 5"/>
+          <p:cNvSpPr/>
+          <p:nvPr/>
+        </p:nvSpPr>
+        <p:spPr>
+          <a:xfrm>
+            <a:off x="1097279" y="1926772"/>
+            <a:ext cx="2008417" cy="4229100"/>
+          </a:xfrm>
+          <a:prstGeom prst="rect">
+            <a:avLst/>
+          </a:prstGeom>
+          <a:noFill/>
+          <a:ln w="9525" cap="flat" cmpd="sng" algn="ctr">
+            <a:solidFill>
+              <a:schemeClr val="accent1"/>
+            </a:solidFill>
+            <a:prstDash val="solid"/>
+            <a:round/>
+            <a:headEnd type="none" w="med" len="med"/>
+            <a:tailEnd type="none" w="med" len="med"/>
+          </a:ln>
+        </p:spPr>
+        <p:style>
+          <a:lnRef idx="0">
+            <a:scrgbClr r="0" g="0" b="0"/>
+          </a:lnRef>
+          <a:fillRef idx="0">
+            <a:scrgbClr r="0" g="0" b="0"/>
+          </a:fillRef>
+          <a:effectRef idx="0">
+            <a:scrgbClr r="0" g="0" b="0"/>
+          </a:effectRef>
+          <a:fontRef idx="minor">
+            <a:schemeClr val="accent1"/>
+          </a:fontRef>
+        </p:style>
+        <p:txBody>
+          <a:bodyPr rtlCol="0" anchor="ctr"/>
+          <a:lstStyle/>
+          <a:p>
+            <a:pPr algn="ctr"/>
+            <a:r>
+              <a:rPr lang="en-US" dirty="0" smtClean="0">
+                <a:solidFill>
+                  <a:schemeClr val="tx1"/>
+                </a:solidFill>
+              </a:rPr>
+              <a:t>Working</a:t>
+            </a:r>
+            <a:r>
+              <a:rPr lang="en-US" dirty="0" smtClean="0"/>
+              <a:t> </a:t>
+            </a:r>
+            <a:r>
+              <a:rPr lang="en-US" dirty="0" smtClean="0">
+                <a:solidFill>
+                  <a:schemeClr val="tx1"/>
+                </a:solidFill>
+              </a:rPr>
+              <a:t>Directory</a:t>
+            </a:r>
+          </a:p>
+          <a:p>
+            <a:pPr algn="ctr"/>
+            <a:r>
+              <a:rPr lang="en-US" dirty="0" smtClean="0">
+                <a:solidFill>
+                  <a:schemeClr val="tx1"/>
+                </a:solidFill>
+              </a:rPr>
+              <a:t>(the folder with all your files)</a:t>
+            </a:r>
+            <a:endParaRPr lang="en-US" dirty="0">
+              <a:solidFill>
+                <a:schemeClr val="tx1"/>
+              </a:solidFill>
+            </a:endParaRPr>
+          </a:p>
+        </p:txBody>
+      </p:sp>
+      <p:sp>
+        <p:nvSpPr>
+          <p:cNvPr id="8" name="Rectangle 7"/>
+          <p:cNvSpPr/>
+          <p:nvPr/>
+        </p:nvSpPr>
+        <p:spPr>
+          <a:xfrm>
+            <a:off x="5122271" y="1926772"/>
+            <a:ext cx="2008417" cy="4229100"/>
+          </a:xfrm>
+          <a:prstGeom prst="rect">
+            <a:avLst/>
+          </a:prstGeom>
+          <a:solidFill>
+            <a:schemeClr val="accent1">
+              <a:alpha val="50000"/>
+            </a:schemeClr>
+          </a:solidFill>
+          <a:ln>
+            <a:noFill/>
+          </a:ln>
+        </p:spPr>
+        <p:style>
+          <a:lnRef idx="0">
+            <a:scrgbClr r="0" g="0" b="0"/>
+          </a:lnRef>
+          <a:fillRef idx="0">
+            <a:scrgbClr r="0" g="0" b="0"/>
+          </a:fillRef>
+          <a:effectRef idx="0">
+            <a:scrgbClr r="0" g="0" b="0"/>
+          </a:effectRef>
+          <a:fontRef idx="minor">
+            <a:schemeClr val="lt1"/>
+          </a:fontRef>
+        </p:style>
+        <p:txBody>
+          <a:bodyPr rtlCol="0" anchor="ctr"/>
+          <a:lstStyle/>
+          <a:p>
+            <a:pPr algn="ctr"/>
+            <a:r>
+              <a:rPr lang="en-US" dirty="0" smtClean="0">
+                <a:solidFill>
+                  <a:schemeClr val="tx1"/>
+                </a:solidFill>
+              </a:rPr>
+              <a:t>Staging Area</a:t>
+            </a:r>
+            <a:endParaRPr lang="en-US" dirty="0">
+              <a:solidFill>
+                <a:schemeClr val="tx1"/>
+              </a:solidFill>
+            </a:endParaRPr>
+          </a:p>
+        </p:txBody>
+      </p:sp>
+      <p:sp>
+        <p:nvSpPr>
+          <p:cNvPr id="9" name="Rectangle 8"/>
+          <p:cNvSpPr/>
+          <p:nvPr/>
+        </p:nvSpPr>
+        <p:spPr>
+          <a:xfrm>
+            <a:off x="9147263" y="1926772"/>
+            <a:ext cx="2008417" cy="4229100"/>
+          </a:xfrm>
+          <a:prstGeom prst="rect">
+            <a:avLst/>
+          </a:prstGeom>
+        </p:spPr>
+        <p:style>
+          <a:lnRef idx="2">
+            <a:schemeClr val="accent1">
+              <a:shade val="50000"/>
+            </a:schemeClr>
+          </a:lnRef>
+          <a:fillRef idx="1">
+            <a:schemeClr val="accent1"/>
+          </a:fillRef>
+          <a:effectRef idx="0">
+            <a:schemeClr val="accent1"/>
+          </a:effectRef>
+          <a:fontRef idx="minor">
+            <a:schemeClr val="lt1"/>
+          </a:fontRef>
+        </p:style>
+        <p:txBody>
+          <a:bodyPr rtlCol="0" anchor="ctr"/>
+          <a:lstStyle/>
+          <a:p>
+            <a:pPr algn="ctr"/>
+            <a:r>
+              <a:rPr lang="en-US" dirty="0" smtClean="0">
+                <a:solidFill>
+                  <a:schemeClr val="tx1"/>
+                </a:solidFill>
+              </a:rPr>
+              <a:t>Local</a:t>
+            </a:r>
+          </a:p>
+          <a:p>
+            <a:pPr algn="ctr"/>
+            <a:r>
+              <a:rPr lang="en-US" dirty="0" smtClean="0">
+                <a:solidFill>
+                  <a:schemeClr val="tx1"/>
+                </a:solidFill>
+              </a:rPr>
+              <a:t>Repository</a:t>
+            </a:r>
+          </a:p>
+          <a:p>
+            <a:pPr algn="ctr"/>
+            <a:r>
+              <a:rPr lang="en-US" dirty="0" smtClean="0">
+                <a:solidFill>
+                  <a:schemeClr val="tx1"/>
+                </a:solidFill>
+              </a:rPr>
+              <a:t>(.</a:t>
+            </a:r>
+            <a:r>
+              <a:rPr lang="en-US" dirty="0" err="1" smtClean="0">
+                <a:solidFill>
+                  <a:schemeClr val="tx1"/>
+                </a:solidFill>
+              </a:rPr>
+              <a:t>git</a:t>
+            </a:r>
+            <a:r>
+              <a:rPr lang="en-US" dirty="0" smtClean="0">
+                <a:solidFill>
+                  <a:schemeClr val="tx1"/>
+                </a:solidFill>
+              </a:rPr>
+              <a:t> folder)</a:t>
+            </a:r>
+            <a:endParaRPr lang="en-US" dirty="0">
+              <a:solidFill>
+                <a:schemeClr val="tx1"/>
+              </a:solidFill>
+            </a:endParaRPr>
           </a:p>
         </p:txBody>
       </p:sp>
     </p:spTree>
     <p:extLst>
       <p:ext uri="{BB962C8B-B14F-4D97-AF65-F5344CB8AC3E}">
-        <p14:creationId xmlns:p14="http://schemas.microsoft.com/office/powerpoint/2010/main" val="3335787589"/>
+        <p14:creationId xmlns:p14="http://schemas.microsoft.com/office/powerpoint/2010/main" val="1900268622"/>
       </p:ext>
     </p:extLst>
   </p:cSld>
@@ -4585,7 +9951,7 @@
           <a:p>
             <a:r>
               <a:rPr lang="en-US" dirty="0" smtClean="0"/>
-              <a:t>What’s So Special About Sharing?</a:t>
+              <a:t>Checking Out to Disk</a:t>
             </a:r>
             <a:endParaRPr lang="en-US" dirty="0"/>
           </a:p>
@@ -4593,128 +9959,291 @@
       </p:sp>
       <p:sp>
         <p:nvSpPr>
-          <p:cNvPr id="5" name="Content Placeholder 4"/>
-          <p:cNvSpPr>
-            <a:spLocks noGrp="1"/>
-          </p:cNvSpPr>
-          <p:nvPr>
-            <p:ph idx="1"/>
-          </p:nvPr>
-        </p:nvSpPr>
-        <p:spPr/>
-        <p:txBody>
-          <a:bodyPr>
-            <a:normAutofit/>
-          </a:bodyPr>
-          <a:lstStyle/>
-          <a:p>
-            <a:pPr lvl="1">
-              <a:buFont typeface="Wingdings" panose="05000000000000000000" pitchFamily="2" charset="2"/>
-              <a:buChar char="§"/>
-            </a:pPr>
-            <a:r>
-              <a:rPr lang="en-US" sz="2400" dirty="0" smtClean="0"/>
-              <a:t>Because </a:t>
-            </a:r>
-            <a:r>
-              <a:rPr lang="en-US" sz="2400" dirty="0" err="1" smtClean="0"/>
-              <a:t>Git</a:t>
-            </a:r>
-            <a:r>
-              <a:rPr lang="en-US" sz="2400" dirty="0" smtClean="0"/>
-              <a:t> saves file changes incrementally, it can easily handle changes made to different parts of a file, updated at the same time</a:t>
-            </a:r>
-          </a:p>
-          <a:p>
-            <a:pPr lvl="1">
-              <a:buFont typeface="Wingdings" panose="05000000000000000000" pitchFamily="2" charset="2"/>
-              <a:buChar char="§"/>
-            </a:pPr>
-            <a:r>
-              <a:rPr lang="en-US" sz="2400" dirty="0" smtClean="0"/>
-              <a:t>Other version control systems overwrite files as a hole, which might cause changes to be lost</a:t>
-            </a:r>
-          </a:p>
-          <a:p>
-            <a:pPr lvl="1">
-              <a:buFont typeface="Wingdings" panose="05000000000000000000" pitchFamily="2" charset="2"/>
-              <a:buChar char="§"/>
-            </a:pPr>
-            <a:r>
-              <a:rPr lang="en-US" sz="2400" dirty="0" smtClean="0"/>
-              <a:t>Example:</a:t>
-            </a:r>
-          </a:p>
-          <a:p>
-            <a:pPr lvl="2">
-              <a:buFont typeface="Wingdings" panose="05000000000000000000" pitchFamily="2" charset="2"/>
-              <a:buChar char="§"/>
-            </a:pPr>
-            <a:r>
-              <a:rPr lang="en-US" sz="1800" dirty="0" smtClean="0"/>
-              <a:t>Bob and Alice both download a copy of a file on Tuesday</a:t>
-            </a:r>
-          </a:p>
-          <a:p>
-            <a:pPr lvl="2">
-              <a:buFont typeface="Wingdings" panose="05000000000000000000" pitchFamily="2" charset="2"/>
-              <a:buChar char="§"/>
-            </a:pPr>
-            <a:r>
-              <a:rPr lang="en-US" sz="1800" dirty="0" smtClean="0"/>
-              <a:t>Bob updates his copy of the file Tuesday, but doesn’t upload it</a:t>
-            </a:r>
-          </a:p>
-          <a:p>
-            <a:pPr lvl="2">
-              <a:buFont typeface="Wingdings" panose="05000000000000000000" pitchFamily="2" charset="2"/>
-              <a:buChar char="§"/>
-            </a:pPr>
-            <a:r>
-              <a:rPr lang="en-US" sz="1800" dirty="0" smtClean="0"/>
-              <a:t>Alice updates her copy of the file Wednesday and uploads it</a:t>
-            </a:r>
-          </a:p>
-          <a:p>
-            <a:pPr lvl="2">
-              <a:buFont typeface="Wingdings" panose="05000000000000000000" pitchFamily="2" charset="2"/>
-              <a:buChar char="§"/>
-            </a:pPr>
-            <a:r>
-              <a:rPr lang="en-US" sz="1800" dirty="0" smtClean="0"/>
-              <a:t>Bob uploads his copy Thursday</a:t>
-            </a:r>
-          </a:p>
-          <a:p>
-            <a:pPr lvl="2">
-              <a:buFont typeface="Wingdings" panose="05000000000000000000" pitchFamily="2" charset="2"/>
-              <a:buChar char="§"/>
-            </a:pPr>
-            <a:r>
-              <a:rPr lang="en-US" sz="1800" dirty="0" smtClean="0"/>
-              <a:t>What happens to Alice’s changes?  </a:t>
-            </a:r>
-          </a:p>
-          <a:p>
-            <a:pPr lvl="2">
-              <a:buFont typeface="Wingdings" panose="05000000000000000000" pitchFamily="2" charset="2"/>
-              <a:buChar char="§"/>
-            </a:pPr>
-            <a:r>
-              <a:rPr lang="en-US" sz="1800" b="1" dirty="0" err="1" smtClean="0"/>
-              <a:t>Git</a:t>
-            </a:r>
-            <a:r>
-              <a:rPr lang="en-US" sz="1800" b="1" dirty="0" smtClean="0"/>
-              <a:t> will merge the contents of both copies, and nothing is lost!</a:t>
-            </a:r>
+          <p:cNvPr id="6" name="Rectangle 5"/>
+          <p:cNvSpPr/>
+          <p:nvPr/>
+        </p:nvSpPr>
+        <p:spPr>
+          <a:xfrm>
+            <a:off x="1097279" y="1926772"/>
+            <a:ext cx="2008417" cy="4229100"/>
+          </a:xfrm>
+          <a:prstGeom prst="rect">
+            <a:avLst/>
+          </a:prstGeom>
+          <a:noFill/>
+          <a:ln w="9525" cap="flat" cmpd="sng" algn="ctr">
+            <a:solidFill>
+              <a:schemeClr val="accent1"/>
+            </a:solidFill>
+            <a:prstDash val="solid"/>
+            <a:round/>
+            <a:headEnd type="none" w="med" len="med"/>
+            <a:tailEnd type="none" w="med" len="med"/>
+          </a:ln>
+        </p:spPr>
+        <p:style>
+          <a:lnRef idx="0">
+            <a:scrgbClr r="0" g="0" b="0"/>
+          </a:lnRef>
+          <a:fillRef idx="0">
+            <a:scrgbClr r="0" g="0" b="0"/>
+          </a:fillRef>
+          <a:effectRef idx="0">
+            <a:scrgbClr r="0" g="0" b="0"/>
+          </a:effectRef>
+          <a:fontRef idx="minor">
+            <a:schemeClr val="accent1"/>
+          </a:fontRef>
+        </p:style>
+        <p:txBody>
+          <a:bodyPr rtlCol="0" anchor="ctr"/>
+          <a:lstStyle/>
+          <a:p>
+            <a:pPr algn="ctr"/>
+            <a:r>
+              <a:rPr lang="en-US" dirty="0" smtClean="0">
+                <a:solidFill>
+                  <a:schemeClr val="tx1"/>
+                </a:solidFill>
+              </a:rPr>
+              <a:t>Working</a:t>
+            </a:r>
+            <a:r>
+              <a:rPr lang="en-US" dirty="0" smtClean="0"/>
+              <a:t> </a:t>
+            </a:r>
+            <a:r>
+              <a:rPr lang="en-US" dirty="0" smtClean="0">
+                <a:solidFill>
+                  <a:schemeClr val="tx1"/>
+                </a:solidFill>
+              </a:rPr>
+              <a:t>Directory</a:t>
+            </a:r>
+          </a:p>
+          <a:p>
+            <a:pPr algn="ctr"/>
+            <a:r>
+              <a:rPr lang="en-US" dirty="0" smtClean="0">
+                <a:solidFill>
+                  <a:schemeClr val="tx1"/>
+                </a:solidFill>
+              </a:rPr>
+              <a:t>(the folder with all your files)</a:t>
+            </a:r>
+            <a:endParaRPr lang="en-US" dirty="0">
+              <a:solidFill>
+                <a:schemeClr val="tx1"/>
+              </a:solidFill>
+            </a:endParaRPr>
+          </a:p>
+        </p:txBody>
+      </p:sp>
+      <p:sp>
+        <p:nvSpPr>
+          <p:cNvPr id="8" name="Rectangle 7"/>
+          <p:cNvSpPr/>
+          <p:nvPr/>
+        </p:nvSpPr>
+        <p:spPr>
+          <a:xfrm>
+            <a:off x="5122271" y="1926772"/>
+            <a:ext cx="2008417" cy="4229100"/>
+          </a:xfrm>
+          <a:prstGeom prst="rect">
+            <a:avLst/>
+          </a:prstGeom>
+          <a:solidFill>
+            <a:schemeClr val="accent1">
+              <a:alpha val="50000"/>
+            </a:schemeClr>
+          </a:solidFill>
+          <a:ln>
+            <a:noFill/>
+          </a:ln>
+        </p:spPr>
+        <p:style>
+          <a:lnRef idx="0">
+            <a:scrgbClr r="0" g="0" b="0"/>
+          </a:lnRef>
+          <a:fillRef idx="0">
+            <a:scrgbClr r="0" g="0" b="0"/>
+          </a:fillRef>
+          <a:effectRef idx="0">
+            <a:scrgbClr r="0" g="0" b="0"/>
+          </a:effectRef>
+          <a:fontRef idx="minor">
+            <a:schemeClr val="lt1"/>
+          </a:fontRef>
+        </p:style>
+        <p:txBody>
+          <a:bodyPr rtlCol="0" anchor="ctr"/>
+          <a:lstStyle/>
+          <a:p>
+            <a:pPr algn="ctr"/>
+            <a:r>
+              <a:rPr lang="en-US" dirty="0" smtClean="0">
+                <a:solidFill>
+                  <a:schemeClr val="tx1"/>
+                </a:solidFill>
+              </a:rPr>
+              <a:t>Staging Area</a:t>
+            </a:r>
+            <a:endParaRPr lang="en-US" dirty="0">
+              <a:solidFill>
+                <a:schemeClr val="tx1"/>
+              </a:solidFill>
+            </a:endParaRPr>
+          </a:p>
+        </p:txBody>
+      </p:sp>
+      <p:sp>
+        <p:nvSpPr>
+          <p:cNvPr id="9" name="Rectangle 8"/>
+          <p:cNvSpPr/>
+          <p:nvPr/>
+        </p:nvSpPr>
+        <p:spPr>
+          <a:xfrm>
+            <a:off x="9147263" y="1926772"/>
+            <a:ext cx="2008417" cy="4229100"/>
+          </a:xfrm>
+          <a:prstGeom prst="rect">
+            <a:avLst/>
+          </a:prstGeom>
+        </p:spPr>
+        <p:style>
+          <a:lnRef idx="2">
+            <a:schemeClr val="accent1">
+              <a:shade val="50000"/>
+            </a:schemeClr>
+          </a:lnRef>
+          <a:fillRef idx="1">
+            <a:schemeClr val="accent1"/>
+          </a:fillRef>
+          <a:effectRef idx="0">
+            <a:schemeClr val="accent1"/>
+          </a:effectRef>
+          <a:fontRef idx="minor">
+            <a:schemeClr val="lt1"/>
+          </a:fontRef>
+        </p:style>
+        <p:txBody>
+          <a:bodyPr rtlCol="0" anchor="ctr"/>
+          <a:lstStyle/>
+          <a:p>
+            <a:pPr algn="ctr"/>
+            <a:r>
+              <a:rPr lang="en-US" dirty="0" smtClean="0">
+                <a:solidFill>
+                  <a:schemeClr val="tx1"/>
+                </a:solidFill>
+              </a:rPr>
+              <a:t>Local</a:t>
+            </a:r>
+          </a:p>
+          <a:p>
+            <a:pPr algn="ctr"/>
+            <a:r>
+              <a:rPr lang="en-US" dirty="0" smtClean="0">
+                <a:solidFill>
+                  <a:schemeClr val="tx1"/>
+                </a:solidFill>
+              </a:rPr>
+              <a:t>Repository</a:t>
+            </a:r>
+          </a:p>
+          <a:p>
+            <a:pPr algn="ctr"/>
+            <a:r>
+              <a:rPr lang="en-US" dirty="0" smtClean="0">
+                <a:solidFill>
+                  <a:schemeClr val="tx1"/>
+                </a:solidFill>
+              </a:rPr>
+              <a:t>(.</a:t>
+            </a:r>
+            <a:r>
+              <a:rPr lang="en-US" dirty="0" err="1" smtClean="0">
+                <a:solidFill>
+                  <a:schemeClr val="tx1"/>
+                </a:solidFill>
+              </a:rPr>
+              <a:t>git</a:t>
+            </a:r>
+            <a:r>
+              <a:rPr lang="en-US" dirty="0" smtClean="0">
+                <a:solidFill>
+                  <a:schemeClr val="tx1"/>
+                </a:solidFill>
+              </a:rPr>
+              <a:t> folder)</a:t>
+            </a:r>
+            <a:endParaRPr lang="en-US" dirty="0">
+              <a:solidFill>
+                <a:schemeClr val="tx1"/>
+              </a:solidFill>
+            </a:endParaRPr>
+          </a:p>
+        </p:txBody>
+      </p:sp>
+      <p:sp>
+        <p:nvSpPr>
+          <p:cNvPr id="3" name="Left Arrow 2"/>
+          <p:cNvSpPr/>
+          <p:nvPr/>
+        </p:nvSpPr>
+        <p:spPr>
+          <a:xfrm>
+            <a:off x="3105696" y="2405743"/>
+            <a:ext cx="6041567" cy="821871"/>
+          </a:xfrm>
+          <a:prstGeom prst="leftArrow">
+            <a:avLst/>
+          </a:prstGeom>
+        </p:spPr>
+        <p:style>
+          <a:lnRef idx="2">
+            <a:schemeClr val="dk1">
+              <a:shade val="50000"/>
+            </a:schemeClr>
+          </a:lnRef>
+          <a:fillRef idx="1">
+            <a:schemeClr val="dk1"/>
+          </a:fillRef>
+          <a:effectRef idx="0">
+            <a:schemeClr val="dk1"/>
+          </a:effectRef>
+          <a:fontRef idx="minor">
+            <a:schemeClr val="lt1"/>
+          </a:fontRef>
+        </p:style>
+        <p:txBody>
+          <a:bodyPr rtlCol="0" anchor="ctr"/>
+          <a:lstStyle/>
+          <a:p>
+            <a:pPr algn="ctr"/>
+            <a:r>
+              <a:rPr lang="en-US" dirty="0" smtClean="0">
+                <a:solidFill>
+                  <a:schemeClr val="bg1"/>
+                </a:solidFill>
+              </a:rPr>
+              <a:t>Checkout</a:t>
+            </a:r>
+            <a:endParaRPr lang="en-US" dirty="0">
+              <a:solidFill>
+                <a:schemeClr val="bg1"/>
+              </a:solidFill>
+            </a:endParaRPr>
           </a:p>
         </p:txBody>
       </p:sp>
     </p:spTree>
     <p:extLst>
       <p:ext uri="{BB962C8B-B14F-4D97-AF65-F5344CB8AC3E}">
-        <p14:creationId xmlns:p14="http://schemas.microsoft.com/office/powerpoint/2010/main" val="4194626831"/>
+        <p14:creationId xmlns:p14="http://schemas.microsoft.com/office/powerpoint/2010/main" val="2929769478"/>
       </p:ext>
     </p:extLst>
   </p:cSld>
@@ -4763,139 +10292,353 @@
           <a:bodyPr/>
           <a:lstStyle/>
           <a:p>
+            <a:r>
+              <a:rPr lang="en-US" dirty="0" smtClean="0"/>
+              <a:t>Staging Changes</a:t>
+            </a:r>
             <a:endParaRPr lang="en-US" dirty="0"/>
           </a:p>
         </p:txBody>
       </p:sp>
-      <p:pic>
-        <p:nvPicPr>
-          <p:cNvPr id="1026" name="Picture 2" descr="iSCSI Server - Starters Guide"/>
-          <p:cNvPicPr>
-            <a:picLocks noGrp="1" noChangeAspect="1" noChangeArrowheads="1"/>
-          </p:cNvPicPr>
-          <p:nvPr>
-            <p:ph idx="1"/>
-          </p:nvPr>
-        </p:nvPicPr>
-        <p:blipFill>
-          <a:blip r:embed="rId2">
-            <a:extLst>
-              <a:ext uri="{28A0092B-C50C-407E-A947-70E740481C1C}">
-                <a14:useLocalDpi xmlns:a14="http://schemas.microsoft.com/office/drawing/2010/main" val="0"/>
-              </a:ext>
-            </a:extLst>
-          </a:blip>
-          <a:srcRect/>
-          <a:stretch>
-            <a:fillRect/>
-          </a:stretch>
-        </p:blipFill>
-        <p:spPr bwMode="auto">
-          <a:xfrm>
-            <a:off x="4513566" y="2946101"/>
-            <a:ext cx="2648696" cy="1359199"/>
+      <p:sp>
+        <p:nvSpPr>
+          <p:cNvPr id="6" name="Rectangle 5"/>
+          <p:cNvSpPr/>
+          <p:nvPr/>
+        </p:nvSpPr>
+        <p:spPr>
+          <a:xfrm>
+            <a:off x="1097279" y="1926772"/>
+            <a:ext cx="2008417" cy="4229100"/>
           </a:xfrm>
           <a:prstGeom prst="rect">
             <a:avLst/>
           </a:prstGeom>
           <a:noFill/>
-          <a:extLst>
-            <a:ext uri="{909E8E84-426E-40DD-AFC4-6F175D3DCCD1}">
-              <a14:hiddenFill xmlns:a14="http://schemas.microsoft.com/office/drawing/2010/main">
-                <a:solidFill>
-                  <a:srgbClr val="FFFFFF"/>
-                </a:solidFill>
-              </a14:hiddenFill>
-            </a:ext>
-          </a:extLst>
-        </p:spPr>
-      </p:pic>
-      <p:pic>
-        <p:nvPicPr>
-          <p:cNvPr id="1028" name="Picture 4" descr="Lenovo IdeaPad 330 (81FK009UUS) vs ThinkPad E485 (20KU001BUS) | Laptop vs Laptop"/>
-          <p:cNvPicPr>
-            <a:picLocks noChangeAspect="1" noChangeArrowheads="1"/>
-          </p:cNvPicPr>
+          <a:ln w="9525" cap="flat" cmpd="sng" algn="ctr">
+            <a:solidFill>
+              <a:schemeClr val="accent1"/>
+            </a:solidFill>
+            <a:prstDash val="solid"/>
+            <a:round/>
+            <a:headEnd type="none" w="med" len="med"/>
+            <a:tailEnd type="none" w="med" len="med"/>
+          </a:ln>
+        </p:spPr>
+        <p:style>
+          <a:lnRef idx="0">
+            <a:scrgbClr r="0" g="0" b="0"/>
+          </a:lnRef>
+          <a:fillRef idx="0">
+            <a:scrgbClr r="0" g="0" b="0"/>
+          </a:fillRef>
+          <a:effectRef idx="0">
+            <a:scrgbClr r="0" g="0" b="0"/>
+          </a:effectRef>
+          <a:fontRef idx="minor">
+            <a:schemeClr val="accent1"/>
+          </a:fontRef>
+        </p:style>
+        <p:txBody>
+          <a:bodyPr rtlCol="0" anchor="ctr"/>
+          <a:lstStyle/>
+          <a:p>
+            <a:pPr algn="ctr"/>
+            <a:r>
+              <a:rPr lang="en-US" dirty="0" smtClean="0">
+                <a:solidFill>
+                  <a:schemeClr val="tx1"/>
+                </a:solidFill>
+              </a:rPr>
+              <a:t>Working</a:t>
+            </a:r>
+            <a:r>
+              <a:rPr lang="en-US" dirty="0" smtClean="0"/>
+              <a:t> </a:t>
+            </a:r>
+            <a:r>
+              <a:rPr lang="en-US" dirty="0" smtClean="0">
+                <a:solidFill>
+                  <a:schemeClr val="tx1"/>
+                </a:solidFill>
+              </a:rPr>
+              <a:t>Directory</a:t>
+            </a:r>
+          </a:p>
+          <a:p>
+            <a:pPr algn="ctr"/>
+            <a:r>
+              <a:rPr lang="en-US" dirty="0" smtClean="0">
+                <a:solidFill>
+                  <a:schemeClr val="tx1"/>
+                </a:solidFill>
+              </a:rPr>
+              <a:t>(the folder with all your files)</a:t>
+            </a:r>
+            <a:endParaRPr lang="en-US" dirty="0">
+              <a:solidFill>
+                <a:schemeClr val="tx1"/>
+              </a:solidFill>
+            </a:endParaRPr>
+          </a:p>
+        </p:txBody>
+      </p:sp>
+      <p:sp>
+        <p:nvSpPr>
+          <p:cNvPr id="8" name="Rectangle 7"/>
+          <p:cNvSpPr/>
           <p:nvPr/>
-        </p:nvPicPr>
-        <p:blipFill>
-          <a:blip r:embed="rId3">
-            <a:extLst>
-              <a:ext uri="{28A0092B-C50C-407E-A947-70E740481C1C}">
-                <a14:useLocalDpi xmlns:a14="http://schemas.microsoft.com/office/drawing/2010/main" val="0"/>
-              </a:ext>
-            </a:extLst>
-          </a:blip>
-          <a:srcRect/>
-          <a:stretch>
-            <a:fillRect/>
-          </a:stretch>
-        </p:blipFill>
-        <p:spPr bwMode="auto">
-          <a:xfrm>
-            <a:off x="868589" y="2790947"/>
-            <a:ext cx="2086882" cy="1669506"/>
+        </p:nvSpPr>
+        <p:spPr>
+          <a:xfrm>
+            <a:off x="5122271" y="1926772"/>
+            <a:ext cx="2008417" cy="4229100"/>
           </a:xfrm>
           <a:prstGeom prst="rect">
             <a:avLst/>
           </a:prstGeom>
-          <a:noFill/>
-          <a:extLst>
-            <a:ext uri="{909E8E84-426E-40DD-AFC4-6F175D3DCCD1}">
-              <a14:hiddenFill xmlns:a14="http://schemas.microsoft.com/office/drawing/2010/main">
-                <a:solidFill>
-                  <a:srgbClr val="FFFFFF"/>
-                </a:solidFill>
-              </a14:hiddenFill>
-            </a:ext>
-          </a:extLst>
-        </p:spPr>
-      </p:pic>
-      <p:pic>
-        <p:nvPicPr>
-          <p:cNvPr id="6" name="Picture 4" descr="Lenovo IdeaPad 330 (81FK009UUS) vs ThinkPad E485 (20KU001BUS) | Laptop vs Laptop"/>
-          <p:cNvPicPr>
-            <a:picLocks noChangeAspect="1" noChangeArrowheads="1"/>
-          </p:cNvPicPr>
+          <a:solidFill>
+            <a:schemeClr val="accent1">
+              <a:alpha val="50000"/>
+            </a:schemeClr>
+          </a:solidFill>
+          <a:ln>
+            <a:noFill/>
+          </a:ln>
+        </p:spPr>
+        <p:style>
+          <a:lnRef idx="0">
+            <a:scrgbClr r="0" g="0" b="0"/>
+          </a:lnRef>
+          <a:fillRef idx="0">
+            <a:scrgbClr r="0" g="0" b="0"/>
+          </a:fillRef>
+          <a:effectRef idx="0">
+            <a:scrgbClr r="0" g="0" b="0"/>
+          </a:effectRef>
+          <a:fontRef idx="minor">
+            <a:schemeClr val="lt1"/>
+          </a:fontRef>
+        </p:style>
+        <p:txBody>
+          <a:bodyPr rtlCol="0" anchor="ctr"/>
+          <a:lstStyle/>
+          <a:p>
+            <a:pPr algn="ctr"/>
+            <a:r>
+              <a:rPr lang="en-US" dirty="0" smtClean="0">
+                <a:solidFill>
+                  <a:schemeClr val="tx1"/>
+                </a:solidFill>
+              </a:rPr>
+              <a:t>Staging Area</a:t>
+            </a:r>
+            <a:endParaRPr lang="en-US" dirty="0">
+              <a:solidFill>
+                <a:schemeClr val="tx1"/>
+              </a:solidFill>
+            </a:endParaRPr>
+          </a:p>
+        </p:txBody>
+      </p:sp>
+      <p:sp>
+        <p:nvSpPr>
+          <p:cNvPr id="9" name="Rectangle 8"/>
+          <p:cNvSpPr/>
           <p:nvPr/>
-        </p:nvPicPr>
-        <p:blipFill>
-          <a:blip r:embed="rId3">
-            <a:extLst>
-              <a:ext uri="{28A0092B-C50C-407E-A947-70E740481C1C}">
-                <a14:useLocalDpi xmlns:a14="http://schemas.microsoft.com/office/drawing/2010/main" val="0"/>
-              </a:ext>
-            </a:extLst>
-          </a:blip>
-          <a:srcRect/>
-          <a:stretch>
-            <a:fillRect/>
-          </a:stretch>
-        </p:blipFill>
-        <p:spPr bwMode="auto">
-          <a:xfrm>
-            <a:off x="8766174" y="2790947"/>
-            <a:ext cx="2086882" cy="1669506"/>
+        </p:nvSpPr>
+        <p:spPr>
+          <a:xfrm>
+            <a:off x="9147263" y="1926772"/>
+            <a:ext cx="2008417" cy="4229100"/>
           </a:xfrm>
           <a:prstGeom prst="rect">
             <a:avLst/>
           </a:prstGeom>
-          <a:noFill/>
-          <a:extLst>
-            <a:ext uri="{909E8E84-426E-40DD-AFC4-6F175D3DCCD1}">
-              <a14:hiddenFill xmlns:a14="http://schemas.microsoft.com/office/drawing/2010/main">
-                <a:solidFill>
-                  <a:srgbClr val="FFFFFF"/>
-                </a:solidFill>
-              </a14:hiddenFill>
-            </a:ext>
-          </a:extLst>
-        </p:spPr>
-      </p:pic>
+        </p:spPr>
+        <p:style>
+          <a:lnRef idx="2">
+            <a:schemeClr val="accent1">
+              <a:shade val="50000"/>
+            </a:schemeClr>
+          </a:lnRef>
+          <a:fillRef idx="1">
+            <a:schemeClr val="accent1"/>
+          </a:fillRef>
+          <a:effectRef idx="0">
+            <a:schemeClr val="accent1"/>
+          </a:effectRef>
+          <a:fontRef idx="minor">
+            <a:schemeClr val="lt1"/>
+          </a:fontRef>
+        </p:style>
+        <p:txBody>
+          <a:bodyPr rtlCol="0" anchor="ctr"/>
+          <a:lstStyle/>
+          <a:p>
+            <a:pPr algn="ctr"/>
+            <a:r>
+              <a:rPr lang="en-US" dirty="0" smtClean="0">
+                <a:solidFill>
+                  <a:schemeClr val="tx1"/>
+                </a:solidFill>
+              </a:rPr>
+              <a:t>Local</a:t>
+            </a:r>
+          </a:p>
+          <a:p>
+            <a:pPr algn="ctr"/>
+            <a:r>
+              <a:rPr lang="en-US" dirty="0" smtClean="0">
+                <a:solidFill>
+                  <a:schemeClr val="tx1"/>
+                </a:solidFill>
+              </a:rPr>
+              <a:t>Repository</a:t>
+            </a:r>
+          </a:p>
+          <a:p>
+            <a:pPr algn="ctr"/>
+            <a:r>
+              <a:rPr lang="en-US" dirty="0" smtClean="0">
+                <a:solidFill>
+                  <a:schemeClr val="tx1"/>
+                </a:solidFill>
+              </a:rPr>
+              <a:t>(.</a:t>
+            </a:r>
+            <a:r>
+              <a:rPr lang="en-US" dirty="0" err="1" smtClean="0">
+                <a:solidFill>
+                  <a:schemeClr val="tx1"/>
+                </a:solidFill>
+              </a:rPr>
+              <a:t>git</a:t>
+            </a:r>
+            <a:r>
+              <a:rPr lang="en-US" dirty="0" smtClean="0">
+                <a:solidFill>
+                  <a:schemeClr val="tx1"/>
+                </a:solidFill>
+              </a:rPr>
+              <a:t> folder)</a:t>
+            </a:r>
+            <a:endParaRPr lang="en-US" dirty="0">
+              <a:solidFill>
+                <a:schemeClr val="tx1"/>
+              </a:solidFill>
+            </a:endParaRPr>
+          </a:p>
+        </p:txBody>
+      </p:sp>
+      <p:sp>
+        <p:nvSpPr>
+          <p:cNvPr id="3" name="Left Arrow 2"/>
+          <p:cNvSpPr/>
+          <p:nvPr/>
+        </p:nvSpPr>
+        <p:spPr>
+          <a:xfrm>
+            <a:off x="3105696" y="2405743"/>
+            <a:ext cx="6041567" cy="821871"/>
+          </a:xfrm>
+          <a:prstGeom prst="leftArrow">
+            <a:avLst/>
+          </a:prstGeom>
+        </p:spPr>
+        <p:style>
+          <a:lnRef idx="2">
+            <a:schemeClr val="dk1">
+              <a:shade val="50000"/>
+            </a:schemeClr>
+          </a:lnRef>
+          <a:fillRef idx="1">
+            <a:schemeClr val="dk1"/>
+          </a:fillRef>
+          <a:effectRef idx="0">
+            <a:schemeClr val="dk1"/>
+          </a:effectRef>
+          <a:fontRef idx="minor">
+            <a:schemeClr val="lt1"/>
+          </a:fontRef>
+        </p:style>
+        <p:txBody>
+          <a:bodyPr rtlCol="0" anchor="ctr"/>
+          <a:lstStyle/>
+          <a:p>
+            <a:pPr algn="ctr"/>
+            <a:r>
+              <a:rPr lang="en-US" dirty="0" smtClean="0">
+                <a:solidFill>
+                  <a:schemeClr val="bg1"/>
+                </a:solidFill>
+              </a:rPr>
+              <a:t>Checkout</a:t>
+            </a:r>
+            <a:endParaRPr lang="en-US" sz="1600" dirty="0">
+              <a:solidFill>
+                <a:schemeClr val="bg1"/>
+              </a:solidFill>
+            </a:endParaRPr>
+          </a:p>
+        </p:txBody>
+      </p:sp>
+      <p:sp>
+        <p:nvSpPr>
+          <p:cNvPr id="5" name="Right Arrow 4"/>
+          <p:cNvSpPr/>
+          <p:nvPr/>
+        </p:nvSpPr>
+        <p:spPr>
+          <a:xfrm>
+            <a:off x="3105696" y="4867170"/>
+            <a:ext cx="2016575" cy="821871"/>
+          </a:xfrm>
+          <a:prstGeom prst="rightArrow">
+            <a:avLst/>
+          </a:prstGeom>
+        </p:spPr>
+        <p:style>
+          <a:lnRef idx="2">
+            <a:schemeClr val="dk1">
+              <a:shade val="50000"/>
+            </a:schemeClr>
+          </a:lnRef>
+          <a:fillRef idx="1">
+            <a:schemeClr val="dk1"/>
+          </a:fillRef>
+          <a:effectRef idx="0">
+            <a:schemeClr val="dk1"/>
+          </a:effectRef>
+          <a:fontRef idx="minor">
+            <a:schemeClr val="lt1"/>
+          </a:fontRef>
+        </p:style>
+        <p:txBody>
+          <a:bodyPr rtlCol="0" anchor="ctr"/>
+          <a:lstStyle/>
+          <a:p>
+            <a:pPr algn="ctr"/>
+            <a:r>
+              <a:rPr lang="en-US" dirty="0" smtClean="0">
+                <a:solidFill>
+                  <a:schemeClr val="bg1"/>
+                </a:solidFill>
+              </a:rPr>
+              <a:t>Stage</a:t>
+            </a:r>
+            <a:endParaRPr lang="en-US" dirty="0">
+              <a:solidFill>
+                <a:schemeClr val="bg1"/>
+              </a:solidFill>
+            </a:endParaRPr>
+          </a:p>
+        </p:txBody>
+      </p:sp>
     </p:spTree>
     <p:extLst>
       <p:ext uri="{BB962C8B-B14F-4D97-AF65-F5344CB8AC3E}">
-        <p14:creationId xmlns:p14="http://schemas.microsoft.com/office/powerpoint/2010/main" val="361433083"/>
+        <p14:creationId xmlns:p14="http://schemas.microsoft.com/office/powerpoint/2010/main" val="1033954669"/>
       </p:ext>
     </p:extLst>
   </p:cSld>
@@ -4946,7 +10689,7 @@
           <a:p>
             <a:r>
               <a:rPr lang="en-US" dirty="0" smtClean="0"/>
-              <a:t>Questions?</a:t>
+              <a:t>Committing Changes to Repository</a:t>
             </a:r>
             <a:endParaRPr lang="en-US" dirty="0"/>
           </a:p>
@@ -4954,27 +10697,395 @@
       </p:sp>
       <p:sp>
         <p:nvSpPr>
-          <p:cNvPr id="3" name="Content Placeholder 2"/>
-          <p:cNvSpPr>
-            <a:spLocks noGrp="1"/>
-          </p:cNvSpPr>
-          <p:nvPr>
-            <p:ph idx="1"/>
-          </p:nvPr>
-        </p:nvSpPr>
-        <p:spPr/>
-        <p:txBody>
-          <a:bodyPr/>
-          <a:lstStyle/>
-          <a:p>
-            <a:endParaRPr lang="en-US"/>
+          <p:cNvPr id="6" name="Rectangle 5"/>
+          <p:cNvSpPr/>
+          <p:nvPr/>
+        </p:nvSpPr>
+        <p:spPr>
+          <a:xfrm>
+            <a:off x="1097279" y="1926772"/>
+            <a:ext cx="2008417" cy="4229100"/>
+          </a:xfrm>
+          <a:prstGeom prst="rect">
+            <a:avLst/>
+          </a:prstGeom>
+          <a:noFill/>
+          <a:ln w="9525" cap="flat" cmpd="sng" algn="ctr">
+            <a:solidFill>
+              <a:schemeClr val="accent1"/>
+            </a:solidFill>
+            <a:prstDash val="solid"/>
+            <a:round/>
+            <a:headEnd type="none" w="med" len="med"/>
+            <a:tailEnd type="none" w="med" len="med"/>
+          </a:ln>
+        </p:spPr>
+        <p:style>
+          <a:lnRef idx="0">
+            <a:scrgbClr r="0" g="0" b="0"/>
+          </a:lnRef>
+          <a:fillRef idx="0">
+            <a:scrgbClr r="0" g="0" b="0"/>
+          </a:fillRef>
+          <a:effectRef idx="0">
+            <a:scrgbClr r="0" g="0" b="0"/>
+          </a:effectRef>
+          <a:fontRef idx="minor">
+            <a:schemeClr val="accent1"/>
+          </a:fontRef>
+        </p:style>
+        <p:txBody>
+          <a:bodyPr rtlCol="0" anchor="ctr"/>
+          <a:lstStyle/>
+          <a:p>
+            <a:pPr algn="ctr"/>
+            <a:r>
+              <a:rPr lang="en-US" dirty="0" smtClean="0">
+                <a:solidFill>
+                  <a:schemeClr val="tx1"/>
+                </a:solidFill>
+              </a:rPr>
+              <a:t>Working</a:t>
+            </a:r>
+            <a:r>
+              <a:rPr lang="en-US" dirty="0" smtClean="0"/>
+              <a:t> </a:t>
+            </a:r>
+            <a:r>
+              <a:rPr lang="en-US" dirty="0" smtClean="0">
+                <a:solidFill>
+                  <a:schemeClr val="tx1"/>
+                </a:solidFill>
+              </a:rPr>
+              <a:t>Directory</a:t>
+            </a:r>
+          </a:p>
+          <a:p>
+            <a:pPr algn="ctr"/>
+            <a:r>
+              <a:rPr lang="en-US" dirty="0" smtClean="0">
+                <a:solidFill>
+                  <a:schemeClr val="tx1"/>
+                </a:solidFill>
+              </a:rPr>
+              <a:t>(the folder with all your files)</a:t>
+            </a:r>
+            <a:endParaRPr lang="en-US" dirty="0">
+              <a:solidFill>
+                <a:schemeClr val="tx1"/>
+              </a:solidFill>
+            </a:endParaRPr>
+          </a:p>
+        </p:txBody>
+      </p:sp>
+      <p:sp>
+        <p:nvSpPr>
+          <p:cNvPr id="8" name="Rectangle 7"/>
+          <p:cNvSpPr/>
+          <p:nvPr/>
+        </p:nvSpPr>
+        <p:spPr>
+          <a:xfrm>
+            <a:off x="5122271" y="1926772"/>
+            <a:ext cx="2008417" cy="4229100"/>
+          </a:xfrm>
+          <a:prstGeom prst="rect">
+            <a:avLst/>
+          </a:prstGeom>
+          <a:solidFill>
+            <a:schemeClr val="accent1">
+              <a:alpha val="50000"/>
+            </a:schemeClr>
+          </a:solidFill>
+          <a:ln>
+            <a:noFill/>
+          </a:ln>
+        </p:spPr>
+        <p:style>
+          <a:lnRef idx="0">
+            <a:scrgbClr r="0" g="0" b="0"/>
+          </a:lnRef>
+          <a:fillRef idx="0">
+            <a:scrgbClr r="0" g="0" b="0"/>
+          </a:fillRef>
+          <a:effectRef idx="0">
+            <a:scrgbClr r="0" g="0" b="0"/>
+          </a:effectRef>
+          <a:fontRef idx="minor">
+            <a:schemeClr val="lt1"/>
+          </a:fontRef>
+        </p:style>
+        <p:txBody>
+          <a:bodyPr rtlCol="0" anchor="ctr"/>
+          <a:lstStyle/>
+          <a:p>
+            <a:pPr algn="ctr"/>
+            <a:r>
+              <a:rPr lang="en-US" dirty="0" smtClean="0">
+                <a:solidFill>
+                  <a:schemeClr val="tx1"/>
+                </a:solidFill>
+              </a:rPr>
+              <a:t>Staging Area</a:t>
+            </a:r>
+            <a:endParaRPr lang="en-US" dirty="0">
+              <a:solidFill>
+                <a:schemeClr val="tx1"/>
+              </a:solidFill>
+            </a:endParaRPr>
+          </a:p>
+        </p:txBody>
+      </p:sp>
+      <p:sp>
+        <p:nvSpPr>
+          <p:cNvPr id="9" name="Rectangle 8"/>
+          <p:cNvSpPr/>
+          <p:nvPr/>
+        </p:nvSpPr>
+        <p:spPr>
+          <a:xfrm>
+            <a:off x="9147263" y="1926772"/>
+            <a:ext cx="2008417" cy="4229100"/>
+          </a:xfrm>
+          <a:prstGeom prst="rect">
+            <a:avLst/>
+          </a:prstGeom>
+        </p:spPr>
+        <p:style>
+          <a:lnRef idx="2">
+            <a:schemeClr val="accent1">
+              <a:shade val="50000"/>
+            </a:schemeClr>
+          </a:lnRef>
+          <a:fillRef idx="1">
+            <a:schemeClr val="accent1"/>
+          </a:fillRef>
+          <a:effectRef idx="0">
+            <a:schemeClr val="accent1"/>
+          </a:effectRef>
+          <a:fontRef idx="minor">
+            <a:schemeClr val="lt1"/>
+          </a:fontRef>
+        </p:style>
+        <p:txBody>
+          <a:bodyPr rtlCol="0" anchor="ctr"/>
+          <a:lstStyle/>
+          <a:p>
+            <a:pPr algn="ctr"/>
+            <a:r>
+              <a:rPr lang="en-US" dirty="0" smtClean="0">
+                <a:solidFill>
+                  <a:schemeClr val="tx1"/>
+                </a:solidFill>
+              </a:rPr>
+              <a:t>Local</a:t>
+            </a:r>
+          </a:p>
+          <a:p>
+            <a:pPr algn="ctr"/>
+            <a:r>
+              <a:rPr lang="en-US" dirty="0" smtClean="0">
+                <a:solidFill>
+                  <a:schemeClr val="tx1"/>
+                </a:solidFill>
+              </a:rPr>
+              <a:t>Repository</a:t>
+            </a:r>
+          </a:p>
+          <a:p>
+            <a:pPr algn="ctr"/>
+            <a:r>
+              <a:rPr lang="en-US" dirty="0" smtClean="0">
+                <a:solidFill>
+                  <a:schemeClr val="tx1"/>
+                </a:solidFill>
+              </a:rPr>
+              <a:t>(.</a:t>
+            </a:r>
+            <a:r>
+              <a:rPr lang="en-US" dirty="0" err="1" smtClean="0">
+                <a:solidFill>
+                  <a:schemeClr val="tx1"/>
+                </a:solidFill>
+              </a:rPr>
+              <a:t>git</a:t>
+            </a:r>
+            <a:r>
+              <a:rPr lang="en-US" dirty="0" smtClean="0">
+                <a:solidFill>
+                  <a:schemeClr val="tx1"/>
+                </a:solidFill>
+              </a:rPr>
+              <a:t> folder)</a:t>
+            </a:r>
+            <a:endParaRPr lang="en-US" dirty="0">
+              <a:solidFill>
+                <a:schemeClr val="tx1"/>
+              </a:solidFill>
+            </a:endParaRPr>
+          </a:p>
+        </p:txBody>
+      </p:sp>
+      <p:sp>
+        <p:nvSpPr>
+          <p:cNvPr id="3" name="Left Arrow 2"/>
+          <p:cNvSpPr/>
+          <p:nvPr/>
+        </p:nvSpPr>
+        <p:spPr>
+          <a:xfrm>
+            <a:off x="3105696" y="2405743"/>
+            <a:ext cx="6041567" cy="821871"/>
+          </a:xfrm>
+          <a:prstGeom prst="leftArrow">
+            <a:avLst/>
+          </a:prstGeom>
+        </p:spPr>
+        <p:style>
+          <a:lnRef idx="2">
+            <a:schemeClr val="dk1">
+              <a:shade val="50000"/>
+            </a:schemeClr>
+          </a:lnRef>
+          <a:fillRef idx="1">
+            <a:schemeClr val="dk1"/>
+          </a:fillRef>
+          <a:effectRef idx="0">
+            <a:schemeClr val="dk1"/>
+          </a:effectRef>
+          <a:fontRef idx="minor">
+            <a:schemeClr val="lt1"/>
+          </a:fontRef>
+        </p:style>
+        <p:txBody>
+          <a:bodyPr rtlCol="0" anchor="ctr"/>
+          <a:lstStyle/>
+          <a:p>
+            <a:pPr algn="ctr"/>
+            <a:r>
+              <a:rPr lang="en-US" dirty="0" smtClean="0">
+                <a:solidFill>
+                  <a:schemeClr val="bg1"/>
+                </a:solidFill>
+              </a:rPr>
+              <a:t>Checkout</a:t>
+            </a:r>
+            <a:endParaRPr lang="en-US" dirty="0">
+              <a:solidFill>
+                <a:schemeClr val="bg1"/>
+              </a:solidFill>
+            </a:endParaRPr>
+          </a:p>
+        </p:txBody>
+      </p:sp>
+      <p:sp>
+        <p:nvSpPr>
+          <p:cNvPr id="5" name="Right Arrow 4"/>
+          <p:cNvSpPr/>
+          <p:nvPr/>
+        </p:nvSpPr>
+        <p:spPr>
+          <a:xfrm>
+            <a:off x="3105696" y="4867170"/>
+            <a:ext cx="2016575" cy="821871"/>
+          </a:xfrm>
+          <a:prstGeom prst="rightArrow">
+            <a:avLst/>
+          </a:prstGeom>
+        </p:spPr>
+        <p:style>
+          <a:lnRef idx="2">
+            <a:schemeClr val="dk1">
+              <a:shade val="50000"/>
+            </a:schemeClr>
+          </a:lnRef>
+          <a:fillRef idx="1">
+            <a:schemeClr val="dk1"/>
+          </a:fillRef>
+          <a:effectRef idx="0">
+            <a:schemeClr val="dk1"/>
+          </a:effectRef>
+          <a:fontRef idx="minor">
+            <a:schemeClr val="lt1"/>
+          </a:fontRef>
+        </p:style>
+        <p:txBody>
+          <a:bodyPr rtlCol="0" anchor="ctr"/>
+          <a:lstStyle/>
+          <a:p>
+            <a:pPr algn="ctr"/>
+            <a:r>
+              <a:rPr lang="en-US" dirty="0" smtClean="0">
+                <a:solidFill>
+                  <a:schemeClr val="bg1"/>
+                </a:solidFill>
+              </a:rPr>
+              <a:t>Stage</a:t>
+            </a:r>
+            <a:endParaRPr lang="en-US" dirty="0">
+              <a:solidFill>
+                <a:schemeClr val="bg1"/>
+              </a:solidFill>
+            </a:endParaRPr>
+          </a:p>
+        </p:txBody>
+      </p:sp>
+      <p:sp>
+        <p:nvSpPr>
+          <p:cNvPr id="11" name="Right Arrow 10"/>
+          <p:cNvSpPr/>
+          <p:nvPr/>
+        </p:nvSpPr>
+        <p:spPr>
+          <a:xfrm>
+            <a:off x="7130688" y="4867171"/>
+            <a:ext cx="2016575" cy="821871"/>
+          </a:xfrm>
+          <a:prstGeom prst="rightArrow">
+            <a:avLst/>
+          </a:prstGeom>
+        </p:spPr>
+        <p:style>
+          <a:lnRef idx="2">
+            <a:schemeClr val="dk1">
+              <a:shade val="50000"/>
+            </a:schemeClr>
+          </a:lnRef>
+          <a:fillRef idx="1">
+            <a:schemeClr val="dk1"/>
+          </a:fillRef>
+          <a:effectRef idx="0">
+            <a:schemeClr val="dk1"/>
+          </a:effectRef>
+          <a:fontRef idx="minor">
+            <a:schemeClr val="lt1"/>
+          </a:fontRef>
+        </p:style>
+        <p:txBody>
+          <a:bodyPr rtlCol="0" anchor="ctr"/>
+          <a:lstStyle/>
+          <a:p>
+            <a:pPr algn="ctr"/>
+            <a:r>
+              <a:rPr lang="en-US" dirty="0" smtClean="0">
+                <a:solidFill>
+                  <a:schemeClr val="bg1"/>
+                </a:solidFill>
+              </a:rPr>
+              <a:t>Commit</a:t>
+            </a:r>
+            <a:endParaRPr lang="en-US" dirty="0">
+              <a:solidFill>
+                <a:schemeClr val="bg1"/>
+              </a:solidFill>
+            </a:endParaRPr>
           </a:p>
         </p:txBody>
       </p:sp>
     </p:spTree>
     <p:extLst>
       <p:ext uri="{BB962C8B-B14F-4D97-AF65-F5344CB8AC3E}">
-        <p14:creationId xmlns:p14="http://schemas.microsoft.com/office/powerpoint/2010/main" val="3036280036"/>
+        <p14:creationId xmlns:p14="http://schemas.microsoft.com/office/powerpoint/2010/main" val="3488157169"/>
       </p:ext>
     </p:extLst>
   </p:cSld>

--- a/QC Coders - Git Good!.pptx
+++ b/QC Coders - Git Good!.pptx
@@ -10,23 +10,31 @@
     <p:sldId id="269" r:id="rId4"/>
     <p:sldId id="266" r:id="rId5"/>
     <p:sldId id="267" r:id="rId6"/>
-    <p:sldId id="271" r:id="rId7"/>
-    <p:sldId id="274" r:id="rId8"/>
-    <p:sldId id="272" r:id="rId9"/>
-    <p:sldId id="273" r:id="rId10"/>
-    <p:sldId id="275" r:id="rId11"/>
-    <p:sldId id="276" r:id="rId12"/>
-    <p:sldId id="280" r:id="rId13"/>
-    <p:sldId id="277" r:id="rId14"/>
-    <p:sldId id="279" r:id="rId15"/>
-    <p:sldId id="281" r:id="rId16"/>
-    <p:sldId id="282" r:id="rId17"/>
-    <p:sldId id="283" r:id="rId18"/>
-    <p:sldId id="284" r:id="rId19"/>
-    <p:sldId id="287" r:id="rId20"/>
-    <p:sldId id="285" r:id="rId21"/>
-    <p:sldId id="288" r:id="rId22"/>
-    <p:sldId id="263" r:id="rId23"/>
+    <p:sldId id="289" r:id="rId7"/>
+    <p:sldId id="271" r:id="rId8"/>
+    <p:sldId id="274" r:id="rId9"/>
+    <p:sldId id="272" r:id="rId10"/>
+    <p:sldId id="273" r:id="rId11"/>
+    <p:sldId id="275" r:id="rId12"/>
+    <p:sldId id="276" r:id="rId13"/>
+    <p:sldId id="280" r:id="rId14"/>
+    <p:sldId id="277" r:id="rId15"/>
+    <p:sldId id="279" r:id="rId16"/>
+    <p:sldId id="281" r:id="rId17"/>
+    <p:sldId id="282" r:id="rId18"/>
+    <p:sldId id="283" r:id="rId19"/>
+    <p:sldId id="284" r:id="rId20"/>
+    <p:sldId id="290" r:id="rId21"/>
+    <p:sldId id="287" r:id="rId22"/>
+    <p:sldId id="285" r:id="rId23"/>
+    <p:sldId id="288" r:id="rId24"/>
+    <p:sldId id="296" r:id="rId25"/>
+    <p:sldId id="291" r:id="rId26"/>
+    <p:sldId id="297" r:id="rId27"/>
+    <p:sldId id="293" r:id="rId28"/>
+    <p:sldId id="298" r:id="rId29"/>
+    <p:sldId id="294" r:id="rId30"/>
+    <p:sldId id="263" r:id="rId31"/>
   </p:sldIdLst>
   <p:sldSz cx="12192000" cy="6858000"/>
   <p:notesSz cx="6858000" cy="9144000"/>
@@ -359,7 +367,7 @@
           <a:p>
             <a:fld id="{709A5CD8-DDA3-470B-ABD7-F23C1DFAC626}" type="datetimeFigureOut">
               <a:rPr lang="en-US" smtClean="0"/>
-              <a:t>2/4/2020</a:t>
+              <a:t>2/6/2020</a:t>
             </a:fld>
             <a:endParaRPr lang="en-US"/>
           </a:p>
@@ -567,7 +575,7 @@
           <a:p>
             <a:fld id="{709A5CD8-DDA3-470B-ABD7-F23C1DFAC626}" type="datetimeFigureOut">
               <a:rPr lang="en-US" smtClean="0"/>
-              <a:t>2/4/2020</a:t>
+              <a:t>2/6/2020</a:t>
             </a:fld>
             <a:endParaRPr lang="en-US"/>
           </a:p>
@@ -823,7 +831,7 @@
           <a:p>
             <a:fld id="{709A5CD8-DDA3-470B-ABD7-F23C1DFAC626}" type="datetimeFigureOut">
               <a:rPr lang="en-US" smtClean="0"/>
-              <a:t>2/4/2020</a:t>
+              <a:t>2/6/2020</a:t>
             </a:fld>
             <a:endParaRPr lang="en-US"/>
           </a:p>
@@ -997,7 +1005,7 @@
           <a:p>
             <a:fld id="{709A5CD8-DDA3-470B-ABD7-F23C1DFAC626}" type="datetimeFigureOut">
               <a:rPr lang="en-US" smtClean="0"/>
-              <a:t>2/4/2020</a:t>
+              <a:t>2/6/2020</a:t>
             </a:fld>
             <a:endParaRPr lang="en-US"/>
           </a:p>
@@ -1340,7 +1348,7 @@
           <a:p>
             <a:fld id="{709A5CD8-DDA3-470B-ABD7-F23C1DFAC626}" type="datetimeFigureOut">
               <a:rPr lang="en-US" smtClean="0"/>
-              <a:t>2/4/2020</a:t>
+              <a:t>2/6/2020</a:t>
             </a:fld>
             <a:endParaRPr lang="en-US"/>
           </a:p>
@@ -1615,7 +1623,7 @@
           <a:p>
             <a:fld id="{709A5CD8-DDA3-470B-ABD7-F23C1DFAC626}" type="datetimeFigureOut">
               <a:rPr lang="en-US" smtClean="0"/>
-              <a:t>2/4/2020</a:t>
+              <a:t>2/6/2020</a:t>
             </a:fld>
             <a:endParaRPr lang="en-US"/>
           </a:p>
@@ -1994,7 +2002,7 @@
           <a:p>
             <a:fld id="{709A5CD8-DDA3-470B-ABD7-F23C1DFAC626}" type="datetimeFigureOut">
               <a:rPr lang="en-US" smtClean="0"/>
-              <a:t>2/4/2020</a:t>
+              <a:t>2/6/2020</a:t>
             </a:fld>
             <a:endParaRPr lang="en-US"/>
           </a:p>
@@ -2112,7 +2120,7 @@
           <a:p>
             <a:fld id="{709A5CD8-DDA3-470B-ABD7-F23C1DFAC626}" type="datetimeFigureOut">
               <a:rPr lang="en-US" smtClean="0"/>
-              <a:t>2/4/2020</a:t>
+              <a:t>2/6/2020</a:t>
             </a:fld>
             <a:endParaRPr lang="en-US"/>
           </a:p>
@@ -2283,7 +2291,7 @@
           <a:p>
             <a:fld id="{709A5CD8-DDA3-470B-ABD7-F23C1DFAC626}" type="datetimeFigureOut">
               <a:rPr lang="en-US" smtClean="0"/>
-              <a:t>2/4/2020</a:t>
+              <a:t>2/6/2020</a:t>
             </a:fld>
             <a:endParaRPr lang="en-US"/>
           </a:p>
@@ -2637,7 +2645,7 @@
           <a:p>
             <a:fld id="{709A5CD8-DDA3-470B-ABD7-F23C1DFAC626}" type="datetimeFigureOut">
               <a:rPr lang="en-US" smtClean="0"/>
-              <a:t>2/4/2020</a:t>
+              <a:t>2/6/2020</a:t>
             </a:fld>
             <a:endParaRPr lang="en-US"/>
           </a:p>
@@ -3019,7 +3027,7 @@
           <a:p>
             <a:fld id="{709A5CD8-DDA3-470B-ABD7-F23C1DFAC626}" type="datetimeFigureOut">
               <a:rPr lang="en-US" smtClean="0"/>
-              <a:t>2/4/2020</a:t>
+              <a:t>2/6/2020</a:t>
             </a:fld>
             <a:endParaRPr lang="en-US"/>
           </a:p>
@@ -3306,7 +3314,7 @@
           <a:p>
             <a:fld id="{709A5CD8-DDA3-470B-ABD7-F23C1DFAC626}" type="datetimeFigureOut">
               <a:rPr lang="en-US" smtClean="0"/>
-              <a:t>2/4/2020</a:t>
+              <a:t>2/6/2020</a:t>
             </a:fld>
             <a:endParaRPr lang="en-US"/>
           </a:p>
@@ -3975,7 +3983,7 @@
           <a:p>
             <a:r>
               <a:rPr lang="en-US" dirty="0" smtClean="0"/>
-              <a:t>… As Commands!</a:t>
+              <a:t>Committing Changes to Repository</a:t>
             </a:r>
             <a:endParaRPr lang="en-US" dirty="0"/>
           </a:p>
@@ -4249,37 +4257,17 @@
           <a:p>
             <a:pPr algn="ctr"/>
             <a:r>
-              <a:rPr lang="en-US" dirty="0" err="1">
+              <a:rPr lang="en-US" dirty="0" smtClean="0">
                 <a:solidFill>
                   <a:schemeClr val="bg1"/>
                 </a:solidFill>
-                <a:latin typeface="Consolas" panose="020B0609020204030204" pitchFamily="49" charset="0"/>
-              </a:rPr>
-              <a:t>g</a:t>
-            </a:r>
-            <a:r>
-              <a:rPr lang="en-US" dirty="0" err="1" smtClean="0">
-                <a:solidFill>
-                  <a:schemeClr val="bg1"/>
-                </a:solidFill>
-                <a:latin typeface="Consolas" panose="020B0609020204030204" pitchFamily="49" charset="0"/>
-              </a:rPr>
-              <a:t>it</a:t>
-            </a:r>
-            <a:r>
-              <a:rPr lang="en-US" dirty="0" smtClean="0">
-                <a:solidFill>
-                  <a:schemeClr val="bg1"/>
-                </a:solidFill>
-                <a:latin typeface="Consolas" panose="020B0609020204030204" pitchFamily="49" charset="0"/>
-              </a:rPr>
-              <a:t> checkout</a:t>
+              </a:rPr>
+              <a:t>Checkout</a:t>
             </a:r>
             <a:endParaRPr lang="en-US" dirty="0">
               <a:solidFill>
                 <a:schemeClr val="bg1"/>
               </a:solidFill>
-              <a:latin typeface="Consolas" panose="020B0609020204030204" pitchFamily="49" charset="0"/>
             </a:endParaRPr>
           </a:p>
         </p:txBody>
@@ -4292,7 +4280,7 @@
         </p:nvSpPr>
         <p:spPr>
           <a:xfrm>
-            <a:off x="3109775" y="4867171"/>
+            <a:off x="3105696" y="4867170"/>
             <a:ext cx="2016575" cy="821871"/>
           </a:xfrm>
           <a:prstGeom prst="rightArrow">
@@ -4321,37 +4309,17 @@
           <a:p>
             <a:pPr algn="ctr"/>
             <a:r>
-              <a:rPr lang="en-US" dirty="0" err="1">
+              <a:rPr lang="en-US" dirty="0" smtClean="0">
                 <a:solidFill>
                   <a:schemeClr val="bg1"/>
                 </a:solidFill>
-                <a:latin typeface="Consolas" panose="020B0609020204030204" pitchFamily="49" charset="0"/>
-              </a:rPr>
-              <a:t>g</a:t>
-            </a:r>
-            <a:r>
-              <a:rPr lang="en-US" dirty="0" err="1" smtClean="0">
-                <a:solidFill>
-                  <a:schemeClr val="bg1"/>
-                </a:solidFill>
-                <a:latin typeface="Consolas" panose="020B0609020204030204" pitchFamily="49" charset="0"/>
-              </a:rPr>
-              <a:t>it</a:t>
-            </a:r>
-            <a:r>
-              <a:rPr lang="en-US" dirty="0" smtClean="0">
-                <a:solidFill>
-                  <a:schemeClr val="bg1"/>
-                </a:solidFill>
-                <a:latin typeface="Consolas" panose="020B0609020204030204" pitchFamily="49" charset="0"/>
-              </a:rPr>
-              <a:t> add</a:t>
+              </a:rPr>
+              <a:t>Stage</a:t>
             </a:r>
             <a:endParaRPr lang="en-US" dirty="0">
               <a:solidFill>
                 <a:schemeClr val="bg1"/>
               </a:solidFill>
-              <a:latin typeface="Consolas" panose="020B0609020204030204" pitchFamily="49" charset="0"/>
             </a:endParaRPr>
           </a:p>
         </p:txBody>
@@ -4393,37 +4361,17 @@
           <a:p>
             <a:pPr algn="ctr"/>
             <a:r>
-              <a:rPr lang="en-US" dirty="0" err="1">
+              <a:rPr lang="en-US" dirty="0" smtClean="0">
                 <a:solidFill>
                   <a:schemeClr val="bg1"/>
                 </a:solidFill>
-                <a:latin typeface="Consolas" panose="020B0609020204030204" pitchFamily="49" charset="0"/>
-              </a:rPr>
-              <a:t>g</a:t>
-            </a:r>
-            <a:r>
-              <a:rPr lang="en-US" dirty="0" err="1" smtClean="0">
-                <a:solidFill>
-                  <a:schemeClr val="bg1"/>
-                </a:solidFill>
-                <a:latin typeface="Consolas" panose="020B0609020204030204" pitchFamily="49" charset="0"/>
-              </a:rPr>
-              <a:t>it</a:t>
-            </a:r>
-            <a:r>
-              <a:rPr lang="en-US" dirty="0" smtClean="0">
-                <a:solidFill>
-                  <a:schemeClr val="bg1"/>
-                </a:solidFill>
-                <a:latin typeface="Consolas" panose="020B0609020204030204" pitchFamily="49" charset="0"/>
-              </a:rPr>
-              <a:t> commit</a:t>
+              </a:rPr>
+              <a:t>Commit</a:t>
             </a:r>
             <a:endParaRPr lang="en-US" dirty="0">
               <a:solidFill>
                 <a:schemeClr val="bg1"/>
               </a:solidFill>
-              <a:latin typeface="Consolas" panose="020B0609020204030204" pitchFamily="49" charset="0"/>
             </a:endParaRPr>
           </a:p>
         </p:txBody>
@@ -4431,7 +4379,7 @@
     </p:spTree>
     <p:extLst>
       <p:ext uri="{BB962C8B-B14F-4D97-AF65-F5344CB8AC3E}">
-        <p14:creationId xmlns:p14="http://schemas.microsoft.com/office/powerpoint/2010/main" val="4067754654"/>
+        <p14:creationId xmlns:p14="http://schemas.microsoft.com/office/powerpoint/2010/main" val="3488157169"/>
       </p:ext>
     </p:extLst>
   </p:cSld>
@@ -4482,7 +4430,7 @@
           <a:p>
             <a:r>
               <a:rPr lang="en-US" dirty="0" smtClean="0"/>
-              <a:t>… With a Remote Repository!</a:t>
+              <a:t>… As Commands!</a:t>
             </a:r>
             <a:endParaRPr lang="en-US" dirty="0"/>
           </a:p>
@@ -4497,7 +4445,7 @@
         <p:spPr>
           <a:xfrm>
             <a:off x="1097279" y="1926772"/>
-            <a:ext cx="1411459" cy="4229100"/>
+            <a:ext cx="2008417" cy="4229100"/>
           </a:xfrm>
           <a:prstGeom prst="rect">
             <a:avLst/>
@@ -4579,8 +4527,8 @@
         </p:nvSpPr>
         <p:spPr>
           <a:xfrm>
-            <a:off x="3921507" y="1923422"/>
-            <a:ext cx="1411458" cy="4229100"/>
+            <a:off x="5122271" y="1926772"/>
+            <a:ext cx="2008417" cy="4229100"/>
           </a:xfrm>
           <a:prstGeom prst="rect">
             <a:avLst/>
@@ -4637,8 +4585,8 @@
         </p:nvSpPr>
         <p:spPr>
           <a:xfrm>
-            <a:off x="6832208" y="1923422"/>
-            <a:ext cx="1413330" cy="4229100"/>
+            <a:off x="9147263" y="1926772"/>
+            <a:ext cx="2008417" cy="4229100"/>
           </a:xfrm>
           <a:prstGeom prst="rect">
             <a:avLst/>
@@ -4721,30 +4669,30 @@
       </p:sp>
       <p:sp>
         <p:nvSpPr>
-          <p:cNvPr id="10" name="Rectangle 9"/>
+          <p:cNvPr id="3" name="Left Arrow 2"/>
           <p:cNvSpPr/>
           <p:nvPr/>
         </p:nvSpPr>
         <p:spPr>
           <a:xfrm>
-            <a:off x="9744781" y="1926771"/>
-            <a:ext cx="1410899" cy="4229100"/>
-          </a:xfrm>
-          <a:prstGeom prst="rect">
+            <a:off x="3105696" y="2405743"/>
+            <a:ext cx="6041567" cy="821871"/>
+          </a:xfrm>
+          <a:prstGeom prst="leftArrow">
             <a:avLst/>
           </a:prstGeom>
         </p:spPr>
         <p:style>
           <a:lnRef idx="2">
-            <a:schemeClr val="accent2">
+            <a:schemeClr val="dk1">
               <a:shade val="50000"/>
             </a:schemeClr>
           </a:lnRef>
           <a:fillRef idx="1">
-            <a:schemeClr val="accent2"/>
+            <a:schemeClr val="dk1"/>
           </a:fillRef>
           <a:effectRef idx="0">
-            <a:schemeClr val="accent2"/>
+            <a:schemeClr val="dk1"/>
           </a:effectRef>
           <a:fontRef idx="minor">
             <a:schemeClr val="lt1"/>
@@ -4756,28 +4704,181 @@
           <a:p>
             <a:pPr algn="ctr"/>
             <a:r>
+              <a:rPr lang="en-US" dirty="0" err="1">
+                <a:solidFill>
+                  <a:schemeClr val="bg1"/>
+                </a:solidFill>
+                <a:latin typeface="Consolas" panose="020B0609020204030204" pitchFamily="49" charset="0"/>
+              </a:rPr>
+              <a:t>g</a:t>
+            </a:r>
+            <a:r>
+              <a:rPr lang="en-US" dirty="0" err="1" smtClean="0">
+                <a:solidFill>
+                  <a:schemeClr val="bg1"/>
+                </a:solidFill>
+                <a:latin typeface="Consolas" panose="020B0609020204030204" pitchFamily="49" charset="0"/>
+              </a:rPr>
+              <a:t>it</a:t>
+            </a:r>
+            <a:r>
               <a:rPr lang="en-US" dirty="0" smtClean="0">
                 <a:solidFill>
                   <a:schemeClr val="bg1"/>
                 </a:solidFill>
-              </a:rPr>
-              <a:t>Remote Repository</a:t>
-            </a:r>
-          </a:p>
-          <a:p>
-            <a:pPr algn="ctr"/>
-            <a:r>
-              <a:rPr lang="en-US" dirty="0" smtClean="0">
-                <a:solidFill>
-                  <a:schemeClr val="bg1"/>
-                </a:solidFill>
-              </a:rPr>
-              <a:t>(GitHub)</a:t>
+                <a:latin typeface="Consolas" panose="020B0609020204030204" pitchFamily="49" charset="0"/>
+              </a:rPr>
+              <a:t> checkout</a:t>
             </a:r>
             <a:endParaRPr lang="en-US" dirty="0">
               <a:solidFill>
                 <a:schemeClr val="bg1"/>
               </a:solidFill>
+              <a:latin typeface="Consolas" panose="020B0609020204030204" pitchFamily="49" charset="0"/>
+            </a:endParaRPr>
+          </a:p>
+        </p:txBody>
+      </p:sp>
+      <p:sp>
+        <p:nvSpPr>
+          <p:cNvPr id="5" name="Right Arrow 4"/>
+          <p:cNvSpPr/>
+          <p:nvPr/>
+        </p:nvSpPr>
+        <p:spPr>
+          <a:xfrm>
+            <a:off x="3109775" y="4867171"/>
+            <a:ext cx="2016575" cy="821871"/>
+          </a:xfrm>
+          <a:prstGeom prst="rightArrow">
+            <a:avLst/>
+          </a:prstGeom>
+        </p:spPr>
+        <p:style>
+          <a:lnRef idx="2">
+            <a:schemeClr val="dk1">
+              <a:shade val="50000"/>
+            </a:schemeClr>
+          </a:lnRef>
+          <a:fillRef idx="1">
+            <a:schemeClr val="dk1"/>
+          </a:fillRef>
+          <a:effectRef idx="0">
+            <a:schemeClr val="dk1"/>
+          </a:effectRef>
+          <a:fontRef idx="minor">
+            <a:schemeClr val="lt1"/>
+          </a:fontRef>
+        </p:style>
+        <p:txBody>
+          <a:bodyPr rtlCol="0" anchor="ctr"/>
+          <a:lstStyle/>
+          <a:p>
+            <a:pPr algn="ctr"/>
+            <a:r>
+              <a:rPr lang="en-US" dirty="0" err="1">
+                <a:solidFill>
+                  <a:schemeClr val="bg1"/>
+                </a:solidFill>
+                <a:latin typeface="Consolas" panose="020B0609020204030204" pitchFamily="49" charset="0"/>
+              </a:rPr>
+              <a:t>g</a:t>
+            </a:r>
+            <a:r>
+              <a:rPr lang="en-US" dirty="0" err="1" smtClean="0">
+                <a:solidFill>
+                  <a:schemeClr val="bg1"/>
+                </a:solidFill>
+                <a:latin typeface="Consolas" panose="020B0609020204030204" pitchFamily="49" charset="0"/>
+              </a:rPr>
+              <a:t>it</a:t>
+            </a:r>
+            <a:r>
+              <a:rPr lang="en-US" dirty="0" smtClean="0">
+                <a:solidFill>
+                  <a:schemeClr val="bg1"/>
+                </a:solidFill>
+                <a:latin typeface="Consolas" panose="020B0609020204030204" pitchFamily="49" charset="0"/>
+              </a:rPr>
+              <a:t> add</a:t>
+            </a:r>
+            <a:endParaRPr lang="en-US" dirty="0">
+              <a:solidFill>
+                <a:schemeClr val="bg1"/>
+              </a:solidFill>
+              <a:latin typeface="Consolas" panose="020B0609020204030204" pitchFamily="49" charset="0"/>
+            </a:endParaRPr>
+          </a:p>
+        </p:txBody>
+      </p:sp>
+      <p:sp>
+        <p:nvSpPr>
+          <p:cNvPr id="11" name="Right Arrow 10"/>
+          <p:cNvSpPr/>
+          <p:nvPr/>
+        </p:nvSpPr>
+        <p:spPr>
+          <a:xfrm>
+            <a:off x="7130688" y="4867171"/>
+            <a:ext cx="2016575" cy="821871"/>
+          </a:xfrm>
+          <a:prstGeom prst="rightArrow">
+            <a:avLst/>
+          </a:prstGeom>
+        </p:spPr>
+        <p:style>
+          <a:lnRef idx="2">
+            <a:schemeClr val="dk1">
+              <a:shade val="50000"/>
+            </a:schemeClr>
+          </a:lnRef>
+          <a:fillRef idx="1">
+            <a:schemeClr val="dk1"/>
+          </a:fillRef>
+          <a:effectRef idx="0">
+            <a:schemeClr val="dk1"/>
+          </a:effectRef>
+          <a:fontRef idx="minor">
+            <a:schemeClr val="lt1"/>
+          </a:fontRef>
+        </p:style>
+        <p:txBody>
+          <a:bodyPr rtlCol="0" anchor="ctr"/>
+          <a:lstStyle/>
+          <a:p>
+            <a:pPr algn="ctr"/>
+            <a:r>
+              <a:rPr lang="en-US" dirty="0" err="1">
+                <a:solidFill>
+                  <a:schemeClr val="bg1"/>
+                </a:solidFill>
+                <a:latin typeface="Consolas" panose="020B0609020204030204" pitchFamily="49" charset="0"/>
+              </a:rPr>
+              <a:t>g</a:t>
+            </a:r>
+            <a:r>
+              <a:rPr lang="en-US" dirty="0" err="1" smtClean="0">
+                <a:solidFill>
+                  <a:schemeClr val="bg1"/>
+                </a:solidFill>
+                <a:latin typeface="Consolas" panose="020B0609020204030204" pitchFamily="49" charset="0"/>
+              </a:rPr>
+              <a:t>it</a:t>
+            </a:r>
+            <a:r>
+              <a:rPr lang="en-US" dirty="0" smtClean="0">
+                <a:solidFill>
+                  <a:schemeClr val="bg1"/>
+                </a:solidFill>
+                <a:latin typeface="Consolas" panose="020B0609020204030204" pitchFamily="49" charset="0"/>
+              </a:rPr>
+              <a:t> commit</a:t>
+            </a:r>
+            <a:endParaRPr lang="en-US" dirty="0">
+              <a:solidFill>
+                <a:schemeClr val="bg1"/>
+              </a:solidFill>
+              <a:latin typeface="Consolas" panose="020B0609020204030204" pitchFamily="49" charset="0"/>
             </a:endParaRPr>
           </a:p>
         </p:txBody>
@@ -4785,7 +4886,7 @@
     </p:spTree>
     <p:extLst>
       <p:ext uri="{BB962C8B-B14F-4D97-AF65-F5344CB8AC3E}">
-        <p14:creationId xmlns:p14="http://schemas.microsoft.com/office/powerpoint/2010/main" val="470189942"/>
+        <p14:creationId xmlns:p14="http://schemas.microsoft.com/office/powerpoint/2010/main" val="4067754654"/>
       </p:ext>
     </p:extLst>
   </p:cSld>
@@ -4836,7 +4937,7 @@
           <a:p>
             <a:r>
               <a:rPr lang="en-US" dirty="0" smtClean="0"/>
-              <a:t>Cloning a Remote Repository</a:t>
+              <a:t>… With a Remote Repository!</a:t>
             </a:r>
             <a:endParaRPr lang="en-US" dirty="0"/>
           </a:p>
@@ -5136,132 +5237,10 @@
           </a:p>
         </p:txBody>
       </p:sp>
-      <p:sp>
-        <p:nvSpPr>
-          <p:cNvPr id="15" name="Left Arrow 14"/>
-          <p:cNvSpPr/>
-          <p:nvPr/>
-        </p:nvSpPr>
-        <p:spPr>
-          <a:xfrm>
-            <a:off x="2507802" y="1923422"/>
-            <a:ext cx="7236979" cy="577780"/>
-          </a:xfrm>
-          <a:prstGeom prst="leftArrow">
-            <a:avLst/>
-          </a:prstGeom>
-        </p:spPr>
-        <p:style>
-          <a:lnRef idx="2">
-            <a:schemeClr val="dk1">
-              <a:shade val="50000"/>
-            </a:schemeClr>
-          </a:lnRef>
-          <a:fillRef idx="1">
-            <a:schemeClr val="dk1"/>
-          </a:fillRef>
-          <a:effectRef idx="0">
-            <a:schemeClr val="dk1"/>
-          </a:effectRef>
-          <a:fontRef idx="minor">
-            <a:schemeClr val="lt1"/>
-          </a:fontRef>
-        </p:style>
-        <p:txBody>
-          <a:bodyPr rtlCol="0" anchor="ctr"/>
-          <a:lstStyle/>
-          <a:p>
-            <a:pPr algn="ctr"/>
-            <a:r>
-              <a:rPr lang="en-US" dirty="0" err="1">
-                <a:solidFill>
-                  <a:schemeClr val="bg1"/>
-                </a:solidFill>
-                <a:latin typeface="Consolas" panose="020B0609020204030204" pitchFamily="49" charset="0"/>
-              </a:rPr>
-              <a:t>g</a:t>
-            </a:r>
-            <a:r>
-              <a:rPr lang="en-US" dirty="0" err="1" smtClean="0">
-                <a:solidFill>
-                  <a:schemeClr val="bg1"/>
-                </a:solidFill>
-                <a:latin typeface="Consolas" panose="020B0609020204030204" pitchFamily="49" charset="0"/>
-              </a:rPr>
-              <a:t>it</a:t>
-            </a:r>
-            <a:r>
-              <a:rPr lang="en-US" dirty="0" smtClean="0">
-                <a:solidFill>
-                  <a:schemeClr val="bg1"/>
-                </a:solidFill>
-                <a:latin typeface="Consolas" panose="020B0609020204030204" pitchFamily="49" charset="0"/>
-              </a:rPr>
-              <a:t> clone</a:t>
-            </a:r>
-            <a:endParaRPr lang="en-US" dirty="0">
-              <a:solidFill>
-                <a:schemeClr val="bg1"/>
-              </a:solidFill>
-              <a:latin typeface="Consolas" panose="020B0609020204030204" pitchFamily="49" charset="0"/>
-            </a:endParaRPr>
-          </a:p>
-        </p:txBody>
-      </p:sp>
-      <p:sp>
-        <p:nvSpPr>
-          <p:cNvPr id="20" name="Left Arrow 19"/>
-          <p:cNvSpPr/>
-          <p:nvPr/>
-        </p:nvSpPr>
-        <p:spPr>
-          <a:xfrm>
-            <a:off x="8237295" y="1923422"/>
-            <a:ext cx="1500834" cy="577780"/>
-          </a:xfrm>
-          <a:prstGeom prst="leftArrow">
-            <a:avLst/>
-          </a:prstGeom>
-          <a:ln>
-            <a:solidFill>
-              <a:schemeClr val="bg1"/>
-            </a:solidFill>
-          </a:ln>
-        </p:spPr>
-        <p:style>
-          <a:lnRef idx="2">
-            <a:schemeClr val="dk1">
-              <a:shade val="50000"/>
-            </a:schemeClr>
-          </a:lnRef>
-          <a:fillRef idx="1">
-            <a:schemeClr val="dk1"/>
-          </a:fillRef>
-          <a:effectRef idx="0">
-            <a:schemeClr val="dk1"/>
-          </a:effectRef>
-          <a:fontRef idx="minor">
-            <a:schemeClr val="lt1"/>
-          </a:fontRef>
-        </p:style>
-        <p:txBody>
-          <a:bodyPr rtlCol="0" anchor="ctr"/>
-          <a:lstStyle/>
-          <a:p>
-            <a:pPr algn="ctr"/>
-            <a:endParaRPr lang="en-US" dirty="0">
-              <a:solidFill>
-                <a:schemeClr val="bg1"/>
-              </a:solidFill>
-              <a:latin typeface="Consolas" panose="020B0609020204030204" pitchFamily="49" charset="0"/>
-            </a:endParaRPr>
-          </a:p>
-        </p:txBody>
-      </p:sp>
     </p:spTree>
     <p:extLst>
       <p:ext uri="{BB962C8B-B14F-4D97-AF65-F5344CB8AC3E}">
-        <p14:creationId xmlns:p14="http://schemas.microsoft.com/office/powerpoint/2010/main" val="3630327677"/>
+        <p14:creationId xmlns:p14="http://schemas.microsoft.com/office/powerpoint/2010/main" val="470189942"/>
       </p:ext>
     </p:extLst>
   </p:cSld>
@@ -5312,7 +5291,7 @@
           <a:p>
             <a:r>
               <a:rPr lang="en-US" dirty="0" smtClean="0"/>
-              <a:t>Fetching Changes</a:t>
+              <a:t>Cloning a Remote Repository</a:t>
             </a:r>
             <a:endParaRPr lang="en-US" dirty="0"/>
           </a:p>
@@ -5686,18 +5665,23 @@
       </p:sp>
       <p:sp>
         <p:nvSpPr>
-          <p:cNvPr id="17" name="Left Arrow 16"/>
+          <p:cNvPr id="20" name="Left Arrow 19"/>
           <p:cNvSpPr/>
           <p:nvPr/>
         </p:nvSpPr>
         <p:spPr>
           <a:xfrm>
-            <a:off x="8243947" y="2558895"/>
+            <a:off x="8237295" y="1923422"/>
             <a:ext cx="1500834" cy="577780"/>
           </a:xfrm>
           <a:prstGeom prst="leftArrow">
             <a:avLst/>
           </a:prstGeom>
+          <a:ln>
+            <a:solidFill>
+              <a:schemeClr val="bg1"/>
+            </a:solidFill>
+          </a:ln>
         </p:spPr>
         <p:style>
           <a:lnRef idx="2">
@@ -5720,33 +5704,6 @@
           <a:lstStyle/>
           <a:p>
             <a:pPr algn="ctr"/>
-            <a:r>
-              <a:rPr lang="en-US" dirty="0" err="1">
-                <a:solidFill>
-                  <a:schemeClr val="bg1"/>
-                </a:solidFill>
-                <a:latin typeface="Consolas" panose="020B0609020204030204" pitchFamily="49" charset="0"/>
-              </a:rPr>
-              <a:t>g</a:t>
-            </a:r>
-            <a:r>
-              <a:rPr lang="en-US" dirty="0" err="1" smtClean="0">
-                <a:solidFill>
-                  <a:schemeClr val="bg1"/>
-                </a:solidFill>
-                <a:latin typeface="Consolas" panose="020B0609020204030204" pitchFamily="49" charset="0"/>
-              </a:rPr>
-              <a:t>it</a:t>
-            </a:r>
-            <a:r>
-              <a:rPr lang="en-US" dirty="0" smtClean="0">
-                <a:solidFill>
-                  <a:schemeClr val="bg1"/>
-                </a:solidFill>
-                <a:latin typeface="Consolas" panose="020B0609020204030204" pitchFamily="49" charset="0"/>
-              </a:rPr>
-              <a:t> fetch</a:t>
-            </a:r>
             <a:endParaRPr lang="en-US" dirty="0">
               <a:solidFill>
                 <a:schemeClr val="bg1"/>
@@ -5756,60 +5713,10 @@
           </a:p>
         </p:txBody>
       </p:sp>
-      <p:sp>
-        <p:nvSpPr>
-          <p:cNvPr id="21" name="Left Arrow 20"/>
-          <p:cNvSpPr/>
-          <p:nvPr/>
-        </p:nvSpPr>
-        <p:spPr>
-          <a:xfrm>
-            <a:off x="8237295" y="1923422"/>
-            <a:ext cx="1500834" cy="577780"/>
-          </a:xfrm>
-          <a:prstGeom prst="leftArrow">
-            <a:avLst/>
-          </a:prstGeom>
-          <a:ln>
-            <a:solidFill>
-              <a:schemeClr val="bg1"/>
-            </a:solidFill>
-          </a:ln>
-        </p:spPr>
-        <p:style>
-          <a:lnRef idx="2">
-            <a:schemeClr val="dk1">
-              <a:shade val="50000"/>
-            </a:schemeClr>
-          </a:lnRef>
-          <a:fillRef idx="1">
-            <a:schemeClr val="dk1"/>
-          </a:fillRef>
-          <a:effectRef idx="0">
-            <a:schemeClr val="dk1"/>
-          </a:effectRef>
-          <a:fontRef idx="minor">
-            <a:schemeClr val="lt1"/>
-          </a:fontRef>
-        </p:style>
-        <p:txBody>
-          <a:bodyPr rtlCol="0" anchor="ctr"/>
-          <a:lstStyle/>
-          <a:p>
-            <a:pPr algn="ctr"/>
-            <a:endParaRPr lang="en-US" dirty="0">
-              <a:solidFill>
-                <a:schemeClr val="bg1"/>
-              </a:solidFill>
-              <a:latin typeface="Consolas" panose="020B0609020204030204" pitchFamily="49" charset="0"/>
-            </a:endParaRPr>
-          </a:p>
-        </p:txBody>
-      </p:sp>
     </p:spTree>
     <p:extLst>
       <p:ext uri="{BB962C8B-B14F-4D97-AF65-F5344CB8AC3E}">
-        <p14:creationId xmlns:p14="http://schemas.microsoft.com/office/powerpoint/2010/main" val="2407319764"/>
+        <p14:creationId xmlns:p14="http://schemas.microsoft.com/office/powerpoint/2010/main" val="3630327677"/>
       </p:ext>
     </p:extLst>
   </p:cSld>
@@ -5860,7 +5767,7 @@
           <a:p>
             <a:r>
               <a:rPr lang="en-US" dirty="0" smtClean="0"/>
-              <a:t>Copying Changes</a:t>
+              <a:t>Fetching Changes</a:t>
             </a:r>
             <a:endParaRPr lang="en-US" dirty="0"/>
           </a:p>
@@ -6234,23 +6141,18 @@
       </p:sp>
       <p:sp>
         <p:nvSpPr>
-          <p:cNvPr id="20" name="Left Arrow 19"/>
+          <p:cNvPr id="17" name="Left Arrow 16"/>
           <p:cNvSpPr/>
           <p:nvPr/>
         </p:nvSpPr>
         <p:spPr>
           <a:xfrm>
-            <a:off x="8237295" y="1923422"/>
+            <a:off x="8243947" y="2558895"/>
             <a:ext cx="1500834" cy="577780"/>
           </a:xfrm>
           <a:prstGeom prst="leftArrow">
             <a:avLst/>
           </a:prstGeom>
-          <a:ln>
-            <a:solidFill>
-              <a:schemeClr val="bg1"/>
-            </a:solidFill>
-          </a:ln>
         </p:spPr>
         <p:style>
           <a:lnRef idx="2">
@@ -6273,6 +6175,33 @@
           <a:lstStyle/>
           <a:p>
             <a:pPr algn="ctr"/>
+            <a:r>
+              <a:rPr lang="en-US" dirty="0" err="1">
+                <a:solidFill>
+                  <a:schemeClr val="bg1"/>
+                </a:solidFill>
+                <a:latin typeface="Consolas" panose="020B0609020204030204" pitchFamily="49" charset="0"/>
+              </a:rPr>
+              <a:t>g</a:t>
+            </a:r>
+            <a:r>
+              <a:rPr lang="en-US" dirty="0" err="1" smtClean="0">
+                <a:solidFill>
+                  <a:schemeClr val="bg1"/>
+                </a:solidFill>
+                <a:latin typeface="Consolas" panose="020B0609020204030204" pitchFamily="49" charset="0"/>
+              </a:rPr>
+              <a:t>it</a:t>
+            </a:r>
+            <a:r>
+              <a:rPr lang="en-US" dirty="0" smtClean="0">
+                <a:solidFill>
+                  <a:schemeClr val="bg1"/>
+                </a:solidFill>
+                <a:latin typeface="Consolas" panose="020B0609020204030204" pitchFamily="49" charset="0"/>
+              </a:rPr>
+              <a:t> fetch</a:t>
+            </a:r>
             <a:endParaRPr lang="en-US" dirty="0">
               <a:solidFill>
                 <a:schemeClr val="bg1"/>
@@ -6284,21 +6213,23 @@
       </p:sp>
       <p:sp>
         <p:nvSpPr>
-          <p:cNvPr id="11" name="Left Arrow 10"/>
+          <p:cNvPr id="21" name="Left Arrow 20"/>
           <p:cNvSpPr/>
           <p:nvPr/>
         </p:nvSpPr>
         <p:spPr>
           <a:xfrm>
-            <a:off x="2501150" y="3194368"/>
-            <a:ext cx="7236979" cy="577780"/>
+            <a:off x="8237295" y="1923422"/>
+            <a:ext cx="1500834" cy="577780"/>
           </a:xfrm>
           <a:prstGeom prst="leftArrow">
             <a:avLst/>
           </a:prstGeom>
-          <a:solidFill>
-            <a:schemeClr val="tx1"/>
-          </a:solidFill>
+          <a:ln>
+            <a:solidFill>
+              <a:schemeClr val="bg1"/>
+            </a:solidFill>
+          </a:ln>
         </p:spPr>
         <p:style>
           <a:lnRef idx="2">
@@ -6321,33 +6252,6 @@
           <a:lstStyle/>
           <a:p>
             <a:pPr algn="ctr"/>
-            <a:r>
-              <a:rPr lang="en-US" dirty="0" err="1">
-                <a:solidFill>
-                  <a:schemeClr val="bg1"/>
-                </a:solidFill>
-                <a:latin typeface="Consolas" panose="020B0609020204030204" pitchFamily="49" charset="0"/>
-              </a:rPr>
-              <a:t>g</a:t>
-            </a:r>
-            <a:r>
-              <a:rPr lang="en-US" dirty="0" err="1" smtClean="0">
-                <a:solidFill>
-                  <a:schemeClr val="bg1"/>
-                </a:solidFill>
-                <a:latin typeface="Consolas" panose="020B0609020204030204" pitchFamily="49" charset="0"/>
-              </a:rPr>
-              <a:t>it</a:t>
-            </a:r>
-            <a:r>
-              <a:rPr lang="en-US" dirty="0" smtClean="0">
-                <a:solidFill>
-                  <a:schemeClr val="bg1"/>
-                </a:solidFill>
-                <a:latin typeface="Consolas" panose="020B0609020204030204" pitchFamily="49" charset="0"/>
-              </a:rPr>
-              <a:t> pull</a:t>
-            </a:r>
             <a:endParaRPr lang="en-US" dirty="0">
               <a:solidFill>
                 <a:schemeClr val="bg1"/>
@@ -6357,132 +6261,10 @@
           </a:p>
         </p:txBody>
       </p:sp>
-      <p:sp>
-        <p:nvSpPr>
-          <p:cNvPr id="12" name="Left Arrow 11"/>
-          <p:cNvSpPr/>
-          <p:nvPr/>
-        </p:nvSpPr>
-        <p:spPr>
-          <a:xfrm>
-            <a:off x="8229047" y="3194368"/>
-            <a:ext cx="1500834" cy="577780"/>
-          </a:xfrm>
-          <a:prstGeom prst="leftArrow">
-            <a:avLst/>
-          </a:prstGeom>
-          <a:ln>
-            <a:solidFill>
-              <a:schemeClr val="bg1"/>
-            </a:solidFill>
-          </a:ln>
-        </p:spPr>
-        <p:style>
-          <a:lnRef idx="2">
-            <a:schemeClr val="dk1">
-              <a:shade val="50000"/>
-            </a:schemeClr>
-          </a:lnRef>
-          <a:fillRef idx="1">
-            <a:schemeClr val="dk1"/>
-          </a:fillRef>
-          <a:effectRef idx="0">
-            <a:schemeClr val="dk1"/>
-          </a:effectRef>
-          <a:fontRef idx="minor">
-            <a:schemeClr val="lt1"/>
-          </a:fontRef>
-        </p:style>
-        <p:txBody>
-          <a:bodyPr rtlCol="0" anchor="ctr"/>
-          <a:lstStyle/>
-          <a:p>
-            <a:pPr algn="ctr"/>
-            <a:endParaRPr lang="en-US" dirty="0">
-              <a:solidFill>
-                <a:schemeClr val="bg1"/>
-              </a:solidFill>
-              <a:latin typeface="Consolas" panose="020B0609020204030204" pitchFamily="49" charset="0"/>
-            </a:endParaRPr>
-          </a:p>
-        </p:txBody>
-      </p:sp>
-      <p:sp>
-        <p:nvSpPr>
-          <p:cNvPr id="13" name="Left Arrow 12"/>
-          <p:cNvSpPr/>
-          <p:nvPr/>
-        </p:nvSpPr>
-        <p:spPr>
-          <a:xfrm>
-            <a:off x="8243947" y="2558895"/>
-            <a:ext cx="1500834" cy="577780"/>
-          </a:xfrm>
-          <a:prstGeom prst="leftArrow">
-            <a:avLst/>
-          </a:prstGeom>
-        </p:spPr>
-        <p:style>
-          <a:lnRef idx="2">
-            <a:schemeClr val="dk1">
-              <a:shade val="50000"/>
-            </a:schemeClr>
-          </a:lnRef>
-          <a:fillRef idx="1">
-            <a:schemeClr val="dk1"/>
-          </a:fillRef>
-          <a:effectRef idx="0">
-            <a:schemeClr val="dk1"/>
-          </a:effectRef>
-          <a:fontRef idx="minor">
-            <a:schemeClr val="lt1"/>
-          </a:fontRef>
-        </p:style>
-        <p:txBody>
-          <a:bodyPr rtlCol="0" anchor="ctr"/>
-          <a:lstStyle/>
-          <a:p>
-            <a:pPr algn="ctr"/>
-            <a:r>
-              <a:rPr lang="en-US" dirty="0" err="1">
-                <a:solidFill>
-                  <a:schemeClr val="bg1"/>
-                </a:solidFill>
-                <a:latin typeface="Consolas" panose="020B0609020204030204" pitchFamily="49" charset="0"/>
-              </a:rPr>
-              <a:t>g</a:t>
-            </a:r>
-            <a:r>
-              <a:rPr lang="en-US" dirty="0" err="1" smtClean="0">
-                <a:solidFill>
-                  <a:schemeClr val="bg1"/>
-                </a:solidFill>
-                <a:latin typeface="Consolas" panose="020B0609020204030204" pitchFamily="49" charset="0"/>
-              </a:rPr>
-              <a:t>it</a:t>
-            </a:r>
-            <a:r>
-              <a:rPr lang="en-US" dirty="0" smtClean="0">
-                <a:solidFill>
-                  <a:schemeClr val="bg1"/>
-                </a:solidFill>
-                <a:latin typeface="Consolas" panose="020B0609020204030204" pitchFamily="49" charset="0"/>
-              </a:rPr>
-              <a:t> fetch</a:t>
-            </a:r>
-            <a:endParaRPr lang="en-US" dirty="0">
-              <a:solidFill>
-                <a:schemeClr val="bg1"/>
-              </a:solidFill>
-              <a:latin typeface="Consolas" panose="020B0609020204030204" pitchFamily="49" charset="0"/>
-            </a:endParaRPr>
-          </a:p>
-        </p:txBody>
-      </p:sp>
     </p:spTree>
     <p:extLst>
       <p:ext uri="{BB962C8B-B14F-4D97-AF65-F5344CB8AC3E}">
-        <p14:creationId xmlns:p14="http://schemas.microsoft.com/office/powerpoint/2010/main" val="2272958163"/>
+        <p14:creationId xmlns:p14="http://schemas.microsoft.com/office/powerpoint/2010/main" val="2407319764"/>
       </p:ext>
     </p:extLst>
   </p:cSld>
@@ -6533,11 +6315,7 @@
           <a:p>
             <a:r>
               <a:rPr lang="en-US" dirty="0" smtClean="0"/>
-              <a:t>Pushing</a:t>
-            </a:r>
-            <a:r>
-              <a:rPr lang="en-US" dirty="0" smtClean="0"/>
-              <a:t> Changes</a:t>
+              <a:t>Copying Changes</a:t>
             </a:r>
             <a:endParaRPr lang="en-US" dirty="0"/>
           </a:p>
@@ -7156,298 +6934,10 @@
           </a:p>
         </p:txBody>
       </p:sp>
-      <p:sp>
-        <p:nvSpPr>
-          <p:cNvPr id="14" name="Left Arrow 13"/>
-          <p:cNvSpPr/>
-          <p:nvPr/>
-        </p:nvSpPr>
-        <p:spPr>
-          <a:xfrm>
-            <a:off x="2505556" y="4335867"/>
-            <a:ext cx="4323470" cy="577780"/>
-          </a:xfrm>
-          <a:prstGeom prst="leftArrow">
-            <a:avLst/>
-          </a:prstGeom>
-        </p:spPr>
-        <p:style>
-          <a:lnRef idx="2">
-            <a:schemeClr val="dk1">
-              <a:shade val="50000"/>
-            </a:schemeClr>
-          </a:lnRef>
-          <a:fillRef idx="1">
-            <a:schemeClr val="dk1"/>
-          </a:fillRef>
-          <a:effectRef idx="0">
-            <a:schemeClr val="dk1"/>
-          </a:effectRef>
-          <a:fontRef idx="minor">
-            <a:schemeClr val="lt1"/>
-          </a:fontRef>
-        </p:style>
-        <p:txBody>
-          <a:bodyPr rtlCol="0" anchor="ctr"/>
-          <a:lstStyle/>
-          <a:p>
-            <a:pPr algn="ctr"/>
-            <a:r>
-              <a:rPr lang="en-US" dirty="0" err="1">
-                <a:solidFill>
-                  <a:schemeClr val="bg1"/>
-                </a:solidFill>
-                <a:latin typeface="Consolas" panose="020B0609020204030204" pitchFamily="49" charset="0"/>
-              </a:rPr>
-              <a:t>g</a:t>
-            </a:r>
-            <a:r>
-              <a:rPr lang="en-US" dirty="0" err="1" smtClean="0">
-                <a:solidFill>
-                  <a:schemeClr val="bg1"/>
-                </a:solidFill>
-                <a:latin typeface="Consolas" panose="020B0609020204030204" pitchFamily="49" charset="0"/>
-              </a:rPr>
-              <a:t>it</a:t>
-            </a:r>
-            <a:r>
-              <a:rPr lang="en-US" dirty="0" smtClean="0">
-                <a:solidFill>
-                  <a:schemeClr val="bg1"/>
-                </a:solidFill>
-                <a:latin typeface="Consolas" panose="020B0609020204030204" pitchFamily="49" charset="0"/>
-              </a:rPr>
-              <a:t> checkout</a:t>
-            </a:r>
-            <a:endParaRPr lang="en-US" dirty="0">
-              <a:solidFill>
-                <a:schemeClr val="bg1"/>
-              </a:solidFill>
-              <a:latin typeface="Consolas" panose="020B0609020204030204" pitchFamily="49" charset="0"/>
-            </a:endParaRPr>
-          </a:p>
-        </p:txBody>
-      </p:sp>
-      <p:sp>
-        <p:nvSpPr>
-          <p:cNvPr id="16" name="Right Arrow 15"/>
-          <p:cNvSpPr/>
-          <p:nvPr/>
-        </p:nvSpPr>
-        <p:spPr>
-          <a:xfrm>
-            <a:off x="2505556" y="5163812"/>
-            <a:ext cx="1412769" cy="566475"/>
-          </a:xfrm>
-          <a:prstGeom prst="rightArrow">
-            <a:avLst/>
-          </a:prstGeom>
-        </p:spPr>
-        <p:style>
-          <a:lnRef idx="2">
-            <a:schemeClr val="dk1">
-              <a:shade val="50000"/>
-            </a:schemeClr>
-          </a:lnRef>
-          <a:fillRef idx="1">
-            <a:schemeClr val="dk1"/>
-          </a:fillRef>
-          <a:effectRef idx="0">
-            <a:schemeClr val="dk1"/>
-          </a:effectRef>
-          <a:fontRef idx="minor">
-            <a:schemeClr val="lt1"/>
-          </a:fontRef>
-        </p:style>
-        <p:txBody>
-          <a:bodyPr rtlCol="0" anchor="ctr"/>
-          <a:lstStyle/>
-          <a:p>
-            <a:pPr algn="ctr"/>
-            <a:r>
-              <a:rPr lang="en-US" dirty="0" err="1">
-                <a:solidFill>
-                  <a:schemeClr val="bg1"/>
-                </a:solidFill>
-                <a:latin typeface="Consolas" panose="020B0609020204030204" pitchFamily="49" charset="0"/>
-              </a:rPr>
-              <a:t>g</a:t>
-            </a:r>
-            <a:r>
-              <a:rPr lang="en-US" dirty="0" err="1" smtClean="0">
-                <a:solidFill>
-                  <a:schemeClr val="bg1"/>
-                </a:solidFill>
-                <a:latin typeface="Consolas" panose="020B0609020204030204" pitchFamily="49" charset="0"/>
-              </a:rPr>
-              <a:t>it</a:t>
-            </a:r>
-            <a:r>
-              <a:rPr lang="en-US" dirty="0" smtClean="0">
-                <a:solidFill>
-                  <a:schemeClr val="bg1"/>
-                </a:solidFill>
-                <a:latin typeface="Consolas" panose="020B0609020204030204" pitchFamily="49" charset="0"/>
-              </a:rPr>
-              <a:t> add</a:t>
-            </a:r>
-            <a:endParaRPr lang="en-US" dirty="0">
-              <a:solidFill>
-                <a:schemeClr val="bg1"/>
-              </a:solidFill>
-              <a:latin typeface="Consolas" panose="020B0609020204030204" pitchFamily="49" charset="0"/>
-            </a:endParaRPr>
-          </a:p>
-        </p:txBody>
-      </p:sp>
-      <p:sp>
-        <p:nvSpPr>
-          <p:cNvPr id="17" name="Right Arrow 16"/>
-          <p:cNvSpPr/>
-          <p:nvPr/>
-        </p:nvSpPr>
-        <p:spPr>
-          <a:xfrm>
-            <a:off x="5332965" y="5152507"/>
-            <a:ext cx="1499243" cy="577780"/>
-          </a:xfrm>
-          <a:prstGeom prst="rightArrow">
-            <a:avLst/>
-          </a:prstGeom>
-        </p:spPr>
-        <p:style>
-          <a:lnRef idx="2">
-            <a:schemeClr val="dk1">
-              <a:shade val="50000"/>
-            </a:schemeClr>
-          </a:lnRef>
-          <a:fillRef idx="1">
-            <a:schemeClr val="dk1"/>
-          </a:fillRef>
-          <a:effectRef idx="0">
-            <a:schemeClr val="dk1"/>
-          </a:effectRef>
-          <a:fontRef idx="minor">
-            <a:schemeClr val="lt1"/>
-          </a:fontRef>
-        </p:style>
-        <p:txBody>
-          <a:bodyPr rtlCol="0" anchor="ctr"/>
-          <a:lstStyle/>
-          <a:p>
-            <a:pPr algn="ctr"/>
-            <a:r>
-              <a:rPr lang="en-US" sz="1600" dirty="0" err="1">
-                <a:solidFill>
-                  <a:schemeClr val="bg1"/>
-                </a:solidFill>
-                <a:latin typeface="Consolas" panose="020B0609020204030204" pitchFamily="49" charset="0"/>
-              </a:rPr>
-              <a:t>g</a:t>
-            </a:r>
-            <a:r>
-              <a:rPr lang="en-US" sz="1600" dirty="0" err="1" smtClean="0">
-                <a:solidFill>
-                  <a:schemeClr val="bg1"/>
-                </a:solidFill>
-                <a:latin typeface="Consolas" panose="020B0609020204030204" pitchFamily="49" charset="0"/>
-              </a:rPr>
-              <a:t>it</a:t>
-            </a:r>
-            <a:r>
-              <a:rPr lang="en-US" sz="1600" dirty="0" smtClean="0">
-                <a:solidFill>
-                  <a:schemeClr val="bg1"/>
-                </a:solidFill>
-                <a:latin typeface="Consolas" panose="020B0609020204030204" pitchFamily="49" charset="0"/>
-              </a:rPr>
-              <a:t> commit</a:t>
-            </a:r>
-            <a:endParaRPr lang="en-US" sz="1600" dirty="0">
-              <a:solidFill>
-                <a:schemeClr val="bg1"/>
-              </a:solidFill>
-              <a:latin typeface="Consolas" panose="020B0609020204030204" pitchFamily="49" charset="0"/>
-            </a:endParaRPr>
-          </a:p>
-        </p:txBody>
-      </p:sp>
-      <p:sp>
-        <p:nvSpPr>
-          <p:cNvPr id="18" name="Right Arrow 17"/>
-          <p:cNvSpPr/>
-          <p:nvPr/>
-        </p:nvSpPr>
-        <p:spPr>
-          <a:xfrm>
-            <a:off x="8242731" y="5152507"/>
-            <a:ext cx="1499243" cy="577780"/>
-          </a:xfrm>
-          <a:prstGeom prst="rightArrow">
-            <a:avLst/>
-          </a:prstGeom>
-        </p:spPr>
-        <p:style>
-          <a:lnRef idx="2">
-            <a:schemeClr val="dk1">
-              <a:shade val="50000"/>
-            </a:schemeClr>
-          </a:lnRef>
-          <a:fillRef idx="1">
-            <a:schemeClr val="dk1"/>
-          </a:fillRef>
-          <a:effectRef idx="0">
-            <a:schemeClr val="dk1"/>
-          </a:effectRef>
-          <a:fontRef idx="minor">
-            <a:schemeClr val="lt1"/>
-          </a:fontRef>
-        </p:style>
-        <p:txBody>
-          <a:bodyPr rtlCol="0" anchor="ctr"/>
-          <a:lstStyle/>
-          <a:p>
-            <a:pPr algn="ctr"/>
-            <a:r>
-              <a:rPr lang="en-US" sz="1600" dirty="0" err="1">
-                <a:solidFill>
-                  <a:schemeClr val="bg1"/>
-                </a:solidFill>
-                <a:latin typeface="Consolas" panose="020B0609020204030204" pitchFamily="49" charset="0"/>
-              </a:rPr>
-              <a:t>g</a:t>
-            </a:r>
-            <a:r>
-              <a:rPr lang="en-US" sz="1600" dirty="0" err="1" smtClean="0">
-                <a:solidFill>
-                  <a:schemeClr val="bg1"/>
-                </a:solidFill>
-                <a:latin typeface="Consolas" panose="020B0609020204030204" pitchFamily="49" charset="0"/>
-              </a:rPr>
-              <a:t>it</a:t>
-            </a:r>
-            <a:r>
-              <a:rPr lang="en-US" sz="1600" dirty="0" smtClean="0">
-                <a:solidFill>
-                  <a:schemeClr val="bg1"/>
-                </a:solidFill>
-                <a:latin typeface="Consolas" panose="020B0609020204030204" pitchFamily="49" charset="0"/>
-              </a:rPr>
-              <a:t> push</a:t>
-            </a:r>
-            <a:endParaRPr lang="en-US" sz="1600" dirty="0">
-              <a:solidFill>
-                <a:schemeClr val="bg1"/>
-              </a:solidFill>
-              <a:latin typeface="Consolas" panose="020B0609020204030204" pitchFamily="49" charset="0"/>
-            </a:endParaRPr>
-          </a:p>
-        </p:txBody>
-      </p:sp>
     </p:spTree>
     <p:extLst>
       <p:ext uri="{BB962C8B-B14F-4D97-AF65-F5344CB8AC3E}">
-        <p14:creationId xmlns:p14="http://schemas.microsoft.com/office/powerpoint/2010/main" val="4066547060"/>
+        <p14:creationId xmlns:p14="http://schemas.microsoft.com/office/powerpoint/2010/main" val="2272958163"/>
       </p:ext>
     </p:extLst>
   </p:cSld>
@@ -7498,40 +6988,917 @@
           <a:p>
             <a:r>
               <a:rPr lang="en-US" dirty="0" smtClean="0"/>
-              <a:t>Stash</a:t>
+              <a:t>Pushing Changes</a:t>
             </a:r>
             <a:endParaRPr lang="en-US" dirty="0"/>
           </a:p>
         </p:txBody>
       </p:sp>
-      <p:pic>
-        <p:nvPicPr>
-          <p:cNvPr id="3" name="Picture 2"/>
-          <p:cNvPicPr>
-            <a:picLocks noChangeAspect="1"/>
-          </p:cNvPicPr>
+      <p:sp>
+        <p:nvSpPr>
+          <p:cNvPr id="6" name="Rectangle 5"/>
+          <p:cNvSpPr/>
           <p:nvPr/>
-        </p:nvPicPr>
-        <p:blipFill>
-          <a:blip r:embed="rId2"/>
-          <a:stretch>
-            <a:fillRect/>
-          </a:stretch>
-        </p:blipFill>
-        <p:spPr>
-          <a:xfrm>
-            <a:off x="3401597" y="1905366"/>
-            <a:ext cx="5449765" cy="3654137"/>
+        </p:nvSpPr>
+        <p:spPr>
+          <a:xfrm>
+            <a:off x="1097279" y="1926772"/>
+            <a:ext cx="1411459" cy="4229100"/>
           </a:xfrm>
           <a:prstGeom prst="rect">
             <a:avLst/>
           </a:prstGeom>
-        </p:spPr>
-      </p:pic>
+          <a:noFill/>
+          <a:ln w="9525" cap="flat" cmpd="sng" algn="ctr">
+            <a:solidFill>
+              <a:schemeClr val="accent1"/>
+            </a:solidFill>
+            <a:prstDash val="solid"/>
+            <a:round/>
+            <a:headEnd type="none" w="med" len="med"/>
+            <a:tailEnd type="none" w="med" len="med"/>
+          </a:ln>
+        </p:spPr>
+        <p:style>
+          <a:lnRef idx="0">
+            <a:scrgbClr r="0" g="0" b="0"/>
+          </a:lnRef>
+          <a:fillRef idx="0">
+            <a:scrgbClr r="0" g="0" b="0"/>
+          </a:fillRef>
+          <a:effectRef idx="0">
+            <a:scrgbClr r="0" g="0" b="0"/>
+          </a:effectRef>
+          <a:fontRef idx="minor">
+            <a:schemeClr val="accent1"/>
+          </a:fontRef>
+        </p:style>
+        <p:txBody>
+          <a:bodyPr rtlCol="0" anchor="ctr"/>
+          <a:lstStyle/>
+          <a:p>
+            <a:pPr algn="ctr"/>
+            <a:r>
+              <a:rPr lang="en-US" dirty="0" smtClean="0">
+                <a:solidFill>
+                  <a:schemeClr val="tx1"/>
+                </a:solidFill>
+              </a:rPr>
+              <a:t>Working</a:t>
+            </a:r>
+            <a:r>
+              <a:rPr lang="en-US" dirty="0" smtClean="0"/>
+              <a:t> </a:t>
+            </a:r>
+            <a:r>
+              <a:rPr lang="en-US" dirty="0" smtClean="0">
+                <a:solidFill>
+                  <a:schemeClr val="tx1"/>
+                </a:solidFill>
+              </a:rPr>
+              <a:t>Directory</a:t>
+            </a:r>
+          </a:p>
+          <a:p>
+            <a:pPr algn="ctr"/>
+            <a:r>
+              <a:rPr lang="en-US" dirty="0" smtClean="0">
+                <a:solidFill>
+                  <a:schemeClr val="tx1"/>
+                </a:solidFill>
+              </a:rPr>
+              <a:t>(the folder with all your files)</a:t>
+            </a:r>
+            <a:endParaRPr lang="en-US" dirty="0">
+              <a:solidFill>
+                <a:schemeClr val="tx1"/>
+              </a:solidFill>
+            </a:endParaRPr>
+          </a:p>
+        </p:txBody>
+      </p:sp>
+      <p:sp>
+        <p:nvSpPr>
+          <p:cNvPr id="8" name="Rectangle 7"/>
+          <p:cNvSpPr/>
+          <p:nvPr/>
+        </p:nvSpPr>
+        <p:spPr>
+          <a:xfrm>
+            <a:off x="3921507" y="1923422"/>
+            <a:ext cx="1411458" cy="4229100"/>
+          </a:xfrm>
+          <a:prstGeom prst="rect">
+            <a:avLst/>
+          </a:prstGeom>
+          <a:solidFill>
+            <a:schemeClr val="accent1">
+              <a:alpha val="50000"/>
+            </a:schemeClr>
+          </a:solidFill>
+          <a:ln>
+            <a:noFill/>
+          </a:ln>
+        </p:spPr>
+        <p:style>
+          <a:lnRef idx="0">
+            <a:scrgbClr r="0" g="0" b="0"/>
+          </a:lnRef>
+          <a:fillRef idx="0">
+            <a:scrgbClr r="0" g="0" b="0"/>
+          </a:fillRef>
+          <a:effectRef idx="0">
+            <a:scrgbClr r="0" g="0" b="0"/>
+          </a:effectRef>
+          <a:fontRef idx="minor">
+            <a:schemeClr val="lt1"/>
+          </a:fontRef>
+        </p:style>
+        <p:txBody>
+          <a:bodyPr rtlCol="0" anchor="ctr"/>
+          <a:lstStyle/>
+          <a:p>
+            <a:pPr algn="ctr"/>
+            <a:r>
+              <a:rPr lang="en-US" dirty="0" smtClean="0">
+                <a:solidFill>
+                  <a:schemeClr val="tx1"/>
+                </a:solidFill>
+              </a:rPr>
+              <a:t>Staging Area</a:t>
+            </a:r>
+            <a:endParaRPr lang="en-US" dirty="0">
+              <a:solidFill>
+                <a:schemeClr val="tx1"/>
+              </a:solidFill>
+            </a:endParaRPr>
+          </a:p>
+        </p:txBody>
+      </p:sp>
+      <p:sp>
+        <p:nvSpPr>
+          <p:cNvPr id="9" name="Rectangle 8"/>
+          <p:cNvSpPr/>
+          <p:nvPr/>
+        </p:nvSpPr>
+        <p:spPr>
+          <a:xfrm>
+            <a:off x="6832208" y="1923422"/>
+            <a:ext cx="1413330" cy="4229100"/>
+          </a:xfrm>
+          <a:prstGeom prst="rect">
+            <a:avLst/>
+          </a:prstGeom>
+        </p:spPr>
+        <p:style>
+          <a:lnRef idx="2">
+            <a:schemeClr val="accent1">
+              <a:shade val="50000"/>
+            </a:schemeClr>
+          </a:lnRef>
+          <a:fillRef idx="1">
+            <a:schemeClr val="accent1"/>
+          </a:fillRef>
+          <a:effectRef idx="0">
+            <a:schemeClr val="accent1"/>
+          </a:effectRef>
+          <a:fontRef idx="minor">
+            <a:schemeClr val="lt1"/>
+          </a:fontRef>
+        </p:style>
+        <p:txBody>
+          <a:bodyPr rtlCol="0" anchor="ctr"/>
+          <a:lstStyle/>
+          <a:p>
+            <a:pPr algn="ctr"/>
+            <a:r>
+              <a:rPr lang="en-US" dirty="0" smtClean="0">
+                <a:solidFill>
+                  <a:schemeClr val="tx1"/>
+                </a:solidFill>
+              </a:rPr>
+              <a:t>Local</a:t>
+            </a:r>
+          </a:p>
+          <a:p>
+            <a:pPr algn="ctr"/>
+            <a:r>
+              <a:rPr lang="en-US" dirty="0" smtClean="0">
+                <a:solidFill>
+                  <a:schemeClr val="tx1"/>
+                </a:solidFill>
+              </a:rPr>
+              <a:t>Repository</a:t>
+            </a:r>
+          </a:p>
+          <a:p>
+            <a:pPr algn="ctr"/>
+            <a:r>
+              <a:rPr lang="en-US" dirty="0" smtClean="0">
+                <a:solidFill>
+                  <a:schemeClr val="tx1"/>
+                </a:solidFill>
+              </a:rPr>
+              <a:t>(.</a:t>
+            </a:r>
+            <a:r>
+              <a:rPr lang="en-US" dirty="0" err="1" smtClean="0">
+                <a:solidFill>
+                  <a:schemeClr val="tx1"/>
+                </a:solidFill>
+              </a:rPr>
+              <a:t>git</a:t>
+            </a:r>
+            <a:r>
+              <a:rPr lang="en-US" dirty="0" smtClean="0">
+                <a:solidFill>
+                  <a:schemeClr val="tx1"/>
+                </a:solidFill>
+              </a:rPr>
+              <a:t> folder)</a:t>
+            </a:r>
+            <a:endParaRPr lang="en-US" dirty="0">
+              <a:solidFill>
+                <a:schemeClr val="tx1"/>
+              </a:solidFill>
+            </a:endParaRPr>
+          </a:p>
+        </p:txBody>
+      </p:sp>
+      <p:sp>
+        <p:nvSpPr>
+          <p:cNvPr id="10" name="Rectangle 9"/>
+          <p:cNvSpPr/>
+          <p:nvPr/>
+        </p:nvSpPr>
+        <p:spPr>
+          <a:xfrm>
+            <a:off x="9744781" y="1926771"/>
+            <a:ext cx="1410899" cy="4229100"/>
+          </a:xfrm>
+          <a:prstGeom prst="rect">
+            <a:avLst/>
+          </a:prstGeom>
+        </p:spPr>
+        <p:style>
+          <a:lnRef idx="2">
+            <a:schemeClr val="accent2">
+              <a:shade val="50000"/>
+            </a:schemeClr>
+          </a:lnRef>
+          <a:fillRef idx="1">
+            <a:schemeClr val="accent2"/>
+          </a:fillRef>
+          <a:effectRef idx="0">
+            <a:schemeClr val="accent2"/>
+          </a:effectRef>
+          <a:fontRef idx="minor">
+            <a:schemeClr val="lt1"/>
+          </a:fontRef>
+        </p:style>
+        <p:txBody>
+          <a:bodyPr rtlCol="0" anchor="ctr"/>
+          <a:lstStyle/>
+          <a:p>
+            <a:pPr algn="ctr"/>
+            <a:r>
+              <a:rPr lang="en-US" dirty="0" smtClean="0">
+                <a:solidFill>
+                  <a:schemeClr val="bg1"/>
+                </a:solidFill>
+              </a:rPr>
+              <a:t>Remote Repository</a:t>
+            </a:r>
+          </a:p>
+          <a:p>
+            <a:pPr algn="ctr"/>
+            <a:r>
+              <a:rPr lang="en-US" dirty="0" smtClean="0">
+                <a:solidFill>
+                  <a:schemeClr val="bg1"/>
+                </a:solidFill>
+              </a:rPr>
+              <a:t>(GitHub)</a:t>
+            </a:r>
+            <a:endParaRPr lang="en-US" dirty="0">
+              <a:solidFill>
+                <a:schemeClr val="bg1"/>
+              </a:solidFill>
+            </a:endParaRPr>
+          </a:p>
+        </p:txBody>
+      </p:sp>
+      <p:sp>
+        <p:nvSpPr>
+          <p:cNvPr id="15" name="Left Arrow 14"/>
+          <p:cNvSpPr/>
+          <p:nvPr/>
+        </p:nvSpPr>
+        <p:spPr>
+          <a:xfrm>
+            <a:off x="2507802" y="1923422"/>
+            <a:ext cx="7236979" cy="577780"/>
+          </a:xfrm>
+          <a:prstGeom prst="leftArrow">
+            <a:avLst/>
+          </a:prstGeom>
+        </p:spPr>
+        <p:style>
+          <a:lnRef idx="2">
+            <a:schemeClr val="dk1">
+              <a:shade val="50000"/>
+            </a:schemeClr>
+          </a:lnRef>
+          <a:fillRef idx="1">
+            <a:schemeClr val="dk1"/>
+          </a:fillRef>
+          <a:effectRef idx="0">
+            <a:schemeClr val="dk1"/>
+          </a:effectRef>
+          <a:fontRef idx="minor">
+            <a:schemeClr val="lt1"/>
+          </a:fontRef>
+        </p:style>
+        <p:txBody>
+          <a:bodyPr rtlCol="0" anchor="ctr"/>
+          <a:lstStyle/>
+          <a:p>
+            <a:pPr algn="ctr"/>
+            <a:r>
+              <a:rPr lang="en-US" dirty="0" err="1">
+                <a:solidFill>
+                  <a:schemeClr val="bg1"/>
+                </a:solidFill>
+                <a:latin typeface="Consolas" panose="020B0609020204030204" pitchFamily="49" charset="0"/>
+              </a:rPr>
+              <a:t>g</a:t>
+            </a:r>
+            <a:r>
+              <a:rPr lang="en-US" dirty="0" err="1" smtClean="0">
+                <a:solidFill>
+                  <a:schemeClr val="bg1"/>
+                </a:solidFill>
+                <a:latin typeface="Consolas" panose="020B0609020204030204" pitchFamily="49" charset="0"/>
+              </a:rPr>
+              <a:t>it</a:t>
+            </a:r>
+            <a:r>
+              <a:rPr lang="en-US" dirty="0" smtClean="0">
+                <a:solidFill>
+                  <a:schemeClr val="bg1"/>
+                </a:solidFill>
+                <a:latin typeface="Consolas" panose="020B0609020204030204" pitchFamily="49" charset="0"/>
+              </a:rPr>
+              <a:t> clone</a:t>
+            </a:r>
+            <a:endParaRPr lang="en-US" dirty="0">
+              <a:solidFill>
+                <a:schemeClr val="bg1"/>
+              </a:solidFill>
+              <a:latin typeface="Consolas" panose="020B0609020204030204" pitchFamily="49" charset="0"/>
+            </a:endParaRPr>
+          </a:p>
+        </p:txBody>
+      </p:sp>
+      <p:sp>
+        <p:nvSpPr>
+          <p:cNvPr id="20" name="Left Arrow 19"/>
+          <p:cNvSpPr/>
+          <p:nvPr/>
+        </p:nvSpPr>
+        <p:spPr>
+          <a:xfrm>
+            <a:off x="8237295" y="1923422"/>
+            <a:ext cx="1500834" cy="577780"/>
+          </a:xfrm>
+          <a:prstGeom prst="leftArrow">
+            <a:avLst/>
+          </a:prstGeom>
+          <a:ln>
+            <a:solidFill>
+              <a:schemeClr val="bg1"/>
+            </a:solidFill>
+          </a:ln>
+        </p:spPr>
+        <p:style>
+          <a:lnRef idx="2">
+            <a:schemeClr val="dk1">
+              <a:shade val="50000"/>
+            </a:schemeClr>
+          </a:lnRef>
+          <a:fillRef idx="1">
+            <a:schemeClr val="dk1"/>
+          </a:fillRef>
+          <a:effectRef idx="0">
+            <a:schemeClr val="dk1"/>
+          </a:effectRef>
+          <a:fontRef idx="minor">
+            <a:schemeClr val="lt1"/>
+          </a:fontRef>
+        </p:style>
+        <p:txBody>
+          <a:bodyPr rtlCol="0" anchor="ctr"/>
+          <a:lstStyle/>
+          <a:p>
+            <a:pPr algn="ctr"/>
+            <a:endParaRPr lang="en-US" dirty="0">
+              <a:solidFill>
+                <a:schemeClr val="bg1"/>
+              </a:solidFill>
+              <a:latin typeface="Consolas" panose="020B0609020204030204" pitchFamily="49" charset="0"/>
+            </a:endParaRPr>
+          </a:p>
+        </p:txBody>
+      </p:sp>
+      <p:sp>
+        <p:nvSpPr>
+          <p:cNvPr id="11" name="Left Arrow 10"/>
+          <p:cNvSpPr/>
+          <p:nvPr/>
+        </p:nvSpPr>
+        <p:spPr>
+          <a:xfrm>
+            <a:off x="2501150" y="3194368"/>
+            <a:ext cx="7236979" cy="577780"/>
+          </a:xfrm>
+          <a:prstGeom prst="leftArrow">
+            <a:avLst/>
+          </a:prstGeom>
+          <a:solidFill>
+            <a:schemeClr val="tx1"/>
+          </a:solidFill>
+        </p:spPr>
+        <p:style>
+          <a:lnRef idx="2">
+            <a:schemeClr val="dk1">
+              <a:shade val="50000"/>
+            </a:schemeClr>
+          </a:lnRef>
+          <a:fillRef idx="1">
+            <a:schemeClr val="dk1"/>
+          </a:fillRef>
+          <a:effectRef idx="0">
+            <a:schemeClr val="dk1"/>
+          </a:effectRef>
+          <a:fontRef idx="minor">
+            <a:schemeClr val="lt1"/>
+          </a:fontRef>
+        </p:style>
+        <p:txBody>
+          <a:bodyPr rtlCol="0" anchor="ctr"/>
+          <a:lstStyle/>
+          <a:p>
+            <a:pPr algn="ctr"/>
+            <a:r>
+              <a:rPr lang="en-US" dirty="0" err="1">
+                <a:solidFill>
+                  <a:schemeClr val="bg1"/>
+                </a:solidFill>
+                <a:latin typeface="Consolas" panose="020B0609020204030204" pitchFamily="49" charset="0"/>
+              </a:rPr>
+              <a:t>g</a:t>
+            </a:r>
+            <a:r>
+              <a:rPr lang="en-US" dirty="0" err="1" smtClean="0">
+                <a:solidFill>
+                  <a:schemeClr val="bg1"/>
+                </a:solidFill>
+                <a:latin typeface="Consolas" panose="020B0609020204030204" pitchFamily="49" charset="0"/>
+              </a:rPr>
+              <a:t>it</a:t>
+            </a:r>
+            <a:r>
+              <a:rPr lang="en-US" dirty="0" smtClean="0">
+                <a:solidFill>
+                  <a:schemeClr val="bg1"/>
+                </a:solidFill>
+                <a:latin typeface="Consolas" panose="020B0609020204030204" pitchFamily="49" charset="0"/>
+              </a:rPr>
+              <a:t> pull</a:t>
+            </a:r>
+            <a:endParaRPr lang="en-US" dirty="0">
+              <a:solidFill>
+                <a:schemeClr val="bg1"/>
+              </a:solidFill>
+              <a:latin typeface="Consolas" panose="020B0609020204030204" pitchFamily="49" charset="0"/>
+            </a:endParaRPr>
+          </a:p>
+        </p:txBody>
+      </p:sp>
+      <p:sp>
+        <p:nvSpPr>
+          <p:cNvPr id="12" name="Left Arrow 11"/>
+          <p:cNvSpPr/>
+          <p:nvPr/>
+        </p:nvSpPr>
+        <p:spPr>
+          <a:xfrm>
+            <a:off x="8229047" y="3194368"/>
+            <a:ext cx="1500834" cy="577780"/>
+          </a:xfrm>
+          <a:prstGeom prst="leftArrow">
+            <a:avLst/>
+          </a:prstGeom>
+          <a:ln>
+            <a:solidFill>
+              <a:schemeClr val="bg1"/>
+            </a:solidFill>
+          </a:ln>
+        </p:spPr>
+        <p:style>
+          <a:lnRef idx="2">
+            <a:schemeClr val="dk1">
+              <a:shade val="50000"/>
+            </a:schemeClr>
+          </a:lnRef>
+          <a:fillRef idx="1">
+            <a:schemeClr val="dk1"/>
+          </a:fillRef>
+          <a:effectRef idx="0">
+            <a:schemeClr val="dk1"/>
+          </a:effectRef>
+          <a:fontRef idx="minor">
+            <a:schemeClr val="lt1"/>
+          </a:fontRef>
+        </p:style>
+        <p:txBody>
+          <a:bodyPr rtlCol="0" anchor="ctr"/>
+          <a:lstStyle/>
+          <a:p>
+            <a:pPr algn="ctr"/>
+            <a:endParaRPr lang="en-US" dirty="0">
+              <a:solidFill>
+                <a:schemeClr val="bg1"/>
+              </a:solidFill>
+              <a:latin typeface="Consolas" panose="020B0609020204030204" pitchFamily="49" charset="0"/>
+            </a:endParaRPr>
+          </a:p>
+        </p:txBody>
+      </p:sp>
+      <p:sp>
+        <p:nvSpPr>
+          <p:cNvPr id="13" name="Left Arrow 12"/>
+          <p:cNvSpPr/>
+          <p:nvPr/>
+        </p:nvSpPr>
+        <p:spPr>
+          <a:xfrm>
+            <a:off x="8243947" y="2558895"/>
+            <a:ext cx="1500834" cy="577780"/>
+          </a:xfrm>
+          <a:prstGeom prst="leftArrow">
+            <a:avLst/>
+          </a:prstGeom>
+        </p:spPr>
+        <p:style>
+          <a:lnRef idx="2">
+            <a:schemeClr val="dk1">
+              <a:shade val="50000"/>
+            </a:schemeClr>
+          </a:lnRef>
+          <a:fillRef idx="1">
+            <a:schemeClr val="dk1"/>
+          </a:fillRef>
+          <a:effectRef idx="0">
+            <a:schemeClr val="dk1"/>
+          </a:effectRef>
+          <a:fontRef idx="minor">
+            <a:schemeClr val="lt1"/>
+          </a:fontRef>
+        </p:style>
+        <p:txBody>
+          <a:bodyPr rtlCol="0" anchor="ctr"/>
+          <a:lstStyle/>
+          <a:p>
+            <a:pPr algn="ctr"/>
+            <a:r>
+              <a:rPr lang="en-US" dirty="0" err="1">
+                <a:solidFill>
+                  <a:schemeClr val="bg1"/>
+                </a:solidFill>
+                <a:latin typeface="Consolas" panose="020B0609020204030204" pitchFamily="49" charset="0"/>
+              </a:rPr>
+              <a:t>g</a:t>
+            </a:r>
+            <a:r>
+              <a:rPr lang="en-US" dirty="0" err="1" smtClean="0">
+                <a:solidFill>
+                  <a:schemeClr val="bg1"/>
+                </a:solidFill>
+                <a:latin typeface="Consolas" panose="020B0609020204030204" pitchFamily="49" charset="0"/>
+              </a:rPr>
+              <a:t>it</a:t>
+            </a:r>
+            <a:r>
+              <a:rPr lang="en-US" dirty="0" smtClean="0">
+                <a:solidFill>
+                  <a:schemeClr val="bg1"/>
+                </a:solidFill>
+                <a:latin typeface="Consolas" panose="020B0609020204030204" pitchFamily="49" charset="0"/>
+              </a:rPr>
+              <a:t> fetch</a:t>
+            </a:r>
+            <a:endParaRPr lang="en-US" dirty="0">
+              <a:solidFill>
+                <a:schemeClr val="bg1"/>
+              </a:solidFill>
+              <a:latin typeface="Consolas" panose="020B0609020204030204" pitchFamily="49" charset="0"/>
+            </a:endParaRPr>
+          </a:p>
+        </p:txBody>
+      </p:sp>
+      <p:sp>
+        <p:nvSpPr>
+          <p:cNvPr id="14" name="Left Arrow 13"/>
+          <p:cNvSpPr/>
+          <p:nvPr/>
+        </p:nvSpPr>
+        <p:spPr>
+          <a:xfrm>
+            <a:off x="2505556" y="4335867"/>
+            <a:ext cx="4323470" cy="577780"/>
+          </a:xfrm>
+          <a:prstGeom prst="leftArrow">
+            <a:avLst/>
+          </a:prstGeom>
+        </p:spPr>
+        <p:style>
+          <a:lnRef idx="2">
+            <a:schemeClr val="dk1">
+              <a:shade val="50000"/>
+            </a:schemeClr>
+          </a:lnRef>
+          <a:fillRef idx="1">
+            <a:schemeClr val="dk1"/>
+          </a:fillRef>
+          <a:effectRef idx="0">
+            <a:schemeClr val="dk1"/>
+          </a:effectRef>
+          <a:fontRef idx="minor">
+            <a:schemeClr val="lt1"/>
+          </a:fontRef>
+        </p:style>
+        <p:txBody>
+          <a:bodyPr rtlCol="0" anchor="ctr"/>
+          <a:lstStyle/>
+          <a:p>
+            <a:pPr algn="ctr"/>
+            <a:r>
+              <a:rPr lang="en-US" dirty="0" err="1">
+                <a:solidFill>
+                  <a:schemeClr val="bg1"/>
+                </a:solidFill>
+                <a:latin typeface="Consolas" panose="020B0609020204030204" pitchFamily="49" charset="0"/>
+              </a:rPr>
+              <a:t>g</a:t>
+            </a:r>
+            <a:r>
+              <a:rPr lang="en-US" dirty="0" err="1" smtClean="0">
+                <a:solidFill>
+                  <a:schemeClr val="bg1"/>
+                </a:solidFill>
+                <a:latin typeface="Consolas" panose="020B0609020204030204" pitchFamily="49" charset="0"/>
+              </a:rPr>
+              <a:t>it</a:t>
+            </a:r>
+            <a:r>
+              <a:rPr lang="en-US" dirty="0" smtClean="0">
+                <a:solidFill>
+                  <a:schemeClr val="bg1"/>
+                </a:solidFill>
+                <a:latin typeface="Consolas" panose="020B0609020204030204" pitchFamily="49" charset="0"/>
+              </a:rPr>
+              <a:t> checkout</a:t>
+            </a:r>
+            <a:endParaRPr lang="en-US" dirty="0">
+              <a:solidFill>
+                <a:schemeClr val="bg1"/>
+              </a:solidFill>
+              <a:latin typeface="Consolas" panose="020B0609020204030204" pitchFamily="49" charset="0"/>
+            </a:endParaRPr>
+          </a:p>
+        </p:txBody>
+      </p:sp>
+      <p:sp>
+        <p:nvSpPr>
+          <p:cNvPr id="16" name="Right Arrow 15"/>
+          <p:cNvSpPr/>
+          <p:nvPr/>
+        </p:nvSpPr>
+        <p:spPr>
+          <a:xfrm>
+            <a:off x="2505556" y="5163812"/>
+            <a:ext cx="1412769" cy="566475"/>
+          </a:xfrm>
+          <a:prstGeom prst="rightArrow">
+            <a:avLst/>
+          </a:prstGeom>
+        </p:spPr>
+        <p:style>
+          <a:lnRef idx="2">
+            <a:schemeClr val="dk1">
+              <a:shade val="50000"/>
+            </a:schemeClr>
+          </a:lnRef>
+          <a:fillRef idx="1">
+            <a:schemeClr val="dk1"/>
+          </a:fillRef>
+          <a:effectRef idx="0">
+            <a:schemeClr val="dk1"/>
+          </a:effectRef>
+          <a:fontRef idx="minor">
+            <a:schemeClr val="lt1"/>
+          </a:fontRef>
+        </p:style>
+        <p:txBody>
+          <a:bodyPr rtlCol="0" anchor="ctr"/>
+          <a:lstStyle/>
+          <a:p>
+            <a:pPr algn="ctr"/>
+            <a:r>
+              <a:rPr lang="en-US" dirty="0" err="1">
+                <a:solidFill>
+                  <a:schemeClr val="bg1"/>
+                </a:solidFill>
+                <a:latin typeface="Consolas" panose="020B0609020204030204" pitchFamily="49" charset="0"/>
+              </a:rPr>
+              <a:t>g</a:t>
+            </a:r>
+            <a:r>
+              <a:rPr lang="en-US" dirty="0" err="1" smtClean="0">
+                <a:solidFill>
+                  <a:schemeClr val="bg1"/>
+                </a:solidFill>
+                <a:latin typeface="Consolas" panose="020B0609020204030204" pitchFamily="49" charset="0"/>
+              </a:rPr>
+              <a:t>it</a:t>
+            </a:r>
+            <a:r>
+              <a:rPr lang="en-US" dirty="0" smtClean="0">
+                <a:solidFill>
+                  <a:schemeClr val="bg1"/>
+                </a:solidFill>
+                <a:latin typeface="Consolas" panose="020B0609020204030204" pitchFamily="49" charset="0"/>
+              </a:rPr>
+              <a:t> add</a:t>
+            </a:r>
+            <a:endParaRPr lang="en-US" dirty="0">
+              <a:solidFill>
+                <a:schemeClr val="bg1"/>
+              </a:solidFill>
+              <a:latin typeface="Consolas" panose="020B0609020204030204" pitchFamily="49" charset="0"/>
+            </a:endParaRPr>
+          </a:p>
+        </p:txBody>
+      </p:sp>
+      <p:sp>
+        <p:nvSpPr>
+          <p:cNvPr id="17" name="Right Arrow 16"/>
+          <p:cNvSpPr/>
+          <p:nvPr/>
+        </p:nvSpPr>
+        <p:spPr>
+          <a:xfrm>
+            <a:off x="5332965" y="5152507"/>
+            <a:ext cx="1499243" cy="577780"/>
+          </a:xfrm>
+          <a:prstGeom prst="rightArrow">
+            <a:avLst/>
+          </a:prstGeom>
+        </p:spPr>
+        <p:style>
+          <a:lnRef idx="2">
+            <a:schemeClr val="dk1">
+              <a:shade val="50000"/>
+            </a:schemeClr>
+          </a:lnRef>
+          <a:fillRef idx="1">
+            <a:schemeClr val="dk1"/>
+          </a:fillRef>
+          <a:effectRef idx="0">
+            <a:schemeClr val="dk1"/>
+          </a:effectRef>
+          <a:fontRef idx="minor">
+            <a:schemeClr val="lt1"/>
+          </a:fontRef>
+        </p:style>
+        <p:txBody>
+          <a:bodyPr rtlCol="0" anchor="ctr"/>
+          <a:lstStyle/>
+          <a:p>
+            <a:pPr algn="ctr"/>
+            <a:r>
+              <a:rPr lang="en-US" sz="1600" dirty="0" err="1">
+                <a:solidFill>
+                  <a:schemeClr val="bg1"/>
+                </a:solidFill>
+                <a:latin typeface="Consolas" panose="020B0609020204030204" pitchFamily="49" charset="0"/>
+              </a:rPr>
+              <a:t>g</a:t>
+            </a:r>
+            <a:r>
+              <a:rPr lang="en-US" sz="1600" dirty="0" err="1" smtClean="0">
+                <a:solidFill>
+                  <a:schemeClr val="bg1"/>
+                </a:solidFill>
+                <a:latin typeface="Consolas" panose="020B0609020204030204" pitchFamily="49" charset="0"/>
+              </a:rPr>
+              <a:t>it</a:t>
+            </a:r>
+            <a:r>
+              <a:rPr lang="en-US" sz="1600" dirty="0" smtClean="0">
+                <a:solidFill>
+                  <a:schemeClr val="bg1"/>
+                </a:solidFill>
+                <a:latin typeface="Consolas" panose="020B0609020204030204" pitchFamily="49" charset="0"/>
+              </a:rPr>
+              <a:t> commit</a:t>
+            </a:r>
+            <a:endParaRPr lang="en-US" sz="1600" dirty="0">
+              <a:solidFill>
+                <a:schemeClr val="bg1"/>
+              </a:solidFill>
+              <a:latin typeface="Consolas" panose="020B0609020204030204" pitchFamily="49" charset="0"/>
+            </a:endParaRPr>
+          </a:p>
+        </p:txBody>
+      </p:sp>
+      <p:sp>
+        <p:nvSpPr>
+          <p:cNvPr id="18" name="Right Arrow 17"/>
+          <p:cNvSpPr/>
+          <p:nvPr/>
+        </p:nvSpPr>
+        <p:spPr>
+          <a:xfrm>
+            <a:off x="8242731" y="5152507"/>
+            <a:ext cx="1499243" cy="577780"/>
+          </a:xfrm>
+          <a:prstGeom prst="rightArrow">
+            <a:avLst/>
+          </a:prstGeom>
+        </p:spPr>
+        <p:style>
+          <a:lnRef idx="2">
+            <a:schemeClr val="dk1">
+              <a:shade val="50000"/>
+            </a:schemeClr>
+          </a:lnRef>
+          <a:fillRef idx="1">
+            <a:schemeClr val="dk1"/>
+          </a:fillRef>
+          <a:effectRef idx="0">
+            <a:schemeClr val="dk1"/>
+          </a:effectRef>
+          <a:fontRef idx="minor">
+            <a:schemeClr val="lt1"/>
+          </a:fontRef>
+        </p:style>
+        <p:txBody>
+          <a:bodyPr rtlCol="0" anchor="ctr"/>
+          <a:lstStyle/>
+          <a:p>
+            <a:pPr algn="ctr"/>
+            <a:r>
+              <a:rPr lang="en-US" sz="1600" dirty="0" err="1">
+                <a:solidFill>
+                  <a:schemeClr val="bg1"/>
+                </a:solidFill>
+                <a:latin typeface="Consolas" panose="020B0609020204030204" pitchFamily="49" charset="0"/>
+              </a:rPr>
+              <a:t>g</a:t>
+            </a:r>
+            <a:r>
+              <a:rPr lang="en-US" sz="1600" dirty="0" err="1" smtClean="0">
+                <a:solidFill>
+                  <a:schemeClr val="bg1"/>
+                </a:solidFill>
+                <a:latin typeface="Consolas" panose="020B0609020204030204" pitchFamily="49" charset="0"/>
+              </a:rPr>
+              <a:t>it</a:t>
+            </a:r>
+            <a:r>
+              <a:rPr lang="en-US" sz="1600" dirty="0" smtClean="0">
+                <a:solidFill>
+                  <a:schemeClr val="bg1"/>
+                </a:solidFill>
+                <a:latin typeface="Consolas" panose="020B0609020204030204" pitchFamily="49" charset="0"/>
+              </a:rPr>
+              <a:t> push</a:t>
+            </a:r>
+            <a:endParaRPr lang="en-US" sz="1600" dirty="0">
+              <a:solidFill>
+                <a:schemeClr val="bg1"/>
+              </a:solidFill>
+              <a:latin typeface="Consolas" panose="020B0609020204030204" pitchFamily="49" charset="0"/>
+            </a:endParaRPr>
+          </a:p>
+        </p:txBody>
+      </p:sp>
     </p:spTree>
     <p:extLst>
       <p:ext uri="{BB962C8B-B14F-4D97-AF65-F5344CB8AC3E}">
-        <p14:creationId xmlns:p14="http://schemas.microsoft.com/office/powerpoint/2010/main" val="2247103271"/>
+        <p14:creationId xmlns:p14="http://schemas.microsoft.com/office/powerpoint/2010/main" val="4066547060"/>
       </p:ext>
     </p:extLst>
   </p:cSld>
@@ -7582,542 +7949,40 @@
           <a:p>
             <a:r>
               <a:rPr lang="en-US" dirty="0" smtClean="0"/>
-              <a:t>Stashing and Popping</a:t>
+              <a:t>Stash</a:t>
             </a:r>
             <a:endParaRPr lang="en-US" dirty="0"/>
           </a:p>
         </p:txBody>
       </p:sp>
-      <p:sp>
-        <p:nvSpPr>
-          <p:cNvPr id="6" name="Rectangle 5"/>
-          <p:cNvSpPr/>
+      <p:pic>
+        <p:nvPicPr>
+          <p:cNvPr id="3" name="Picture 2"/>
+          <p:cNvPicPr>
+            <a:picLocks noChangeAspect="1"/>
+          </p:cNvPicPr>
           <p:nvPr/>
-        </p:nvSpPr>
-        <p:spPr>
-          <a:xfrm>
-            <a:off x="1097279" y="1926772"/>
-            <a:ext cx="1411459" cy="1695659"/>
+        </p:nvPicPr>
+        <p:blipFill>
+          <a:blip r:embed="rId2"/>
+          <a:stretch>
+            <a:fillRect/>
+          </a:stretch>
+        </p:blipFill>
+        <p:spPr>
+          <a:xfrm>
+            <a:off x="3401597" y="1905366"/>
+            <a:ext cx="5449765" cy="3654137"/>
           </a:xfrm>
           <a:prstGeom prst="rect">
             <a:avLst/>
           </a:prstGeom>
-          <a:noFill/>
-          <a:ln w="9525" cap="flat" cmpd="sng" algn="ctr">
-            <a:solidFill>
-              <a:schemeClr val="accent1"/>
-            </a:solidFill>
-            <a:prstDash val="solid"/>
-            <a:round/>
-            <a:headEnd type="none" w="med" len="med"/>
-            <a:tailEnd type="none" w="med" len="med"/>
-          </a:ln>
-        </p:spPr>
-        <p:style>
-          <a:lnRef idx="0">
-            <a:scrgbClr r="0" g="0" b="0"/>
-          </a:lnRef>
-          <a:fillRef idx="0">
-            <a:scrgbClr r="0" g="0" b="0"/>
-          </a:fillRef>
-          <a:effectRef idx="0">
-            <a:scrgbClr r="0" g="0" b="0"/>
-          </a:effectRef>
-          <a:fontRef idx="minor">
-            <a:schemeClr val="accent1"/>
-          </a:fontRef>
-        </p:style>
-        <p:txBody>
-          <a:bodyPr rtlCol="0" anchor="ctr"/>
-          <a:lstStyle/>
-          <a:p>
-            <a:pPr algn="ctr"/>
-            <a:r>
-              <a:rPr lang="en-US" dirty="0" smtClean="0">
-                <a:solidFill>
-                  <a:schemeClr val="tx1"/>
-                </a:solidFill>
-              </a:rPr>
-              <a:t>Working</a:t>
-            </a:r>
-            <a:r>
-              <a:rPr lang="en-US" dirty="0" smtClean="0"/>
-              <a:t> </a:t>
-            </a:r>
-            <a:r>
-              <a:rPr lang="en-US" dirty="0" smtClean="0">
-                <a:solidFill>
-                  <a:schemeClr val="tx1"/>
-                </a:solidFill>
-              </a:rPr>
-              <a:t>Directory</a:t>
-            </a:r>
-          </a:p>
-          <a:p>
-            <a:pPr algn="ctr"/>
-            <a:r>
-              <a:rPr lang="en-US" dirty="0" smtClean="0">
-                <a:solidFill>
-                  <a:schemeClr val="tx1"/>
-                </a:solidFill>
-              </a:rPr>
-              <a:t>(the folder with all your files)</a:t>
-            </a:r>
-            <a:endParaRPr lang="en-US" dirty="0">
-              <a:solidFill>
-                <a:schemeClr val="tx1"/>
-              </a:solidFill>
-            </a:endParaRPr>
-          </a:p>
-        </p:txBody>
-      </p:sp>
-      <p:sp>
-        <p:nvSpPr>
-          <p:cNvPr id="8" name="Rectangle 7"/>
-          <p:cNvSpPr/>
-          <p:nvPr/>
-        </p:nvSpPr>
-        <p:spPr>
-          <a:xfrm>
-            <a:off x="3921507" y="1923422"/>
-            <a:ext cx="1411458" cy="4229100"/>
-          </a:xfrm>
-          <a:prstGeom prst="rect">
-            <a:avLst/>
-          </a:prstGeom>
-          <a:solidFill>
-            <a:schemeClr val="accent1">
-              <a:alpha val="50000"/>
-            </a:schemeClr>
-          </a:solidFill>
-          <a:ln>
-            <a:noFill/>
-          </a:ln>
-        </p:spPr>
-        <p:style>
-          <a:lnRef idx="0">
-            <a:scrgbClr r="0" g="0" b="0"/>
-          </a:lnRef>
-          <a:fillRef idx="0">
-            <a:scrgbClr r="0" g="0" b="0"/>
-          </a:fillRef>
-          <a:effectRef idx="0">
-            <a:scrgbClr r="0" g="0" b="0"/>
-          </a:effectRef>
-          <a:fontRef idx="minor">
-            <a:schemeClr val="lt1"/>
-          </a:fontRef>
-        </p:style>
-        <p:txBody>
-          <a:bodyPr rtlCol="0" anchor="ctr"/>
-          <a:lstStyle/>
-          <a:p>
-            <a:pPr algn="ctr"/>
-            <a:r>
-              <a:rPr lang="en-US" dirty="0" smtClean="0">
-                <a:solidFill>
-                  <a:schemeClr val="tx1"/>
-                </a:solidFill>
-              </a:rPr>
-              <a:t>Staging Area</a:t>
-            </a:r>
-            <a:endParaRPr lang="en-US" dirty="0">
-              <a:solidFill>
-                <a:schemeClr val="tx1"/>
-              </a:solidFill>
-            </a:endParaRPr>
-          </a:p>
-        </p:txBody>
-      </p:sp>
-      <p:sp>
-        <p:nvSpPr>
-          <p:cNvPr id="9" name="Rectangle 8"/>
-          <p:cNvSpPr/>
-          <p:nvPr/>
-        </p:nvSpPr>
-        <p:spPr>
-          <a:xfrm>
-            <a:off x="6832208" y="1923422"/>
-            <a:ext cx="1413330" cy="4229100"/>
-          </a:xfrm>
-          <a:prstGeom prst="rect">
-            <a:avLst/>
-          </a:prstGeom>
-        </p:spPr>
-        <p:style>
-          <a:lnRef idx="2">
-            <a:schemeClr val="accent1">
-              <a:shade val="50000"/>
-            </a:schemeClr>
-          </a:lnRef>
-          <a:fillRef idx="1">
-            <a:schemeClr val="accent1"/>
-          </a:fillRef>
-          <a:effectRef idx="0">
-            <a:schemeClr val="accent1"/>
-          </a:effectRef>
-          <a:fontRef idx="minor">
-            <a:schemeClr val="lt1"/>
-          </a:fontRef>
-        </p:style>
-        <p:txBody>
-          <a:bodyPr rtlCol="0" anchor="ctr"/>
-          <a:lstStyle/>
-          <a:p>
-            <a:pPr algn="ctr"/>
-            <a:r>
-              <a:rPr lang="en-US" dirty="0" smtClean="0">
-                <a:solidFill>
-                  <a:schemeClr val="tx1"/>
-                </a:solidFill>
-              </a:rPr>
-              <a:t>Local</a:t>
-            </a:r>
-          </a:p>
-          <a:p>
-            <a:pPr algn="ctr"/>
-            <a:r>
-              <a:rPr lang="en-US" dirty="0" smtClean="0">
-                <a:solidFill>
-                  <a:schemeClr val="tx1"/>
-                </a:solidFill>
-              </a:rPr>
-              <a:t>Repository</a:t>
-            </a:r>
-          </a:p>
-          <a:p>
-            <a:pPr algn="ctr"/>
-            <a:r>
-              <a:rPr lang="en-US" dirty="0" smtClean="0">
-                <a:solidFill>
-                  <a:schemeClr val="tx1"/>
-                </a:solidFill>
-              </a:rPr>
-              <a:t>(.</a:t>
-            </a:r>
-            <a:r>
-              <a:rPr lang="en-US" dirty="0" err="1" smtClean="0">
-                <a:solidFill>
-                  <a:schemeClr val="tx1"/>
-                </a:solidFill>
-              </a:rPr>
-              <a:t>git</a:t>
-            </a:r>
-            <a:r>
-              <a:rPr lang="en-US" dirty="0" smtClean="0">
-                <a:solidFill>
-                  <a:schemeClr val="tx1"/>
-                </a:solidFill>
-              </a:rPr>
-              <a:t> folder)</a:t>
-            </a:r>
-            <a:endParaRPr lang="en-US" dirty="0">
-              <a:solidFill>
-                <a:schemeClr val="tx1"/>
-              </a:solidFill>
-            </a:endParaRPr>
-          </a:p>
-        </p:txBody>
-      </p:sp>
-      <p:sp>
-        <p:nvSpPr>
-          <p:cNvPr id="10" name="Rectangle 9"/>
-          <p:cNvSpPr/>
-          <p:nvPr/>
-        </p:nvSpPr>
-        <p:spPr>
-          <a:xfrm>
-            <a:off x="9744781" y="1926771"/>
-            <a:ext cx="1410899" cy="4229100"/>
-          </a:xfrm>
-          <a:prstGeom prst="rect">
-            <a:avLst/>
-          </a:prstGeom>
-        </p:spPr>
-        <p:style>
-          <a:lnRef idx="2">
-            <a:schemeClr val="accent2">
-              <a:shade val="50000"/>
-            </a:schemeClr>
-          </a:lnRef>
-          <a:fillRef idx="1">
-            <a:schemeClr val="accent2"/>
-          </a:fillRef>
-          <a:effectRef idx="0">
-            <a:schemeClr val="accent2"/>
-          </a:effectRef>
-          <a:fontRef idx="minor">
-            <a:schemeClr val="lt1"/>
-          </a:fontRef>
-        </p:style>
-        <p:txBody>
-          <a:bodyPr rtlCol="0" anchor="ctr"/>
-          <a:lstStyle/>
-          <a:p>
-            <a:pPr algn="ctr"/>
-            <a:r>
-              <a:rPr lang="en-US" dirty="0" smtClean="0">
-                <a:solidFill>
-                  <a:schemeClr val="bg1"/>
-                </a:solidFill>
-              </a:rPr>
-              <a:t>Remote Repository</a:t>
-            </a:r>
-          </a:p>
-          <a:p>
-            <a:pPr algn="ctr"/>
-            <a:r>
-              <a:rPr lang="en-US" dirty="0" smtClean="0">
-                <a:solidFill>
-                  <a:schemeClr val="bg1"/>
-                </a:solidFill>
-              </a:rPr>
-              <a:t>(GitHub)</a:t>
-            </a:r>
-            <a:endParaRPr lang="en-US" dirty="0">
-              <a:solidFill>
-                <a:schemeClr val="bg1"/>
-              </a:solidFill>
-            </a:endParaRPr>
-          </a:p>
-        </p:txBody>
-      </p:sp>
-      <p:sp>
-        <p:nvSpPr>
-          <p:cNvPr id="19" name="Rectangle 18"/>
-          <p:cNvSpPr/>
-          <p:nvPr/>
-        </p:nvSpPr>
-        <p:spPr>
-          <a:xfrm>
-            <a:off x="1097279" y="4456863"/>
-            <a:ext cx="1411459" cy="1695659"/>
-          </a:xfrm>
-          <a:prstGeom prst="rect">
-            <a:avLst/>
-          </a:prstGeom>
-          <a:noFill/>
-          <a:ln w="9525" cap="flat" cmpd="sng" algn="ctr">
-            <a:solidFill>
-              <a:schemeClr val="accent1"/>
-            </a:solidFill>
-            <a:prstDash val="sysDot"/>
-            <a:round/>
-            <a:headEnd type="none" w="med" len="med"/>
-            <a:tailEnd type="none" w="med" len="med"/>
-          </a:ln>
-        </p:spPr>
-        <p:style>
-          <a:lnRef idx="0">
-            <a:scrgbClr r="0" g="0" b="0"/>
-          </a:lnRef>
-          <a:fillRef idx="0">
-            <a:scrgbClr r="0" g="0" b="0"/>
-          </a:fillRef>
-          <a:effectRef idx="0">
-            <a:scrgbClr r="0" g="0" b="0"/>
-          </a:effectRef>
-          <a:fontRef idx="minor">
-            <a:schemeClr val="accent1"/>
-          </a:fontRef>
-        </p:style>
-        <p:txBody>
-          <a:bodyPr rtlCol="0" anchor="ctr"/>
-          <a:lstStyle/>
-          <a:p>
-            <a:pPr algn="ctr"/>
-            <a:r>
-              <a:rPr lang="en-US" dirty="0" smtClean="0">
-                <a:solidFill>
-                  <a:schemeClr val="tx1"/>
-                </a:solidFill>
-              </a:rPr>
-              <a:t>Temporary Stash</a:t>
-            </a:r>
-            <a:endParaRPr lang="en-US" dirty="0">
-              <a:solidFill>
-                <a:schemeClr val="tx1"/>
-              </a:solidFill>
-            </a:endParaRPr>
-          </a:p>
-        </p:txBody>
-      </p:sp>
-      <p:sp>
-        <p:nvSpPr>
-          <p:cNvPr id="3" name="Down Arrow 2"/>
-          <p:cNvSpPr/>
-          <p:nvPr/>
-        </p:nvSpPr>
-        <p:spPr>
-          <a:xfrm>
-            <a:off x="1360499" y="3622431"/>
-            <a:ext cx="452787" cy="834432"/>
-          </a:xfrm>
-          <a:prstGeom prst="downArrow">
-            <a:avLst/>
-          </a:prstGeom>
-          <a:solidFill>
-            <a:schemeClr val="tx1"/>
-          </a:solidFill>
-          <a:ln>
-            <a:solidFill>
-              <a:schemeClr val="tx1"/>
-            </a:solidFill>
-          </a:ln>
-        </p:spPr>
-        <p:style>
-          <a:lnRef idx="2">
-            <a:schemeClr val="accent1">
-              <a:shade val="50000"/>
-            </a:schemeClr>
-          </a:lnRef>
-          <a:fillRef idx="1">
-            <a:schemeClr val="accent1"/>
-          </a:fillRef>
-          <a:effectRef idx="0">
-            <a:schemeClr val="accent1"/>
-          </a:effectRef>
-          <a:fontRef idx="minor">
-            <a:schemeClr val="lt1"/>
-          </a:fontRef>
-        </p:style>
-        <p:txBody>
-          <a:bodyPr rtlCol="0" anchor="ctr"/>
-          <a:lstStyle/>
-          <a:p>
-            <a:pPr algn="ctr"/>
-            <a:endParaRPr lang="en-US"/>
-          </a:p>
-        </p:txBody>
-      </p:sp>
-      <p:sp>
-        <p:nvSpPr>
-          <p:cNvPr id="4" name="Up Arrow 3"/>
-          <p:cNvSpPr/>
-          <p:nvPr/>
-        </p:nvSpPr>
-        <p:spPr>
-          <a:xfrm>
-            <a:off x="1849336" y="3622431"/>
-            <a:ext cx="471820" cy="834432"/>
-          </a:xfrm>
-          <a:prstGeom prst="upArrow">
-            <a:avLst/>
-          </a:prstGeom>
-          <a:solidFill>
-            <a:schemeClr val="tx1"/>
-          </a:solidFill>
-          <a:ln>
-            <a:solidFill>
-              <a:schemeClr val="tx1"/>
-            </a:solidFill>
-          </a:ln>
-        </p:spPr>
-        <p:style>
-          <a:lnRef idx="2">
-            <a:schemeClr val="accent1">
-              <a:shade val="50000"/>
-            </a:schemeClr>
-          </a:lnRef>
-          <a:fillRef idx="1">
-            <a:schemeClr val="accent1"/>
-          </a:fillRef>
-          <a:effectRef idx="0">
-            <a:schemeClr val="accent1"/>
-          </a:effectRef>
-          <a:fontRef idx="minor">
-            <a:schemeClr val="lt1"/>
-          </a:fontRef>
-        </p:style>
-        <p:txBody>
-          <a:bodyPr rtlCol="0" anchor="ctr"/>
-          <a:lstStyle/>
-          <a:p>
-            <a:pPr algn="ctr"/>
-            <a:endParaRPr lang="en-US" dirty="0"/>
-          </a:p>
-        </p:txBody>
-      </p:sp>
-      <p:sp>
-        <p:nvSpPr>
-          <p:cNvPr id="5" name="TextBox 4"/>
-          <p:cNvSpPr txBox="1"/>
-          <p:nvPr/>
-        </p:nvSpPr>
-        <p:spPr>
-          <a:xfrm>
-            <a:off x="509546" y="3854981"/>
-            <a:ext cx="1002323" cy="369332"/>
-          </a:xfrm>
-          <a:prstGeom prst="rect">
-            <a:avLst/>
-          </a:prstGeom>
-          <a:noFill/>
-        </p:spPr>
-        <p:txBody>
-          <a:bodyPr wrap="square" rtlCol="0">
-            <a:spAutoFit/>
-          </a:bodyPr>
-          <a:lstStyle/>
-          <a:p>
-            <a:r>
-              <a:rPr lang="en-US" dirty="0" err="1"/>
-              <a:t>g</a:t>
-            </a:r>
-            <a:r>
-              <a:rPr lang="en-US" dirty="0" err="1" smtClean="0"/>
-              <a:t>it</a:t>
-            </a:r>
-            <a:r>
-              <a:rPr lang="en-US" dirty="0" smtClean="0"/>
-              <a:t> stash</a:t>
-            </a:r>
-            <a:endParaRPr lang="en-US" dirty="0"/>
-          </a:p>
-        </p:txBody>
-      </p:sp>
-      <p:sp>
-        <p:nvSpPr>
-          <p:cNvPr id="21" name="TextBox 20"/>
-          <p:cNvSpPr txBox="1"/>
-          <p:nvPr/>
-        </p:nvSpPr>
-        <p:spPr>
-          <a:xfrm>
-            <a:off x="2217685" y="3854981"/>
-            <a:ext cx="1392498" cy="369332"/>
-          </a:xfrm>
-          <a:prstGeom prst="rect">
-            <a:avLst/>
-          </a:prstGeom>
-          <a:noFill/>
-        </p:spPr>
-        <p:txBody>
-          <a:bodyPr wrap="square" rtlCol="0">
-            <a:spAutoFit/>
-          </a:bodyPr>
-          <a:lstStyle/>
-          <a:p>
-            <a:r>
-              <a:rPr lang="en-US" dirty="0" err="1"/>
-              <a:t>g</a:t>
-            </a:r>
-            <a:r>
-              <a:rPr lang="en-US" dirty="0" err="1" smtClean="0"/>
-              <a:t>it</a:t>
-            </a:r>
-            <a:r>
-              <a:rPr lang="en-US" dirty="0" smtClean="0"/>
-              <a:t> stash pop</a:t>
-            </a:r>
-            <a:endParaRPr lang="en-US" dirty="0"/>
-          </a:p>
-        </p:txBody>
-      </p:sp>
+        </p:spPr>
+      </p:pic>
     </p:spTree>
     <p:extLst>
       <p:ext uri="{BB962C8B-B14F-4D97-AF65-F5344CB8AC3E}">
-        <p14:creationId xmlns:p14="http://schemas.microsoft.com/office/powerpoint/2010/main" val="126223497"/>
+        <p14:creationId xmlns:p14="http://schemas.microsoft.com/office/powerpoint/2010/main" val="2247103271"/>
       </p:ext>
     </p:extLst>
   </p:cSld>
@@ -8168,46 +8033,542 @@
           <a:p>
             <a:r>
               <a:rPr lang="en-US" dirty="0" smtClean="0"/>
-              <a:t>Branches</a:t>
+              <a:t>Stashing and Popping</a:t>
             </a:r>
             <a:endParaRPr lang="en-US" dirty="0"/>
           </a:p>
         </p:txBody>
       </p:sp>
-      <p:pic>
-        <p:nvPicPr>
-          <p:cNvPr id="9" name="Picture 8"/>
-          <p:cNvPicPr>
-            <a:picLocks noChangeAspect="1"/>
-          </p:cNvPicPr>
+      <p:sp>
+        <p:nvSpPr>
+          <p:cNvPr id="6" name="Rectangle 5"/>
+          <p:cNvSpPr/>
           <p:nvPr/>
-        </p:nvPicPr>
-        <p:blipFill>
-          <a:blip r:embed="rId2">
-            <a:extLst>
-              <a:ext uri="{28A0092B-C50C-407E-A947-70E740481C1C}">
-                <a14:useLocalDpi xmlns:a14="http://schemas.microsoft.com/office/drawing/2010/main" val="0"/>
-              </a:ext>
-            </a:extLst>
-          </a:blip>
-          <a:stretch>
-            <a:fillRect/>
-          </a:stretch>
-        </p:blipFill>
-        <p:spPr>
-          <a:xfrm>
-            <a:off x="2177935" y="2211266"/>
-            <a:ext cx="6429375" cy="3314700"/>
+        </p:nvSpPr>
+        <p:spPr>
+          <a:xfrm>
+            <a:off x="1097279" y="1926772"/>
+            <a:ext cx="1411459" cy="1695659"/>
           </a:xfrm>
           <a:prstGeom prst="rect">
             <a:avLst/>
           </a:prstGeom>
-        </p:spPr>
-      </p:pic>
+          <a:noFill/>
+          <a:ln w="9525" cap="flat" cmpd="sng" algn="ctr">
+            <a:solidFill>
+              <a:schemeClr val="accent1"/>
+            </a:solidFill>
+            <a:prstDash val="solid"/>
+            <a:round/>
+            <a:headEnd type="none" w="med" len="med"/>
+            <a:tailEnd type="none" w="med" len="med"/>
+          </a:ln>
+        </p:spPr>
+        <p:style>
+          <a:lnRef idx="0">
+            <a:scrgbClr r="0" g="0" b="0"/>
+          </a:lnRef>
+          <a:fillRef idx="0">
+            <a:scrgbClr r="0" g="0" b="0"/>
+          </a:fillRef>
+          <a:effectRef idx="0">
+            <a:scrgbClr r="0" g="0" b="0"/>
+          </a:effectRef>
+          <a:fontRef idx="minor">
+            <a:schemeClr val="accent1"/>
+          </a:fontRef>
+        </p:style>
+        <p:txBody>
+          <a:bodyPr rtlCol="0" anchor="ctr"/>
+          <a:lstStyle/>
+          <a:p>
+            <a:pPr algn="ctr"/>
+            <a:r>
+              <a:rPr lang="en-US" dirty="0" smtClean="0">
+                <a:solidFill>
+                  <a:schemeClr val="tx1"/>
+                </a:solidFill>
+              </a:rPr>
+              <a:t>Working</a:t>
+            </a:r>
+            <a:r>
+              <a:rPr lang="en-US" dirty="0" smtClean="0"/>
+              <a:t> </a:t>
+            </a:r>
+            <a:r>
+              <a:rPr lang="en-US" dirty="0" smtClean="0">
+                <a:solidFill>
+                  <a:schemeClr val="tx1"/>
+                </a:solidFill>
+              </a:rPr>
+              <a:t>Directory</a:t>
+            </a:r>
+          </a:p>
+          <a:p>
+            <a:pPr algn="ctr"/>
+            <a:r>
+              <a:rPr lang="en-US" dirty="0" smtClean="0">
+                <a:solidFill>
+                  <a:schemeClr val="tx1"/>
+                </a:solidFill>
+              </a:rPr>
+              <a:t>(the folder with all your files)</a:t>
+            </a:r>
+            <a:endParaRPr lang="en-US" dirty="0">
+              <a:solidFill>
+                <a:schemeClr val="tx1"/>
+              </a:solidFill>
+            </a:endParaRPr>
+          </a:p>
+        </p:txBody>
+      </p:sp>
+      <p:sp>
+        <p:nvSpPr>
+          <p:cNvPr id="8" name="Rectangle 7"/>
+          <p:cNvSpPr/>
+          <p:nvPr/>
+        </p:nvSpPr>
+        <p:spPr>
+          <a:xfrm>
+            <a:off x="3921507" y="1923422"/>
+            <a:ext cx="1411458" cy="4229100"/>
+          </a:xfrm>
+          <a:prstGeom prst="rect">
+            <a:avLst/>
+          </a:prstGeom>
+          <a:solidFill>
+            <a:schemeClr val="accent1">
+              <a:alpha val="50000"/>
+            </a:schemeClr>
+          </a:solidFill>
+          <a:ln>
+            <a:noFill/>
+          </a:ln>
+        </p:spPr>
+        <p:style>
+          <a:lnRef idx="0">
+            <a:scrgbClr r="0" g="0" b="0"/>
+          </a:lnRef>
+          <a:fillRef idx="0">
+            <a:scrgbClr r="0" g="0" b="0"/>
+          </a:fillRef>
+          <a:effectRef idx="0">
+            <a:scrgbClr r="0" g="0" b="0"/>
+          </a:effectRef>
+          <a:fontRef idx="minor">
+            <a:schemeClr val="lt1"/>
+          </a:fontRef>
+        </p:style>
+        <p:txBody>
+          <a:bodyPr rtlCol="0" anchor="ctr"/>
+          <a:lstStyle/>
+          <a:p>
+            <a:pPr algn="ctr"/>
+            <a:r>
+              <a:rPr lang="en-US" dirty="0" smtClean="0">
+                <a:solidFill>
+                  <a:schemeClr val="tx1"/>
+                </a:solidFill>
+              </a:rPr>
+              <a:t>Staging Area</a:t>
+            </a:r>
+            <a:endParaRPr lang="en-US" dirty="0">
+              <a:solidFill>
+                <a:schemeClr val="tx1"/>
+              </a:solidFill>
+            </a:endParaRPr>
+          </a:p>
+        </p:txBody>
+      </p:sp>
+      <p:sp>
+        <p:nvSpPr>
+          <p:cNvPr id="9" name="Rectangle 8"/>
+          <p:cNvSpPr/>
+          <p:nvPr/>
+        </p:nvSpPr>
+        <p:spPr>
+          <a:xfrm>
+            <a:off x="6832208" y="1923422"/>
+            <a:ext cx="1413330" cy="4229100"/>
+          </a:xfrm>
+          <a:prstGeom prst="rect">
+            <a:avLst/>
+          </a:prstGeom>
+        </p:spPr>
+        <p:style>
+          <a:lnRef idx="2">
+            <a:schemeClr val="accent1">
+              <a:shade val="50000"/>
+            </a:schemeClr>
+          </a:lnRef>
+          <a:fillRef idx="1">
+            <a:schemeClr val="accent1"/>
+          </a:fillRef>
+          <a:effectRef idx="0">
+            <a:schemeClr val="accent1"/>
+          </a:effectRef>
+          <a:fontRef idx="minor">
+            <a:schemeClr val="lt1"/>
+          </a:fontRef>
+        </p:style>
+        <p:txBody>
+          <a:bodyPr rtlCol="0" anchor="ctr"/>
+          <a:lstStyle/>
+          <a:p>
+            <a:pPr algn="ctr"/>
+            <a:r>
+              <a:rPr lang="en-US" dirty="0" smtClean="0">
+                <a:solidFill>
+                  <a:schemeClr val="tx1"/>
+                </a:solidFill>
+              </a:rPr>
+              <a:t>Local</a:t>
+            </a:r>
+          </a:p>
+          <a:p>
+            <a:pPr algn="ctr"/>
+            <a:r>
+              <a:rPr lang="en-US" dirty="0" smtClean="0">
+                <a:solidFill>
+                  <a:schemeClr val="tx1"/>
+                </a:solidFill>
+              </a:rPr>
+              <a:t>Repository</a:t>
+            </a:r>
+          </a:p>
+          <a:p>
+            <a:pPr algn="ctr"/>
+            <a:r>
+              <a:rPr lang="en-US" dirty="0" smtClean="0">
+                <a:solidFill>
+                  <a:schemeClr val="tx1"/>
+                </a:solidFill>
+              </a:rPr>
+              <a:t>(.</a:t>
+            </a:r>
+            <a:r>
+              <a:rPr lang="en-US" dirty="0" err="1" smtClean="0">
+                <a:solidFill>
+                  <a:schemeClr val="tx1"/>
+                </a:solidFill>
+              </a:rPr>
+              <a:t>git</a:t>
+            </a:r>
+            <a:r>
+              <a:rPr lang="en-US" dirty="0" smtClean="0">
+                <a:solidFill>
+                  <a:schemeClr val="tx1"/>
+                </a:solidFill>
+              </a:rPr>
+              <a:t> folder)</a:t>
+            </a:r>
+            <a:endParaRPr lang="en-US" dirty="0">
+              <a:solidFill>
+                <a:schemeClr val="tx1"/>
+              </a:solidFill>
+            </a:endParaRPr>
+          </a:p>
+        </p:txBody>
+      </p:sp>
+      <p:sp>
+        <p:nvSpPr>
+          <p:cNvPr id="10" name="Rectangle 9"/>
+          <p:cNvSpPr/>
+          <p:nvPr/>
+        </p:nvSpPr>
+        <p:spPr>
+          <a:xfrm>
+            <a:off x="9744781" y="1926771"/>
+            <a:ext cx="1410899" cy="4229100"/>
+          </a:xfrm>
+          <a:prstGeom prst="rect">
+            <a:avLst/>
+          </a:prstGeom>
+        </p:spPr>
+        <p:style>
+          <a:lnRef idx="2">
+            <a:schemeClr val="accent2">
+              <a:shade val="50000"/>
+            </a:schemeClr>
+          </a:lnRef>
+          <a:fillRef idx="1">
+            <a:schemeClr val="accent2"/>
+          </a:fillRef>
+          <a:effectRef idx="0">
+            <a:schemeClr val="accent2"/>
+          </a:effectRef>
+          <a:fontRef idx="minor">
+            <a:schemeClr val="lt1"/>
+          </a:fontRef>
+        </p:style>
+        <p:txBody>
+          <a:bodyPr rtlCol="0" anchor="ctr"/>
+          <a:lstStyle/>
+          <a:p>
+            <a:pPr algn="ctr"/>
+            <a:r>
+              <a:rPr lang="en-US" dirty="0" smtClean="0">
+                <a:solidFill>
+                  <a:schemeClr val="bg1"/>
+                </a:solidFill>
+              </a:rPr>
+              <a:t>Remote Repository</a:t>
+            </a:r>
+          </a:p>
+          <a:p>
+            <a:pPr algn="ctr"/>
+            <a:r>
+              <a:rPr lang="en-US" dirty="0" smtClean="0">
+                <a:solidFill>
+                  <a:schemeClr val="bg1"/>
+                </a:solidFill>
+              </a:rPr>
+              <a:t>(GitHub)</a:t>
+            </a:r>
+            <a:endParaRPr lang="en-US" dirty="0">
+              <a:solidFill>
+                <a:schemeClr val="bg1"/>
+              </a:solidFill>
+            </a:endParaRPr>
+          </a:p>
+        </p:txBody>
+      </p:sp>
+      <p:sp>
+        <p:nvSpPr>
+          <p:cNvPr id="19" name="Rectangle 18"/>
+          <p:cNvSpPr/>
+          <p:nvPr/>
+        </p:nvSpPr>
+        <p:spPr>
+          <a:xfrm>
+            <a:off x="1097279" y="4456863"/>
+            <a:ext cx="1411459" cy="1695659"/>
+          </a:xfrm>
+          <a:prstGeom prst="rect">
+            <a:avLst/>
+          </a:prstGeom>
+          <a:noFill/>
+          <a:ln w="9525" cap="flat" cmpd="sng" algn="ctr">
+            <a:solidFill>
+              <a:schemeClr val="accent1"/>
+            </a:solidFill>
+            <a:prstDash val="sysDot"/>
+            <a:round/>
+            <a:headEnd type="none" w="med" len="med"/>
+            <a:tailEnd type="none" w="med" len="med"/>
+          </a:ln>
+        </p:spPr>
+        <p:style>
+          <a:lnRef idx="0">
+            <a:scrgbClr r="0" g="0" b="0"/>
+          </a:lnRef>
+          <a:fillRef idx="0">
+            <a:scrgbClr r="0" g="0" b="0"/>
+          </a:fillRef>
+          <a:effectRef idx="0">
+            <a:scrgbClr r="0" g="0" b="0"/>
+          </a:effectRef>
+          <a:fontRef idx="minor">
+            <a:schemeClr val="accent1"/>
+          </a:fontRef>
+        </p:style>
+        <p:txBody>
+          <a:bodyPr rtlCol="0" anchor="ctr"/>
+          <a:lstStyle/>
+          <a:p>
+            <a:pPr algn="ctr"/>
+            <a:r>
+              <a:rPr lang="en-US" dirty="0" smtClean="0">
+                <a:solidFill>
+                  <a:schemeClr val="tx1"/>
+                </a:solidFill>
+              </a:rPr>
+              <a:t>Temporary Stash</a:t>
+            </a:r>
+            <a:endParaRPr lang="en-US" dirty="0">
+              <a:solidFill>
+                <a:schemeClr val="tx1"/>
+              </a:solidFill>
+            </a:endParaRPr>
+          </a:p>
+        </p:txBody>
+      </p:sp>
+      <p:sp>
+        <p:nvSpPr>
+          <p:cNvPr id="3" name="Down Arrow 2"/>
+          <p:cNvSpPr/>
+          <p:nvPr/>
+        </p:nvSpPr>
+        <p:spPr>
+          <a:xfrm>
+            <a:off x="1360499" y="3622431"/>
+            <a:ext cx="452787" cy="834432"/>
+          </a:xfrm>
+          <a:prstGeom prst="downArrow">
+            <a:avLst/>
+          </a:prstGeom>
+          <a:solidFill>
+            <a:schemeClr val="tx1"/>
+          </a:solidFill>
+          <a:ln>
+            <a:solidFill>
+              <a:schemeClr val="tx1"/>
+            </a:solidFill>
+          </a:ln>
+        </p:spPr>
+        <p:style>
+          <a:lnRef idx="2">
+            <a:schemeClr val="accent1">
+              <a:shade val="50000"/>
+            </a:schemeClr>
+          </a:lnRef>
+          <a:fillRef idx="1">
+            <a:schemeClr val="accent1"/>
+          </a:fillRef>
+          <a:effectRef idx="0">
+            <a:schemeClr val="accent1"/>
+          </a:effectRef>
+          <a:fontRef idx="minor">
+            <a:schemeClr val="lt1"/>
+          </a:fontRef>
+        </p:style>
+        <p:txBody>
+          <a:bodyPr rtlCol="0" anchor="ctr"/>
+          <a:lstStyle/>
+          <a:p>
+            <a:pPr algn="ctr"/>
+            <a:endParaRPr lang="en-US"/>
+          </a:p>
+        </p:txBody>
+      </p:sp>
+      <p:sp>
+        <p:nvSpPr>
+          <p:cNvPr id="4" name="Up Arrow 3"/>
+          <p:cNvSpPr/>
+          <p:nvPr/>
+        </p:nvSpPr>
+        <p:spPr>
+          <a:xfrm>
+            <a:off x="1849336" y="3622431"/>
+            <a:ext cx="471820" cy="834432"/>
+          </a:xfrm>
+          <a:prstGeom prst="upArrow">
+            <a:avLst/>
+          </a:prstGeom>
+          <a:solidFill>
+            <a:schemeClr val="tx1"/>
+          </a:solidFill>
+          <a:ln>
+            <a:solidFill>
+              <a:schemeClr val="tx1"/>
+            </a:solidFill>
+          </a:ln>
+        </p:spPr>
+        <p:style>
+          <a:lnRef idx="2">
+            <a:schemeClr val="accent1">
+              <a:shade val="50000"/>
+            </a:schemeClr>
+          </a:lnRef>
+          <a:fillRef idx="1">
+            <a:schemeClr val="accent1"/>
+          </a:fillRef>
+          <a:effectRef idx="0">
+            <a:schemeClr val="accent1"/>
+          </a:effectRef>
+          <a:fontRef idx="minor">
+            <a:schemeClr val="lt1"/>
+          </a:fontRef>
+        </p:style>
+        <p:txBody>
+          <a:bodyPr rtlCol="0" anchor="ctr"/>
+          <a:lstStyle/>
+          <a:p>
+            <a:pPr algn="ctr"/>
+            <a:endParaRPr lang="en-US" dirty="0"/>
+          </a:p>
+        </p:txBody>
+      </p:sp>
+      <p:sp>
+        <p:nvSpPr>
+          <p:cNvPr id="5" name="TextBox 4"/>
+          <p:cNvSpPr txBox="1"/>
+          <p:nvPr/>
+        </p:nvSpPr>
+        <p:spPr>
+          <a:xfrm>
+            <a:off x="509546" y="3854981"/>
+            <a:ext cx="1002323" cy="369332"/>
+          </a:xfrm>
+          <a:prstGeom prst="rect">
+            <a:avLst/>
+          </a:prstGeom>
+          <a:noFill/>
+        </p:spPr>
+        <p:txBody>
+          <a:bodyPr wrap="square" rtlCol="0">
+            <a:spAutoFit/>
+          </a:bodyPr>
+          <a:lstStyle/>
+          <a:p>
+            <a:r>
+              <a:rPr lang="en-US" dirty="0" err="1"/>
+              <a:t>g</a:t>
+            </a:r>
+            <a:r>
+              <a:rPr lang="en-US" dirty="0" err="1" smtClean="0"/>
+              <a:t>it</a:t>
+            </a:r>
+            <a:r>
+              <a:rPr lang="en-US" dirty="0" smtClean="0"/>
+              <a:t> stash</a:t>
+            </a:r>
+            <a:endParaRPr lang="en-US" dirty="0"/>
+          </a:p>
+        </p:txBody>
+      </p:sp>
+      <p:sp>
+        <p:nvSpPr>
+          <p:cNvPr id="21" name="TextBox 20"/>
+          <p:cNvSpPr txBox="1"/>
+          <p:nvPr/>
+        </p:nvSpPr>
+        <p:spPr>
+          <a:xfrm>
+            <a:off x="2217685" y="3854981"/>
+            <a:ext cx="1392498" cy="369332"/>
+          </a:xfrm>
+          <a:prstGeom prst="rect">
+            <a:avLst/>
+          </a:prstGeom>
+          <a:noFill/>
+        </p:spPr>
+        <p:txBody>
+          <a:bodyPr wrap="square" rtlCol="0">
+            <a:spAutoFit/>
+          </a:bodyPr>
+          <a:lstStyle/>
+          <a:p>
+            <a:r>
+              <a:rPr lang="en-US" dirty="0" err="1"/>
+              <a:t>g</a:t>
+            </a:r>
+            <a:r>
+              <a:rPr lang="en-US" dirty="0" err="1" smtClean="0"/>
+              <a:t>it</a:t>
+            </a:r>
+            <a:r>
+              <a:rPr lang="en-US" dirty="0" smtClean="0"/>
+              <a:t> stash pop</a:t>
+            </a:r>
+            <a:endParaRPr lang="en-US" dirty="0"/>
+          </a:p>
+        </p:txBody>
+      </p:sp>
     </p:spTree>
     <p:extLst>
       <p:ext uri="{BB962C8B-B14F-4D97-AF65-F5344CB8AC3E}">
-        <p14:creationId xmlns:p14="http://schemas.microsoft.com/office/powerpoint/2010/main" val="3215377487"/>
+        <p14:creationId xmlns:p14="http://schemas.microsoft.com/office/powerpoint/2010/main" val="126223497"/>
       </p:ext>
     </p:extLst>
   </p:cSld>
@@ -8258,243 +8619,57 @@
           <a:p>
             <a:r>
               <a:rPr lang="en-US" dirty="0" smtClean="0"/>
-              <a:t>Basic Branch Operations</a:t>
+              <a:t>Branches</a:t>
             </a:r>
             <a:endParaRPr lang="en-US" dirty="0"/>
           </a:p>
         </p:txBody>
       </p:sp>
-      <p:sp>
-        <p:nvSpPr>
-          <p:cNvPr id="5" name="Content Placeholder 4"/>
-          <p:cNvSpPr>
-            <a:spLocks noGrp="1"/>
-          </p:cNvSpPr>
-          <p:nvPr>
-            <p:ph idx="1"/>
-          </p:nvPr>
-        </p:nvSpPr>
-        <p:spPr/>
-        <p:txBody>
-          <a:bodyPr>
-            <a:normAutofit lnSpcReduction="10000"/>
-          </a:bodyPr>
-          <a:lstStyle/>
-          <a:p>
-            <a:pPr lvl="1">
-              <a:buFont typeface="Wingdings" panose="05000000000000000000" pitchFamily="2" charset="2"/>
-              <a:buChar char="§"/>
-            </a:pPr>
-            <a:r>
-              <a:rPr lang="en-US" sz="2400" dirty="0" smtClean="0"/>
-              <a:t>Creating a new branch</a:t>
-            </a:r>
-          </a:p>
-          <a:p>
-            <a:pPr lvl="2">
-              <a:buFont typeface="Wingdings" panose="05000000000000000000" pitchFamily="2" charset="2"/>
-              <a:buChar char="§"/>
-            </a:pPr>
-            <a:r>
-              <a:rPr lang="en-US" sz="2000" dirty="0" err="1" smtClean="0">
-                <a:latin typeface="Consolas" panose="020B0609020204030204" pitchFamily="49" charset="0"/>
-              </a:rPr>
-              <a:t>git</a:t>
-            </a:r>
-            <a:r>
-              <a:rPr lang="en-US" sz="2000" dirty="0" smtClean="0">
-                <a:latin typeface="Consolas" panose="020B0609020204030204" pitchFamily="49" charset="0"/>
-              </a:rPr>
-              <a:t> branch &lt;name&gt; || </a:t>
-            </a:r>
-            <a:r>
-              <a:rPr lang="en-US" sz="2000" dirty="0" err="1" smtClean="0">
-                <a:latin typeface="Consolas" panose="020B0609020204030204" pitchFamily="49" charset="0"/>
-              </a:rPr>
-              <a:t>git</a:t>
-            </a:r>
-            <a:r>
-              <a:rPr lang="en-US" sz="2000" dirty="0" smtClean="0">
-                <a:latin typeface="Consolas" panose="020B0609020204030204" pitchFamily="49" charset="0"/>
-              </a:rPr>
-              <a:t> checkout &lt;name&gt;</a:t>
-            </a:r>
-          </a:p>
-          <a:p>
-            <a:pPr lvl="2">
-              <a:buFont typeface="Wingdings" panose="05000000000000000000" pitchFamily="2" charset="2"/>
-              <a:buChar char="§"/>
-            </a:pPr>
-            <a:r>
-              <a:rPr lang="en-US" sz="2000" dirty="0" err="1" smtClean="0">
-                <a:latin typeface="Consolas" panose="020B0609020204030204" pitchFamily="49" charset="0"/>
-              </a:rPr>
-              <a:t>git</a:t>
-            </a:r>
-            <a:r>
-              <a:rPr lang="en-US" sz="2000" dirty="0" smtClean="0">
-                <a:latin typeface="Consolas" panose="020B0609020204030204" pitchFamily="49" charset="0"/>
-              </a:rPr>
-              <a:t> checkout –b &lt;name&gt;</a:t>
-            </a:r>
-          </a:p>
-          <a:p>
-            <a:pPr lvl="1">
-              <a:buFont typeface="Wingdings" panose="05000000000000000000" pitchFamily="2" charset="2"/>
-              <a:buChar char="§"/>
-            </a:pPr>
-            <a:r>
-              <a:rPr lang="en-US" sz="2400" dirty="0"/>
-              <a:t>Publishing a new </a:t>
-            </a:r>
-            <a:r>
-              <a:rPr lang="en-US" sz="2400" dirty="0" smtClean="0"/>
-              <a:t>branch</a:t>
-            </a:r>
-          </a:p>
-          <a:p>
-            <a:pPr lvl="2">
-              <a:buFont typeface="Wingdings" panose="05000000000000000000" pitchFamily="2" charset="2"/>
-              <a:buChar char="§"/>
-            </a:pPr>
-            <a:r>
-              <a:rPr lang="en-US" sz="2000" dirty="0" err="1">
-                <a:latin typeface="Consolas" panose="020B0609020204030204" pitchFamily="49" charset="0"/>
-              </a:rPr>
-              <a:t>git</a:t>
-            </a:r>
-            <a:r>
-              <a:rPr lang="en-US" sz="2000" dirty="0">
-                <a:latin typeface="Consolas" panose="020B0609020204030204" pitchFamily="49" charset="0"/>
-              </a:rPr>
-              <a:t> push </a:t>
-            </a:r>
-            <a:r>
-              <a:rPr lang="en-US" sz="2000" dirty="0" smtClean="0">
-                <a:latin typeface="Consolas" panose="020B0609020204030204" pitchFamily="49" charset="0"/>
-              </a:rPr>
-              <a:t>--set-upstream </a:t>
-            </a:r>
-            <a:r>
-              <a:rPr lang="en-US" sz="2000" dirty="0">
-                <a:latin typeface="Consolas" panose="020B0609020204030204" pitchFamily="49" charset="0"/>
-              </a:rPr>
-              <a:t>origin &lt;name</a:t>
-            </a:r>
-            <a:r>
-              <a:rPr lang="en-US" sz="2000" dirty="0" smtClean="0">
-                <a:latin typeface="Consolas" panose="020B0609020204030204" pitchFamily="49" charset="0"/>
-              </a:rPr>
-              <a:t>&gt;</a:t>
-            </a:r>
-          </a:p>
-          <a:p>
-            <a:pPr lvl="2">
-              <a:buFont typeface="Wingdings" panose="05000000000000000000" pitchFamily="2" charset="2"/>
-              <a:buChar char="§"/>
-            </a:pPr>
-            <a:r>
-              <a:rPr lang="en-US" sz="2000" dirty="0" err="1" smtClean="0">
-                <a:latin typeface="Consolas" panose="020B0609020204030204" pitchFamily="49" charset="0"/>
-              </a:rPr>
-              <a:t>git</a:t>
-            </a:r>
-            <a:r>
-              <a:rPr lang="en-US" sz="2000" dirty="0" smtClean="0">
-                <a:latin typeface="Consolas" panose="020B0609020204030204" pitchFamily="49" charset="0"/>
-              </a:rPr>
-              <a:t> push –u origin &lt;name&gt;</a:t>
-            </a:r>
-            <a:endParaRPr lang="en-US" sz="2000" dirty="0">
-              <a:latin typeface="Consolas" panose="020B0609020204030204" pitchFamily="49" charset="0"/>
-            </a:endParaRPr>
-          </a:p>
-          <a:p>
-            <a:pPr lvl="1">
-              <a:buFont typeface="Wingdings" panose="05000000000000000000" pitchFamily="2" charset="2"/>
-              <a:buChar char="§"/>
-            </a:pPr>
-            <a:r>
-              <a:rPr lang="en-US" sz="2400" dirty="0" smtClean="0"/>
-              <a:t>Switching branches</a:t>
-            </a:r>
-          </a:p>
-          <a:p>
-            <a:pPr lvl="2">
-              <a:buFont typeface="Wingdings" panose="05000000000000000000" pitchFamily="2" charset="2"/>
-              <a:buChar char="§"/>
-            </a:pPr>
-            <a:r>
-              <a:rPr lang="en-US" sz="2000" dirty="0" err="1">
-                <a:latin typeface="Consolas" panose="020B0609020204030204" pitchFamily="49" charset="0"/>
-              </a:rPr>
-              <a:t>git</a:t>
-            </a:r>
-            <a:r>
-              <a:rPr lang="en-US" sz="2000" dirty="0">
-                <a:latin typeface="Consolas" panose="020B0609020204030204" pitchFamily="49" charset="0"/>
-              </a:rPr>
-              <a:t> checkout &lt;name&gt; </a:t>
-            </a:r>
-            <a:endParaRPr lang="en-US" sz="2000" dirty="0" smtClean="0">
-              <a:latin typeface="Consolas" panose="020B0609020204030204" pitchFamily="49" charset="0"/>
-            </a:endParaRPr>
-          </a:p>
-          <a:p>
-            <a:pPr lvl="1">
-              <a:buFont typeface="Wingdings" panose="05000000000000000000" pitchFamily="2" charset="2"/>
-              <a:buChar char="§"/>
-            </a:pPr>
-            <a:r>
-              <a:rPr lang="en-US" sz="2400" dirty="0"/>
-              <a:t>Deleting branches</a:t>
-            </a:r>
-          </a:p>
-          <a:p>
-            <a:pPr lvl="2">
-              <a:buFont typeface="Wingdings" panose="05000000000000000000" pitchFamily="2" charset="2"/>
-              <a:buChar char="§"/>
-            </a:pPr>
-            <a:r>
-              <a:rPr lang="en-US" sz="2000" dirty="0" err="1" smtClean="0">
-                <a:latin typeface="Consolas" panose="020B0609020204030204" pitchFamily="49" charset="0"/>
-              </a:rPr>
-              <a:t>git</a:t>
-            </a:r>
-            <a:r>
-              <a:rPr lang="en-US" sz="2000" dirty="0" smtClean="0">
-                <a:latin typeface="Consolas" panose="020B0609020204030204" pitchFamily="49" charset="0"/>
-              </a:rPr>
-              <a:t> branch –d &lt;name&gt;</a:t>
-            </a:r>
-          </a:p>
-          <a:p>
-            <a:pPr lvl="2">
-              <a:buFont typeface="Wingdings" panose="05000000000000000000" pitchFamily="2" charset="2"/>
-              <a:buChar char="§"/>
-            </a:pPr>
-            <a:r>
-              <a:rPr lang="en-US" sz="2000" dirty="0" err="1" smtClean="0">
-                <a:latin typeface="Consolas" panose="020B0609020204030204" pitchFamily="49" charset="0"/>
-              </a:rPr>
-              <a:t>git</a:t>
-            </a:r>
-            <a:r>
-              <a:rPr lang="en-US" sz="2000" dirty="0" smtClean="0">
-                <a:latin typeface="Consolas" panose="020B0609020204030204" pitchFamily="49" charset="0"/>
-              </a:rPr>
-              <a:t> branch –D &lt;name&gt;</a:t>
-            </a:r>
-            <a:endParaRPr lang="en-US" sz="2000" dirty="0">
-              <a:latin typeface="Consolas" panose="020B0609020204030204" pitchFamily="49" charset="0"/>
-            </a:endParaRPr>
-          </a:p>
-        </p:txBody>
-      </p:sp>
+      <p:pic>
+        <p:nvPicPr>
+          <p:cNvPr id="1026" name="Picture 2" descr="http://toni-esl.com/wp-content/uploads/2014/10/bundle_of_sticks_1.png"/>
+          <p:cNvPicPr>
+            <a:picLocks noChangeAspect="1" noChangeArrowheads="1"/>
+          </p:cNvPicPr>
+          <p:nvPr/>
+        </p:nvPicPr>
+        <p:blipFill>
+          <a:blip r:embed="rId2">
+            <a:extLst>
+              <a:ext uri="{28A0092B-C50C-407E-A947-70E740481C1C}">
+                <a14:useLocalDpi xmlns:a14="http://schemas.microsoft.com/office/drawing/2010/main" val="0"/>
+              </a:ext>
+            </a:extLst>
+          </a:blip>
+          <a:srcRect/>
+          <a:stretch>
+            <a:fillRect/>
+          </a:stretch>
+        </p:blipFill>
+        <p:spPr bwMode="auto">
+          <a:xfrm>
+            <a:off x="1594908" y="2751138"/>
+            <a:ext cx="8413505" cy="2261130"/>
+          </a:xfrm>
+          <a:prstGeom prst="rect">
+            <a:avLst/>
+          </a:prstGeom>
+          <a:noFill/>
+          <a:extLst>
+            <a:ext uri="{909E8E84-426E-40DD-AFC4-6F175D3DCCD1}">
+              <a14:hiddenFill xmlns:a14="http://schemas.microsoft.com/office/drawing/2010/main">
+                <a:solidFill>
+                  <a:srgbClr val="FFFFFF"/>
+                </a:solidFill>
+              </a14:hiddenFill>
+            </a:ext>
+          </a:extLst>
+        </p:spPr>
+      </p:pic>
     </p:spTree>
     <p:extLst>
       <p:ext uri="{BB962C8B-B14F-4D97-AF65-F5344CB8AC3E}">
-        <p14:creationId xmlns:p14="http://schemas.microsoft.com/office/powerpoint/2010/main" val="3040847419"/>
+        <p14:creationId xmlns:p14="http://schemas.microsoft.com/office/powerpoint/2010/main" val="3215377487"/>
       </p:ext>
     </p:extLst>
   </p:cSld>
@@ -8682,7 +8857,7 @@
           <a:p>
             <a:r>
               <a:rPr lang="en-US" dirty="0" smtClean="0"/>
-              <a:t>Merging</a:t>
+              <a:t>Branches</a:t>
             </a:r>
             <a:endParaRPr lang="en-US" dirty="0"/>
           </a:p>
@@ -8690,7 +8865,7 @@
       </p:sp>
       <p:pic>
         <p:nvPicPr>
-          <p:cNvPr id="3" name="Picture 2"/>
+          <p:cNvPr id="9" name="Picture 8"/>
           <p:cNvPicPr>
             <a:picLocks noChangeAspect="1"/>
           </p:cNvPicPr>
@@ -8710,8 +8885,8 @@
         </p:blipFill>
         <p:spPr>
           <a:xfrm>
-            <a:off x="2180493" y="1312252"/>
-            <a:ext cx="7620000" cy="4362450"/>
+            <a:off x="2177935" y="2211266"/>
+            <a:ext cx="6429375" cy="3314700"/>
           </a:xfrm>
           <a:prstGeom prst="rect">
             <a:avLst/>
@@ -8721,7 +8896,7 @@
     </p:spTree>
     <p:extLst>
       <p:ext uri="{BB962C8B-B14F-4D97-AF65-F5344CB8AC3E}">
-        <p14:creationId xmlns:p14="http://schemas.microsoft.com/office/powerpoint/2010/main" val="534903061"/>
+        <p14:creationId xmlns:p14="http://schemas.microsoft.com/office/powerpoint/2010/main" val="2357462019"/>
       </p:ext>
     </p:extLst>
   </p:cSld>
@@ -8772,7 +8947,7 @@
           <a:p>
             <a:r>
               <a:rPr lang="en-US" dirty="0" smtClean="0"/>
-              <a:t>Merging</a:t>
+              <a:t>Basic Branch Operations</a:t>
             </a:r>
             <a:endParaRPr lang="en-US" dirty="0"/>
           </a:p>
@@ -9008,7 +9183,7 @@
     </p:spTree>
     <p:extLst>
       <p:ext uri="{BB962C8B-B14F-4D97-AF65-F5344CB8AC3E}">
-        <p14:creationId xmlns:p14="http://schemas.microsoft.com/office/powerpoint/2010/main" val="3539894464"/>
+        <p14:creationId xmlns:p14="http://schemas.microsoft.com/office/powerpoint/2010/main" val="3040847419"/>
       </p:ext>
     </p:extLst>
   </p:cSld>
@@ -9059,15 +9234,105 @@
           <a:p>
             <a:r>
               <a:rPr lang="en-US" dirty="0" smtClean="0"/>
-              <a:t>Questions?</a:t>
+              <a:t>Merging</a:t>
             </a:r>
             <a:endParaRPr lang="en-US" dirty="0"/>
           </a:p>
         </p:txBody>
       </p:sp>
-      <p:sp>
-        <p:nvSpPr>
-          <p:cNvPr id="3" name="Content Placeholder 2"/>
+      <p:pic>
+        <p:nvPicPr>
+          <p:cNvPr id="3" name="Picture 2"/>
+          <p:cNvPicPr>
+            <a:picLocks noChangeAspect="1"/>
+          </p:cNvPicPr>
+          <p:nvPr/>
+        </p:nvPicPr>
+        <p:blipFill>
+          <a:blip r:embed="rId2">
+            <a:extLst>
+              <a:ext uri="{28A0092B-C50C-407E-A947-70E740481C1C}">
+                <a14:useLocalDpi xmlns:a14="http://schemas.microsoft.com/office/drawing/2010/main" val="0"/>
+              </a:ext>
+            </a:extLst>
+          </a:blip>
+          <a:stretch>
+            <a:fillRect/>
+          </a:stretch>
+        </p:blipFill>
+        <p:spPr>
+          <a:xfrm>
+            <a:off x="2180493" y="1312252"/>
+            <a:ext cx="7620000" cy="4362450"/>
+          </a:xfrm>
+          <a:prstGeom prst="rect">
+            <a:avLst/>
+          </a:prstGeom>
+        </p:spPr>
+      </p:pic>
+    </p:spTree>
+    <p:extLst>
+      <p:ext uri="{BB962C8B-B14F-4D97-AF65-F5344CB8AC3E}">
+        <p14:creationId xmlns:p14="http://schemas.microsoft.com/office/powerpoint/2010/main" val="534903061"/>
+      </p:ext>
+    </p:extLst>
+  </p:cSld>
+  <p:clrMapOvr>
+    <a:masterClrMapping/>
+  </p:clrMapOvr>
+  <p:timing>
+    <p:tnLst>
+      <p:par>
+        <p:cTn id="1" dur="indefinite" restart="never" nodeType="tmRoot"/>
+      </p:par>
+    </p:tnLst>
+  </p:timing>
+</p:sld>
+</file>
+
+<file path=ppt/slides/slide23.xml><?xml version="1.0" encoding="utf-8"?>
+<p:sld xmlns:a="http://schemas.openxmlformats.org/drawingml/2006/main" xmlns:r="http://schemas.openxmlformats.org/officeDocument/2006/relationships" xmlns:p="http://schemas.openxmlformats.org/presentationml/2006/main">
+  <p:cSld>
+    <p:spTree>
+      <p:nvGrpSpPr>
+        <p:cNvPr id="1" name=""/>
+        <p:cNvGrpSpPr/>
+        <p:nvPr/>
+      </p:nvGrpSpPr>
+      <p:grpSpPr>
+        <a:xfrm>
+          <a:off x="0" y="0"/>
+          <a:ext cx="0" cy="0"/>
+          <a:chOff x="0" y="0"/>
+          <a:chExt cx="0" cy="0"/>
+        </a:xfrm>
+      </p:grpSpPr>
+      <p:sp>
+        <p:nvSpPr>
+          <p:cNvPr id="2" name="Title 1"/>
+          <p:cNvSpPr>
+            <a:spLocks noGrp="1"/>
+          </p:cNvSpPr>
+          <p:nvPr>
+            <p:ph type="title"/>
+          </p:nvPr>
+        </p:nvSpPr>
+        <p:spPr/>
+        <p:txBody>
+          <a:bodyPr/>
+          <a:lstStyle/>
+          <a:p>
+            <a:r>
+              <a:rPr lang="en-US" dirty="0" smtClean="0"/>
+              <a:t>Merging</a:t>
+            </a:r>
+            <a:endParaRPr lang="en-US" dirty="0"/>
+          </a:p>
+        </p:txBody>
+      </p:sp>
+      <p:sp>
+        <p:nvSpPr>
+          <p:cNvPr id="5" name="Content Placeholder 4"/>
           <p:cNvSpPr>
             <a:spLocks noGrp="1"/>
           </p:cNvSpPr>
@@ -9077,17 +9342,2414 @@
         </p:nvSpPr>
         <p:spPr/>
         <p:txBody>
-          <a:bodyPr/>
-          <a:lstStyle/>
-          <a:p>
-            <a:endParaRPr lang="en-US"/>
+          <a:bodyPr>
+            <a:normAutofit fontScale="92500" lnSpcReduction="20000"/>
+          </a:bodyPr>
+          <a:lstStyle/>
+          <a:p>
+            <a:pPr lvl="1">
+              <a:buFont typeface="Wingdings" panose="05000000000000000000" pitchFamily="2" charset="2"/>
+              <a:buChar char="§"/>
+            </a:pPr>
+            <a:r>
+              <a:rPr lang="en-US" sz="2400" dirty="0" smtClean="0"/>
+              <a:t>Create a new branch</a:t>
+            </a:r>
+          </a:p>
+          <a:p>
+            <a:pPr lvl="2">
+              <a:buFont typeface="Wingdings" panose="05000000000000000000" pitchFamily="2" charset="2"/>
+              <a:buChar char="§"/>
+            </a:pPr>
+            <a:r>
+              <a:rPr lang="en-US" sz="2000" dirty="0" err="1" smtClean="0"/>
+              <a:t>git</a:t>
+            </a:r>
+            <a:r>
+              <a:rPr lang="en-US" sz="2000" dirty="0" smtClean="0"/>
+              <a:t> checkout –b branch</a:t>
+            </a:r>
+          </a:p>
+          <a:p>
+            <a:pPr lvl="1">
+              <a:buFont typeface="Wingdings" panose="05000000000000000000" pitchFamily="2" charset="2"/>
+              <a:buChar char="§"/>
+            </a:pPr>
+            <a:r>
+              <a:rPr lang="en-US" sz="2400" dirty="0" smtClean="0"/>
+              <a:t>Add/modify a file, then commit it</a:t>
+            </a:r>
+          </a:p>
+          <a:p>
+            <a:pPr lvl="2">
+              <a:buFont typeface="Wingdings" panose="05000000000000000000" pitchFamily="2" charset="2"/>
+              <a:buChar char="§"/>
+            </a:pPr>
+            <a:r>
+              <a:rPr lang="en-US" sz="2000" dirty="0" err="1" smtClean="0"/>
+              <a:t>git</a:t>
+            </a:r>
+            <a:r>
+              <a:rPr lang="en-US" sz="2000" dirty="0" smtClean="0"/>
+              <a:t> add .</a:t>
+            </a:r>
+          </a:p>
+          <a:p>
+            <a:pPr lvl="2">
+              <a:buFont typeface="Wingdings" panose="05000000000000000000" pitchFamily="2" charset="2"/>
+              <a:buChar char="§"/>
+            </a:pPr>
+            <a:r>
+              <a:rPr lang="en-US" sz="2000" dirty="0" err="1" smtClean="0"/>
+              <a:t>git</a:t>
+            </a:r>
+            <a:r>
+              <a:rPr lang="en-US" sz="2000" dirty="0" smtClean="0"/>
+              <a:t> commit –m “add my file”</a:t>
+            </a:r>
+          </a:p>
+          <a:p>
+            <a:pPr lvl="1">
+              <a:buFont typeface="Wingdings" panose="05000000000000000000" pitchFamily="2" charset="2"/>
+              <a:buChar char="§"/>
+            </a:pPr>
+            <a:r>
+              <a:rPr lang="en-US" sz="2400" dirty="0" smtClean="0"/>
+              <a:t>Look at the log</a:t>
+            </a:r>
+          </a:p>
+          <a:p>
+            <a:pPr lvl="2">
+              <a:buFont typeface="Wingdings" panose="05000000000000000000" pitchFamily="2" charset="2"/>
+              <a:buChar char="§"/>
+            </a:pPr>
+            <a:r>
+              <a:rPr lang="en-US" sz="2000" dirty="0" err="1" smtClean="0"/>
+              <a:t>git</a:t>
+            </a:r>
+            <a:r>
+              <a:rPr lang="en-US" sz="2000" dirty="0" smtClean="0"/>
+              <a:t> log</a:t>
+            </a:r>
+          </a:p>
+          <a:p>
+            <a:pPr lvl="1">
+              <a:buFont typeface="Wingdings" panose="05000000000000000000" pitchFamily="2" charset="2"/>
+              <a:buChar char="§"/>
+            </a:pPr>
+            <a:r>
+              <a:rPr lang="en-US" sz="2400" dirty="0" smtClean="0"/>
+              <a:t>Check out the branch you want to merge </a:t>
+            </a:r>
+            <a:r>
+              <a:rPr lang="en-US" sz="2400" dirty="0" smtClean="0"/>
+              <a:t>into</a:t>
+            </a:r>
+          </a:p>
+          <a:p>
+            <a:pPr lvl="2">
+              <a:buFont typeface="Wingdings" panose="05000000000000000000" pitchFamily="2" charset="2"/>
+              <a:buChar char="§"/>
+            </a:pPr>
+            <a:r>
+              <a:rPr lang="en-US" sz="1600" dirty="0" err="1" smtClean="0">
+                <a:latin typeface="Consolas" panose="020B0609020204030204" pitchFamily="49" charset="0"/>
+              </a:rPr>
+              <a:t>git</a:t>
+            </a:r>
+            <a:r>
+              <a:rPr lang="en-US" sz="1600" dirty="0" smtClean="0">
+                <a:latin typeface="Consolas" panose="020B0609020204030204" pitchFamily="49" charset="0"/>
+              </a:rPr>
+              <a:t> checkout master</a:t>
+            </a:r>
+          </a:p>
+          <a:p>
+            <a:pPr lvl="1">
+              <a:buFont typeface="Wingdings" panose="05000000000000000000" pitchFamily="2" charset="2"/>
+              <a:buChar char="§"/>
+            </a:pPr>
+            <a:r>
+              <a:rPr lang="en-US" sz="2400" dirty="0"/>
+              <a:t>Look at the </a:t>
+            </a:r>
+            <a:r>
+              <a:rPr lang="en-US" sz="2400" dirty="0" smtClean="0"/>
+              <a:t>log (it’s not there!)</a:t>
+            </a:r>
+            <a:endParaRPr lang="en-US" sz="2400" dirty="0"/>
+          </a:p>
+          <a:p>
+            <a:pPr lvl="2">
+              <a:buFont typeface="Wingdings" panose="05000000000000000000" pitchFamily="2" charset="2"/>
+              <a:buChar char="§"/>
+            </a:pPr>
+            <a:r>
+              <a:rPr lang="en-US" sz="1600" dirty="0" err="1" smtClean="0">
+                <a:latin typeface="Consolas" panose="020B0609020204030204" pitchFamily="49" charset="0"/>
+              </a:rPr>
+              <a:t>git</a:t>
+            </a:r>
+            <a:r>
+              <a:rPr lang="en-US" sz="1600" dirty="0" smtClean="0">
+                <a:latin typeface="Consolas" panose="020B0609020204030204" pitchFamily="49" charset="0"/>
+              </a:rPr>
+              <a:t> log</a:t>
+            </a:r>
+          </a:p>
+          <a:p>
+            <a:pPr lvl="1">
+              <a:buFont typeface="Wingdings" panose="05000000000000000000" pitchFamily="2" charset="2"/>
+              <a:buChar char="§"/>
+            </a:pPr>
+            <a:r>
+              <a:rPr lang="en-US" sz="2400" dirty="0"/>
+              <a:t>Merge the new branch</a:t>
+            </a:r>
+          </a:p>
+          <a:p>
+            <a:pPr lvl="2">
+              <a:buFont typeface="Wingdings" panose="05000000000000000000" pitchFamily="2" charset="2"/>
+              <a:buChar char="§"/>
+            </a:pPr>
+            <a:r>
+              <a:rPr lang="en-US" sz="1600" dirty="0" err="1" smtClean="0">
+                <a:latin typeface="Consolas" panose="020B0609020204030204" pitchFamily="49" charset="0"/>
+              </a:rPr>
+              <a:t>git</a:t>
+            </a:r>
+            <a:r>
+              <a:rPr lang="en-US" sz="1600" dirty="0" smtClean="0">
+                <a:latin typeface="Consolas" panose="020B0609020204030204" pitchFamily="49" charset="0"/>
+              </a:rPr>
+              <a:t> merge</a:t>
+            </a:r>
+          </a:p>
+          <a:p>
+            <a:pPr lvl="1">
+              <a:buFont typeface="Wingdings" panose="05000000000000000000" pitchFamily="2" charset="2"/>
+              <a:buChar char="§"/>
+            </a:pPr>
+            <a:r>
+              <a:rPr lang="en-US" sz="2400" dirty="0"/>
+              <a:t>Look at the </a:t>
+            </a:r>
+            <a:r>
+              <a:rPr lang="en-US" sz="2400" dirty="0" smtClean="0"/>
+              <a:t>log (now it’s there!)</a:t>
+            </a:r>
+            <a:endParaRPr lang="en-US" sz="2400" dirty="0"/>
           </a:p>
         </p:txBody>
       </p:sp>
     </p:spTree>
     <p:extLst>
       <p:ext uri="{BB962C8B-B14F-4D97-AF65-F5344CB8AC3E}">
-        <p14:creationId xmlns:p14="http://schemas.microsoft.com/office/powerpoint/2010/main" val="3036280036"/>
+        <p14:creationId xmlns:p14="http://schemas.microsoft.com/office/powerpoint/2010/main" val="3539894464"/>
+      </p:ext>
+    </p:extLst>
+  </p:cSld>
+  <p:clrMapOvr>
+    <a:masterClrMapping/>
+  </p:clrMapOvr>
+  <p:timing>
+    <p:tnLst>
+      <p:par>
+        <p:cTn id="1" dur="indefinite" restart="never" nodeType="tmRoot"/>
+      </p:par>
+    </p:tnLst>
+  </p:timing>
+</p:sld>
+</file>
+
+<file path=ppt/slides/slide24.xml><?xml version="1.0" encoding="utf-8"?>
+<p:sld xmlns:a="http://schemas.openxmlformats.org/drawingml/2006/main" xmlns:r="http://schemas.openxmlformats.org/officeDocument/2006/relationships" xmlns:p="http://schemas.openxmlformats.org/presentationml/2006/main">
+  <p:cSld>
+    <p:spTree>
+      <p:nvGrpSpPr>
+        <p:cNvPr id="1" name=""/>
+        <p:cNvGrpSpPr/>
+        <p:nvPr/>
+      </p:nvGrpSpPr>
+      <p:grpSpPr>
+        <a:xfrm>
+          <a:off x="0" y="0"/>
+          <a:ext cx="0" cy="0"/>
+          <a:chOff x="0" y="0"/>
+          <a:chExt cx="0" cy="0"/>
+        </a:xfrm>
+      </p:grpSpPr>
+      <p:sp>
+        <p:nvSpPr>
+          <p:cNvPr id="7" name="Rectangle 6"/>
+          <p:cNvSpPr/>
+          <p:nvPr/>
+        </p:nvSpPr>
+        <p:spPr>
+          <a:xfrm>
+            <a:off x="1049867" y="1651000"/>
+            <a:ext cx="10210800" cy="228600"/>
+          </a:xfrm>
+          <a:prstGeom prst="rect">
+            <a:avLst/>
+          </a:prstGeom>
+          <a:solidFill>
+            <a:schemeClr val="bg1"/>
+          </a:solidFill>
+          <a:ln>
+            <a:noFill/>
+          </a:ln>
+        </p:spPr>
+        <p:style>
+          <a:lnRef idx="2">
+            <a:schemeClr val="accent1">
+              <a:shade val="50000"/>
+            </a:schemeClr>
+          </a:lnRef>
+          <a:fillRef idx="1">
+            <a:schemeClr val="accent1"/>
+          </a:fillRef>
+          <a:effectRef idx="0">
+            <a:schemeClr val="accent1"/>
+          </a:effectRef>
+          <a:fontRef idx="minor">
+            <a:schemeClr val="lt1"/>
+          </a:fontRef>
+        </p:style>
+        <p:txBody>
+          <a:bodyPr rtlCol="0" anchor="ctr"/>
+          <a:lstStyle/>
+          <a:p>
+            <a:pPr algn="ctr"/>
+            <a:endParaRPr lang="en-US"/>
+          </a:p>
+        </p:txBody>
+      </p:sp>
+      <p:pic>
+        <p:nvPicPr>
+          <p:cNvPr id="2050" name="Picture 2" descr="Demo Time (@DemoTimeSeries) | Twitter"/>
+          <p:cNvPicPr>
+            <a:picLocks noChangeAspect="1" noChangeArrowheads="1"/>
+          </p:cNvPicPr>
+          <p:nvPr/>
+        </p:nvPicPr>
+        <p:blipFill>
+          <a:blip r:embed="rId2">
+            <a:extLst>
+              <a:ext uri="{28A0092B-C50C-407E-A947-70E740481C1C}">
+                <a14:useLocalDpi xmlns:a14="http://schemas.microsoft.com/office/drawing/2010/main" val="0"/>
+              </a:ext>
+            </a:extLst>
+          </a:blip>
+          <a:srcRect/>
+          <a:stretch>
+            <a:fillRect/>
+          </a:stretch>
+        </p:blipFill>
+        <p:spPr bwMode="auto">
+          <a:xfrm>
+            <a:off x="3276600" y="269664"/>
+            <a:ext cx="5757334" cy="5757335"/>
+          </a:xfrm>
+          <a:prstGeom prst="rect">
+            <a:avLst/>
+          </a:prstGeom>
+          <a:noFill/>
+          <a:extLst>
+            <a:ext uri="{909E8E84-426E-40DD-AFC4-6F175D3DCCD1}">
+              <a14:hiddenFill xmlns:a14="http://schemas.microsoft.com/office/drawing/2010/main">
+                <a:solidFill>
+                  <a:srgbClr val="FFFFFF"/>
+                </a:solidFill>
+              </a14:hiddenFill>
+            </a:ext>
+          </a:extLst>
+        </p:spPr>
+      </p:pic>
+    </p:spTree>
+    <p:extLst>
+      <p:ext uri="{BB962C8B-B14F-4D97-AF65-F5344CB8AC3E}">
+        <p14:creationId xmlns:p14="http://schemas.microsoft.com/office/powerpoint/2010/main" val="2025736176"/>
+      </p:ext>
+    </p:extLst>
+  </p:cSld>
+  <p:clrMapOvr>
+    <a:masterClrMapping/>
+  </p:clrMapOvr>
+  <p:timing>
+    <p:tnLst>
+      <p:par>
+        <p:cTn id="1" dur="indefinite" restart="never" nodeType="tmRoot"/>
+      </p:par>
+    </p:tnLst>
+  </p:timing>
+</p:sld>
+</file>
+
+<file path=ppt/slides/slide25.xml><?xml version="1.0" encoding="utf-8"?>
+<p:sld xmlns:a="http://schemas.openxmlformats.org/drawingml/2006/main" xmlns:r="http://schemas.openxmlformats.org/officeDocument/2006/relationships" xmlns:p="http://schemas.openxmlformats.org/presentationml/2006/main">
+  <p:cSld>
+    <p:spTree>
+      <p:nvGrpSpPr>
+        <p:cNvPr id="1" name=""/>
+        <p:cNvGrpSpPr/>
+        <p:nvPr/>
+      </p:nvGrpSpPr>
+      <p:grpSpPr>
+        <a:xfrm>
+          <a:off x="0" y="0"/>
+          <a:ext cx="0" cy="0"/>
+          <a:chOff x="0" y="0"/>
+          <a:chExt cx="0" cy="0"/>
+        </a:xfrm>
+      </p:grpSpPr>
+      <p:sp>
+        <p:nvSpPr>
+          <p:cNvPr id="2" name="Title 1"/>
+          <p:cNvSpPr>
+            <a:spLocks noGrp="1"/>
+          </p:cNvSpPr>
+          <p:nvPr>
+            <p:ph type="title"/>
+          </p:nvPr>
+        </p:nvSpPr>
+        <p:spPr/>
+        <p:txBody>
+          <a:bodyPr/>
+          <a:lstStyle/>
+          <a:p>
+            <a:r>
+              <a:rPr lang="en-US" dirty="0" smtClean="0"/>
+              <a:t>Merge Conflicts</a:t>
+            </a:r>
+            <a:endParaRPr lang="en-US" dirty="0"/>
+          </a:p>
+        </p:txBody>
+      </p:sp>
+      <p:sp>
+        <p:nvSpPr>
+          <p:cNvPr id="4" name="TextBox 3"/>
+          <p:cNvSpPr txBox="1"/>
+          <p:nvPr/>
+        </p:nvSpPr>
+        <p:spPr>
+          <a:xfrm>
+            <a:off x="1407496" y="2334278"/>
+            <a:ext cx="3264635" cy="1200329"/>
+          </a:xfrm>
+          <a:prstGeom prst="rect">
+            <a:avLst/>
+          </a:prstGeom>
+        </p:spPr>
+        <p:style>
+          <a:lnRef idx="2">
+            <a:schemeClr val="dk1"/>
+          </a:lnRef>
+          <a:fillRef idx="1">
+            <a:schemeClr val="lt1"/>
+          </a:fillRef>
+          <a:effectRef idx="0">
+            <a:schemeClr val="dk1"/>
+          </a:effectRef>
+          <a:fontRef idx="minor">
+            <a:schemeClr val="dk1"/>
+          </a:fontRef>
+        </p:style>
+        <p:txBody>
+          <a:bodyPr wrap="square" rtlCol="0">
+            <a:spAutoFit/>
+          </a:bodyPr>
+          <a:lstStyle/>
+          <a:p>
+            <a:r>
+              <a:rPr lang="en-US" dirty="0" smtClean="0"/>
+              <a:t>Apples</a:t>
+            </a:r>
+          </a:p>
+          <a:p>
+            <a:r>
+              <a:rPr lang="en-US" dirty="0" smtClean="0"/>
+              <a:t>Oranges</a:t>
+            </a:r>
+          </a:p>
+          <a:p>
+            <a:r>
+              <a:rPr lang="en-US" dirty="0" smtClean="0"/>
+              <a:t>Grapes</a:t>
+            </a:r>
+          </a:p>
+          <a:p>
+            <a:r>
+              <a:rPr lang="en-US" dirty="0" smtClean="0"/>
+              <a:t>Pears</a:t>
+            </a:r>
+          </a:p>
+        </p:txBody>
+      </p:sp>
+      <p:sp>
+        <p:nvSpPr>
+          <p:cNvPr id="6" name="TextBox 5"/>
+          <p:cNvSpPr txBox="1"/>
+          <p:nvPr/>
+        </p:nvSpPr>
+        <p:spPr>
+          <a:xfrm>
+            <a:off x="2350233" y="2934442"/>
+            <a:ext cx="3264635" cy="1477328"/>
+          </a:xfrm>
+          <a:prstGeom prst="rect">
+            <a:avLst/>
+          </a:prstGeom>
+          <a:solidFill>
+            <a:schemeClr val="accent1">
+              <a:lumMod val="40000"/>
+              <a:lumOff val="60000"/>
+            </a:schemeClr>
+          </a:solidFill>
+          <a:ln>
+            <a:prstDash val="sysDot"/>
+          </a:ln>
+        </p:spPr>
+        <p:style>
+          <a:lnRef idx="2">
+            <a:schemeClr val="dk1"/>
+          </a:lnRef>
+          <a:fillRef idx="1">
+            <a:schemeClr val="lt1"/>
+          </a:fillRef>
+          <a:effectRef idx="0">
+            <a:schemeClr val="dk1"/>
+          </a:effectRef>
+          <a:fontRef idx="minor">
+            <a:schemeClr val="dk1"/>
+          </a:fontRef>
+        </p:style>
+        <p:txBody>
+          <a:bodyPr wrap="square" rtlCol="0">
+            <a:spAutoFit/>
+          </a:bodyPr>
+          <a:lstStyle/>
+          <a:p>
+            <a:r>
+              <a:rPr lang="en-US" dirty="0" smtClean="0"/>
+              <a:t>Apples</a:t>
+            </a:r>
+          </a:p>
+          <a:p>
+            <a:r>
+              <a:rPr lang="en-US" dirty="0" smtClean="0">
+                <a:solidFill>
+                  <a:schemeClr val="tx1"/>
+                </a:solidFill>
+              </a:rPr>
+              <a:t>Oranges</a:t>
+            </a:r>
+          </a:p>
+          <a:p>
+            <a:r>
+              <a:rPr lang="en-US" dirty="0" smtClean="0"/>
+              <a:t>Grapes</a:t>
+            </a:r>
+          </a:p>
+          <a:p>
+            <a:r>
+              <a:rPr lang="en-US" dirty="0" smtClean="0"/>
+              <a:t>Pears</a:t>
+            </a:r>
+          </a:p>
+          <a:p>
+            <a:r>
+              <a:rPr lang="en-US" dirty="0" smtClean="0">
+                <a:solidFill>
+                  <a:srgbClr val="00B050"/>
+                </a:solidFill>
+              </a:rPr>
+              <a:t>Pizza</a:t>
+            </a:r>
+          </a:p>
+        </p:txBody>
+      </p:sp>
+      <p:sp>
+        <p:nvSpPr>
+          <p:cNvPr id="10" name="TextBox 9"/>
+          <p:cNvSpPr txBox="1"/>
+          <p:nvPr/>
+        </p:nvSpPr>
+        <p:spPr>
+          <a:xfrm>
+            <a:off x="6778975" y="2334279"/>
+            <a:ext cx="3264635" cy="1200329"/>
+          </a:xfrm>
+          <a:prstGeom prst="rect">
+            <a:avLst/>
+          </a:prstGeom>
+        </p:spPr>
+        <p:style>
+          <a:lnRef idx="2">
+            <a:schemeClr val="dk1"/>
+          </a:lnRef>
+          <a:fillRef idx="1">
+            <a:schemeClr val="lt1"/>
+          </a:fillRef>
+          <a:effectRef idx="0">
+            <a:schemeClr val="dk1"/>
+          </a:effectRef>
+          <a:fontRef idx="minor">
+            <a:schemeClr val="dk1"/>
+          </a:fontRef>
+        </p:style>
+        <p:txBody>
+          <a:bodyPr wrap="square" rtlCol="0">
+            <a:spAutoFit/>
+          </a:bodyPr>
+          <a:lstStyle/>
+          <a:p>
+            <a:r>
+              <a:rPr lang="en-US" dirty="0" smtClean="0"/>
+              <a:t>Apples</a:t>
+            </a:r>
+          </a:p>
+          <a:p>
+            <a:r>
+              <a:rPr lang="en-US" dirty="0" smtClean="0"/>
+              <a:t>Oranges</a:t>
+            </a:r>
+          </a:p>
+          <a:p>
+            <a:r>
+              <a:rPr lang="en-US" dirty="0" smtClean="0"/>
+              <a:t>Grapes</a:t>
+            </a:r>
+          </a:p>
+          <a:p>
+            <a:r>
+              <a:rPr lang="en-US" dirty="0" smtClean="0"/>
+              <a:t>Pears</a:t>
+            </a:r>
+          </a:p>
+        </p:txBody>
+      </p:sp>
+      <p:sp>
+        <p:nvSpPr>
+          <p:cNvPr id="11" name="TextBox 10"/>
+          <p:cNvSpPr txBox="1"/>
+          <p:nvPr/>
+        </p:nvSpPr>
+        <p:spPr>
+          <a:xfrm>
+            <a:off x="7721712" y="2934443"/>
+            <a:ext cx="3264635" cy="1200329"/>
+          </a:xfrm>
+          <a:prstGeom prst="rect">
+            <a:avLst/>
+          </a:prstGeom>
+          <a:solidFill>
+            <a:schemeClr val="accent1">
+              <a:lumMod val="40000"/>
+              <a:lumOff val="60000"/>
+            </a:schemeClr>
+          </a:solidFill>
+          <a:ln>
+            <a:prstDash val="sysDot"/>
+          </a:ln>
+        </p:spPr>
+        <p:style>
+          <a:lnRef idx="2">
+            <a:schemeClr val="dk1"/>
+          </a:lnRef>
+          <a:fillRef idx="1">
+            <a:schemeClr val="lt1"/>
+          </a:fillRef>
+          <a:effectRef idx="0">
+            <a:schemeClr val="dk1"/>
+          </a:effectRef>
+          <a:fontRef idx="minor">
+            <a:schemeClr val="dk1"/>
+          </a:fontRef>
+        </p:style>
+        <p:txBody>
+          <a:bodyPr wrap="square" rtlCol="0">
+            <a:spAutoFit/>
+          </a:bodyPr>
+          <a:lstStyle/>
+          <a:p>
+            <a:r>
+              <a:rPr lang="en-US" dirty="0" smtClean="0"/>
+              <a:t>Apples</a:t>
+            </a:r>
+          </a:p>
+          <a:p>
+            <a:r>
+              <a:rPr lang="en-US" strike="sngStrike" dirty="0" smtClean="0">
+                <a:solidFill>
+                  <a:srgbClr val="FF0000"/>
+                </a:solidFill>
+              </a:rPr>
+              <a:t>Oranges</a:t>
+            </a:r>
+            <a:endParaRPr lang="en-US" dirty="0" smtClean="0">
+              <a:solidFill>
+                <a:srgbClr val="00B050"/>
+              </a:solidFill>
+            </a:endParaRPr>
+          </a:p>
+          <a:p>
+            <a:r>
+              <a:rPr lang="en-US" dirty="0" smtClean="0"/>
+              <a:t>Grapes</a:t>
+            </a:r>
+          </a:p>
+          <a:p>
+            <a:r>
+              <a:rPr lang="en-US" dirty="0" smtClean="0"/>
+              <a:t>Pears</a:t>
+            </a:r>
+          </a:p>
+        </p:txBody>
+      </p:sp>
+      <p:sp>
+        <p:nvSpPr>
+          <p:cNvPr id="3" name="TextBox 2"/>
+          <p:cNvSpPr txBox="1"/>
+          <p:nvPr/>
+        </p:nvSpPr>
+        <p:spPr>
+          <a:xfrm>
+            <a:off x="2290232" y="1966569"/>
+            <a:ext cx="2853267" cy="369332"/>
+          </a:xfrm>
+          <a:prstGeom prst="rect">
+            <a:avLst/>
+          </a:prstGeom>
+          <a:noFill/>
+        </p:spPr>
+        <p:txBody>
+          <a:bodyPr wrap="square" rtlCol="0">
+            <a:spAutoFit/>
+          </a:bodyPr>
+          <a:lstStyle/>
+          <a:p>
+            <a:r>
+              <a:rPr lang="en-US" dirty="0" smtClean="0"/>
+              <a:t>Bob’s Change</a:t>
+            </a:r>
+            <a:endParaRPr lang="en-US" dirty="0"/>
+          </a:p>
+        </p:txBody>
+      </p:sp>
+      <p:sp>
+        <p:nvSpPr>
+          <p:cNvPr id="12" name="TextBox 11"/>
+          <p:cNvSpPr txBox="1"/>
+          <p:nvPr/>
+        </p:nvSpPr>
+        <p:spPr>
+          <a:xfrm>
+            <a:off x="7721712" y="1951938"/>
+            <a:ext cx="2853267" cy="369332"/>
+          </a:xfrm>
+          <a:prstGeom prst="rect">
+            <a:avLst/>
+          </a:prstGeom>
+          <a:noFill/>
+        </p:spPr>
+        <p:txBody>
+          <a:bodyPr wrap="square" rtlCol="0">
+            <a:spAutoFit/>
+          </a:bodyPr>
+          <a:lstStyle/>
+          <a:p>
+            <a:r>
+              <a:rPr lang="en-US" dirty="0" smtClean="0"/>
+              <a:t>Alice’s Change</a:t>
+            </a:r>
+            <a:endParaRPr lang="en-US" dirty="0"/>
+          </a:p>
+        </p:txBody>
+      </p:sp>
+    </p:spTree>
+    <p:extLst>
+      <p:ext uri="{BB962C8B-B14F-4D97-AF65-F5344CB8AC3E}">
+        <p14:creationId xmlns:p14="http://schemas.microsoft.com/office/powerpoint/2010/main" val="148758104"/>
+      </p:ext>
+    </p:extLst>
+  </p:cSld>
+  <p:clrMapOvr>
+    <a:masterClrMapping/>
+  </p:clrMapOvr>
+  <p:timing>
+    <p:tnLst>
+      <p:par>
+        <p:cTn id="1" dur="indefinite" restart="never" nodeType="tmRoot"/>
+      </p:par>
+    </p:tnLst>
+  </p:timing>
+</p:sld>
+</file>
+
+<file path=ppt/slides/slide26.xml><?xml version="1.0" encoding="utf-8"?>
+<p:sld xmlns:a="http://schemas.openxmlformats.org/drawingml/2006/main" xmlns:r="http://schemas.openxmlformats.org/officeDocument/2006/relationships" xmlns:p="http://schemas.openxmlformats.org/presentationml/2006/main">
+  <p:cSld>
+    <p:spTree>
+      <p:nvGrpSpPr>
+        <p:cNvPr id="1" name=""/>
+        <p:cNvGrpSpPr/>
+        <p:nvPr/>
+      </p:nvGrpSpPr>
+      <p:grpSpPr>
+        <a:xfrm>
+          <a:off x="0" y="0"/>
+          <a:ext cx="0" cy="0"/>
+          <a:chOff x="0" y="0"/>
+          <a:chExt cx="0" cy="0"/>
+        </a:xfrm>
+      </p:grpSpPr>
+      <p:sp>
+        <p:nvSpPr>
+          <p:cNvPr id="2" name="Title 1"/>
+          <p:cNvSpPr>
+            <a:spLocks noGrp="1"/>
+          </p:cNvSpPr>
+          <p:nvPr>
+            <p:ph type="title"/>
+          </p:nvPr>
+        </p:nvSpPr>
+        <p:spPr/>
+        <p:txBody>
+          <a:bodyPr/>
+          <a:lstStyle/>
+          <a:p>
+            <a:r>
+              <a:rPr lang="en-US" dirty="0" smtClean="0"/>
+              <a:t>Merge Conflicts </a:t>
+            </a:r>
+            <a:r>
+              <a:rPr lang="en-US" dirty="0" smtClean="0">
+                <a:sym typeface="Wingdings" panose="05000000000000000000" pitchFamily="2" charset="2"/>
+              </a:rPr>
+              <a:t></a:t>
+            </a:r>
+            <a:endParaRPr lang="en-US" dirty="0"/>
+          </a:p>
+        </p:txBody>
+      </p:sp>
+      <p:sp>
+        <p:nvSpPr>
+          <p:cNvPr id="4" name="TextBox 3"/>
+          <p:cNvSpPr txBox="1"/>
+          <p:nvPr/>
+        </p:nvSpPr>
+        <p:spPr>
+          <a:xfrm>
+            <a:off x="1407496" y="2334278"/>
+            <a:ext cx="3264635" cy="1200329"/>
+          </a:xfrm>
+          <a:prstGeom prst="rect">
+            <a:avLst/>
+          </a:prstGeom>
+        </p:spPr>
+        <p:style>
+          <a:lnRef idx="2">
+            <a:schemeClr val="dk1"/>
+          </a:lnRef>
+          <a:fillRef idx="1">
+            <a:schemeClr val="lt1"/>
+          </a:fillRef>
+          <a:effectRef idx="0">
+            <a:schemeClr val="dk1"/>
+          </a:effectRef>
+          <a:fontRef idx="minor">
+            <a:schemeClr val="dk1"/>
+          </a:fontRef>
+        </p:style>
+        <p:txBody>
+          <a:bodyPr wrap="square" rtlCol="0">
+            <a:spAutoFit/>
+          </a:bodyPr>
+          <a:lstStyle/>
+          <a:p>
+            <a:r>
+              <a:rPr lang="en-US" dirty="0" smtClean="0"/>
+              <a:t>Apples</a:t>
+            </a:r>
+          </a:p>
+          <a:p>
+            <a:r>
+              <a:rPr lang="en-US" dirty="0" smtClean="0"/>
+              <a:t>Oranges</a:t>
+            </a:r>
+          </a:p>
+          <a:p>
+            <a:r>
+              <a:rPr lang="en-US" dirty="0" smtClean="0"/>
+              <a:t>Grapes</a:t>
+            </a:r>
+          </a:p>
+          <a:p>
+            <a:r>
+              <a:rPr lang="en-US" dirty="0" smtClean="0"/>
+              <a:t>Pears</a:t>
+            </a:r>
+          </a:p>
+        </p:txBody>
+      </p:sp>
+      <p:sp>
+        <p:nvSpPr>
+          <p:cNvPr id="6" name="TextBox 5"/>
+          <p:cNvSpPr txBox="1"/>
+          <p:nvPr/>
+        </p:nvSpPr>
+        <p:spPr>
+          <a:xfrm>
+            <a:off x="2350233" y="2934442"/>
+            <a:ext cx="3264635" cy="1477328"/>
+          </a:xfrm>
+          <a:prstGeom prst="rect">
+            <a:avLst/>
+          </a:prstGeom>
+          <a:solidFill>
+            <a:schemeClr val="accent1">
+              <a:lumMod val="40000"/>
+              <a:lumOff val="60000"/>
+            </a:schemeClr>
+          </a:solidFill>
+          <a:ln>
+            <a:prstDash val="sysDot"/>
+          </a:ln>
+        </p:spPr>
+        <p:style>
+          <a:lnRef idx="2">
+            <a:schemeClr val="dk1"/>
+          </a:lnRef>
+          <a:fillRef idx="1">
+            <a:schemeClr val="lt1"/>
+          </a:fillRef>
+          <a:effectRef idx="0">
+            <a:schemeClr val="dk1"/>
+          </a:effectRef>
+          <a:fontRef idx="minor">
+            <a:schemeClr val="dk1"/>
+          </a:fontRef>
+        </p:style>
+        <p:txBody>
+          <a:bodyPr wrap="square" rtlCol="0">
+            <a:spAutoFit/>
+          </a:bodyPr>
+          <a:lstStyle/>
+          <a:p>
+            <a:r>
+              <a:rPr lang="en-US" dirty="0" smtClean="0"/>
+              <a:t>Apples</a:t>
+            </a:r>
+          </a:p>
+          <a:p>
+            <a:r>
+              <a:rPr lang="en-US" dirty="0" smtClean="0">
+                <a:solidFill>
+                  <a:schemeClr val="tx1"/>
+                </a:solidFill>
+              </a:rPr>
+              <a:t>Oranges</a:t>
+            </a:r>
+          </a:p>
+          <a:p>
+            <a:r>
+              <a:rPr lang="en-US" dirty="0" smtClean="0"/>
+              <a:t>Grapes</a:t>
+            </a:r>
+          </a:p>
+          <a:p>
+            <a:r>
+              <a:rPr lang="en-US" dirty="0" smtClean="0"/>
+              <a:t>Pears</a:t>
+            </a:r>
+          </a:p>
+          <a:p>
+            <a:r>
+              <a:rPr lang="en-US" dirty="0" smtClean="0">
+                <a:solidFill>
+                  <a:srgbClr val="00B050"/>
+                </a:solidFill>
+              </a:rPr>
+              <a:t>Pizza</a:t>
+            </a:r>
+          </a:p>
+        </p:txBody>
+      </p:sp>
+      <p:sp>
+        <p:nvSpPr>
+          <p:cNvPr id="10" name="TextBox 9"/>
+          <p:cNvSpPr txBox="1"/>
+          <p:nvPr/>
+        </p:nvSpPr>
+        <p:spPr>
+          <a:xfrm>
+            <a:off x="6778975" y="2334279"/>
+            <a:ext cx="3264635" cy="1200329"/>
+          </a:xfrm>
+          <a:prstGeom prst="rect">
+            <a:avLst/>
+          </a:prstGeom>
+        </p:spPr>
+        <p:style>
+          <a:lnRef idx="2">
+            <a:schemeClr val="dk1"/>
+          </a:lnRef>
+          <a:fillRef idx="1">
+            <a:schemeClr val="lt1"/>
+          </a:fillRef>
+          <a:effectRef idx="0">
+            <a:schemeClr val="dk1"/>
+          </a:effectRef>
+          <a:fontRef idx="minor">
+            <a:schemeClr val="dk1"/>
+          </a:fontRef>
+        </p:style>
+        <p:txBody>
+          <a:bodyPr wrap="square" rtlCol="0">
+            <a:spAutoFit/>
+          </a:bodyPr>
+          <a:lstStyle/>
+          <a:p>
+            <a:r>
+              <a:rPr lang="en-US" dirty="0" smtClean="0"/>
+              <a:t>Apples</a:t>
+            </a:r>
+          </a:p>
+          <a:p>
+            <a:r>
+              <a:rPr lang="en-US" dirty="0" smtClean="0"/>
+              <a:t>Oranges</a:t>
+            </a:r>
+          </a:p>
+          <a:p>
+            <a:r>
+              <a:rPr lang="en-US" dirty="0" smtClean="0"/>
+              <a:t>Grapes</a:t>
+            </a:r>
+          </a:p>
+          <a:p>
+            <a:r>
+              <a:rPr lang="en-US" dirty="0" smtClean="0"/>
+              <a:t>Pears</a:t>
+            </a:r>
+          </a:p>
+        </p:txBody>
+      </p:sp>
+      <p:sp>
+        <p:nvSpPr>
+          <p:cNvPr id="11" name="TextBox 10"/>
+          <p:cNvSpPr txBox="1"/>
+          <p:nvPr/>
+        </p:nvSpPr>
+        <p:spPr>
+          <a:xfrm>
+            <a:off x="7721712" y="2934443"/>
+            <a:ext cx="3264635" cy="1200329"/>
+          </a:xfrm>
+          <a:prstGeom prst="rect">
+            <a:avLst/>
+          </a:prstGeom>
+          <a:solidFill>
+            <a:schemeClr val="accent1">
+              <a:lumMod val="40000"/>
+              <a:lumOff val="60000"/>
+            </a:schemeClr>
+          </a:solidFill>
+          <a:ln>
+            <a:prstDash val="sysDot"/>
+          </a:ln>
+        </p:spPr>
+        <p:style>
+          <a:lnRef idx="2">
+            <a:schemeClr val="dk1"/>
+          </a:lnRef>
+          <a:fillRef idx="1">
+            <a:schemeClr val="lt1"/>
+          </a:fillRef>
+          <a:effectRef idx="0">
+            <a:schemeClr val="dk1"/>
+          </a:effectRef>
+          <a:fontRef idx="minor">
+            <a:schemeClr val="dk1"/>
+          </a:fontRef>
+        </p:style>
+        <p:txBody>
+          <a:bodyPr wrap="square" rtlCol="0">
+            <a:spAutoFit/>
+          </a:bodyPr>
+          <a:lstStyle/>
+          <a:p>
+            <a:r>
+              <a:rPr lang="en-US" dirty="0" smtClean="0"/>
+              <a:t>Apples</a:t>
+            </a:r>
+          </a:p>
+          <a:p>
+            <a:r>
+              <a:rPr lang="en-US" strike="sngStrike" dirty="0" smtClean="0">
+                <a:solidFill>
+                  <a:srgbClr val="FF0000"/>
+                </a:solidFill>
+              </a:rPr>
+              <a:t>Oranges</a:t>
+            </a:r>
+            <a:endParaRPr lang="en-US" dirty="0" smtClean="0">
+              <a:solidFill>
+                <a:srgbClr val="00B050"/>
+              </a:solidFill>
+            </a:endParaRPr>
+          </a:p>
+          <a:p>
+            <a:r>
+              <a:rPr lang="en-US" dirty="0" smtClean="0"/>
+              <a:t>Grapes</a:t>
+            </a:r>
+          </a:p>
+          <a:p>
+            <a:r>
+              <a:rPr lang="en-US" dirty="0" smtClean="0"/>
+              <a:t>Pears</a:t>
+            </a:r>
+          </a:p>
+        </p:txBody>
+      </p:sp>
+      <p:sp>
+        <p:nvSpPr>
+          <p:cNvPr id="3" name="TextBox 2"/>
+          <p:cNvSpPr txBox="1"/>
+          <p:nvPr/>
+        </p:nvSpPr>
+        <p:spPr>
+          <a:xfrm>
+            <a:off x="2290232" y="1966569"/>
+            <a:ext cx="2853267" cy="369332"/>
+          </a:xfrm>
+          <a:prstGeom prst="rect">
+            <a:avLst/>
+          </a:prstGeom>
+          <a:noFill/>
+        </p:spPr>
+        <p:txBody>
+          <a:bodyPr wrap="square" rtlCol="0">
+            <a:spAutoFit/>
+          </a:bodyPr>
+          <a:lstStyle/>
+          <a:p>
+            <a:r>
+              <a:rPr lang="en-US" dirty="0" smtClean="0"/>
+              <a:t>Bob’s Change</a:t>
+            </a:r>
+            <a:endParaRPr lang="en-US" dirty="0"/>
+          </a:p>
+        </p:txBody>
+      </p:sp>
+      <p:sp>
+        <p:nvSpPr>
+          <p:cNvPr id="12" name="TextBox 11"/>
+          <p:cNvSpPr txBox="1"/>
+          <p:nvPr/>
+        </p:nvSpPr>
+        <p:spPr>
+          <a:xfrm>
+            <a:off x="7721712" y="1951938"/>
+            <a:ext cx="2853267" cy="369332"/>
+          </a:xfrm>
+          <a:prstGeom prst="rect">
+            <a:avLst/>
+          </a:prstGeom>
+          <a:noFill/>
+        </p:spPr>
+        <p:txBody>
+          <a:bodyPr wrap="square" rtlCol="0">
+            <a:spAutoFit/>
+          </a:bodyPr>
+          <a:lstStyle/>
+          <a:p>
+            <a:r>
+              <a:rPr lang="en-US" dirty="0" smtClean="0"/>
+              <a:t>Alice’s Change</a:t>
+            </a:r>
+            <a:endParaRPr lang="en-US" dirty="0"/>
+          </a:p>
+        </p:txBody>
+      </p:sp>
+      <p:sp>
+        <p:nvSpPr>
+          <p:cNvPr id="13" name="TextBox 12"/>
+          <p:cNvSpPr txBox="1"/>
+          <p:nvPr/>
+        </p:nvSpPr>
+        <p:spPr>
+          <a:xfrm>
+            <a:off x="6237107" y="4731690"/>
+            <a:ext cx="3264635" cy="1200329"/>
+          </a:xfrm>
+          <a:prstGeom prst="rect">
+            <a:avLst/>
+          </a:prstGeom>
+        </p:spPr>
+        <p:style>
+          <a:lnRef idx="2">
+            <a:schemeClr val="dk1"/>
+          </a:lnRef>
+          <a:fillRef idx="1">
+            <a:schemeClr val="lt1"/>
+          </a:fillRef>
+          <a:effectRef idx="0">
+            <a:schemeClr val="dk1"/>
+          </a:effectRef>
+          <a:fontRef idx="minor">
+            <a:schemeClr val="dk1"/>
+          </a:fontRef>
+        </p:style>
+        <p:txBody>
+          <a:bodyPr wrap="square" rtlCol="0">
+            <a:spAutoFit/>
+          </a:bodyPr>
+          <a:lstStyle/>
+          <a:p>
+            <a:r>
+              <a:rPr lang="en-US" dirty="0" smtClean="0"/>
+              <a:t>Apples</a:t>
+            </a:r>
+          </a:p>
+          <a:p>
+            <a:r>
+              <a:rPr lang="en-US" dirty="0" smtClean="0"/>
+              <a:t>Grapes</a:t>
+            </a:r>
+          </a:p>
+          <a:p>
+            <a:r>
+              <a:rPr lang="en-US" dirty="0" smtClean="0"/>
+              <a:t>Pears</a:t>
+            </a:r>
+          </a:p>
+          <a:p>
+            <a:r>
+              <a:rPr lang="en-US" dirty="0" smtClean="0"/>
+              <a:t>Pizza</a:t>
+            </a:r>
+          </a:p>
+        </p:txBody>
+      </p:sp>
+      <p:cxnSp>
+        <p:nvCxnSpPr>
+          <p:cNvPr id="22" name="Elbow Connector 21"/>
+          <p:cNvCxnSpPr>
+            <a:stCxn id="6" idx="2"/>
+            <a:endCxn id="13" idx="1"/>
+          </p:cNvCxnSpPr>
+          <p:nvPr/>
+        </p:nvCxnSpPr>
+        <p:spPr>
+          <a:xfrm rot="16200000" flipH="1">
+            <a:off x="4649787" y="3744534"/>
+            <a:ext cx="920085" cy="2254556"/>
+          </a:xfrm>
+          <a:prstGeom prst="bentConnector2">
+            <a:avLst/>
+          </a:prstGeom>
+          <a:ln w="76200">
+            <a:tailEnd type="triangle"/>
+          </a:ln>
+        </p:spPr>
+        <p:style>
+          <a:lnRef idx="1">
+            <a:schemeClr val="accent1"/>
+          </a:lnRef>
+          <a:fillRef idx="0">
+            <a:schemeClr val="accent1"/>
+          </a:fillRef>
+          <a:effectRef idx="0">
+            <a:schemeClr val="accent1"/>
+          </a:effectRef>
+          <a:fontRef idx="minor">
+            <a:schemeClr val="tx1"/>
+          </a:fontRef>
+        </p:style>
+      </p:cxnSp>
+      <p:cxnSp>
+        <p:nvCxnSpPr>
+          <p:cNvPr id="24" name="Elbow Connector 23"/>
+          <p:cNvCxnSpPr>
+            <a:stCxn id="11" idx="2"/>
+            <a:endCxn id="13" idx="0"/>
+          </p:cNvCxnSpPr>
+          <p:nvPr/>
+        </p:nvCxnSpPr>
+        <p:spPr>
+          <a:xfrm rot="5400000">
+            <a:off x="8313269" y="3690929"/>
+            <a:ext cx="596918" cy="1484605"/>
+          </a:xfrm>
+          <a:prstGeom prst="bentConnector3">
+            <a:avLst/>
+          </a:prstGeom>
+          <a:ln w="76200">
+            <a:tailEnd type="triangle"/>
+          </a:ln>
+        </p:spPr>
+        <p:style>
+          <a:lnRef idx="1">
+            <a:schemeClr val="accent1"/>
+          </a:lnRef>
+          <a:fillRef idx="0">
+            <a:schemeClr val="accent1"/>
+          </a:fillRef>
+          <a:effectRef idx="0">
+            <a:schemeClr val="accent1"/>
+          </a:effectRef>
+          <a:fontRef idx="minor">
+            <a:schemeClr val="tx1"/>
+          </a:fontRef>
+        </p:style>
+      </p:cxnSp>
+      <p:pic>
+        <p:nvPicPr>
+          <p:cNvPr id="5" name="Picture 4"/>
+          <p:cNvPicPr>
+            <a:picLocks noChangeAspect="1"/>
+          </p:cNvPicPr>
+          <p:nvPr/>
+        </p:nvPicPr>
+        <p:blipFill>
+          <a:blip r:embed="rId2"/>
+          <a:stretch>
+            <a:fillRect/>
+          </a:stretch>
+        </p:blipFill>
+        <p:spPr>
+          <a:xfrm>
+            <a:off x="8678445" y="4871812"/>
+            <a:ext cx="749173" cy="597655"/>
+          </a:xfrm>
+          <a:prstGeom prst="rect">
+            <a:avLst/>
+          </a:prstGeom>
+        </p:spPr>
+      </p:pic>
+    </p:spTree>
+    <p:extLst>
+      <p:ext uri="{BB962C8B-B14F-4D97-AF65-F5344CB8AC3E}">
+        <p14:creationId xmlns:p14="http://schemas.microsoft.com/office/powerpoint/2010/main" val="2839979241"/>
+      </p:ext>
+    </p:extLst>
+  </p:cSld>
+  <p:clrMapOvr>
+    <a:masterClrMapping/>
+  </p:clrMapOvr>
+  <p:timing>
+    <p:tnLst>
+      <p:par>
+        <p:cTn id="1" dur="indefinite" restart="never" nodeType="tmRoot"/>
+      </p:par>
+    </p:tnLst>
+  </p:timing>
+</p:sld>
+</file>
+
+<file path=ppt/slides/slide27.xml><?xml version="1.0" encoding="utf-8"?>
+<p:sld xmlns:a="http://schemas.openxmlformats.org/drawingml/2006/main" xmlns:r="http://schemas.openxmlformats.org/officeDocument/2006/relationships" xmlns:p="http://schemas.openxmlformats.org/presentationml/2006/main">
+  <p:cSld>
+    <p:spTree>
+      <p:nvGrpSpPr>
+        <p:cNvPr id="1" name=""/>
+        <p:cNvGrpSpPr/>
+        <p:nvPr/>
+      </p:nvGrpSpPr>
+      <p:grpSpPr>
+        <a:xfrm>
+          <a:off x="0" y="0"/>
+          <a:ext cx="0" cy="0"/>
+          <a:chOff x="0" y="0"/>
+          <a:chExt cx="0" cy="0"/>
+        </a:xfrm>
+      </p:grpSpPr>
+      <p:sp>
+        <p:nvSpPr>
+          <p:cNvPr id="2" name="Title 1"/>
+          <p:cNvSpPr>
+            <a:spLocks noGrp="1"/>
+          </p:cNvSpPr>
+          <p:nvPr>
+            <p:ph type="title"/>
+          </p:nvPr>
+        </p:nvSpPr>
+        <p:spPr/>
+        <p:txBody>
+          <a:bodyPr/>
+          <a:lstStyle/>
+          <a:p>
+            <a:r>
+              <a:rPr lang="en-US" dirty="0" smtClean="0"/>
+              <a:t>Merge Conflicts </a:t>
+            </a:r>
+            <a:r>
+              <a:rPr lang="en-US" dirty="0" smtClean="0">
+                <a:sym typeface="Wingdings" panose="05000000000000000000" pitchFamily="2" charset="2"/>
+              </a:rPr>
+              <a:t></a:t>
+            </a:r>
+            <a:endParaRPr lang="en-US" dirty="0"/>
+          </a:p>
+        </p:txBody>
+      </p:sp>
+      <p:sp>
+        <p:nvSpPr>
+          <p:cNvPr id="4" name="TextBox 3"/>
+          <p:cNvSpPr txBox="1"/>
+          <p:nvPr/>
+        </p:nvSpPr>
+        <p:spPr>
+          <a:xfrm>
+            <a:off x="1407496" y="2334278"/>
+            <a:ext cx="3264635" cy="1200329"/>
+          </a:xfrm>
+          <a:prstGeom prst="rect">
+            <a:avLst/>
+          </a:prstGeom>
+        </p:spPr>
+        <p:style>
+          <a:lnRef idx="2">
+            <a:schemeClr val="dk1"/>
+          </a:lnRef>
+          <a:fillRef idx="1">
+            <a:schemeClr val="lt1"/>
+          </a:fillRef>
+          <a:effectRef idx="0">
+            <a:schemeClr val="dk1"/>
+          </a:effectRef>
+          <a:fontRef idx="minor">
+            <a:schemeClr val="dk1"/>
+          </a:fontRef>
+        </p:style>
+        <p:txBody>
+          <a:bodyPr wrap="square" rtlCol="0">
+            <a:spAutoFit/>
+          </a:bodyPr>
+          <a:lstStyle/>
+          <a:p>
+            <a:r>
+              <a:rPr lang="en-US" dirty="0" smtClean="0"/>
+              <a:t>Apples</a:t>
+            </a:r>
+          </a:p>
+          <a:p>
+            <a:r>
+              <a:rPr lang="en-US" dirty="0" smtClean="0"/>
+              <a:t>Oranges</a:t>
+            </a:r>
+          </a:p>
+          <a:p>
+            <a:r>
+              <a:rPr lang="en-US" dirty="0" smtClean="0"/>
+              <a:t>Grapes</a:t>
+            </a:r>
+          </a:p>
+          <a:p>
+            <a:r>
+              <a:rPr lang="en-US" dirty="0" smtClean="0"/>
+              <a:t>Pears</a:t>
+            </a:r>
+          </a:p>
+        </p:txBody>
+      </p:sp>
+      <p:sp>
+        <p:nvSpPr>
+          <p:cNvPr id="6" name="TextBox 5"/>
+          <p:cNvSpPr txBox="1"/>
+          <p:nvPr/>
+        </p:nvSpPr>
+        <p:spPr>
+          <a:xfrm>
+            <a:off x="2350233" y="2934442"/>
+            <a:ext cx="3264635" cy="1200329"/>
+          </a:xfrm>
+          <a:prstGeom prst="rect">
+            <a:avLst/>
+          </a:prstGeom>
+          <a:solidFill>
+            <a:schemeClr val="accent1">
+              <a:lumMod val="40000"/>
+              <a:lumOff val="60000"/>
+            </a:schemeClr>
+          </a:solidFill>
+          <a:ln>
+            <a:prstDash val="sysDot"/>
+          </a:ln>
+        </p:spPr>
+        <p:style>
+          <a:lnRef idx="2">
+            <a:schemeClr val="dk1"/>
+          </a:lnRef>
+          <a:fillRef idx="1">
+            <a:schemeClr val="lt1"/>
+          </a:fillRef>
+          <a:effectRef idx="0">
+            <a:schemeClr val="dk1"/>
+          </a:effectRef>
+          <a:fontRef idx="minor">
+            <a:schemeClr val="dk1"/>
+          </a:fontRef>
+        </p:style>
+        <p:txBody>
+          <a:bodyPr wrap="square" rtlCol="0">
+            <a:spAutoFit/>
+          </a:bodyPr>
+          <a:lstStyle/>
+          <a:p>
+            <a:r>
+              <a:rPr lang="en-US" dirty="0" smtClean="0"/>
+              <a:t>Apples</a:t>
+            </a:r>
+          </a:p>
+          <a:p>
+            <a:r>
+              <a:rPr lang="en-US" strike="sngStrike" dirty="0" err="1" smtClean="0">
+                <a:solidFill>
+                  <a:srgbClr val="FF0000"/>
+                </a:solidFill>
+              </a:rPr>
+              <a:t>Oranges</a:t>
+            </a:r>
+            <a:r>
+              <a:rPr lang="en-US" dirty="0" err="1" smtClean="0">
+                <a:solidFill>
+                  <a:srgbClr val="00B050"/>
+                </a:solidFill>
+              </a:rPr>
+              <a:t>Pizza</a:t>
+            </a:r>
+            <a:endParaRPr lang="en-US" dirty="0" smtClean="0">
+              <a:solidFill>
+                <a:srgbClr val="00B050"/>
+              </a:solidFill>
+            </a:endParaRPr>
+          </a:p>
+          <a:p>
+            <a:r>
+              <a:rPr lang="en-US" dirty="0" smtClean="0"/>
+              <a:t>Grapes</a:t>
+            </a:r>
+          </a:p>
+          <a:p>
+            <a:r>
+              <a:rPr lang="en-US" dirty="0" smtClean="0"/>
+              <a:t>Pears</a:t>
+            </a:r>
+          </a:p>
+        </p:txBody>
+      </p:sp>
+      <p:sp>
+        <p:nvSpPr>
+          <p:cNvPr id="10" name="TextBox 9"/>
+          <p:cNvSpPr txBox="1"/>
+          <p:nvPr/>
+        </p:nvSpPr>
+        <p:spPr>
+          <a:xfrm>
+            <a:off x="6778975" y="2334279"/>
+            <a:ext cx="3264635" cy="1200329"/>
+          </a:xfrm>
+          <a:prstGeom prst="rect">
+            <a:avLst/>
+          </a:prstGeom>
+        </p:spPr>
+        <p:style>
+          <a:lnRef idx="2">
+            <a:schemeClr val="dk1"/>
+          </a:lnRef>
+          <a:fillRef idx="1">
+            <a:schemeClr val="lt1"/>
+          </a:fillRef>
+          <a:effectRef idx="0">
+            <a:schemeClr val="dk1"/>
+          </a:effectRef>
+          <a:fontRef idx="minor">
+            <a:schemeClr val="dk1"/>
+          </a:fontRef>
+        </p:style>
+        <p:txBody>
+          <a:bodyPr wrap="square" rtlCol="0">
+            <a:spAutoFit/>
+          </a:bodyPr>
+          <a:lstStyle/>
+          <a:p>
+            <a:r>
+              <a:rPr lang="en-US" dirty="0" smtClean="0"/>
+              <a:t>Apples</a:t>
+            </a:r>
+          </a:p>
+          <a:p>
+            <a:r>
+              <a:rPr lang="en-US" dirty="0" smtClean="0"/>
+              <a:t>Oranges</a:t>
+            </a:r>
+          </a:p>
+          <a:p>
+            <a:r>
+              <a:rPr lang="en-US" dirty="0" smtClean="0"/>
+              <a:t>Grapes</a:t>
+            </a:r>
+          </a:p>
+          <a:p>
+            <a:r>
+              <a:rPr lang="en-US" dirty="0" smtClean="0"/>
+              <a:t>Pears</a:t>
+            </a:r>
+          </a:p>
+        </p:txBody>
+      </p:sp>
+      <p:sp>
+        <p:nvSpPr>
+          <p:cNvPr id="11" name="TextBox 10"/>
+          <p:cNvSpPr txBox="1"/>
+          <p:nvPr/>
+        </p:nvSpPr>
+        <p:spPr>
+          <a:xfrm>
+            <a:off x="7721712" y="2934443"/>
+            <a:ext cx="3264635" cy="1200329"/>
+          </a:xfrm>
+          <a:prstGeom prst="rect">
+            <a:avLst/>
+          </a:prstGeom>
+          <a:solidFill>
+            <a:schemeClr val="accent1">
+              <a:lumMod val="40000"/>
+              <a:lumOff val="60000"/>
+            </a:schemeClr>
+          </a:solidFill>
+          <a:ln>
+            <a:prstDash val="sysDot"/>
+          </a:ln>
+        </p:spPr>
+        <p:style>
+          <a:lnRef idx="2">
+            <a:schemeClr val="dk1"/>
+          </a:lnRef>
+          <a:fillRef idx="1">
+            <a:schemeClr val="lt1"/>
+          </a:fillRef>
+          <a:effectRef idx="0">
+            <a:schemeClr val="dk1"/>
+          </a:effectRef>
+          <a:fontRef idx="minor">
+            <a:schemeClr val="dk1"/>
+          </a:fontRef>
+        </p:style>
+        <p:txBody>
+          <a:bodyPr wrap="square" rtlCol="0">
+            <a:spAutoFit/>
+          </a:bodyPr>
+          <a:lstStyle/>
+          <a:p>
+            <a:r>
+              <a:rPr lang="en-US" dirty="0" smtClean="0"/>
+              <a:t>Apples</a:t>
+            </a:r>
+          </a:p>
+          <a:p>
+            <a:r>
+              <a:rPr lang="en-US" strike="sngStrike" dirty="0" err="1" smtClean="0">
+                <a:solidFill>
+                  <a:srgbClr val="FF0000"/>
+                </a:solidFill>
+              </a:rPr>
+              <a:t>Oranges</a:t>
+            </a:r>
+            <a:r>
+              <a:rPr lang="en-US" dirty="0" err="1" smtClean="0">
+                <a:solidFill>
+                  <a:srgbClr val="00B050"/>
+                </a:solidFill>
+              </a:rPr>
+              <a:t>Cheeseburgers</a:t>
+            </a:r>
+            <a:endParaRPr lang="en-US" dirty="0" smtClean="0">
+              <a:solidFill>
+                <a:srgbClr val="00B050"/>
+              </a:solidFill>
+            </a:endParaRPr>
+          </a:p>
+          <a:p>
+            <a:r>
+              <a:rPr lang="en-US" dirty="0" smtClean="0"/>
+              <a:t>Grapes</a:t>
+            </a:r>
+          </a:p>
+          <a:p>
+            <a:r>
+              <a:rPr lang="en-US" dirty="0" smtClean="0"/>
+              <a:t>Pears</a:t>
+            </a:r>
+          </a:p>
+        </p:txBody>
+      </p:sp>
+      <p:sp>
+        <p:nvSpPr>
+          <p:cNvPr id="3" name="TextBox 2"/>
+          <p:cNvSpPr txBox="1"/>
+          <p:nvPr/>
+        </p:nvSpPr>
+        <p:spPr>
+          <a:xfrm>
+            <a:off x="2290232" y="1966569"/>
+            <a:ext cx="2853267" cy="369332"/>
+          </a:xfrm>
+          <a:prstGeom prst="rect">
+            <a:avLst/>
+          </a:prstGeom>
+          <a:noFill/>
+        </p:spPr>
+        <p:txBody>
+          <a:bodyPr wrap="square" rtlCol="0">
+            <a:spAutoFit/>
+          </a:bodyPr>
+          <a:lstStyle/>
+          <a:p>
+            <a:r>
+              <a:rPr lang="en-US" dirty="0" smtClean="0"/>
+              <a:t>Bob’s Change</a:t>
+            </a:r>
+            <a:endParaRPr lang="en-US" dirty="0"/>
+          </a:p>
+        </p:txBody>
+      </p:sp>
+      <p:sp>
+        <p:nvSpPr>
+          <p:cNvPr id="12" name="TextBox 11"/>
+          <p:cNvSpPr txBox="1"/>
+          <p:nvPr/>
+        </p:nvSpPr>
+        <p:spPr>
+          <a:xfrm>
+            <a:off x="7721712" y="1951938"/>
+            <a:ext cx="2853267" cy="369332"/>
+          </a:xfrm>
+          <a:prstGeom prst="rect">
+            <a:avLst/>
+          </a:prstGeom>
+          <a:noFill/>
+        </p:spPr>
+        <p:txBody>
+          <a:bodyPr wrap="square" rtlCol="0">
+            <a:spAutoFit/>
+          </a:bodyPr>
+          <a:lstStyle/>
+          <a:p>
+            <a:r>
+              <a:rPr lang="en-US" dirty="0" smtClean="0"/>
+              <a:t>Alice’s Change</a:t>
+            </a:r>
+            <a:endParaRPr lang="en-US" dirty="0"/>
+          </a:p>
+        </p:txBody>
+      </p:sp>
+    </p:spTree>
+    <p:extLst>
+      <p:ext uri="{BB962C8B-B14F-4D97-AF65-F5344CB8AC3E}">
+        <p14:creationId xmlns:p14="http://schemas.microsoft.com/office/powerpoint/2010/main" val="1500679838"/>
+      </p:ext>
+    </p:extLst>
+  </p:cSld>
+  <p:clrMapOvr>
+    <a:masterClrMapping/>
+  </p:clrMapOvr>
+  <p:timing>
+    <p:tnLst>
+      <p:par>
+        <p:cTn id="1" dur="indefinite" restart="never" nodeType="tmRoot"/>
+      </p:par>
+    </p:tnLst>
+  </p:timing>
+</p:sld>
+</file>
+
+<file path=ppt/slides/slide28.xml><?xml version="1.0" encoding="utf-8"?>
+<p:sld xmlns:a="http://schemas.openxmlformats.org/drawingml/2006/main" xmlns:r="http://schemas.openxmlformats.org/officeDocument/2006/relationships" xmlns:p="http://schemas.openxmlformats.org/presentationml/2006/main">
+  <p:cSld>
+    <p:spTree>
+      <p:nvGrpSpPr>
+        <p:cNvPr id="1" name=""/>
+        <p:cNvGrpSpPr/>
+        <p:nvPr/>
+      </p:nvGrpSpPr>
+      <p:grpSpPr>
+        <a:xfrm>
+          <a:off x="0" y="0"/>
+          <a:ext cx="0" cy="0"/>
+          <a:chOff x="0" y="0"/>
+          <a:chExt cx="0" cy="0"/>
+        </a:xfrm>
+      </p:grpSpPr>
+      <p:sp>
+        <p:nvSpPr>
+          <p:cNvPr id="2" name="Title 1"/>
+          <p:cNvSpPr>
+            <a:spLocks noGrp="1"/>
+          </p:cNvSpPr>
+          <p:nvPr>
+            <p:ph type="title"/>
+          </p:nvPr>
+        </p:nvSpPr>
+        <p:spPr/>
+        <p:txBody>
+          <a:bodyPr/>
+          <a:lstStyle/>
+          <a:p>
+            <a:r>
+              <a:rPr lang="en-US" dirty="0" smtClean="0"/>
+              <a:t>Merge Conflicts </a:t>
+            </a:r>
+            <a:r>
+              <a:rPr lang="en-US" dirty="0" smtClean="0">
+                <a:sym typeface="Wingdings" panose="05000000000000000000" pitchFamily="2" charset="2"/>
+              </a:rPr>
+              <a:t></a:t>
+            </a:r>
+            <a:endParaRPr lang="en-US" dirty="0"/>
+          </a:p>
+        </p:txBody>
+      </p:sp>
+      <p:sp>
+        <p:nvSpPr>
+          <p:cNvPr id="4" name="TextBox 3"/>
+          <p:cNvSpPr txBox="1"/>
+          <p:nvPr/>
+        </p:nvSpPr>
+        <p:spPr>
+          <a:xfrm>
+            <a:off x="1407496" y="2334278"/>
+            <a:ext cx="3264635" cy="1200329"/>
+          </a:xfrm>
+          <a:prstGeom prst="rect">
+            <a:avLst/>
+          </a:prstGeom>
+        </p:spPr>
+        <p:style>
+          <a:lnRef idx="2">
+            <a:schemeClr val="dk1"/>
+          </a:lnRef>
+          <a:fillRef idx="1">
+            <a:schemeClr val="lt1"/>
+          </a:fillRef>
+          <a:effectRef idx="0">
+            <a:schemeClr val="dk1"/>
+          </a:effectRef>
+          <a:fontRef idx="minor">
+            <a:schemeClr val="dk1"/>
+          </a:fontRef>
+        </p:style>
+        <p:txBody>
+          <a:bodyPr wrap="square" rtlCol="0">
+            <a:spAutoFit/>
+          </a:bodyPr>
+          <a:lstStyle/>
+          <a:p>
+            <a:r>
+              <a:rPr lang="en-US" dirty="0" smtClean="0"/>
+              <a:t>Apples</a:t>
+            </a:r>
+          </a:p>
+          <a:p>
+            <a:r>
+              <a:rPr lang="en-US" dirty="0" smtClean="0"/>
+              <a:t>Oranges</a:t>
+            </a:r>
+          </a:p>
+          <a:p>
+            <a:r>
+              <a:rPr lang="en-US" dirty="0" smtClean="0"/>
+              <a:t>Grapes</a:t>
+            </a:r>
+          </a:p>
+          <a:p>
+            <a:r>
+              <a:rPr lang="en-US" dirty="0" smtClean="0"/>
+              <a:t>Pears</a:t>
+            </a:r>
+          </a:p>
+        </p:txBody>
+      </p:sp>
+      <p:sp>
+        <p:nvSpPr>
+          <p:cNvPr id="6" name="TextBox 5"/>
+          <p:cNvSpPr txBox="1"/>
+          <p:nvPr/>
+        </p:nvSpPr>
+        <p:spPr>
+          <a:xfrm>
+            <a:off x="2350233" y="2934442"/>
+            <a:ext cx="3264635" cy="1200329"/>
+          </a:xfrm>
+          <a:prstGeom prst="rect">
+            <a:avLst/>
+          </a:prstGeom>
+          <a:solidFill>
+            <a:schemeClr val="accent1">
+              <a:lumMod val="40000"/>
+              <a:lumOff val="60000"/>
+            </a:schemeClr>
+          </a:solidFill>
+          <a:ln>
+            <a:prstDash val="sysDot"/>
+          </a:ln>
+        </p:spPr>
+        <p:style>
+          <a:lnRef idx="2">
+            <a:schemeClr val="dk1"/>
+          </a:lnRef>
+          <a:fillRef idx="1">
+            <a:schemeClr val="lt1"/>
+          </a:fillRef>
+          <a:effectRef idx="0">
+            <a:schemeClr val="dk1"/>
+          </a:effectRef>
+          <a:fontRef idx="minor">
+            <a:schemeClr val="dk1"/>
+          </a:fontRef>
+        </p:style>
+        <p:txBody>
+          <a:bodyPr wrap="square" rtlCol="0">
+            <a:spAutoFit/>
+          </a:bodyPr>
+          <a:lstStyle/>
+          <a:p>
+            <a:r>
+              <a:rPr lang="en-US" dirty="0" smtClean="0"/>
+              <a:t>Apples</a:t>
+            </a:r>
+          </a:p>
+          <a:p>
+            <a:r>
+              <a:rPr lang="en-US" strike="sngStrike" dirty="0" err="1" smtClean="0">
+                <a:solidFill>
+                  <a:srgbClr val="FF0000"/>
+                </a:solidFill>
+              </a:rPr>
+              <a:t>Oranges</a:t>
+            </a:r>
+            <a:r>
+              <a:rPr lang="en-US" dirty="0" err="1" smtClean="0">
+                <a:solidFill>
+                  <a:srgbClr val="00B050"/>
+                </a:solidFill>
+              </a:rPr>
+              <a:t>Pizza</a:t>
+            </a:r>
+            <a:endParaRPr lang="en-US" dirty="0" smtClean="0">
+              <a:solidFill>
+                <a:srgbClr val="00B050"/>
+              </a:solidFill>
+            </a:endParaRPr>
+          </a:p>
+          <a:p>
+            <a:r>
+              <a:rPr lang="en-US" dirty="0" smtClean="0"/>
+              <a:t>Grapes</a:t>
+            </a:r>
+          </a:p>
+          <a:p>
+            <a:r>
+              <a:rPr lang="en-US" dirty="0" smtClean="0"/>
+              <a:t>Pears</a:t>
+            </a:r>
+          </a:p>
+        </p:txBody>
+      </p:sp>
+      <p:sp>
+        <p:nvSpPr>
+          <p:cNvPr id="10" name="TextBox 9"/>
+          <p:cNvSpPr txBox="1"/>
+          <p:nvPr/>
+        </p:nvSpPr>
+        <p:spPr>
+          <a:xfrm>
+            <a:off x="6778975" y="2334279"/>
+            <a:ext cx="3264635" cy="1200329"/>
+          </a:xfrm>
+          <a:prstGeom prst="rect">
+            <a:avLst/>
+          </a:prstGeom>
+        </p:spPr>
+        <p:style>
+          <a:lnRef idx="2">
+            <a:schemeClr val="dk1"/>
+          </a:lnRef>
+          <a:fillRef idx="1">
+            <a:schemeClr val="lt1"/>
+          </a:fillRef>
+          <a:effectRef idx="0">
+            <a:schemeClr val="dk1"/>
+          </a:effectRef>
+          <a:fontRef idx="minor">
+            <a:schemeClr val="dk1"/>
+          </a:fontRef>
+        </p:style>
+        <p:txBody>
+          <a:bodyPr wrap="square" rtlCol="0">
+            <a:spAutoFit/>
+          </a:bodyPr>
+          <a:lstStyle/>
+          <a:p>
+            <a:r>
+              <a:rPr lang="en-US" dirty="0" smtClean="0"/>
+              <a:t>Apples</a:t>
+            </a:r>
+          </a:p>
+          <a:p>
+            <a:r>
+              <a:rPr lang="en-US" dirty="0" smtClean="0"/>
+              <a:t>Oranges</a:t>
+            </a:r>
+          </a:p>
+          <a:p>
+            <a:r>
+              <a:rPr lang="en-US" dirty="0" smtClean="0"/>
+              <a:t>Grapes</a:t>
+            </a:r>
+          </a:p>
+          <a:p>
+            <a:r>
+              <a:rPr lang="en-US" dirty="0" smtClean="0"/>
+              <a:t>Pears</a:t>
+            </a:r>
+          </a:p>
+        </p:txBody>
+      </p:sp>
+      <p:sp>
+        <p:nvSpPr>
+          <p:cNvPr id="11" name="TextBox 10"/>
+          <p:cNvSpPr txBox="1"/>
+          <p:nvPr/>
+        </p:nvSpPr>
+        <p:spPr>
+          <a:xfrm>
+            <a:off x="7721712" y="2934443"/>
+            <a:ext cx="3264635" cy="1200329"/>
+          </a:xfrm>
+          <a:prstGeom prst="rect">
+            <a:avLst/>
+          </a:prstGeom>
+          <a:solidFill>
+            <a:schemeClr val="accent1">
+              <a:lumMod val="40000"/>
+              <a:lumOff val="60000"/>
+            </a:schemeClr>
+          </a:solidFill>
+          <a:ln>
+            <a:prstDash val="sysDot"/>
+          </a:ln>
+        </p:spPr>
+        <p:style>
+          <a:lnRef idx="2">
+            <a:schemeClr val="dk1"/>
+          </a:lnRef>
+          <a:fillRef idx="1">
+            <a:schemeClr val="lt1"/>
+          </a:fillRef>
+          <a:effectRef idx="0">
+            <a:schemeClr val="dk1"/>
+          </a:effectRef>
+          <a:fontRef idx="minor">
+            <a:schemeClr val="dk1"/>
+          </a:fontRef>
+        </p:style>
+        <p:txBody>
+          <a:bodyPr wrap="square" rtlCol="0">
+            <a:spAutoFit/>
+          </a:bodyPr>
+          <a:lstStyle/>
+          <a:p>
+            <a:r>
+              <a:rPr lang="en-US" dirty="0" smtClean="0"/>
+              <a:t>Apples</a:t>
+            </a:r>
+          </a:p>
+          <a:p>
+            <a:r>
+              <a:rPr lang="en-US" strike="sngStrike" dirty="0" err="1" smtClean="0">
+                <a:solidFill>
+                  <a:srgbClr val="FF0000"/>
+                </a:solidFill>
+              </a:rPr>
+              <a:t>Oranges</a:t>
+            </a:r>
+            <a:r>
+              <a:rPr lang="en-US" dirty="0" err="1" smtClean="0">
+                <a:solidFill>
+                  <a:srgbClr val="00B050"/>
+                </a:solidFill>
+              </a:rPr>
+              <a:t>Cheeseburgers</a:t>
+            </a:r>
+            <a:endParaRPr lang="en-US" dirty="0" smtClean="0">
+              <a:solidFill>
+                <a:srgbClr val="00B050"/>
+              </a:solidFill>
+            </a:endParaRPr>
+          </a:p>
+          <a:p>
+            <a:r>
+              <a:rPr lang="en-US" dirty="0" smtClean="0"/>
+              <a:t>Grapes</a:t>
+            </a:r>
+          </a:p>
+          <a:p>
+            <a:r>
+              <a:rPr lang="en-US" dirty="0" smtClean="0"/>
+              <a:t>Pears</a:t>
+            </a:r>
+          </a:p>
+        </p:txBody>
+      </p:sp>
+      <p:sp>
+        <p:nvSpPr>
+          <p:cNvPr id="3" name="TextBox 2"/>
+          <p:cNvSpPr txBox="1"/>
+          <p:nvPr/>
+        </p:nvSpPr>
+        <p:spPr>
+          <a:xfrm>
+            <a:off x="2290232" y="1966569"/>
+            <a:ext cx="2853267" cy="369332"/>
+          </a:xfrm>
+          <a:prstGeom prst="rect">
+            <a:avLst/>
+          </a:prstGeom>
+          <a:noFill/>
+        </p:spPr>
+        <p:txBody>
+          <a:bodyPr wrap="square" rtlCol="0">
+            <a:spAutoFit/>
+          </a:bodyPr>
+          <a:lstStyle/>
+          <a:p>
+            <a:r>
+              <a:rPr lang="en-US" dirty="0" smtClean="0"/>
+              <a:t>Bob’s Change</a:t>
+            </a:r>
+            <a:endParaRPr lang="en-US" dirty="0"/>
+          </a:p>
+        </p:txBody>
+      </p:sp>
+      <p:sp>
+        <p:nvSpPr>
+          <p:cNvPr id="12" name="TextBox 11"/>
+          <p:cNvSpPr txBox="1"/>
+          <p:nvPr/>
+        </p:nvSpPr>
+        <p:spPr>
+          <a:xfrm>
+            <a:off x="7721712" y="1951938"/>
+            <a:ext cx="2853267" cy="369332"/>
+          </a:xfrm>
+          <a:prstGeom prst="rect">
+            <a:avLst/>
+          </a:prstGeom>
+          <a:noFill/>
+        </p:spPr>
+        <p:txBody>
+          <a:bodyPr wrap="square" rtlCol="0">
+            <a:spAutoFit/>
+          </a:bodyPr>
+          <a:lstStyle/>
+          <a:p>
+            <a:r>
+              <a:rPr lang="en-US" dirty="0" smtClean="0"/>
+              <a:t>Alice’s Change</a:t>
+            </a:r>
+            <a:endParaRPr lang="en-US" dirty="0"/>
+          </a:p>
+        </p:txBody>
+      </p:sp>
+      <p:sp>
+        <p:nvSpPr>
+          <p:cNvPr id="13" name="TextBox 12"/>
+          <p:cNvSpPr txBox="1"/>
+          <p:nvPr/>
+        </p:nvSpPr>
+        <p:spPr>
+          <a:xfrm>
+            <a:off x="6237107" y="4731690"/>
+            <a:ext cx="3264635" cy="1200329"/>
+          </a:xfrm>
+          <a:prstGeom prst="rect">
+            <a:avLst/>
+          </a:prstGeom>
+        </p:spPr>
+        <p:style>
+          <a:lnRef idx="2">
+            <a:schemeClr val="dk1"/>
+          </a:lnRef>
+          <a:fillRef idx="1">
+            <a:schemeClr val="lt1"/>
+          </a:fillRef>
+          <a:effectRef idx="0">
+            <a:schemeClr val="dk1"/>
+          </a:effectRef>
+          <a:fontRef idx="minor">
+            <a:schemeClr val="dk1"/>
+          </a:fontRef>
+        </p:style>
+        <p:txBody>
+          <a:bodyPr wrap="square" rtlCol="0">
+            <a:spAutoFit/>
+          </a:bodyPr>
+          <a:lstStyle/>
+          <a:p>
+            <a:r>
+              <a:rPr lang="en-US" dirty="0" smtClean="0"/>
+              <a:t>Apples</a:t>
+            </a:r>
+          </a:p>
+          <a:p>
+            <a:r>
+              <a:rPr lang="en-US" dirty="0" smtClean="0"/>
+              <a:t>??????????</a:t>
+            </a:r>
+          </a:p>
+          <a:p>
+            <a:r>
+              <a:rPr lang="en-US" dirty="0" smtClean="0"/>
+              <a:t>Grapes</a:t>
+            </a:r>
+          </a:p>
+          <a:p>
+            <a:r>
+              <a:rPr lang="en-US" dirty="0" smtClean="0"/>
+              <a:t>Pears</a:t>
+            </a:r>
+          </a:p>
+        </p:txBody>
+      </p:sp>
+      <p:cxnSp>
+        <p:nvCxnSpPr>
+          <p:cNvPr id="22" name="Elbow Connector 21"/>
+          <p:cNvCxnSpPr>
+            <a:stCxn id="6" idx="2"/>
+            <a:endCxn id="13" idx="1"/>
+          </p:cNvCxnSpPr>
+          <p:nvPr/>
+        </p:nvCxnSpPr>
+        <p:spPr>
+          <a:xfrm rot="16200000" flipH="1">
+            <a:off x="4511287" y="3606035"/>
+            <a:ext cx="1197084" cy="2254556"/>
+          </a:xfrm>
+          <a:prstGeom prst="bentConnector2">
+            <a:avLst/>
+          </a:prstGeom>
+          <a:ln w="76200">
+            <a:tailEnd type="triangle"/>
+          </a:ln>
+        </p:spPr>
+        <p:style>
+          <a:lnRef idx="1">
+            <a:schemeClr val="accent1"/>
+          </a:lnRef>
+          <a:fillRef idx="0">
+            <a:schemeClr val="accent1"/>
+          </a:fillRef>
+          <a:effectRef idx="0">
+            <a:schemeClr val="accent1"/>
+          </a:effectRef>
+          <a:fontRef idx="minor">
+            <a:schemeClr val="tx1"/>
+          </a:fontRef>
+        </p:style>
+      </p:cxnSp>
+      <p:cxnSp>
+        <p:nvCxnSpPr>
+          <p:cNvPr id="24" name="Elbow Connector 23"/>
+          <p:cNvCxnSpPr>
+            <a:stCxn id="11" idx="2"/>
+            <a:endCxn id="13" idx="0"/>
+          </p:cNvCxnSpPr>
+          <p:nvPr/>
+        </p:nvCxnSpPr>
+        <p:spPr>
+          <a:xfrm rot="5400000">
+            <a:off x="8313269" y="3690929"/>
+            <a:ext cx="596918" cy="1484605"/>
+          </a:xfrm>
+          <a:prstGeom prst="bentConnector3">
+            <a:avLst/>
+          </a:prstGeom>
+          <a:ln w="76200">
+            <a:tailEnd type="triangle"/>
+          </a:ln>
+        </p:spPr>
+        <p:style>
+          <a:lnRef idx="1">
+            <a:schemeClr val="accent1"/>
+          </a:lnRef>
+          <a:fillRef idx="0">
+            <a:schemeClr val="accent1"/>
+          </a:fillRef>
+          <a:effectRef idx="0">
+            <a:schemeClr val="accent1"/>
+          </a:effectRef>
+          <a:fontRef idx="minor">
+            <a:schemeClr val="tx1"/>
+          </a:fontRef>
+        </p:style>
+      </p:cxnSp>
+      <p:pic>
+        <p:nvPicPr>
+          <p:cNvPr id="5" name="Picture 4"/>
+          <p:cNvPicPr>
+            <a:picLocks noChangeAspect="1"/>
+          </p:cNvPicPr>
+          <p:nvPr/>
+        </p:nvPicPr>
+        <p:blipFill>
+          <a:blip r:embed="rId2"/>
+          <a:stretch>
+            <a:fillRect/>
+          </a:stretch>
+        </p:blipFill>
+        <p:spPr>
+          <a:xfrm>
+            <a:off x="8788400" y="4772510"/>
+            <a:ext cx="655485" cy="620291"/>
+          </a:xfrm>
+          <a:prstGeom prst="rect">
+            <a:avLst/>
+          </a:prstGeom>
+        </p:spPr>
+      </p:pic>
+    </p:spTree>
+    <p:extLst>
+      <p:ext uri="{BB962C8B-B14F-4D97-AF65-F5344CB8AC3E}">
+        <p14:creationId xmlns:p14="http://schemas.microsoft.com/office/powerpoint/2010/main" val="2662215956"/>
+      </p:ext>
+    </p:extLst>
+  </p:cSld>
+  <p:clrMapOvr>
+    <a:masterClrMapping/>
+  </p:clrMapOvr>
+  <p:timing>
+    <p:tnLst>
+      <p:par>
+        <p:cTn id="1" dur="indefinite" restart="never" nodeType="tmRoot"/>
+      </p:par>
+    </p:tnLst>
+  </p:timing>
+</p:sld>
+</file>
+
+<file path=ppt/slides/slide29.xml><?xml version="1.0" encoding="utf-8"?>
+<p:sld xmlns:a="http://schemas.openxmlformats.org/drawingml/2006/main" xmlns:r="http://schemas.openxmlformats.org/officeDocument/2006/relationships" xmlns:p="http://schemas.openxmlformats.org/presentationml/2006/main">
+  <p:cSld>
+    <p:spTree>
+      <p:nvGrpSpPr>
+        <p:cNvPr id="1" name=""/>
+        <p:cNvGrpSpPr/>
+        <p:nvPr/>
+      </p:nvGrpSpPr>
+      <p:grpSpPr>
+        <a:xfrm>
+          <a:off x="0" y="0"/>
+          <a:ext cx="0" cy="0"/>
+          <a:chOff x="0" y="0"/>
+          <a:chExt cx="0" cy="0"/>
+        </a:xfrm>
+      </p:grpSpPr>
+      <p:sp>
+        <p:nvSpPr>
+          <p:cNvPr id="7" name="Rectangle 6"/>
+          <p:cNvSpPr/>
+          <p:nvPr/>
+        </p:nvSpPr>
+        <p:spPr>
+          <a:xfrm>
+            <a:off x="1049867" y="1651000"/>
+            <a:ext cx="10210800" cy="228600"/>
+          </a:xfrm>
+          <a:prstGeom prst="rect">
+            <a:avLst/>
+          </a:prstGeom>
+          <a:solidFill>
+            <a:schemeClr val="bg1"/>
+          </a:solidFill>
+          <a:ln>
+            <a:noFill/>
+          </a:ln>
+        </p:spPr>
+        <p:style>
+          <a:lnRef idx="2">
+            <a:schemeClr val="accent1">
+              <a:shade val="50000"/>
+            </a:schemeClr>
+          </a:lnRef>
+          <a:fillRef idx="1">
+            <a:schemeClr val="accent1"/>
+          </a:fillRef>
+          <a:effectRef idx="0">
+            <a:schemeClr val="accent1"/>
+          </a:effectRef>
+          <a:fontRef idx="minor">
+            <a:schemeClr val="lt1"/>
+          </a:fontRef>
+        </p:style>
+        <p:txBody>
+          <a:bodyPr rtlCol="0" anchor="ctr"/>
+          <a:lstStyle/>
+          <a:p>
+            <a:pPr algn="ctr"/>
+            <a:endParaRPr lang="en-US"/>
+          </a:p>
+        </p:txBody>
+      </p:sp>
+      <p:pic>
+        <p:nvPicPr>
+          <p:cNvPr id="2052" name="Picture 4" descr="How to Make a Demo CD (with Pictures) - wikiHow"/>
+          <p:cNvPicPr>
+            <a:picLocks noChangeAspect="1" noChangeArrowheads="1"/>
+          </p:cNvPicPr>
+          <p:nvPr/>
+        </p:nvPicPr>
+        <p:blipFill>
+          <a:blip r:embed="rId2">
+            <a:extLst>
+              <a:ext uri="{28A0092B-C50C-407E-A947-70E740481C1C}">
+                <a14:useLocalDpi xmlns:a14="http://schemas.microsoft.com/office/drawing/2010/main" val="0"/>
+              </a:ext>
+            </a:extLst>
+          </a:blip>
+          <a:srcRect/>
+          <a:stretch>
+            <a:fillRect/>
+          </a:stretch>
+        </p:blipFill>
+        <p:spPr bwMode="auto">
+          <a:xfrm>
+            <a:off x="2119841" y="252412"/>
+            <a:ext cx="7777692" cy="5833270"/>
+          </a:xfrm>
+          <a:prstGeom prst="rect">
+            <a:avLst/>
+          </a:prstGeom>
+          <a:noFill/>
+          <a:extLst>
+            <a:ext uri="{909E8E84-426E-40DD-AFC4-6F175D3DCCD1}">
+              <a14:hiddenFill xmlns:a14="http://schemas.microsoft.com/office/drawing/2010/main">
+                <a:solidFill>
+                  <a:srgbClr val="FFFFFF"/>
+                </a:solidFill>
+              </a14:hiddenFill>
+            </a:ext>
+          </a:extLst>
+        </p:spPr>
+      </p:pic>
+    </p:spTree>
+    <p:extLst>
+      <p:ext uri="{BB962C8B-B14F-4D97-AF65-F5344CB8AC3E}">
+        <p14:creationId xmlns:p14="http://schemas.microsoft.com/office/powerpoint/2010/main" val="1204961557"/>
       </p:ext>
     </p:extLst>
   </p:cSld>
@@ -9280,6 +11942,85 @@
     <p:extLst>
       <p:ext uri="{BB962C8B-B14F-4D97-AF65-F5344CB8AC3E}">
         <p14:creationId xmlns:p14="http://schemas.microsoft.com/office/powerpoint/2010/main" val="405491009"/>
+      </p:ext>
+    </p:extLst>
+  </p:cSld>
+  <p:clrMapOvr>
+    <a:masterClrMapping/>
+  </p:clrMapOvr>
+  <p:timing>
+    <p:tnLst>
+      <p:par>
+        <p:cTn id="1" dur="indefinite" restart="never" nodeType="tmRoot"/>
+      </p:par>
+    </p:tnLst>
+  </p:timing>
+</p:sld>
+</file>
+
+<file path=ppt/slides/slide30.xml><?xml version="1.0" encoding="utf-8"?>
+<p:sld xmlns:a="http://schemas.openxmlformats.org/drawingml/2006/main" xmlns:r="http://schemas.openxmlformats.org/officeDocument/2006/relationships" xmlns:p="http://schemas.openxmlformats.org/presentationml/2006/main">
+  <p:cSld>
+    <p:spTree>
+      <p:nvGrpSpPr>
+        <p:cNvPr id="1" name=""/>
+        <p:cNvGrpSpPr/>
+        <p:nvPr/>
+      </p:nvGrpSpPr>
+      <p:grpSpPr>
+        <a:xfrm>
+          <a:off x="0" y="0"/>
+          <a:ext cx="0" cy="0"/>
+          <a:chOff x="0" y="0"/>
+          <a:chExt cx="0" cy="0"/>
+        </a:xfrm>
+      </p:grpSpPr>
+      <p:sp>
+        <p:nvSpPr>
+          <p:cNvPr id="2" name="Title 1"/>
+          <p:cNvSpPr>
+            <a:spLocks noGrp="1"/>
+          </p:cNvSpPr>
+          <p:nvPr>
+            <p:ph type="title"/>
+          </p:nvPr>
+        </p:nvSpPr>
+        <p:spPr/>
+        <p:txBody>
+          <a:bodyPr/>
+          <a:lstStyle/>
+          <a:p>
+            <a:r>
+              <a:rPr lang="en-US" dirty="0" smtClean="0"/>
+              <a:t>Questions?</a:t>
+            </a:r>
+            <a:endParaRPr lang="en-US" dirty="0"/>
+          </a:p>
+        </p:txBody>
+      </p:sp>
+      <p:sp>
+        <p:nvSpPr>
+          <p:cNvPr id="3" name="Content Placeholder 2"/>
+          <p:cNvSpPr>
+            <a:spLocks noGrp="1"/>
+          </p:cNvSpPr>
+          <p:nvPr>
+            <p:ph idx="1"/>
+          </p:nvPr>
+        </p:nvSpPr>
+        <p:spPr/>
+        <p:txBody>
+          <a:bodyPr/>
+          <a:lstStyle/>
+          <a:p>
+            <a:endParaRPr lang="en-US"/>
+          </a:p>
+        </p:txBody>
+      </p:sp>
+    </p:spTree>
+    <p:extLst>
+      <p:ext uri="{BB962C8B-B14F-4D97-AF65-F5344CB8AC3E}">
+        <p14:creationId xmlns:p14="http://schemas.microsoft.com/office/powerpoint/2010/main" val="3036280036"/>
       </p:ext>
     </p:extLst>
   </p:cSld>
@@ -9660,7 +12401,15 @@
           <a:p>
             <a:r>
               <a:rPr lang="en-US" dirty="0" smtClean="0"/>
-              <a:t>Anatomy of a Repository</a:t>
+              <a:t>How </a:t>
+            </a:r>
+            <a:r>
+              <a:rPr lang="en-US" dirty="0" err="1" smtClean="0"/>
+              <a:t>Git</a:t>
+            </a:r>
+            <a:r>
+              <a:rPr lang="en-US" dirty="0" smtClean="0"/>
+              <a:t> Tracks Changes</a:t>
             </a:r>
             <a:endParaRPr lang="en-US" dirty="0"/>
           </a:p>
@@ -9668,155 +12417,153 @@
       </p:sp>
       <p:sp>
         <p:nvSpPr>
-          <p:cNvPr id="6" name="Rectangle 5"/>
-          <p:cNvSpPr/>
+          <p:cNvPr id="3" name="TextBox 2"/>
+          <p:cNvSpPr txBox="1"/>
           <p:nvPr/>
         </p:nvSpPr>
         <p:spPr>
           <a:xfrm>
-            <a:off x="1097279" y="1926772"/>
-            <a:ext cx="2008417" cy="4229100"/>
+            <a:off x="1178896" y="2131081"/>
+            <a:ext cx="3264635" cy="1200329"/>
           </a:xfrm>
           <a:prstGeom prst="rect">
             <a:avLst/>
           </a:prstGeom>
-          <a:noFill/>
-          <a:ln w="9525" cap="flat" cmpd="sng" algn="ctr">
-            <a:solidFill>
-              <a:schemeClr val="accent1"/>
-            </a:solidFill>
-            <a:prstDash val="solid"/>
-            <a:round/>
-            <a:headEnd type="none" w="med" len="med"/>
-            <a:tailEnd type="none" w="med" len="med"/>
-          </a:ln>
         </p:spPr>
         <p:style>
-          <a:lnRef idx="0">
-            <a:scrgbClr r="0" g="0" b="0"/>
+          <a:lnRef idx="2">
+            <a:schemeClr val="dk1"/>
           </a:lnRef>
-          <a:fillRef idx="0">
-            <a:scrgbClr r="0" g="0" b="0"/>
+          <a:fillRef idx="1">
+            <a:schemeClr val="lt1"/>
           </a:fillRef>
           <a:effectRef idx="0">
-            <a:scrgbClr r="0" g="0" b="0"/>
+            <a:schemeClr val="dk1"/>
           </a:effectRef>
           <a:fontRef idx="minor">
-            <a:schemeClr val="accent1"/>
+            <a:schemeClr val="dk1"/>
           </a:fontRef>
         </p:style>
         <p:txBody>
-          <a:bodyPr rtlCol="0" anchor="ctr"/>
-          <a:lstStyle/>
-          <a:p>
-            <a:pPr algn="ctr"/>
-            <a:r>
-              <a:rPr lang="en-US" dirty="0" smtClean="0">
-                <a:solidFill>
-                  <a:schemeClr val="tx1"/>
-                </a:solidFill>
-              </a:rPr>
-              <a:t>Working</a:t>
-            </a:r>
+          <a:bodyPr wrap="square" rtlCol="0">
+            <a:spAutoFit/>
+          </a:bodyPr>
+          <a:lstStyle/>
+          <a:p>
             <a:r>
               <a:rPr lang="en-US" dirty="0" smtClean="0"/>
-              <a:t> </a:t>
-            </a:r>
-            <a:r>
-              <a:rPr lang="en-US" dirty="0" smtClean="0">
-                <a:solidFill>
-                  <a:schemeClr val="tx1"/>
-                </a:solidFill>
-              </a:rPr>
-              <a:t>Directory</a:t>
-            </a:r>
-          </a:p>
-          <a:p>
-            <a:pPr algn="ctr"/>
-            <a:r>
-              <a:rPr lang="en-US" dirty="0" smtClean="0">
-                <a:solidFill>
-                  <a:schemeClr val="tx1"/>
-                </a:solidFill>
-              </a:rPr>
-              <a:t>(the folder with all your files)</a:t>
-            </a:r>
-            <a:endParaRPr lang="en-US" dirty="0">
-              <a:solidFill>
-                <a:schemeClr val="tx1"/>
-              </a:solidFill>
-            </a:endParaRPr>
-          </a:p>
-        </p:txBody>
-      </p:sp>
-      <p:sp>
-        <p:nvSpPr>
-          <p:cNvPr id="8" name="Rectangle 7"/>
-          <p:cNvSpPr/>
+              <a:t>Apples</a:t>
+            </a:r>
+          </a:p>
+          <a:p>
+            <a:r>
+              <a:rPr lang="en-US" dirty="0" smtClean="0"/>
+              <a:t>Oranges</a:t>
+            </a:r>
+          </a:p>
+          <a:p>
+            <a:r>
+              <a:rPr lang="en-US" dirty="0" smtClean="0"/>
+              <a:t>Grapes</a:t>
+            </a:r>
+          </a:p>
+          <a:p>
+            <a:r>
+              <a:rPr lang="en-US" dirty="0" smtClean="0"/>
+              <a:t>Pears</a:t>
+            </a:r>
+          </a:p>
+        </p:txBody>
+      </p:sp>
+      <p:sp>
+        <p:nvSpPr>
+          <p:cNvPr id="6" name="TextBox 5"/>
+          <p:cNvSpPr txBox="1"/>
           <p:nvPr/>
         </p:nvSpPr>
         <p:spPr>
           <a:xfrm>
-            <a:off x="5122271" y="1926772"/>
-            <a:ext cx="2008417" cy="4229100"/>
+            <a:off x="2861845" y="2731245"/>
+            <a:ext cx="3264635" cy="1477328"/>
           </a:xfrm>
           <a:prstGeom prst="rect">
             <a:avLst/>
           </a:prstGeom>
           <a:solidFill>
             <a:schemeClr val="accent1">
-              <a:alpha val="50000"/>
+              <a:lumMod val="40000"/>
+              <a:lumOff val="60000"/>
             </a:schemeClr>
           </a:solidFill>
           <a:ln>
-            <a:noFill/>
+            <a:prstDash val="sysDot"/>
           </a:ln>
         </p:spPr>
         <p:style>
-          <a:lnRef idx="0">
-            <a:scrgbClr r="0" g="0" b="0"/>
+          <a:lnRef idx="2">
+            <a:schemeClr val="dk1"/>
           </a:lnRef>
-          <a:fillRef idx="0">
-            <a:scrgbClr r="0" g="0" b="0"/>
+          <a:fillRef idx="1">
+            <a:schemeClr val="lt1"/>
           </a:fillRef>
           <a:effectRef idx="0">
-            <a:scrgbClr r="0" g="0" b="0"/>
+            <a:schemeClr val="dk1"/>
           </a:effectRef>
           <a:fontRef idx="minor">
-            <a:schemeClr val="lt1"/>
+            <a:schemeClr val="dk1"/>
           </a:fontRef>
         </p:style>
         <p:txBody>
-          <a:bodyPr rtlCol="0" anchor="ctr"/>
-          <a:lstStyle/>
-          <a:p>
-            <a:pPr algn="ctr"/>
+          <a:bodyPr wrap="square" rtlCol="0">
+            <a:spAutoFit/>
+          </a:bodyPr>
+          <a:lstStyle/>
+          <a:p>
+            <a:r>
+              <a:rPr lang="en-US" dirty="0" smtClean="0"/>
+              <a:t>Apples</a:t>
+            </a:r>
+          </a:p>
+          <a:p>
+            <a:r>
+              <a:rPr lang="en-US" dirty="0" smtClean="0"/>
+              <a:t>Oranges</a:t>
+            </a:r>
+          </a:p>
+          <a:p>
+            <a:r>
+              <a:rPr lang="en-US" dirty="0" smtClean="0"/>
+              <a:t>Grapes</a:t>
+            </a:r>
+          </a:p>
+          <a:p>
+            <a:r>
+              <a:rPr lang="en-US" dirty="0" smtClean="0"/>
+              <a:t>Pears</a:t>
+            </a:r>
+          </a:p>
+          <a:p>
             <a:r>
               <a:rPr lang="en-US" dirty="0" smtClean="0">
                 <a:solidFill>
-                  <a:schemeClr val="tx1"/>
-                </a:solidFill>
-              </a:rPr>
-              <a:t>Staging Area</a:t>
-            </a:r>
-            <a:endParaRPr lang="en-US" dirty="0">
-              <a:solidFill>
-                <a:schemeClr val="tx1"/>
-              </a:solidFill>
-            </a:endParaRPr>
-          </a:p>
-        </p:txBody>
-      </p:sp>
-      <p:sp>
-        <p:nvSpPr>
-          <p:cNvPr id="9" name="Rectangle 8"/>
-          <p:cNvSpPr/>
+                  <a:srgbClr val="00B050"/>
+                </a:solidFill>
+              </a:rPr>
+              <a:t>Peaches</a:t>
+            </a:r>
+          </a:p>
+        </p:txBody>
+      </p:sp>
+      <p:sp>
+        <p:nvSpPr>
+          <p:cNvPr id="7" name="TextBox 6"/>
+          <p:cNvSpPr txBox="1"/>
           <p:nvPr/>
         </p:nvSpPr>
         <p:spPr>
           <a:xfrm>
-            <a:off x="9147263" y="1926772"/>
-            <a:ext cx="2008417" cy="4229100"/>
+            <a:off x="4544794" y="3331409"/>
+            <a:ext cx="3264635" cy="1477328"/>
           </a:xfrm>
           <a:prstGeom prst="rect">
             <a:avLst/>
@@ -9824,83 +12571,210 @@
         </p:spPr>
         <p:style>
           <a:lnRef idx="2">
-            <a:schemeClr val="accent1">
-              <a:shade val="50000"/>
-            </a:schemeClr>
+            <a:schemeClr val="dk1"/>
           </a:lnRef>
           <a:fillRef idx="1">
-            <a:schemeClr val="accent1"/>
+            <a:schemeClr val="lt1"/>
           </a:fillRef>
           <a:effectRef idx="0">
-            <a:schemeClr val="accent1"/>
+            <a:schemeClr val="dk1"/>
           </a:effectRef>
           <a:fontRef idx="minor">
-            <a:schemeClr val="lt1"/>
+            <a:schemeClr val="dk1"/>
           </a:fontRef>
         </p:style>
         <p:txBody>
-          <a:bodyPr rtlCol="0" anchor="ctr"/>
-          <a:lstStyle/>
-          <a:p>
-            <a:pPr algn="ctr"/>
+          <a:bodyPr wrap="square" rtlCol="0">
+            <a:spAutoFit/>
+          </a:bodyPr>
+          <a:lstStyle/>
+          <a:p>
+            <a:r>
+              <a:rPr lang="en-US" dirty="0" smtClean="0"/>
+              <a:t>Apples</a:t>
+            </a:r>
+          </a:p>
+          <a:p>
+            <a:r>
+              <a:rPr lang="en-US" dirty="0" smtClean="0"/>
+              <a:t>Oranges</a:t>
+            </a:r>
+          </a:p>
+          <a:p>
+            <a:r>
+              <a:rPr lang="en-US" dirty="0" smtClean="0"/>
+              <a:t>Grapes</a:t>
+            </a:r>
+          </a:p>
+          <a:p>
+            <a:r>
+              <a:rPr lang="en-US" dirty="0" smtClean="0"/>
+              <a:t>Pears</a:t>
+            </a:r>
+          </a:p>
+          <a:p>
             <a:r>
               <a:rPr lang="en-US" dirty="0" smtClean="0">
                 <a:solidFill>
                   <a:schemeClr val="tx1"/>
                 </a:solidFill>
               </a:rPr>
-              <a:t>Local</a:t>
-            </a:r>
-          </a:p>
-          <a:p>
-            <a:pPr algn="ctr"/>
+              <a:t>Peaches</a:t>
+            </a:r>
+          </a:p>
+        </p:txBody>
+      </p:sp>
+      <p:sp>
+        <p:nvSpPr>
+          <p:cNvPr id="8" name="TextBox 7"/>
+          <p:cNvSpPr txBox="1"/>
+          <p:nvPr/>
+        </p:nvSpPr>
+        <p:spPr>
+          <a:xfrm>
+            <a:off x="6227743" y="3931573"/>
+            <a:ext cx="3264635" cy="1477328"/>
+          </a:xfrm>
+          <a:prstGeom prst="rect">
+            <a:avLst/>
+          </a:prstGeom>
+          <a:solidFill>
+            <a:schemeClr val="accent1">
+              <a:lumMod val="40000"/>
+              <a:lumOff val="60000"/>
+            </a:schemeClr>
+          </a:solidFill>
+          <a:ln>
+            <a:prstDash val="sysDot"/>
+          </a:ln>
+        </p:spPr>
+        <p:style>
+          <a:lnRef idx="2">
+            <a:schemeClr val="dk1"/>
+          </a:lnRef>
+          <a:fillRef idx="1">
+            <a:schemeClr val="lt1"/>
+          </a:fillRef>
+          <a:effectRef idx="0">
+            <a:schemeClr val="dk1"/>
+          </a:effectRef>
+          <a:fontRef idx="minor">
+            <a:schemeClr val="dk1"/>
+          </a:fontRef>
+        </p:style>
+        <p:txBody>
+          <a:bodyPr wrap="square" rtlCol="0">
+            <a:spAutoFit/>
+          </a:bodyPr>
+          <a:lstStyle/>
+          <a:p>
+            <a:r>
+              <a:rPr lang="en-US" dirty="0" smtClean="0"/>
+              <a:t>Apples</a:t>
+            </a:r>
+          </a:p>
+          <a:p>
+            <a:r>
+              <a:rPr lang="en-US" dirty="0" smtClean="0"/>
+              <a:t>Oranges</a:t>
+            </a:r>
+          </a:p>
+          <a:p>
             <a:r>
               <a:rPr lang="en-US" dirty="0" smtClean="0">
                 <a:solidFill>
+                  <a:srgbClr val="FF0000"/>
+                </a:solidFill>
+              </a:rPr>
+              <a:t>Grapes</a:t>
+            </a:r>
+          </a:p>
+          <a:p>
+            <a:r>
+              <a:rPr lang="en-US" dirty="0" smtClean="0"/>
+              <a:t>Pears</a:t>
+            </a:r>
+          </a:p>
+          <a:p>
+            <a:r>
+              <a:rPr lang="en-US" dirty="0" smtClean="0">
+                <a:solidFill>
                   <a:schemeClr val="tx1"/>
                 </a:solidFill>
               </a:rPr>
-              <a:t>Repository</a:t>
-            </a:r>
-          </a:p>
-          <a:p>
-            <a:pPr algn="ctr"/>
+              <a:t>Peaches</a:t>
+            </a:r>
+          </a:p>
+        </p:txBody>
+      </p:sp>
+      <p:sp>
+        <p:nvSpPr>
+          <p:cNvPr id="9" name="TextBox 8"/>
+          <p:cNvSpPr txBox="1"/>
+          <p:nvPr/>
+        </p:nvSpPr>
+        <p:spPr>
+          <a:xfrm>
+            <a:off x="7910692" y="4531737"/>
+            <a:ext cx="3264635" cy="1200329"/>
+          </a:xfrm>
+          <a:prstGeom prst="rect">
+            <a:avLst/>
+          </a:prstGeom>
+        </p:spPr>
+        <p:style>
+          <a:lnRef idx="2">
+            <a:schemeClr val="dk1"/>
+          </a:lnRef>
+          <a:fillRef idx="1">
+            <a:schemeClr val="lt1"/>
+          </a:fillRef>
+          <a:effectRef idx="0">
+            <a:schemeClr val="dk1"/>
+          </a:effectRef>
+          <a:fontRef idx="minor">
+            <a:schemeClr val="dk1"/>
+          </a:fontRef>
+        </p:style>
+        <p:txBody>
+          <a:bodyPr wrap="square" rtlCol="0">
+            <a:spAutoFit/>
+          </a:bodyPr>
+          <a:lstStyle/>
+          <a:p>
+            <a:r>
+              <a:rPr lang="en-US" dirty="0" smtClean="0"/>
+              <a:t>Apples</a:t>
+            </a:r>
+          </a:p>
+          <a:p>
+            <a:r>
+              <a:rPr lang="en-US" dirty="0" smtClean="0"/>
+              <a:t>Oranges</a:t>
+            </a:r>
+          </a:p>
+          <a:p>
+            <a:r>
+              <a:rPr lang="en-US" dirty="0" smtClean="0"/>
+              <a:t>Pears</a:t>
+            </a:r>
+          </a:p>
+          <a:p>
             <a:r>
               <a:rPr lang="en-US" dirty="0" smtClean="0">
                 <a:solidFill>
                   <a:schemeClr val="tx1"/>
                 </a:solidFill>
               </a:rPr>
-              <a:t>(.</a:t>
-            </a:r>
-            <a:r>
-              <a:rPr lang="en-US" dirty="0" err="1" smtClean="0">
-                <a:solidFill>
-                  <a:schemeClr val="tx1"/>
-                </a:solidFill>
-              </a:rPr>
-              <a:t>git</a:t>
-            </a:r>
-            <a:r>
-              <a:rPr lang="en-US" dirty="0" smtClean="0">
-                <a:solidFill>
-                  <a:schemeClr val="tx1"/>
-                </a:solidFill>
-              </a:rPr>
-              <a:t> folder)</a:t>
-            </a:r>
-            <a:endParaRPr lang="en-US" dirty="0">
-              <a:solidFill>
-                <a:schemeClr val="tx1"/>
-              </a:solidFill>
-            </a:endParaRPr>
+              <a:t>Peaches</a:t>
+            </a:r>
           </a:p>
         </p:txBody>
       </p:sp>
     </p:spTree>
     <p:extLst>
       <p:ext uri="{BB962C8B-B14F-4D97-AF65-F5344CB8AC3E}">
-        <p14:creationId xmlns:p14="http://schemas.microsoft.com/office/powerpoint/2010/main" val="1900268622"/>
+        <p14:creationId xmlns:p14="http://schemas.microsoft.com/office/powerpoint/2010/main" val="4054679630"/>
       </p:ext>
     </p:extLst>
   </p:cSld>
@@ -9951,7 +12825,7 @@
           <a:p>
             <a:r>
               <a:rPr lang="en-US" dirty="0" smtClean="0"/>
-              <a:t>Checking Out to Disk</a:t>
+              <a:t>Anatomy of a Repository</a:t>
             </a:r>
             <a:endParaRPr lang="en-US" dirty="0"/>
           </a:p>
@@ -10188,62 +13062,10 @@
           </a:p>
         </p:txBody>
       </p:sp>
-      <p:sp>
-        <p:nvSpPr>
-          <p:cNvPr id="3" name="Left Arrow 2"/>
-          <p:cNvSpPr/>
-          <p:nvPr/>
-        </p:nvSpPr>
-        <p:spPr>
-          <a:xfrm>
-            <a:off x="3105696" y="2405743"/>
-            <a:ext cx="6041567" cy="821871"/>
-          </a:xfrm>
-          <a:prstGeom prst="leftArrow">
-            <a:avLst/>
-          </a:prstGeom>
-        </p:spPr>
-        <p:style>
-          <a:lnRef idx="2">
-            <a:schemeClr val="dk1">
-              <a:shade val="50000"/>
-            </a:schemeClr>
-          </a:lnRef>
-          <a:fillRef idx="1">
-            <a:schemeClr val="dk1"/>
-          </a:fillRef>
-          <a:effectRef idx="0">
-            <a:schemeClr val="dk1"/>
-          </a:effectRef>
-          <a:fontRef idx="minor">
-            <a:schemeClr val="lt1"/>
-          </a:fontRef>
-        </p:style>
-        <p:txBody>
-          <a:bodyPr rtlCol="0" anchor="ctr"/>
-          <a:lstStyle/>
-          <a:p>
-            <a:pPr algn="ctr"/>
-            <a:r>
-              <a:rPr lang="en-US" dirty="0" smtClean="0">
-                <a:solidFill>
-                  <a:schemeClr val="bg1"/>
-                </a:solidFill>
-              </a:rPr>
-              <a:t>Checkout</a:t>
-            </a:r>
-            <a:endParaRPr lang="en-US" dirty="0">
-              <a:solidFill>
-                <a:schemeClr val="bg1"/>
-              </a:solidFill>
-            </a:endParaRPr>
-          </a:p>
-        </p:txBody>
-      </p:sp>
     </p:spTree>
     <p:extLst>
       <p:ext uri="{BB962C8B-B14F-4D97-AF65-F5344CB8AC3E}">
-        <p14:creationId xmlns:p14="http://schemas.microsoft.com/office/powerpoint/2010/main" val="2929769478"/>
+        <p14:creationId xmlns:p14="http://schemas.microsoft.com/office/powerpoint/2010/main" val="1900268622"/>
       </p:ext>
     </p:extLst>
   </p:cSld>
@@ -10294,7 +13116,7 @@
           <a:p>
             <a:r>
               <a:rPr lang="en-US" dirty="0" smtClean="0"/>
-              <a:t>Staging Changes</a:t>
+              <a:t>Checking Out to Disk</a:t>
             </a:r>
             <a:endParaRPr lang="en-US" dirty="0"/>
           </a:p>
@@ -10575,58 +13397,6 @@
               </a:rPr>
               <a:t>Checkout</a:t>
             </a:r>
-            <a:endParaRPr lang="en-US" sz="1600" dirty="0">
-              <a:solidFill>
-                <a:schemeClr val="bg1"/>
-              </a:solidFill>
-            </a:endParaRPr>
-          </a:p>
-        </p:txBody>
-      </p:sp>
-      <p:sp>
-        <p:nvSpPr>
-          <p:cNvPr id="5" name="Right Arrow 4"/>
-          <p:cNvSpPr/>
-          <p:nvPr/>
-        </p:nvSpPr>
-        <p:spPr>
-          <a:xfrm>
-            <a:off x="3105696" y="4867170"/>
-            <a:ext cx="2016575" cy="821871"/>
-          </a:xfrm>
-          <a:prstGeom prst="rightArrow">
-            <a:avLst/>
-          </a:prstGeom>
-        </p:spPr>
-        <p:style>
-          <a:lnRef idx="2">
-            <a:schemeClr val="dk1">
-              <a:shade val="50000"/>
-            </a:schemeClr>
-          </a:lnRef>
-          <a:fillRef idx="1">
-            <a:schemeClr val="dk1"/>
-          </a:fillRef>
-          <a:effectRef idx="0">
-            <a:schemeClr val="dk1"/>
-          </a:effectRef>
-          <a:fontRef idx="minor">
-            <a:schemeClr val="lt1"/>
-          </a:fontRef>
-        </p:style>
-        <p:txBody>
-          <a:bodyPr rtlCol="0" anchor="ctr"/>
-          <a:lstStyle/>
-          <a:p>
-            <a:pPr algn="ctr"/>
-            <a:r>
-              <a:rPr lang="en-US" dirty="0" smtClean="0">
-                <a:solidFill>
-                  <a:schemeClr val="bg1"/>
-                </a:solidFill>
-              </a:rPr>
-              <a:t>Stage</a:t>
-            </a:r>
             <a:endParaRPr lang="en-US" dirty="0">
               <a:solidFill>
                 <a:schemeClr val="bg1"/>
@@ -10638,7 +13408,7 @@
     </p:spTree>
     <p:extLst>
       <p:ext uri="{BB962C8B-B14F-4D97-AF65-F5344CB8AC3E}">
-        <p14:creationId xmlns:p14="http://schemas.microsoft.com/office/powerpoint/2010/main" val="1033954669"/>
+        <p14:creationId xmlns:p14="http://schemas.microsoft.com/office/powerpoint/2010/main" val="2929769478"/>
       </p:ext>
     </p:extLst>
   </p:cSld>
@@ -10689,7 +13459,7 @@
           <a:p>
             <a:r>
               <a:rPr lang="en-US" dirty="0" smtClean="0"/>
-              <a:t>Committing Changes to Repository</a:t>
+              <a:t>Staging Changes</a:t>
             </a:r>
             <a:endParaRPr lang="en-US" dirty="0"/>
           </a:p>
@@ -10970,7 +13740,7 @@
               </a:rPr>
               <a:t>Checkout</a:t>
             </a:r>
-            <a:endParaRPr lang="en-US" dirty="0">
+            <a:endParaRPr lang="en-US" sz="1600" dirty="0">
               <a:solidFill>
                 <a:schemeClr val="bg1"/>
               </a:solidFill>
@@ -11030,62 +13800,10 @@
           </a:p>
         </p:txBody>
       </p:sp>
-      <p:sp>
-        <p:nvSpPr>
-          <p:cNvPr id="11" name="Right Arrow 10"/>
-          <p:cNvSpPr/>
-          <p:nvPr/>
-        </p:nvSpPr>
-        <p:spPr>
-          <a:xfrm>
-            <a:off x="7130688" y="4867171"/>
-            <a:ext cx="2016575" cy="821871"/>
-          </a:xfrm>
-          <a:prstGeom prst="rightArrow">
-            <a:avLst/>
-          </a:prstGeom>
-        </p:spPr>
-        <p:style>
-          <a:lnRef idx="2">
-            <a:schemeClr val="dk1">
-              <a:shade val="50000"/>
-            </a:schemeClr>
-          </a:lnRef>
-          <a:fillRef idx="1">
-            <a:schemeClr val="dk1"/>
-          </a:fillRef>
-          <a:effectRef idx="0">
-            <a:schemeClr val="dk1"/>
-          </a:effectRef>
-          <a:fontRef idx="minor">
-            <a:schemeClr val="lt1"/>
-          </a:fontRef>
-        </p:style>
-        <p:txBody>
-          <a:bodyPr rtlCol="0" anchor="ctr"/>
-          <a:lstStyle/>
-          <a:p>
-            <a:pPr algn="ctr"/>
-            <a:r>
-              <a:rPr lang="en-US" dirty="0" smtClean="0">
-                <a:solidFill>
-                  <a:schemeClr val="bg1"/>
-                </a:solidFill>
-              </a:rPr>
-              <a:t>Commit</a:t>
-            </a:r>
-            <a:endParaRPr lang="en-US" dirty="0">
-              <a:solidFill>
-                <a:schemeClr val="bg1"/>
-              </a:solidFill>
-            </a:endParaRPr>
-          </a:p>
-        </p:txBody>
-      </p:sp>
     </p:spTree>
     <p:extLst>
       <p:ext uri="{BB962C8B-B14F-4D97-AF65-F5344CB8AC3E}">
-        <p14:creationId xmlns:p14="http://schemas.microsoft.com/office/powerpoint/2010/main" val="3488157169"/>
+        <p14:creationId xmlns:p14="http://schemas.microsoft.com/office/powerpoint/2010/main" val="1033954669"/>
       </p:ext>
     </p:extLst>
   </p:cSld>
